--- a/Presentation_PL_JGorse.pptx
+++ b/Presentation_PL_JGorse.pptx
@@ -1,12 +1,27 @@
 
 <file path=ppt/presentation.xml><?xml version="1.0" encoding="utf-8"?>
-<p:presentation xmlns:a="http://schemas.openxmlformats.org/drawingml/2006/main" xmlns:r="http://schemas.openxmlformats.org/officeDocument/2006/relationships" xmlns:p="http://schemas.openxmlformats.org/presentationml/2006/main" saveSubsetFonts="1" autoCompressPictures="0">
+<p:presentation xmlns:a="http://schemas.openxmlformats.org/drawingml/2006/main" xmlns:r="http://schemas.openxmlformats.org/officeDocument/2006/relationships" xmlns:p="http://schemas.openxmlformats.org/presentationml/2006/main" showSpecialPlsOnTitleSld="0" saveSubsetFonts="1" autoCompressPictures="0">
   <p:sldMasterIdLst>
     <p:sldMasterId id="2147483648" r:id="rId1"/>
   </p:sldMasterIdLst>
+  <p:notesMasterIdLst>
+    <p:notesMasterId r:id="rId16"/>
+  </p:notesMasterIdLst>
   <p:sldIdLst>
-    <p:sldId id="256" r:id="rId2"/>
-    <p:sldId id="257" r:id="rId3"/>
+    <p:sldId id="258" r:id="rId2"/>
+    <p:sldId id="259" r:id="rId3"/>
+    <p:sldId id="261" r:id="rId4"/>
+    <p:sldId id="260" r:id="rId5"/>
+    <p:sldId id="263" r:id="rId6"/>
+    <p:sldId id="262" r:id="rId7"/>
+    <p:sldId id="257" r:id="rId8"/>
+    <p:sldId id="264" r:id="rId9"/>
+    <p:sldId id="265" r:id="rId10"/>
+    <p:sldId id="269" r:id="rId11"/>
+    <p:sldId id="268" r:id="rId12"/>
+    <p:sldId id="266" r:id="rId13"/>
+    <p:sldId id="267" r:id="rId14"/>
+    <p:sldId id="270" r:id="rId15"/>
   </p:sldIdLst>
   <p:sldSz cx="12192000" cy="6858000"/>
   <p:notesSz cx="6858000" cy="9144000"/>
@@ -113,6 +128,2474 @@
 </p:presentation>
 </file>
 
+<file path=ppt/charts/chart1.xml><?xml version="1.0" encoding="utf-8"?>
+<c:chartSpace xmlns:c="http://schemas.openxmlformats.org/drawingml/2006/chart" xmlns:a="http://schemas.openxmlformats.org/drawingml/2006/main" xmlns:r="http://schemas.openxmlformats.org/officeDocument/2006/relationships" xmlns:c16r2="http://schemas.microsoft.com/office/drawing/2015/06/chart">
+  <c:date1904 val="0"/>
+  <c:lang val="fr-FR"/>
+  <c:roundedCorners val="0"/>
+  <mc:AlternateContent xmlns:mc="http://schemas.openxmlformats.org/markup-compatibility/2006">
+    <mc:Choice xmlns:c14="http://schemas.microsoft.com/office/drawing/2007/8/2/chart" Requires="c14">
+      <c14:style val="102"/>
+    </mc:Choice>
+    <mc:Fallback>
+      <c:style val="2"/>
+    </mc:Fallback>
+  </mc:AlternateContent>
+  <c:chart>
+    <c:title>
+      <c:tx>
+        <c:rich>
+          <a:bodyPr rot="0" spcFirstLastPara="1" vertOverflow="ellipsis" vert="horz" wrap="square" anchor="ctr" anchorCtr="1"/>
+          <a:lstStyle/>
+          <a:p>
+            <a:pPr>
+              <a:defRPr sz="1800" b="1" i="0" u="none" strike="noStrike" kern="1200" baseline="0">
+                <a:solidFill>
+                  <a:schemeClr val="dk1">
+                    <a:lumMod val="75000"/>
+                    <a:lumOff val="25000"/>
+                  </a:schemeClr>
+                </a:solidFill>
+                <a:latin typeface="+mn-lt"/>
+                <a:ea typeface="+mn-ea"/>
+                <a:cs typeface="+mn-cs"/>
+              </a:defRPr>
+            </a:pPr>
+            <a:r>
+              <a:rPr lang="fr-FR" dirty="0"/>
+              <a:t>Proportion of </a:t>
+            </a:r>
+            <a:r>
+              <a:rPr lang="fr-FR" dirty="0" err="1"/>
+              <a:t>fsATI</a:t>
+            </a:r>
+            <a:r>
+              <a:rPr lang="fr-FR" dirty="0"/>
+              <a:t> </a:t>
+            </a:r>
+            <a:r>
+              <a:rPr lang="fr-FR" dirty="0" err="1"/>
+              <a:t>among</a:t>
+            </a:r>
+            <a:r>
+              <a:rPr lang="fr-FR" dirty="0"/>
+              <a:t> </a:t>
+            </a:r>
+            <a:r>
+              <a:rPr lang="fr-FR" dirty="0" err="1"/>
+              <a:t>ORFs</a:t>
+            </a:r>
+            <a:endParaRPr lang="fr-FR" dirty="0"/>
+          </a:p>
+        </c:rich>
+      </c:tx>
+      <c:overlay val="0"/>
+      <c:spPr>
+        <a:noFill/>
+        <a:ln>
+          <a:noFill/>
+        </a:ln>
+        <a:effectLst/>
+      </c:spPr>
+      <c:txPr>
+        <a:bodyPr rot="0" spcFirstLastPara="1" vertOverflow="ellipsis" vert="horz" wrap="square" anchor="ctr" anchorCtr="1"/>
+        <a:lstStyle/>
+        <a:p>
+          <a:pPr>
+            <a:defRPr sz="1800" b="1" i="0" u="none" strike="noStrike" kern="1200" baseline="0">
+              <a:solidFill>
+                <a:schemeClr val="dk1">
+                  <a:lumMod val="75000"/>
+                  <a:lumOff val="25000"/>
+                </a:schemeClr>
+              </a:solidFill>
+              <a:latin typeface="+mn-lt"/>
+              <a:ea typeface="+mn-ea"/>
+              <a:cs typeface="+mn-cs"/>
+            </a:defRPr>
+          </a:pPr>
+          <a:endParaRPr lang="fr-FR"/>
+        </a:p>
+      </c:txPr>
+    </c:title>
+    <c:autoTitleDeleted val="0"/>
+    <c:plotArea>
+      <c:layout/>
+      <c:pieChart>
+        <c:varyColors val="1"/>
+        <c:ser>
+          <c:idx val="0"/>
+          <c:order val="0"/>
+          <c:dPt>
+            <c:idx val="0"/>
+            <c:bubble3D val="0"/>
+            <c:spPr>
+              <a:solidFill>
+                <a:schemeClr val="accent1"/>
+              </a:solidFill>
+              <a:ln>
+                <a:noFill/>
+              </a:ln>
+              <a:effectLst>
+                <a:outerShdw blurRad="254000" sx="102000" sy="102000" algn="ctr" rotWithShape="0">
+                  <a:prstClr val="black">
+                    <a:alpha val="20000"/>
+                  </a:prstClr>
+                </a:outerShdw>
+              </a:effectLst>
+            </c:spPr>
+            <c:extLst>
+              <c:ext xmlns:c16="http://schemas.microsoft.com/office/drawing/2014/chart" uri="{C3380CC4-5D6E-409C-BE32-E72D297353CC}">
+                <c16:uniqueId val="{00000001-6F90-294B-BCBA-433AED0DE084}"/>
+              </c:ext>
+            </c:extLst>
+          </c:dPt>
+          <c:dPt>
+            <c:idx val="1"/>
+            <c:bubble3D val="0"/>
+            <c:spPr>
+              <a:solidFill>
+                <a:schemeClr val="accent2"/>
+              </a:solidFill>
+              <a:ln>
+                <a:noFill/>
+              </a:ln>
+              <a:effectLst>
+                <a:outerShdw blurRad="254000" sx="102000" sy="102000" algn="ctr" rotWithShape="0">
+                  <a:prstClr val="black">
+                    <a:alpha val="20000"/>
+                  </a:prstClr>
+                </a:outerShdw>
+              </a:effectLst>
+            </c:spPr>
+            <c:extLst>
+              <c:ext xmlns:c16="http://schemas.microsoft.com/office/drawing/2014/chart" uri="{C3380CC4-5D6E-409C-BE32-E72D297353CC}">
+                <c16:uniqueId val="{00000003-6F90-294B-BCBA-433AED0DE084}"/>
+              </c:ext>
+            </c:extLst>
+          </c:dPt>
+          <c:dPt>
+            <c:idx val="2"/>
+            <c:bubble3D val="0"/>
+            <c:spPr>
+              <a:solidFill>
+                <a:schemeClr val="accent3"/>
+              </a:solidFill>
+              <a:ln>
+                <a:noFill/>
+              </a:ln>
+              <a:effectLst>
+                <a:outerShdw blurRad="254000" sx="102000" sy="102000" algn="ctr" rotWithShape="0">
+                  <a:prstClr val="black">
+                    <a:alpha val="20000"/>
+                  </a:prstClr>
+                </a:outerShdw>
+              </a:effectLst>
+            </c:spPr>
+            <c:extLst>
+              <c:ext xmlns:c16="http://schemas.microsoft.com/office/drawing/2014/chart" uri="{C3380CC4-5D6E-409C-BE32-E72D297353CC}">
+                <c16:uniqueId val="{00000005-6F90-294B-BCBA-433AED0DE084}"/>
+              </c:ext>
+            </c:extLst>
+          </c:dPt>
+          <c:dLbls>
+            <c:spPr>
+              <a:pattFill prst="pct75">
+                <a:fgClr>
+                  <a:schemeClr val="dk1">
+                    <a:lumMod val="75000"/>
+                    <a:lumOff val="25000"/>
+                  </a:schemeClr>
+                </a:fgClr>
+                <a:bgClr>
+                  <a:schemeClr val="dk1">
+                    <a:lumMod val="65000"/>
+                    <a:lumOff val="35000"/>
+                  </a:schemeClr>
+                </a:bgClr>
+              </a:pattFill>
+              <a:ln>
+                <a:noFill/>
+              </a:ln>
+              <a:effectLst>
+                <a:outerShdw blurRad="50800" dist="38100" dir="2700000" algn="tl" rotWithShape="0">
+                  <a:prstClr val="black">
+                    <a:alpha val="40000"/>
+                  </a:prstClr>
+                </a:outerShdw>
+              </a:effectLst>
+            </c:spPr>
+            <c:txPr>
+              <a:bodyPr rot="0" spcFirstLastPara="1" vertOverflow="ellipsis" vert="horz" wrap="square" lIns="38100" tIns="19050" rIns="38100" bIns="19050" anchor="ctr" anchorCtr="1">
+                <a:spAutoFit/>
+              </a:bodyPr>
+              <a:lstStyle/>
+              <a:p>
+                <a:pPr>
+                  <a:defRPr sz="1000" b="1" i="0" u="none" strike="noStrike" kern="1200" baseline="0">
+                    <a:solidFill>
+                      <a:schemeClr val="lt1"/>
+                    </a:solidFill>
+                    <a:latin typeface="+mn-lt"/>
+                    <a:ea typeface="+mn-ea"/>
+                    <a:cs typeface="+mn-cs"/>
+                  </a:defRPr>
+                </a:pPr>
+                <a:endParaRPr lang="fr-FR"/>
+              </a:p>
+            </c:txPr>
+            <c:dLblPos val="ctr"/>
+            <c:showLegendKey val="0"/>
+            <c:showVal val="0"/>
+            <c:showCatName val="0"/>
+            <c:showSerName val="0"/>
+            <c:showPercent val="1"/>
+            <c:showBubbleSize val="0"/>
+            <c:showLeaderLines val="1"/>
+            <c:leaderLines>
+              <c:spPr>
+                <a:ln w="9525">
+                  <a:solidFill>
+                    <a:schemeClr val="dk1">
+                      <a:lumMod val="50000"/>
+                      <a:lumOff val="50000"/>
+                    </a:schemeClr>
+                  </a:solidFill>
+                </a:ln>
+                <a:effectLst/>
+              </c:spPr>
+            </c:leaderLines>
+            <c:extLst>
+              <c:ext xmlns:c15="http://schemas.microsoft.com/office/drawing/2012/chart" uri="{CE6537A1-D6FC-4f65-9D91-7224C49458BB}"/>
+            </c:extLst>
+          </c:dLbls>
+          <c:cat>
+            <c:strRef>
+              <c:f>ORF!$D$296:$D$298</c:f>
+              <c:strCache>
+                <c:ptCount val="3"/>
+                <c:pt idx="0">
+                  <c:v>ORF</c:v>
+                </c:pt>
+                <c:pt idx="1">
+                  <c:v>fsATI potentielles</c:v>
+                </c:pt>
+                <c:pt idx="2">
+                  <c:v>fsATI validés</c:v>
+                </c:pt>
+              </c:strCache>
+            </c:strRef>
+          </c:cat>
+          <c:val>
+            <c:numRef>
+              <c:f>ORF!$E$296:$E$298</c:f>
+              <c:numCache>
+                <c:formatCode>General</c:formatCode>
+                <c:ptCount val="3"/>
+                <c:pt idx="0">
+                  <c:v>413</c:v>
+                </c:pt>
+                <c:pt idx="1">
+                  <c:v>88</c:v>
+                </c:pt>
+                <c:pt idx="2">
+                  <c:v>6</c:v>
+                </c:pt>
+              </c:numCache>
+            </c:numRef>
+          </c:val>
+          <c:extLst>
+            <c:ext xmlns:c16="http://schemas.microsoft.com/office/drawing/2014/chart" uri="{C3380CC4-5D6E-409C-BE32-E72D297353CC}">
+              <c16:uniqueId val="{00000006-6F90-294B-BCBA-433AED0DE084}"/>
+            </c:ext>
+          </c:extLst>
+        </c:ser>
+        <c:dLbls>
+          <c:dLblPos val="ctr"/>
+          <c:showLegendKey val="0"/>
+          <c:showVal val="0"/>
+          <c:showCatName val="0"/>
+          <c:showSerName val="0"/>
+          <c:showPercent val="1"/>
+          <c:showBubbleSize val="0"/>
+          <c:showLeaderLines val="1"/>
+        </c:dLbls>
+        <c:firstSliceAng val="0"/>
+      </c:pieChart>
+      <c:spPr>
+        <a:noFill/>
+        <a:ln>
+          <a:noFill/>
+        </a:ln>
+        <a:effectLst/>
+      </c:spPr>
+    </c:plotArea>
+    <c:legend>
+      <c:legendPos val="r"/>
+      <c:layout>
+        <c:manualLayout>
+          <c:xMode val="edge"/>
+          <c:yMode val="edge"/>
+          <c:x val="0.74877252843394571"/>
+          <c:y val="0.29247594050743664"/>
+          <c:w val="0.22067191601049868"/>
+          <c:h val="0.40104330708661418"/>
+        </c:manualLayout>
+      </c:layout>
+      <c:overlay val="0"/>
+      <c:spPr>
+        <a:solidFill>
+          <a:schemeClr val="lt1">
+            <a:lumMod val="95000"/>
+            <a:alpha val="39000"/>
+          </a:schemeClr>
+        </a:solidFill>
+        <a:ln>
+          <a:noFill/>
+        </a:ln>
+        <a:effectLst/>
+      </c:spPr>
+      <c:txPr>
+        <a:bodyPr rot="0" spcFirstLastPara="1" vertOverflow="ellipsis" vert="horz" wrap="square" anchor="ctr" anchorCtr="1"/>
+        <a:lstStyle/>
+        <a:p>
+          <a:pPr>
+            <a:defRPr sz="900" b="0" i="0" u="none" strike="noStrike" kern="1200" baseline="0">
+              <a:solidFill>
+                <a:schemeClr val="dk1">
+                  <a:lumMod val="75000"/>
+                  <a:lumOff val="25000"/>
+                </a:schemeClr>
+              </a:solidFill>
+              <a:latin typeface="+mn-lt"/>
+              <a:ea typeface="+mn-ea"/>
+              <a:cs typeface="+mn-cs"/>
+            </a:defRPr>
+          </a:pPr>
+          <a:endParaRPr lang="fr-FR"/>
+        </a:p>
+      </c:txPr>
+    </c:legend>
+    <c:plotVisOnly val="1"/>
+    <c:dispBlanksAs val="gap"/>
+    <c:extLst>
+      <c:ext xmlns:c16r3="http://schemas.microsoft.com/office/drawing/2017/03/chart" uri="{56B9EC1D-385E-4148-901F-78D8002777C0}">
+        <c16r3:dataDisplayOptions16>
+          <c16r3:dispNaAsBlank val="1"/>
+        </c16r3:dataDisplayOptions16>
+      </c:ext>
+    </c:extLst>
+    <c:showDLblsOverMax val="0"/>
+  </c:chart>
+  <c:spPr>
+    <a:gradFill flip="none" rotWithShape="1">
+      <a:gsLst>
+        <a:gs pos="0">
+          <a:schemeClr val="lt1"/>
+        </a:gs>
+        <a:gs pos="39000">
+          <a:schemeClr val="lt1"/>
+        </a:gs>
+        <a:gs pos="100000">
+          <a:schemeClr val="lt1">
+            <a:lumMod val="75000"/>
+          </a:schemeClr>
+        </a:gs>
+      </a:gsLst>
+      <a:path path="circle">
+        <a:fillToRect l="50000" t="-80000" r="50000" b="180000"/>
+      </a:path>
+      <a:tileRect/>
+    </a:gradFill>
+    <a:ln w="9525" cap="flat" cmpd="sng" algn="ctr">
+      <a:solidFill>
+        <a:schemeClr val="dk1">
+          <a:lumMod val="25000"/>
+          <a:lumOff val="75000"/>
+        </a:schemeClr>
+      </a:solidFill>
+      <a:round/>
+    </a:ln>
+    <a:effectLst/>
+  </c:spPr>
+  <c:txPr>
+    <a:bodyPr/>
+    <a:lstStyle/>
+    <a:p>
+      <a:pPr>
+        <a:defRPr/>
+      </a:pPr>
+      <a:endParaRPr lang="fr-FR"/>
+    </a:p>
+  </c:txPr>
+  <c:externalData r:id="rId3">
+    <c:autoUpdate val="0"/>
+  </c:externalData>
+</c:chartSpace>
+</file>
+
+<file path=ppt/charts/chart2.xml><?xml version="1.0" encoding="utf-8"?>
+<c:chartSpace xmlns:c="http://schemas.openxmlformats.org/drawingml/2006/chart" xmlns:a="http://schemas.openxmlformats.org/drawingml/2006/main" xmlns:r="http://schemas.openxmlformats.org/officeDocument/2006/relationships" xmlns:c16r2="http://schemas.microsoft.com/office/drawing/2015/06/chart">
+  <c:date1904 val="0"/>
+  <c:lang val="fr-FR"/>
+  <c:roundedCorners val="0"/>
+  <mc:AlternateContent xmlns:mc="http://schemas.openxmlformats.org/markup-compatibility/2006">
+    <mc:Choice xmlns:c14="http://schemas.microsoft.com/office/drawing/2007/8/2/chart" Requires="c14">
+      <c14:style val="102"/>
+    </mc:Choice>
+    <mc:Fallback>
+      <c:style val="2"/>
+    </mc:Fallback>
+  </mc:AlternateContent>
+  <c:chart>
+    <c:title>
+      <c:tx>
+        <c:rich>
+          <a:bodyPr rot="0" spcFirstLastPara="1" vertOverflow="ellipsis" vert="horz" wrap="square" anchor="ctr" anchorCtr="1"/>
+          <a:lstStyle/>
+          <a:p>
+            <a:pPr>
+              <a:defRPr sz="1800" b="1" i="0" u="none" strike="noStrike" kern="1200" baseline="0">
+                <a:solidFill>
+                  <a:schemeClr val="dk1">
+                    <a:lumMod val="75000"/>
+                    <a:lumOff val="25000"/>
+                  </a:schemeClr>
+                </a:solidFill>
+                <a:latin typeface="+mn-lt"/>
+                <a:ea typeface="+mn-ea"/>
+                <a:cs typeface="+mn-cs"/>
+              </a:defRPr>
+            </a:pPr>
+            <a:r>
+              <a:rPr lang="fr-FR" dirty="0"/>
+              <a:t>Distribution of scores</a:t>
+            </a:r>
+          </a:p>
+          <a:p>
+            <a:pPr>
+              <a:defRPr/>
+            </a:pPr>
+            <a:r>
+              <a:rPr lang="fr-FR" dirty="0"/>
+              <a:t>  </a:t>
+            </a:r>
+            <a:r>
+              <a:rPr lang="fr-FR" dirty="0" err="1"/>
+              <a:t>Kosak</a:t>
+            </a:r>
+            <a:r>
+              <a:rPr lang="fr-FR" baseline="0" dirty="0"/>
+              <a:t> of </a:t>
+            </a:r>
+            <a:r>
+              <a:rPr lang="fr-FR" dirty="0" err="1"/>
+              <a:t>strength</a:t>
+            </a:r>
+            <a:endParaRPr lang="fr-FR" dirty="0"/>
+          </a:p>
+        </c:rich>
+      </c:tx>
+      <c:overlay val="0"/>
+      <c:spPr>
+        <a:noFill/>
+        <a:ln>
+          <a:noFill/>
+        </a:ln>
+        <a:effectLst/>
+      </c:spPr>
+      <c:txPr>
+        <a:bodyPr rot="0" spcFirstLastPara="1" vertOverflow="ellipsis" vert="horz" wrap="square" anchor="ctr" anchorCtr="1"/>
+        <a:lstStyle/>
+        <a:p>
+          <a:pPr>
+            <a:defRPr sz="1800" b="1" i="0" u="none" strike="noStrike" kern="1200" baseline="0">
+              <a:solidFill>
+                <a:schemeClr val="dk1">
+                  <a:lumMod val="75000"/>
+                  <a:lumOff val="25000"/>
+                </a:schemeClr>
+              </a:solidFill>
+              <a:latin typeface="+mn-lt"/>
+              <a:ea typeface="+mn-ea"/>
+              <a:cs typeface="+mn-cs"/>
+            </a:defRPr>
+          </a:pPr>
+          <a:endParaRPr lang="fr-FR"/>
+        </a:p>
+      </c:txPr>
+    </c:title>
+    <c:autoTitleDeleted val="0"/>
+    <c:plotArea>
+      <c:layout/>
+      <c:pieChart>
+        <c:varyColors val="1"/>
+        <c:ser>
+          <c:idx val="0"/>
+          <c:order val="0"/>
+          <c:dPt>
+            <c:idx val="0"/>
+            <c:bubble3D val="0"/>
+            <c:spPr>
+              <a:solidFill>
+                <a:schemeClr val="accent1"/>
+              </a:solidFill>
+              <a:ln>
+                <a:noFill/>
+              </a:ln>
+              <a:effectLst>
+                <a:outerShdw blurRad="254000" sx="102000" sy="102000" algn="ctr" rotWithShape="0">
+                  <a:prstClr val="black">
+                    <a:alpha val="20000"/>
+                  </a:prstClr>
+                </a:outerShdw>
+              </a:effectLst>
+            </c:spPr>
+            <c:extLst>
+              <c:ext xmlns:c16="http://schemas.microsoft.com/office/drawing/2014/chart" uri="{C3380CC4-5D6E-409C-BE32-E72D297353CC}">
+                <c16:uniqueId val="{00000001-3F6D-C645-A346-B9E6EEFFE478}"/>
+              </c:ext>
+            </c:extLst>
+          </c:dPt>
+          <c:dPt>
+            <c:idx val="1"/>
+            <c:bubble3D val="0"/>
+            <c:spPr>
+              <a:solidFill>
+                <a:schemeClr val="accent2"/>
+              </a:solidFill>
+              <a:ln>
+                <a:noFill/>
+              </a:ln>
+              <a:effectLst>
+                <a:outerShdw blurRad="254000" sx="102000" sy="102000" algn="ctr" rotWithShape="0">
+                  <a:prstClr val="black">
+                    <a:alpha val="20000"/>
+                  </a:prstClr>
+                </a:outerShdw>
+              </a:effectLst>
+            </c:spPr>
+            <c:extLst>
+              <c:ext xmlns:c16="http://schemas.microsoft.com/office/drawing/2014/chart" uri="{C3380CC4-5D6E-409C-BE32-E72D297353CC}">
+                <c16:uniqueId val="{00000003-3F6D-C645-A346-B9E6EEFFE478}"/>
+              </c:ext>
+            </c:extLst>
+          </c:dPt>
+          <c:dPt>
+            <c:idx val="2"/>
+            <c:bubble3D val="0"/>
+            <c:spPr>
+              <a:solidFill>
+                <a:schemeClr val="accent3"/>
+              </a:solidFill>
+              <a:ln>
+                <a:noFill/>
+              </a:ln>
+              <a:effectLst>
+                <a:outerShdw blurRad="254000" sx="102000" sy="102000" algn="ctr" rotWithShape="0">
+                  <a:prstClr val="black">
+                    <a:alpha val="20000"/>
+                  </a:prstClr>
+                </a:outerShdw>
+              </a:effectLst>
+            </c:spPr>
+            <c:extLst>
+              <c:ext xmlns:c16="http://schemas.microsoft.com/office/drawing/2014/chart" uri="{C3380CC4-5D6E-409C-BE32-E72D297353CC}">
+                <c16:uniqueId val="{00000005-3F6D-C645-A346-B9E6EEFFE478}"/>
+              </c:ext>
+            </c:extLst>
+          </c:dPt>
+          <c:dPt>
+            <c:idx val="3"/>
+            <c:bubble3D val="0"/>
+            <c:spPr>
+              <a:solidFill>
+                <a:schemeClr val="accent4"/>
+              </a:solidFill>
+              <a:ln>
+                <a:noFill/>
+              </a:ln>
+              <a:effectLst>
+                <a:outerShdw blurRad="254000" sx="102000" sy="102000" algn="ctr" rotWithShape="0">
+                  <a:prstClr val="black">
+                    <a:alpha val="20000"/>
+                  </a:prstClr>
+                </a:outerShdw>
+              </a:effectLst>
+            </c:spPr>
+            <c:extLst>
+              <c:ext xmlns:c16="http://schemas.microsoft.com/office/drawing/2014/chart" uri="{C3380CC4-5D6E-409C-BE32-E72D297353CC}">
+                <c16:uniqueId val="{00000007-3F6D-C645-A346-B9E6EEFFE478}"/>
+              </c:ext>
+            </c:extLst>
+          </c:dPt>
+          <c:dLbls>
+            <c:spPr>
+              <a:pattFill prst="pct75">
+                <a:fgClr>
+                  <a:schemeClr val="dk1">
+                    <a:lumMod val="75000"/>
+                    <a:lumOff val="25000"/>
+                  </a:schemeClr>
+                </a:fgClr>
+                <a:bgClr>
+                  <a:schemeClr val="dk1">
+                    <a:lumMod val="65000"/>
+                    <a:lumOff val="35000"/>
+                  </a:schemeClr>
+                </a:bgClr>
+              </a:pattFill>
+              <a:ln>
+                <a:noFill/>
+              </a:ln>
+              <a:effectLst>
+                <a:outerShdw blurRad="50800" dist="38100" dir="2700000" algn="tl" rotWithShape="0">
+                  <a:prstClr val="black">
+                    <a:alpha val="40000"/>
+                  </a:prstClr>
+                </a:outerShdw>
+              </a:effectLst>
+            </c:spPr>
+            <c:txPr>
+              <a:bodyPr rot="0" spcFirstLastPara="1" vertOverflow="ellipsis" vert="horz" wrap="square" lIns="38100" tIns="19050" rIns="38100" bIns="19050" anchor="ctr" anchorCtr="1">
+                <a:spAutoFit/>
+              </a:bodyPr>
+              <a:lstStyle/>
+              <a:p>
+                <a:pPr>
+                  <a:defRPr sz="1000" b="1" i="0" u="none" strike="noStrike" kern="1200" baseline="0">
+                    <a:solidFill>
+                      <a:schemeClr val="lt1"/>
+                    </a:solidFill>
+                    <a:latin typeface="+mn-lt"/>
+                    <a:ea typeface="+mn-ea"/>
+                    <a:cs typeface="+mn-cs"/>
+                  </a:defRPr>
+                </a:pPr>
+                <a:endParaRPr lang="fr-FR"/>
+              </a:p>
+            </c:txPr>
+            <c:dLblPos val="ctr"/>
+            <c:showLegendKey val="0"/>
+            <c:showVal val="0"/>
+            <c:showCatName val="0"/>
+            <c:showSerName val="0"/>
+            <c:showPercent val="1"/>
+            <c:showBubbleSize val="0"/>
+            <c:showLeaderLines val="1"/>
+            <c:leaderLines>
+              <c:spPr>
+                <a:ln w="9525">
+                  <a:solidFill>
+                    <a:schemeClr val="dk1">
+                      <a:lumMod val="50000"/>
+                      <a:lumOff val="50000"/>
+                    </a:schemeClr>
+                  </a:solidFill>
+                </a:ln>
+                <a:effectLst/>
+              </c:spPr>
+            </c:leaderLines>
+            <c:extLst>
+              <c:ext xmlns:c15="http://schemas.microsoft.com/office/drawing/2012/chart" uri="{CE6537A1-D6FC-4f65-9D91-7224C49458BB}"/>
+            </c:extLst>
+          </c:dLbls>
+          <c:cat>
+            <c:numRef>
+              <c:f>Feuil1!$B$13:$B$16</c:f>
+              <c:numCache>
+                <c:formatCode>General</c:formatCode>
+                <c:ptCount val="4"/>
+                <c:pt idx="0">
+                  <c:v>-1</c:v>
+                </c:pt>
+                <c:pt idx="1">
+                  <c:v>3</c:v>
+                </c:pt>
+                <c:pt idx="2">
+                  <c:v>2</c:v>
+                </c:pt>
+                <c:pt idx="3">
+                  <c:v>1</c:v>
+                </c:pt>
+              </c:numCache>
+            </c:numRef>
+          </c:cat>
+          <c:val>
+            <c:numRef>
+              <c:f>Feuil1!$C$13:$C$16</c:f>
+              <c:numCache>
+                <c:formatCode>General</c:formatCode>
+                <c:ptCount val="4"/>
+                <c:pt idx="0">
+                  <c:v>70</c:v>
+                </c:pt>
+                <c:pt idx="1">
+                  <c:v>6</c:v>
+                </c:pt>
+                <c:pt idx="2">
+                  <c:v>8</c:v>
+                </c:pt>
+                <c:pt idx="3">
+                  <c:v>10</c:v>
+                </c:pt>
+              </c:numCache>
+            </c:numRef>
+          </c:val>
+          <c:extLst>
+            <c:ext xmlns:c16="http://schemas.microsoft.com/office/drawing/2014/chart" uri="{C3380CC4-5D6E-409C-BE32-E72D297353CC}">
+              <c16:uniqueId val="{00000008-3F6D-C645-A346-B9E6EEFFE478}"/>
+            </c:ext>
+          </c:extLst>
+        </c:ser>
+        <c:dLbls>
+          <c:dLblPos val="ctr"/>
+          <c:showLegendKey val="0"/>
+          <c:showVal val="0"/>
+          <c:showCatName val="0"/>
+          <c:showSerName val="0"/>
+          <c:showPercent val="1"/>
+          <c:showBubbleSize val="0"/>
+          <c:showLeaderLines val="1"/>
+        </c:dLbls>
+        <c:firstSliceAng val="0"/>
+      </c:pieChart>
+      <c:spPr>
+        <a:noFill/>
+        <a:ln>
+          <a:noFill/>
+        </a:ln>
+        <a:effectLst/>
+      </c:spPr>
+    </c:plotArea>
+    <c:legend>
+      <c:legendPos val="r"/>
+      <c:layout>
+        <c:manualLayout>
+          <c:xMode val="edge"/>
+          <c:yMode val="edge"/>
+          <c:x val="0.8932192610539067"/>
+          <c:y val="0.42869924950787403"/>
+          <c:w val="9.3206078312609117E-2"/>
+          <c:h val="0.26359744094488191"/>
+        </c:manualLayout>
+      </c:layout>
+      <c:overlay val="0"/>
+      <c:spPr>
+        <a:solidFill>
+          <a:schemeClr val="lt1">
+            <a:lumMod val="95000"/>
+            <a:alpha val="39000"/>
+          </a:schemeClr>
+        </a:solidFill>
+        <a:ln>
+          <a:noFill/>
+        </a:ln>
+        <a:effectLst/>
+      </c:spPr>
+      <c:txPr>
+        <a:bodyPr rot="0" spcFirstLastPara="1" vertOverflow="ellipsis" vert="horz" wrap="square" anchor="ctr" anchorCtr="1"/>
+        <a:lstStyle/>
+        <a:p>
+          <a:pPr>
+            <a:defRPr sz="900" b="0" i="0" u="none" strike="noStrike" kern="1200" baseline="0">
+              <a:solidFill>
+                <a:schemeClr val="dk1">
+                  <a:lumMod val="75000"/>
+                  <a:lumOff val="25000"/>
+                </a:schemeClr>
+              </a:solidFill>
+              <a:latin typeface="+mn-lt"/>
+              <a:ea typeface="+mn-ea"/>
+              <a:cs typeface="+mn-cs"/>
+            </a:defRPr>
+          </a:pPr>
+          <a:endParaRPr lang="fr-FR"/>
+        </a:p>
+      </c:txPr>
+    </c:legend>
+    <c:plotVisOnly val="1"/>
+    <c:dispBlanksAs val="gap"/>
+    <c:showDLblsOverMax val="0"/>
+  </c:chart>
+  <c:spPr>
+    <a:gradFill flip="none" rotWithShape="1">
+      <a:gsLst>
+        <a:gs pos="0">
+          <a:schemeClr val="lt1"/>
+        </a:gs>
+        <a:gs pos="39000">
+          <a:schemeClr val="lt1"/>
+        </a:gs>
+        <a:gs pos="100000">
+          <a:schemeClr val="lt1">
+            <a:lumMod val="75000"/>
+          </a:schemeClr>
+        </a:gs>
+      </a:gsLst>
+      <a:path path="circle">
+        <a:fillToRect l="50000" t="-80000" r="50000" b="180000"/>
+      </a:path>
+      <a:tileRect/>
+    </a:gradFill>
+    <a:ln w="9525" cap="flat" cmpd="sng" algn="ctr">
+      <a:solidFill>
+        <a:schemeClr val="dk1">
+          <a:lumMod val="25000"/>
+          <a:lumOff val="75000"/>
+        </a:schemeClr>
+      </a:solidFill>
+      <a:round/>
+    </a:ln>
+    <a:effectLst/>
+  </c:spPr>
+  <c:txPr>
+    <a:bodyPr/>
+    <a:lstStyle/>
+    <a:p>
+      <a:pPr>
+        <a:defRPr/>
+      </a:pPr>
+      <a:endParaRPr lang="fr-FR"/>
+    </a:p>
+  </c:txPr>
+  <c:externalData r:id="rId3">
+    <c:autoUpdate val="0"/>
+  </c:externalData>
+</c:chartSpace>
+</file>
+
+<file path=ppt/charts/colors1.xml><?xml version="1.0" encoding="utf-8"?>
+<cs:colorStyle xmlns:cs="http://schemas.microsoft.com/office/drawing/2012/chartStyle" xmlns:a="http://schemas.openxmlformats.org/drawingml/2006/main" meth="cycle" id="10">
+  <a:schemeClr val="accent1"/>
+  <a:schemeClr val="accent2"/>
+  <a:schemeClr val="accent3"/>
+  <a:schemeClr val="accent4"/>
+  <a:schemeClr val="accent5"/>
+  <a:schemeClr val="accent6"/>
+  <cs:variation/>
+  <cs:variation>
+    <a:lumMod val="60000"/>
+  </cs:variation>
+  <cs:variation>
+    <a:lumMod val="80000"/>
+    <a:lumOff val="20000"/>
+  </cs:variation>
+  <cs:variation>
+    <a:lumMod val="80000"/>
+  </cs:variation>
+  <cs:variation>
+    <a:lumMod val="60000"/>
+    <a:lumOff val="40000"/>
+  </cs:variation>
+  <cs:variation>
+    <a:lumMod val="50000"/>
+  </cs:variation>
+  <cs:variation>
+    <a:lumMod val="70000"/>
+    <a:lumOff val="30000"/>
+  </cs:variation>
+  <cs:variation>
+    <a:lumMod val="70000"/>
+  </cs:variation>
+  <cs:variation>
+    <a:lumMod val="50000"/>
+    <a:lumOff val="50000"/>
+  </cs:variation>
+</cs:colorStyle>
+</file>
+
+<file path=ppt/charts/colors2.xml><?xml version="1.0" encoding="utf-8"?>
+<cs:colorStyle xmlns:cs="http://schemas.microsoft.com/office/drawing/2012/chartStyle" xmlns:a="http://schemas.openxmlformats.org/drawingml/2006/main" meth="cycle" id="10">
+  <a:schemeClr val="accent1"/>
+  <a:schemeClr val="accent2"/>
+  <a:schemeClr val="accent3"/>
+  <a:schemeClr val="accent4"/>
+  <a:schemeClr val="accent5"/>
+  <a:schemeClr val="accent6"/>
+  <cs:variation/>
+  <cs:variation>
+    <a:lumMod val="60000"/>
+  </cs:variation>
+  <cs:variation>
+    <a:lumMod val="80000"/>
+    <a:lumOff val="20000"/>
+  </cs:variation>
+  <cs:variation>
+    <a:lumMod val="80000"/>
+  </cs:variation>
+  <cs:variation>
+    <a:lumMod val="60000"/>
+    <a:lumOff val="40000"/>
+  </cs:variation>
+  <cs:variation>
+    <a:lumMod val="50000"/>
+  </cs:variation>
+  <cs:variation>
+    <a:lumMod val="70000"/>
+    <a:lumOff val="30000"/>
+  </cs:variation>
+  <cs:variation>
+    <a:lumMod val="70000"/>
+  </cs:variation>
+  <cs:variation>
+    <a:lumMod val="50000"/>
+    <a:lumOff val="50000"/>
+  </cs:variation>
+</cs:colorStyle>
+</file>
+
+<file path=ppt/charts/style1.xml><?xml version="1.0" encoding="utf-8"?>
+<cs:chartStyle xmlns:cs="http://schemas.microsoft.com/office/drawing/2012/chartStyle" xmlns:a="http://schemas.openxmlformats.org/drawingml/2006/main" id="253">
+  <cs:axisTitle>
+    <cs:lnRef idx="0"/>
+    <cs:fillRef idx="0"/>
+    <cs:effectRef idx="0"/>
+    <cs:fontRef idx="minor">
+      <a:schemeClr val="dk1">
+        <a:lumMod val="75000"/>
+        <a:lumOff val="25000"/>
+      </a:schemeClr>
+    </cs:fontRef>
+    <cs:defRPr sz="900" b="1" kern="1200"/>
+  </cs:axisTitle>
+  <cs:categoryAxis>
+    <cs:lnRef idx="0"/>
+    <cs:fillRef idx="0"/>
+    <cs:effectRef idx="0"/>
+    <cs:fontRef idx="minor">
+      <a:schemeClr val="dk1">
+        <a:lumMod val="75000"/>
+        <a:lumOff val="25000"/>
+      </a:schemeClr>
+    </cs:fontRef>
+    <cs:spPr>
+      <a:ln w="19050" cap="flat" cmpd="sng" algn="ctr">
+        <a:solidFill>
+          <a:schemeClr val="dk1">
+            <a:lumMod val="75000"/>
+            <a:lumOff val="25000"/>
+          </a:schemeClr>
+        </a:solidFill>
+        <a:round/>
+      </a:ln>
+    </cs:spPr>
+    <cs:defRPr sz="900" kern="1200" cap="all" baseline="0"/>
+  </cs:categoryAxis>
+  <cs:chartArea>
+    <cs:lnRef idx="0"/>
+    <cs:fillRef idx="0"/>
+    <cs:effectRef idx="0"/>
+    <cs:fontRef idx="minor">
+      <a:schemeClr val="dk1"/>
+    </cs:fontRef>
+    <cs:spPr>
+      <a:gradFill flip="none" rotWithShape="1">
+        <a:gsLst>
+          <a:gs pos="0">
+            <a:schemeClr val="lt1"/>
+          </a:gs>
+          <a:gs pos="39000">
+            <a:schemeClr val="lt1"/>
+          </a:gs>
+          <a:gs pos="100000">
+            <a:schemeClr val="lt1">
+              <a:lumMod val="75000"/>
+            </a:schemeClr>
+          </a:gs>
+        </a:gsLst>
+        <a:path path="circle">
+          <a:fillToRect l="50000" t="-80000" r="50000" b="180000"/>
+        </a:path>
+        <a:tileRect/>
+      </a:gradFill>
+      <a:ln w="9525" cap="flat" cmpd="sng" algn="ctr">
+        <a:solidFill>
+          <a:schemeClr val="dk1">
+            <a:lumMod val="25000"/>
+            <a:lumOff val="75000"/>
+          </a:schemeClr>
+        </a:solidFill>
+        <a:round/>
+      </a:ln>
+    </cs:spPr>
+    <cs:defRPr sz="900" kern="1200"/>
+  </cs:chartArea>
+  <cs:dataLabel>
+    <cs:lnRef idx="0"/>
+    <cs:fillRef idx="0"/>
+    <cs:effectRef idx="0"/>
+    <cs:fontRef idx="minor">
+      <a:schemeClr val="lt1"/>
+    </cs:fontRef>
+    <cs:spPr>
+      <a:pattFill prst="pct75">
+        <a:fgClr>
+          <a:schemeClr val="dk1">
+            <a:lumMod val="75000"/>
+            <a:lumOff val="25000"/>
+          </a:schemeClr>
+        </a:fgClr>
+        <a:bgClr>
+          <a:schemeClr val="dk1">
+            <a:lumMod val="65000"/>
+            <a:lumOff val="35000"/>
+          </a:schemeClr>
+        </a:bgClr>
+      </a:pattFill>
+      <a:effectLst>
+        <a:outerShdw blurRad="50800" dist="38100" dir="2700000" algn="tl" rotWithShape="0">
+          <a:prstClr val="black">
+            <a:alpha val="40000"/>
+          </a:prstClr>
+        </a:outerShdw>
+      </a:effectLst>
+    </cs:spPr>
+    <cs:defRPr sz="1000" b="1" i="0" u="none" strike="noStrike" kern="1200" baseline="0"/>
+  </cs:dataLabel>
+  <cs:dataLabelCallout>
+    <cs:lnRef idx="0"/>
+    <cs:fillRef idx="0"/>
+    <cs:effectRef idx="0"/>
+    <cs:fontRef idx="minor">
+      <a:schemeClr val="lt1"/>
+    </cs:fontRef>
+    <cs:spPr>
+      <a:pattFill prst="pct75">
+        <a:fgClr>
+          <a:schemeClr val="dk1">
+            <a:lumMod val="75000"/>
+            <a:lumOff val="25000"/>
+          </a:schemeClr>
+        </a:fgClr>
+        <a:bgClr>
+          <a:schemeClr val="dk1">
+            <a:lumMod val="65000"/>
+            <a:lumOff val="35000"/>
+          </a:schemeClr>
+        </a:bgClr>
+      </a:pattFill>
+      <a:effectLst>
+        <a:outerShdw blurRad="50800" dist="38100" dir="2700000" algn="tl" rotWithShape="0">
+          <a:prstClr val="black">
+            <a:alpha val="40000"/>
+          </a:prstClr>
+        </a:outerShdw>
+      </a:effectLst>
+    </cs:spPr>
+    <cs:defRPr sz="1000" b="1" i="0" u="none" strike="noStrike" kern="1200" baseline="0"/>
+    <cs:bodyPr rot="0" spcFirstLastPara="1" vertOverflow="clip" horzOverflow="clip" vert="horz" wrap="square" lIns="36576" tIns="18288" rIns="36576" bIns="18288" anchor="ctr" anchorCtr="1">
+      <a:spAutoFit/>
+    </cs:bodyPr>
+  </cs:dataLabelCallout>
+  <cs:dataPoint>
+    <cs:lnRef idx="0"/>
+    <cs:fillRef idx="0">
+      <cs:styleClr val="auto"/>
+    </cs:fillRef>
+    <cs:effectRef idx="0"/>
+    <cs:fontRef idx="minor">
+      <a:schemeClr val="dk1"/>
+    </cs:fontRef>
+    <cs:spPr>
+      <a:solidFill>
+        <a:schemeClr val="phClr"/>
+      </a:solidFill>
+      <a:effectLst>
+        <a:outerShdw blurRad="254000" sx="102000" sy="102000" algn="ctr" rotWithShape="0">
+          <a:prstClr val="black">
+            <a:alpha val="20000"/>
+          </a:prstClr>
+        </a:outerShdw>
+      </a:effectLst>
+    </cs:spPr>
+  </cs:dataPoint>
+  <cs:dataPoint3D>
+    <cs:lnRef idx="0"/>
+    <cs:fillRef idx="0">
+      <cs:styleClr val="auto"/>
+    </cs:fillRef>
+    <cs:effectRef idx="0"/>
+    <cs:fontRef idx="minor">
+      <a:schemeClr val="dk1"/>
+    </cs:fontRef>
+    <cs:spPr>
+      <a:solidFill>
+        <a:schemeClr val="phClr"/>
+      </a:solidFill>
+      <a:effectLst>
+        <a:outerShdw blurRad="254000" sx="102000" sy="102000" algn="ctr" rotWithShape="0">
+          <a:prstClr val="black">
+            <a:alpha val="20000"/>
+          </a:prstClr>
+        </a:outerShdw>
+      </a:effectLst>
+    </cs:spPr>
+  </cs:dataPoint3D>
+  <cs:dataPointLine>
+    <cs:lnRef idx="0">
+      <cs:styleClr val="auto"/>
+    </cs:lnRef>
+    <cs:fillRef idx="0"/>
+    <cs:effectRef idx="0"/>
+    <cs:fontRef idx="minor">
+      <a:schemeClr val="dk1"/>
+    </cs:fontRef>
+    <cs:spPr>
+      <a:ln w="31750" cap="rnd">
+        <a:solidFill>
+          <a:schemeClr val="phClr">
+            <a:alpha val="85000"/>
+          </a:schemeClr>
+        </a:solidFill>
+        <a:round/>
+      </a:ln>
+    </cs:spPr>
+  </cs:dataPointLine>
+  <cs:dataPointMarker>
+    <cs:lnRef idx="0"/>
+    <cs:fillRef idx="0">
+      <cs:styleClr val="auto"/>
+    </cs:fillRef>
+    <cs:effectRef idx="0"/>
+    <cs:fontRef idx="minor">
+      <a:schemeClr val="dk1"/>
+    </cs:fontRef>
+    <cs:spPr>
+      <a:solidFill>
+        <a:schemeClr val="phClr">
+          <a:alpha val="85000"/>
+        </a:schemeClr>
+      </a:solidFill>
+    </cs:spPr>
+  </cs:dataPointMarker>
+  <cs:dataPointMarkerLayout symbol="circle" size="6"/>
+  <cs:dataPointWireframe>
+    <cs:lnRef idx="0">
+      <cs:styleClr val="auto"/>
+    </cs:lnRef>
+    <cs:fillRef idx="0"/>
+    <cs:effectRef idx="0"/>
+    <cs:fontRef idx="minor">
+      <a:schemeClr val="dk1"/>
+    </cs:fontRef>
+    <cs:spPr>
+      <a:ln w="9525" cap="rnd">
+        <a:solidFill>
+          <a:schemeClr val="phClr"/>
+        </a:solidFill>
+        <a:round/>
+      </a:ln>
+    </cs:spPr>
+  </cs:dataPointWireframe>
+  <cs:dataTable>
+    <cs:lnRef idx="0"/>
+    <cs:fillRef idx="0"/>
+    <cs:effectRef idx="0"/>
+    <cs:fontRef idx="minor">
+      <a:schemeClr val="dk1">
+        <a:lumMod val="75000"/>
+        <a:lumOff val="25000"/>
+      </a:schemeClr>
+    </cs:fontRef>
+    <cs:spPr>
+      <a:ln w="9525">
+        <a:solidFill>
+          <a:schemeClr val="dk1">
+            <a:lumMod val="35000"/>
+            <a:lumOff val="65000"/>
+          </a:schemeClr>
+        </a:solidFill>
+      </a:ln>
+    </cs:spPr>
+    <cs:defRPr sz="900" kern="1200"/>
+  </cs:dataTable>
+  <cs:downBar>
+    <cs:lnRef idx="0"/>
+    <cs:fillRef idx="0"/>
+    <cs:effectRef idx="0"/>
+    <cs:fontRef idx="minor">
+      <a:schemeClr val="dk1"/>
+    </cs:fontRef>
+    <cs:spPr>
+      <a:solidFill>
+        <a:schemeClr val="dk1">
+          <a:lumMod val="50000"/>
+          <a:lumOff val="50000"/>
+        </a:schemeClr>
+      </a:solidFill>
+      <a:ln w="9525">
+        <a:solidFill>
+          <a:schemeClr val="dk1">
+            <a:lumMod val="65000"/>
+            <a:lumOff val="35000"/>
+          </a:schemeClr>
+        </a:solidFill>
+      </a:ln>
+    </cs:spPr>
+  </cs:downBar>
+  <cs:dropLine>
+    <cs:lnRef idx="0"/>
+    <cs:fillRef idx="0"/>
+    <cs:effectRef idx="0"/>
+    <cs:fontRef idx="minor">
+      <a:schemeClr val="dk1"/>
+    </cs:fontRef>
+    <cs:spPr>
+      <a:ln w="9525">
+        <a:solidFill>
+          <a:schemeClr val="dk1">
+            <a:lumMod val="35000"/>
+            <a:lumOff val="65000"/>
+          </a:schemeClr>
+        </a:solidFill>
+        <a:prstDash val="dash"/>
+      </a:ln>
+    </cs:spPr>
+  </cs:dropLine>
+  <cs:errorBar>
+    <cs:lnRef idx="0"/>
+    <cs:fillRef idx="0"/>
+    <cs:effectRef idx="0"/>
+    <cs:fontRef idx="minor">
+      <a:schemeClr val="dk1"/>
+    </cs:fontRef>
+    <cs:spPr>
+      <a:ln w="9525">
+        <a:solidFill>
+          <a:schemeClr val="dk1">
+            <a:lumMod val="65000"/>
+            <a:lumOff val="35000"/>
+          </a:schemeClr>
+        </a:solidFill>
+        <a:round/>
+      </a:ln>
+    </cs:spPr>
+  </cs:errorBar>
+  <cs:floor>
+    <cs:lnRef idx="0"/>
+    <cs:fillRef idx="0"/>
+    <cs:effectRef idx="0"/>
+    <cs:fontRef idx="minor">
+      <a:schemeClr val="dk1"/>
+    </cs:fontRef>
+  </cs:floor>
+  <cs:gridlineMajor>
+    <cs:lnRef idx="0"/>
+    <cs:fillRef idx="0"/>
+    <cs:effectRef idx="0"/>
+    <cs:fontRef idx="minor">
+      <a:schemeClr val="dk1"/>
+    </cs:fontRef>
+    <cs:spPr>
+      <a:ln w="9525" cap="flat" cmpd="sng" algn="ctr">
+        <a:gradFill>
+          <a:gsLst>
+            <a:gs pos="100000">
+              <a:schemeClr val="dk1">
+                <a:lumMod val="95000"/>
+                <a:lumOff val="5000"/>
+                <a:alpha val="42000"/>
+              </a:schemeClr>
+            </a:gs>
+            <a:gs pos="0">
+              <a:schemeClr val="lt1">
+                <a:lumMod val="75000"/>
+                <a:alpha val="36000"/>
+              </a:schemeClr>
+            </a:gs>
+          </a:gsLst>
+          <a:lin ang="5400000" scaled="0"/>
+        </a:gradFill>
+        <a:round/>
+      </a:ln>
+    </cs:spPr>
+  </cs:gridlineMajor>
+  <cs:gridlineMinor>
+    <cs:lnRef idx="0"/>
+    <cs:fillRef idx="0"/>
+    <cs:effectRef idx="0"/>
+    <cs:fontRef idx="minor">
+      <a:schemeClr val="dk1"/>
+    </cs:fontRef>
+    <cs:spPr>
+      <a:ln>
+        <a:gradFill>
+          <a:gsLst>
+            <a:gs pos="100000">
+              <a:schemeClr val="dk1">
+                <a:lumMod val="95000"/>
+                <a:lumOff val="5000"/>
+                <a:alpha val="42000"/>
+              </a:schemeClr>
+            </a:gs>
+            <a:gs pos="0">
+              <a:schemeClr val="lt1">
+                <a:lumMod val="75000"/>
+                <a:alpha val="36000"/>
+              </a:schemeClr>
+            </a:gs>
+          </a:gsLst>
+          <a:lin ang="5400000" scaled="0"/>
+        </a:gradFill>
+      </a:ln>
+    </cs:spPr>
+  </cs:gridlineMinor>
+  <cs:hiLoLine>
+    <cs:lnRef idx="0"/>
+    <cs:fillRef idx="0"/>
+    <cs:effectRef idx="0"/>
+    <cs:fontRef idx="minor">
+      <a:schemeClr val="dk1"/>
+    </cs:fontRef>
+    <cs:spPr>
+      <a:ln w="9525">
+        <a:solidFill>
+          <a:schemeClr val="dk1">
+            <a:lumMod val="35000"/>
+            <a:lumOff val="65000"/>
+          </a:schemeClr>
+        </a:solidFill>
+        <a:prstDash val="dash"/>
+      </a:ln>
+    </cs:spPr>
+  </cs:hiLoLine>
+  <cs:leaderLine>
+    <cs:lnRef idx="0"/>
+    <cs:fillRef idx="0"/>
+    <cs:effectRef idx="0"/>
+    <cs:fontRef idx="minor">
+      <a:schemeClr val="dk1"/>
+    </cs:fontRef>
+    <cs:spPr>
+      <a:ln w="9525">
+        <a:solidFill>
+          <a:schemeClr val="dk1">
+            <a:lumMod val="50000"/>
+            <a:lumOff val="50000"/>
+          </a:schemeClr>
+        </a:solidFill>
+      </a:ln>
+    </cs:spPr>
+  </cs:leaderLine>
+  <cs:legend>
+    <cs:lnRef idx="0"/>
+    <cs:fillRef idx="0"/>
+    <cs:effectRef idx="0"/>
+    <cs:fontRef idx="minor">
+      <a:schemeClr val="dk1">
+        <a:lumMod val="75000"/>
+        <a:lumOff val="25000"/>
+      </a:schemeClr>
+    </cs:fontRef>
+    <cs:spPr>
+      <a:solidFill>
+        <a:schemeClr val="lt1">
+          <a:lumMod val="95000"/>
+          <a:alpha val="39000"/>
+        </a:schemeClr>
+      </a:solidFill>
+    </cs:spPr>
+    <cs:defRPr sz="900" kern="1200"/>
+  </cs:legend>
+  <cs:plotArea>
+    <cs:lnRef idx="0"/>
+    <cs:fillRef idx="0"/>
+    <cs:effectRef idx="0"/>
+    <cs:fontRef idx="minor">
+      <a:schemeClr val="dk1"/>
+    </cs:fontRef>
+  </cs:plotArea>
+  <cs:plotArea3D>
+    <cs:lnRef idx="0"/>
+    <cs:fillRef idx="0"/>
+    <cs:effectRef idx="0"/>
+    <cs:fontRef idx="minor">
+      <a:schemeClr val="dk1"/>
+    </cs:fontRef>
+  </cs:plotArea3D>
+  <cs:seriesAxis>
+    <cs:lnRef idx="0"/>
+    <cs:fillRef idx="0"/>
+    <cs:effectRef idx="0"/>
+    <cs:fontRef idx="minor">
+      <a:schemeClr val="dk1">
+        <a:lumMod val="75000"/>
+        <a:lumOff val="25000"/>
+      </a:schemeClr>
+    </cs:fontRef>
+    <cs:spPr>
+      <a:ln w="31750" cap="flat" cmpd="sng" algn="ctr">
+        <a:solidFill>
+          <a:schemeClr val="dk1">
+            <a:lumMod val="75000"/>
+            <a:lumOff val="25000"/>
+          </a:schemeClr>
+        </a:solidFill>
+        <a:round/>
+      </a:ln>
+    </cs:spPr>
+    <cs:defRPr sz="900" kern="1200"/>
+  </cs:seriesAxis>
+  <cs:seriesLine>
+    <cs:lnRef idx="0"/>
+    <cs:fillRef idx="0"/>
+    <cs:effectRef idx="0"/>
+    <cs:fontRef idx="minor">
+      <a:schemeClr val="dk1"/>
+    </cs:fontRef>
+    <cs:spPr>
+      <a:ln w="9525">
+        <a:solidFill>
+          <a:schemeClr val="dk1">
+            <a:lumMod val="50000"/>
+            <a:lumOff val="50000"/>
+          </a:schemeClr>
+        </a:solidFill>
+        <a:round/>
+      </a:ln>
+    </cs:spPr>
+  </cs:seriesLine>
+  <cs:title>
+    <cs:lnRef idx="0"/>
+    <cs:fillRef idx="0"/>
+    <cs:effectRef idx="0"/>
+    <cs:fontRef idx="minor">
+      <a:schemeClr val="dk1">
+        <a:lumMod val="75000"/>
+        <a:lumOff val="25000"/>
+      </a:schemeClr>
+    </cs:fontRef>
+    <cs:defRPr sz="1800" b="1" kern="1200" baseline="0"/>
+  </cs:title>
+  <cs:trendline>
+    <cs:lnRef idx="0">
+      <cs:styleClr val="auto"/>
+    </cs:lnRef>
+    <cs:fillRef idx="0"/>
+    <cs:effectRef idx="0"/>
+    <cs:fontRef idx="minor">
+      <a:schemeClr val="dk1"/>
+    </cs:fontRef>
+    <cs:spPr>
+      <a:ln w="19050" cap="rnd">
+        <a:solidFill>
+          <a:schemeClr val="phClr"/>
+        </a:solidFill>
+      </a:ln>
+    </cs:spPr>
+  </cs:trendline>
+  <cs:trendlineLabel>
+    <cs:lnRef idx="0"/>
+    <cs:fillRef idx="0"/>
+    <cs:effectRef idx="0"/>
+    <cs:fontRef idx="minor">
+      <a:schemeClr val="dk1">
+        <a:lumMod val="75000"/>
+        <a:lumOff val="25000"/>
+      </a:schemeClr>
+    </cs:fontRef>
+    <cs:defRPr sz="900" kern="1200"/>
+  </cs:trendlineLabel>
+  <cs:upBar>
+    <cs:lnRef idx="0"/>
+    <cs:fillRef idx="0"/>
+    <cs:effectRef idx="0"/>
+    <cs:fontRef idx="minor">
+      <a:schemeClr val="dk1"/>
+    </cs:fontRef>
+    <cs:spPr>
+      <a:solidFill>
+        <a:schemeClr val="lt1"/>
+      </a:solidFill>
+      <a:ln w="9525">
+        <a:solidFill>
+          <a:schemeClr val="dk1">
+            <a:lumMod val="65000"/>
+            <a:lumOff val="35000"/>
+          </a:schemeClr>
+        </a:solidFill>
+      </a:ln>
+    </cs:spPr>
+  </cs:upBar>
+  <cs:valueAxis>
+    <cs:lnRef idx="0"/>
+    <cs:fillRef idx="0"/>
+    <cs:effectRef idx="0"/>
+    <cs:fontRef idx="minor">
+      <a:schemeClr val="dk1">
+        <a:lumMod val="75000"/>
+        <a:lumOff val="25000"/>
+      </a:schemeClr>
+    </cs:fontRef>
+    <cs:spPr>
+      <a:ln>
+        <a:noFill/>
+      </a:ln>
+    </cs:spPr>
+    <cs:defRPr sz="900" kern="1200"/>
+  </cs:valueAxis>
+  <cs:wall>
+    <cs:lnRef idx="0"/>
+    <cs:fillRef idx="0"/>
+    <cs:effectRef idx="0"/>
+    <cs:fontRef idx="minor">
+      <a:schemeClr val="dk1"/>
+    </cs:fontRef>
+  </cs:wall>
+</cs:chartStyle>
+</file>
+
+<file path=ppt/charts/style2.xml><?xml version="1.0" encoding="utf-8"?>
+<cs:chartStyle xmlns:cs="http://schemas.microsoft.com/office/drawing/2012/chartStyle" xmlns:a="http://schemas.openxmlformats.org/drawingml/2006/main" id="253">
+  <cs:axisTitle>
+    <cs:lnRef idx="0"/>
+    <cs:fillRef idx="0"/>
+    <cs:effectRef idx="0"/>
+    <cs:fontRef idx="minor">
+      <a:schemeClr val="dk1">
+        <a:lumMod val="75000"/>
+        <a:lumOff val="25000"/>
+      </a:schemeClr>
+    </cs:fontRef>
+    <cs:defRPr sz="900" b="1" kern="1200"/>
+  </cs:axisTitle>
+  <cs:categoryAxis>
+    <cs:lnRef idx="0"/>
+    <cs:fillRef idx="0"/>
+    <cs:effectRef idx="0"/>
+    <cs:fontRef idx="minor">
+      <a:schemeClr val="dk1">
+        <a:lumMod val="75000"/>
+        <a:lumOff val="25000"/>
+      </a:schemeClr>
+    </cs:fontRef>
+    <cs:spPr>
+      <a:ln w="19050" cap="flat" cmpd="sng" algn="ctr">
+        <a:solidFill>
+          <a:schemeClr val="dk1">
+            <a:lumMod val="75000"/>
+            <a:lumOff val="25000"/>
+          </a:schemeClr>
+        </a:solidFill>
+        <a:round/>
+      </a:ln>
+    </cs:spPr>
+    <cs:defRPr sz="900" kern="1200" cap="all" baseline="0"/>
+  </cs:categoryAxis>
+  <cs:chartArea>
+    <cs:lnRef idx="0"/>
+    <cs:fillRef idx="0"/>
+    <cs:effectRef idx="0"/>
+    <cs:fontRef idx="minor">
+      <a:schemeClr val="dk1"/>
+    </cs:fontRef>
+    <cs:spPr>
+      <a:gradFill flip="none" rotWithShape="1">
+        <a:gsLst>
+          <a:gs pos="0">
+            <a:schemeClr val="lt1"/>
+          </a:gs>
+          <a:gs pos="39000">
+            <a:schemeClr val="lt1"/>
+          </a:gs>
+          <a:gs pos="100000">
+            <a:schemeClr val="lt1">
+              <a:lumMod val="75000"/>
+            </a:schemeClr>
+          </a:gs>
+        </a:gsLst>
+        <a:path path="circle">
+          <a:fillToRect l="50000" t="-80000" r="50000" b="180000"/>
+        </a:path>
+        <a:tileRect/>
+      </a:gradFill>
+      <a:ln w="9525" cap="flat" cmpd="sng" algn="ctr">
+        <a:solidFill>
+          <a:schemeClr val="dk1">
+            <a:lumMod val="25000"/>
+            <a:lumOff val="75000"/>
+          </a:schemeClr>
+        </a:solidFill>
+        <a:round/>
+      </a:ln>
+    </cs:spPr>
+    <cs:defRPr sz="900" kern="1200"/>
+  </cs:chartArea>
+  <cs:dataLabel>
+    <cs:lnRef idx="0"/>
+    <cs:fillRef idx="0"/>
+    <cs:effectRef idx="0"/>
+    <cs:fontRef idx="minor">
+      <a:schemeClr val="lt1"/>
+    </cs:fontRef>
+    <cs:spPr>
+      <a:pattFill prst="pct75">
+        <a:fgClr>
+          <a:schemeClr val="dk1">
+            <a:lumMod val="75000"/>
+            <a:lumOff val="25000"/>
+          </a:schemeClr>
+        </a:fgClr>
+        <a:bgClr>
+          <a:schemeClr val="dk1">
+            <a:lumMod val="65000"/>
+            <a:lumOff val="35000"/>
+          </a:schemeClr>
+        </a:bgClr>
+      </a:pattFill>
+      <a:effectLst>
+        <a:outerShdw blurRad="50800" dist="38100" dir="2700000" algn="tl" rotWithShape="0">
+          <a:prstClr val="black">
+            <a:alpha val="40000"/>
+          </a:prstClr>
+        </a:outerShdw>
+      </a:effectLst>
+    </cs:spPr>
+    <cs:defRPr sz="1000" b="1" i="0" u="none" strike="noStrike" kern="1200" baseline="0"/>
+  </cs:dataLabel>
+  <cs:dataLabelCallout>
+    <cs:lnRef idx="0"/>
+    <cs:fillRef idx="0"/>
+    <cs:effectRef idx="0"/>
+    <cs:fontRef idx="minor">
+      <a:schemeClr val="lt1"/>
+    </cs:fontRef>
+    <cs:spPr>
+      <a:pattFill prst="pct75">
+        <a:fgClr>
+          <a:schemeClr val="dk1">
+            <a:lumMod val="75000"/>
+            <a:lumOff val="25000"/>
+          </a:schemeClr>
+        </a:fgClr>
+        <a:bgClr>
+          <a:schemeClr val="dk1">
+            <a:lumMod val="65000"/>
+            <a:lumOff val="35000"/>
+          </a:schemeClr>
+        </a:bgClr>
+      </a:pattFill>
+      <a:effectLst>
+        <a:outerShdw blurRad="50800" dist="38100" dir="2700000" algn="tl" rotWithShape="0">
+          <a:prstClr val="black">
+            <a:alpha val="40000"/>
+          </a:prstClr>
+        </a:outerShdw>
+      </a:effectLst>
+    </cs:spPr>
+    <cs:defRPr sz="1000" b="1" i="0" u="none" strike="noStrike" kern="1200" baseline="0"/>
+    <cs:bodyPr rot="0" spcFirstLastPara="1" vertOverflow="clip" horzOverflow="clip" vert="horz" wrap="square" lIns="36576" tIns="18288" rIns="36576" bIns="18288" anchor="ctr" anchorCtr="1">
+      <a:spAutoFit/>
+    </cs:bodyPr>
+  </cs:dataLabelCallout>
+  <cs:dataPoint>
+    <cs:lnRef idx="0"/>
+    <cs:fillRef idx="0">
+      <cs:styleClr val="auto"/>
+    </cs:fillRef>
+    <cs:effectRef idx="0"/>
+    <cs:fontRef idx="minor">
+      <a:schemeClr val="dk1"/>
+    </cs:fontRef>
+    <cs:spPr>
+      <a:solidFill>
+        <a:schemeClr val="phClr"/>
+      </a:solidFill>
+      <a:effectLst>
+        <a:outerShdw blurRad="254000" sx="102000" sy="102000" algn="ctr" rotWithShape="0">
+          <a:prstClr val="black">
+            <a:alpha val="20000"/>
+          </a:prstClr>
+        </a:outerShdw>
+      </a:effectLst>
+    </cs:spPr>
+  </cs:dataPoint>
+  <cs:dataPoint3D>
+    <cs:lnRef idx="0"/>
+    <cs:fillRef idx="0">
+      <cs:styleClr val="auto"/>
+    </cs:fillRef>
+    <cs:effectRef idx="0"/>
+    <cs:fontRef idx="minor">
+      <a:schemeClr val="dk1"/>
+    </cs:fontRef>
+    <cs:spPr>
+      <a:solidFill>
+        <a:schemeClr val="phClr"/>
+      </a:solidFill>
+      <a:effectLst>
+        <a:outerShdw blurRad="254000" sx="102000" sy="102000" algn="ctr" rotWithShape="0">
+          <a:prstClr val="black">
+            <a:alpha val="20000"/>
+          </a:prstClr>
+        </a:outerShdw>
+      </a:effectLst>
+    </cs:spPr>
+  </cs:dataPoint3D>
+  <cs:dataPointLine>
+    <cs:lnRef idx="0">
+      <cs:styleClr val="auto"/>
+    </cs:lnRef>
+    <cs:fillRef idx="0"/>
+    <cs:effectRef idx="0"/>
+    <cs:fontRef idx="minor">
+      <a:schemeClr val="dk1"/>
+    </cs:fontRef>
+    <cs:spPr>
+      <a:ln w="31750" cap="rnd">
+        <a:solidFill>
+          <a:schemeClr val="phClr">
+            <a:alpha val="85000"/>
+          </a:schemeClr>
+        </a:solidFill>
+        <a:round/>
+      </a:ln>
+    </cs:spPr>
+  </cs:dataPointLine>
+  <cs:dataPointMarker>
+    <cs:lnRef idx="0"/>
+    <cs:fillRef idx="0">
+      <cs:styleClr val="auto"/>
+    </cs:fillRef>
+    <cs:effectRef idx="0"/>
+    <cs:fontRef idx="minor">
+      <a:schemeClr val="dk1"/>
+    </cs:fontRef>
+    <cs:spPr>
+      <a:solidFill>
+        <a:schemeClr val="phClr">
+          <a:alpha val="85000"/>
+        </a:schemeClr>
+      </a:solidFill>
+    </cs:spPr>
+  </cs:dataPointMarker>
+  <cs:dataPointMarkerLayout symbol="circle" size="6"/>
+  <cs:dataPointWireframe>
+    <cs:lnRef idx="0">
+      <cs:styleClr val="auto"/>
+    </cs:lnRef>
+    <cs:fillRef idx="0"/>
+    <cs:effectRef idx="0"/>
+    <cs:fontRef idx="minor">
+      <a:schemeClr val="dk1"/>
+    </cs:fontRef>
+    <cs:spPr>
+      <a:ln w="9525" cap="rnd">
+        <a:solidFill>
+          <a:schemeClr val="phClr"/>
+        </a:solidFill>
+        <a:round/>
+      </a:ln>
+    </cs:spPr>
+  </cs:dataPointWireframe>
+  <cs:dataTable>
+    <cs:lnRef idx="0"/>
+    <cs:fillRef idx="0"/>
+    <cs:effectRef idx="0"/>
+    <cs:fontRef idx="minor">
+      <a:schemeClr val="dk1">
+        <a:lumMod val="75000"/>
+        <a:lumOff val="25000"/>
+      </a:schemeClr>
+    </cs:fontRef>
+    <cs:spPr>
+      <a:ln w="9525">
+        <a:solidFill>
+          <a:schemeClr val="dk1">
+            <a:lumMod val="35000"/>
+            <a:lumOff val="65000"/>
+          </a:schemeClr>
+        </a:solidFill>
+      </a:ln>
+    </cs:spPr>
+    <cs:defRPr sz="900" kern="1200"/>
+  </cs:dataTable>
+  <cs:downBar>
+    <cs:lnRef idx="0"/>
+    <cs:fillRef idx="0"/>
+    <cs:effectRef idx="0"/>
+    <cs:fontRef idx="minor">
+      <a:schemeClr val="dk1"/>
+    </cs:fontRef>
+    <cs:spPr>
+      <a:solidFill>
+        <a:schemeClr val="dk1">
+          <a:lumMod val="50000"/>
+          <a:lumOff val="50000"/>
+        </a:schemeClr>
+      </a:solidFill>
+      <a:ln w="9525">
+        <a:solidFill>
+          <a:schemeClr val="dk1">
+            <a:lumMod val="65000"/>
+            <a:lumOff val="35000"/>
+          </a:schemeClr>
+        </a:solidFill>
+      </a:ln>
+    </cs:spPr>
+  </cs:downBar>
+  <cs:dropLine>
+    <cs:lnRef idx="0"/>
+    <cs:fillRef idx="0"/>
+    <cs:effectRef idx="0"/>
+    <cs:fontRef idx="minor">
+      <a:schemeClr val="dk1"/>
+    </cs:fontRef>
+    <cs:spPr>
+      <a:ln w="9525">
+        <a:solidFill>
+          <a:schemeClr val="dk1">
+            <a:lumMod val="35000"/>
+            <a:lumOff val="65000"/>
+          </a:schemeClr>
+        </a:solidFill>
+        <a:prstDash val="dash"/>
+      </a:ln>
+    </cs:spPr>
+  </cs:dropLine>
+  <cs:errorBar>
+    <cs:lnRef idx="0"/>
+    <cs:fillRef idx="0"/>
+    <cs:effectRef idx="0"/>
+    <cs:fontRef idx="minor">
+      <a:schemeClr val="dk1"/>
+    </cs:fontRef>
+    <cs:spPr>
+      <a:ln w="9525">
+        <a:solidFill>
+          <a:schemeClr val="dk1">
+            <a:lumMod val="65000"/>
+            <a:lumOff val="35000"/>
+          </a:schemeClr>
+        </a:solidFill>
+        <a:round/>
+      </a:ln>
+    </cs:spPr>
+  </cs:errorBar>
+  <cs:floor>
+    <cs:lnRef idx="0"/>
+    <cs:fillRef idx="0"/>
+    <cs:effectRef idx="0"/>
+    <cs:fontRef idx="minor">
+      <a:schemeClr val="dk1"/>
+    </cs:fontRef>
+  </cs:floor>
+  <cs:gridlineMajor>
+    <cs:lnRef idx="0"/>
+    <cs:fillRef idx="0"/>
+    <cs:effectRef idx="0"/>
+    <cs:fontRef idx="minor">
+      <a:schemeClr val="dk1"/>
+    </cs:fontRef>
+    <cs:spPr>
+      <a:ln w="9525" cap="flat" cmpd="sng" algn="ctr">
+        <a:gradFill>
+          <a:gsLst>
+            <a:gs pos="100000">
+              <a:schemeClr val="dk1">
+                <a:lumMod val="95000"/>
+                <a:lumOff val="5000"/>
+                <a:alpha val="42000"/>
+              </a:schemeClr>
+            </a:gs>
+            <a:gs pos="0">
+              <a:schemeClr val="lt1">
+                <a:lumMod val="75000"/>
+                <a:alpha val="36000"/>
+              </a:schemeClr>
+            </a:gs>
+          </a:gsLst>
+          <a:lin ang="5400000" scaled="0"/>
+        </a:gradFill>
+        <a:round/>
+      </a:ln>
+    </cs:spPr>
+  </cs:gridlineMajor>
+  <cs:gridlineMinor>
+    <cs:lnRef idx="0"/>
+    <cs:fillRef idx="0"/>
+    <cs:effectRef idx="0"/>
+    <cs:fontRef idx="minor">
+      <a:schemeClr val="dk1"/>
+    </cs:fontRef>
+    <cs:spPr>
+      <a:ln>
+        <a:gradFill>
+          <a:gsLst>
+            <a:gs pos="100000">
+              <a:schemeClr val="dk1">
+                <a:lumMod val="95000"/>
+                <a:lumOff val="5000"/>
+                <a:alpha val="42000"/>
+              </a:schemeClr>
+            </a:gs>
+            <a:gs pos="0">
+              <a:schemeClr val="lt1">
+                <a:lumMod val="75000"/>
+                <a:alpha val="36000"/>
+              </a:schemeClr>
+            </a:gs>
+          </a:gsLst>
+          <a:lin ang="5400000" scaled="0"/>
+        </a:gradFill>
+      </a:ln>
+    </cs:spPr>
+  </cs:gridlineMinor>
+  <cs:hiLoLine>
+    <cs:lnRef idx="0"/>
+    <cs:fillRef idx="0"/>
+    <cs:effectRef idx="0"/>
+    <cs:fontRef idx="minor">
+      <a:schemeClr val="dk1"/>
+    </cs:fontRef>
+    <cs:spPr>
+      <a:ln w="9525">
+        <a:solidFill>
+          <a:schemeClr val="dk1">
+            <a:lumMod val="35000"/>
+            <a:lumOff val="65000"/>
+          </a:schemeClr>
+        </a:solidFill>
+        <a:prstDash val="dash"/>
+      </a:ln>
+    </cs:spPr>
+  </cs:hiLoLine>
+  <cs:leaderLine>
+    <cs:lnRef idx="0"/>
+    <cs:fillRef idx="0"/>
+    <cs:effectRef idx="0"/>
+    <cs:fontRef idx="minor">
+      <a:schemeClr val="dk1"/>
+    </cs:fontRef>
+    <cs:spPr>
+      <a:ln w="9525">
+        <a:solidFill>
+          <a:schemeClr val="dk1">
+            <a:lumMod val="50000"/>
+            <a:lumOff val="50000"/>
+          </a:schemeClr>
+        </a:solidFill>
+      </a:ln>
+    </cs:spPr>
+  </cs:leaderLine>
+  <cs:legend>
+    <cs:lnRef idx="0"/>
+    <cs:fillRef idx="0"/>
+    <cs:effectRef idx="0"/>
+    <cs:fontRef idx="minor">
+      <a:schemeClr val="dk1">
+        <a:lumMod val="75000"/>
+        <a:lumOff val="25000"/>
+      </a:schemeClr>
+    </cs:fontRef>
+    <cs:spPr>
+      <a:solidFill>
+        <a:schemeClr val="lt1">
+          <a:lumMod val="95000"/>
+          <a:alpha val="39000"/>
+        </a:schemeClr>
+      </a:solidFill>
+    </cs:spPr>
+    <cs:defRPr sz="900" kern="1200"/>
+  </cs:legend>
+  <cs:plotArea>
+    <cs:lnRef idx="0"/>
+    <cs:fillRef idx="0"/>
+    <cs:effectRef idx="0"/>
+    <cs:fontRef idx="minor">
+      <a:schemeClr val="dk1"/>
+    </cs:fontRef>
+  </cs:plotArea>
+  <cs:plotArea3D>
+    <cs:lnRef idx="0"/>
+    <cs:fillRef idx="0"/>
+    <cs:effectRef idx="0"/>
+    <cs:fontRef idx="minor">
+      <a:schemeClr val="dk1"/>
+    </cs:fontRef>
+  </cs:plotArea3D>
+  <cs:seriesAxis>
+    <cs:lnRef idx="0"/>
+    <cs:fillRef idx="0"/>
+    <cs:effectRef idx="0"/>
+    <cs:fontRef idx="minor">
+      <a:schemeClr val="dk1">
+        <a:lumMod val="75000"/>
+        <a:lumOff val="25000"/>
+      </a:schemeClr>
+    </cs:fontRef>
+    <cs:spPr>
+      <a:ln w="31750" cap="flat" cmpd="sng" algn="ctr">
+        <a:solidFill>
+          <a:schemeClr val="dk1">
+            <a:lumMod val="75000"/>
+            <a:lumOff val="25000"/>
+          </a:schemeClr>
+        </a:solidFill>
+        <a:round/>
+      </a:ln>
+    </cs:spPr>
+    <cs:defRPr sz="900" kern="1200"/>
+  </cs:seriesAxis>
+  <cs:seriesLine>
+    <cs:lnRef idx="0"/>
+    <cs:fillRef idx="0"/>
+    <cs:effectRef idx="0"/>
+    <cs:fontRef idx="minor">
+      <a:schemeClr val="dk1"/>
+    </cs:fontRef>
+    <cs:spPr>
+      <a:ln w="9525">
+        <a:solidFill>
+          <a:schemeClr val="dk1">
+            <a:lumMod val="50000"/>
+            <a:lumOff val="50000"/>
+          </a:schemeClr>
+        </a:solidFill>
+        <a:round/>
+      </a:ln>
+    </cs:spPr>
+  </cs:seriesLine>
+  <cs:title>
+    <cs:lnRef idx="0"/>
+    <cs:fillRef idx="0"/>
+    <cs:effectRef idx="0"/>
+    <cs:fontRef idx="minor">
+      <a:schemeClr val="dk1">
+        <a:lumMod val="75000"/>
+        <a:lumOff val="25000"/>
+      </a:schemeClr>
+    </cs:fontRef>
+    <cs:defRPr sz="1800" b="1" kern="1200" baseline="0"/>
+  </cs:title>
+  <cs:trendline>
+    <cs:lnRef idx="0">
+      <cs:styleClr val="auto"/>
+    </cs:lnRef>
+    <cs:fillRef idx="0"/>
+    <cs:effectRef idx="0"/>
+    <cs:fontRef idx="minor">
+      <a:schemeClr val="dk1"/>
+    </cs:fontRef>
+    <cs:spPr>
+      <a:ln w="19050" cap="rnd">
+        <a:solidFill>
+          <a:schemeClr val="phClr"/>
+        </a:solidFill>
+      </a:ln>
+    </cs:spPr>
+  </cs:trendline>
+  <cs:trendlineLabel>
+    <cs:lnRef idx="0"/>
+    <cs:fillRef idx="0"/>
+    <cs:effectRef idx="0"/>
+    <cs:fontRef idx="minor">
+      <a:schemeClr val="dk1">
+        <a:lumMod val="75000"/>
+        <a:lumOff val="25000"/>
+      </a:schemeClr>
+    </cs:fontRef>
+    <cs:defRPr sz="900" kern="1200"/>
+  </cs:trendlineLabel>
+  <cs:upBar>
+    <cs:lnRef idx="0"/>
+    <cs:fillRef idx="0"/>
+    <cs:effectRef idx="0"/>
+    <cs:fontRef idx="minor">
+      <a:schemeClr val="dk1"/>
+    </cs:fontRef>
+    <cs:spPr>
+      <a:solidFill>
+        <a:schemeClr val="lt1"/>
+      </a:solidFill>
+      <a:ln w="9525">
+        <a:solidFill>
+          <a:schemeClr val="dk1">
+            <a:lumMod val="65000"/>
+            <a:lumOff val="35000"/>
+          </a:schemeClr>
+        </a:solidFill>
+      </a:ln>
+    </cs:spPr>
+  </cs:upBar>
+  <cs:valueAxis>
+    <cs:lnRef idx="0"/>
+    <cs:fillRef idx="0"/>
+    <cs:effectRef idx="0"/>
+    <cs:fontRef idx="minor">
+      <a:schemeClr val="dk1">
+        <a:lumMod val="75000"/>
+        <a:lumOff val="25000"/>
+      </a:schemeClr>
+    </cs:fontRef>
+    <cs:spPr>
+      <a:ln>
+        <a:noFill/>
+      </a:ln>
+    </cs:spPr>
+    <cs:defRPr sz="900" kern="1200"/>
+  </cs:valueAxis>
+  <cs:wall>
+    <cs:lnRef idx="0"/>
+    <cs:fillRef idx="0"/>
+    <cs:effectRef idx="0"/>
+    <cs:fontRef idx="minor">
+      <a:schemeClr val="dk1"/>
+    </cs:fontRef>
+  </cs:wall>
+</cs:chartStyle>
+</file>
+
+<file path=ppt/notesMasters/notesMaster1.xml><?xml version="1.0" encoding="utf-8"?>
+<p:notesMaster xmlns:a="http://schemas.openxmlformats.org/drawingml/2006/main" xmlns:r="http://schemas.openxmlformats.org/officeDocument/2006/relationships" xmlns:p="http://schemas.openxmlformats.org/presentationml/2006/main">
+  <p:cSld>
+    <p:bg>
+      <p:bgRef idx="1001">
+        <a:schemeClr val="bg1"/>
+      </p:bgRef>
+    </p:bg>
+    <p:spTree>
+      <p:nvGrpSpPr>
+        <p:cNvPr id="1" name=""/>
+        <p:cNvGrpSpPr/>
+        <p:nvPr/>
+      </p:nvGrpSpPr>
+      <p:grpSpPr>
+        <a:xfrm>
+          <a:off x="0" y="0"/>
+          <a:ext cx="0" cy="0"/>
+          <a:chOff x="0" y="0"/>
+          <a:chExt cx="0" cy="0"/>
+        </a:xfrm>
+      </p:grpSpPr>
+      <p:sp>
+        <p:nvSpPr>
+          <p:cNvPr id="2" name="Espace réservé de l'en-tête 1"/>
+          <p:cNvSpPr>
+            <a:spLocks noGrp="1"/>
+          </p:cNvSpPr>
+          <p:nvPr>
+            <p:ph type="hdr" sz="quarter"/>
+          </p:nvPr>
+        </p:nvSpPr>
+        <p:spPr>
+          <a:xfrm>
+            <a:off x="0" y="0"/>
+            <a:ext cx="2971800" cy="458788"/>
+          </a:xfrm>
+          <a:prstGeom prst="rect">
+            <a:avLst/>
+          </a:prstGeom>
+        </p:spPr>
+        <p:txBody>
+          <a:bodyPr vert="horz" lIns="91440" tIns="45720" rIns="91440" bIns="45720" rtlCol="0"/>
+          <a:lstStyle>
+            <a:lvl1pPr algn="l">
+              <a:defRPr sz="1200"/>
+            </a:lvl1pPr>
+          </a:lstStyle>
+          <a:p>
+            <a:endParaRPr lang="fr-FR"/>
+          </a:p>
+        </p:txBody>
+      </p:sp>
+      <p:sp>
+        <p:nvSpPr>
+          <p:cNvPr id="3" name="Espace réservé de la date 2"/>
+          <p:cNvSpPr>
+            <a:spLocks noGrp="1"/>
+          </p:cNvSpPr>
+          <p:nvPr>
+            <p:ph type="dt" idx="1"/>
+          </p:nvPr>
+        </p:nvSpPr>
+        <p:spPr>
+          <a:xfrm>
+            <a:off x="3884613" y="0"/>
+            <a:ext cx="2971800" cy="458788"/>
+          </a:xfrm>
+          <a:prstGeom prst="rect">
+            <a:avLst/>
+          </a:prstGeom>
+        </p:spPr>
+        <p:txBody>
+          <a:bodyPr vert="horz" lIns="91440" tIns="45720" rIns="91440" bIns="45720" rtlCol="0"/>
+          <a:lstStyle>
+            <a:lvl1pPr algn="r">
+              <a:defRPr sz="1200"/>
+            </a:lvl1pPr>
+          </a:lstStyle>
+          <a:p>
+            <a:fld id="{20D825CB-773D-AD49-8D83-1E98FC762E5E}" type="datetimeFigureOut">
+              <a:rPr lang="fr-FR" smtClean="0"/>
+              <a:t>16/01/2020</a:t>
+            </a:fld>
+            <a:endParaRPr lang="fr-FR"/>
+          </a:p>
+        </p:txBody>
+      </p:sp>
+      <p:sp>
+        <p:nvSpPr>
+          <p:cNvPr id="4" name="Espace réservé de l'image des diapositives 3"/>
+          <p:cNvSpPr>
+            <a:spLocks noGrp="1" noRot="1" noChangeAspect="1"/>
+          </p:cNvSpPr>
+          <p:nvPr>
+            <p:ph type="sldImg" idx="2"/>
+          </p:nvPr>
+        </p:nvSpPr>
+        <p:spPr>
+          <a:xfrm>
+            <a:off x="685800" y="1143000"/>
+            <a:ext cx="5486400" cy="3086100"/>
+          </a:xfrm>
+          <a:prstGeom prst="rect">
+            <a:avLst/>
+          </a:prstGeom>
+          <a:noFill/>
+          <a:ln w="12700">
+            <a:solidFill>
+              <a:prstClr val="black"/>
+            </a:solidFill>
+          </a:ln>
+        </p:spPr>
+        <p:txBody>
+          <a:bodyPr vert="horz" lIns="91440" tIns="45720" rIns="91440" bIns="45720" rtlCol="0" anchor="ctr"/>
+          <a:lstStyle/>
+          <a:p>
+            <a:endParaRPr lang="fr-FR"/>
+          </a:p>
+        </p:txBody>
+      </p:sp>
+      <p:sp>
+        <p:nvSpPr>
+          <p:cNvPr id="5" name="Espace réservé des notes 4"/>
+          <p:cNvSpPr>
+            <a:spLocks noGrp="1"/>
+          </p:cNvSpPr>
+          <p:nvPr>
+            <p:ph type="body" sz="quarter" idx="3"/>
+          </p:nvPr>
+        </p:nvSpPr>
+        <p:spPr>
+          <a:xfrm>
+            <a:off x="685800" y="4400550"/>
+            <a:ext cx="5486400" cy="3600450"/>
+          </a:xfrm>
+          <a:prstGeom prst="rect">
+            <a:avLst/>
+          </a:prstGeom>
+        </p:spPr>
+        <p:txBody>
+          <a:bodyPr vert="horz" lIns="91440" tIns="45720" rIns="91440" bIns="45720" rtlCol="0"/>
+          <a:lstStyle/>
+          <a:p>
+            <a:pPr lvl="0"/>
+            <a:r>
+              <a:rPr lang="fr-FR"/>
+              <a:t>Cliquez pour modifier les styles du texte du masque</a:t>
+            </a:r>
+          </a:p>
+          <a:p>
+            <a:pPr lvl="1"/>
+            <a:r>
+              <a:rPr lang="fr-FR"/>
+              <a:t>Deuxième niveau</a:t>
+            </a:r>
+          </a:p>
+          <a:p>
+            <a:pPr lvl="2"/>
+            <a:r>
+              <a:rPr lang="fr-FR"/>
+              <a:t>Troisième niveau</a:t>
+            </a:r>
+          </a:p>
+          <a:p>
+            <a:pPr lvl="3"/>
+            <a:r>
+              <a:rPr lang="fr-FR"/>
+              <a:t>Quatrième niveau</a:t>
+            </a:r>
+          </a:p>
+          <a:p>
+            <a:pPr lvl="4"/>
+            <a:r>
+              <a:rPr lang="fr-FR"/>
+              <a:t>Cinquième niveau</a:t>
+            </a:r>
+          </a:p>
+        </p:txBody>
+      </p:sp>
+      <p:sp>
+        <p:nvSpPr>
+          <p:cNvPr id="6" name="Espace réservé du pied de page 5"/>
+          <p:cNvSpPr>
+            <a:spLocks noGrp="1"/>
+          </p:cNvSpPr>
+          <p:nvPr>
+            <p:ph type="ftr" sz="quarter" idx="4"/>
+          </p:nvPr>
+        </p:nvSpPr>
+        <p:spPr>
+          <a:xfrm>
+            <a:off x="0" y="8685213"/>
+            <a:ext cx="2971800" cy="458787"/>
+          </a:xfrm>
+          <a:prstGeom prst="rect">
+            <a:avLst/>
+          </a:prstGeom>
+        </p:spPr>
+        <p:txBody>
+          <a:bodyPr vert="horz" lIns="91440" tIns="45720" rIns="91440" bIns="45720" rtlCol="0" anchor="b"/>
+          <a:lstStyle>
+            <a:lvl1pPr algn="l">
+              <a:defRPr sz="1200"/>
+            </a:lvl1pPr>
+          </a:lstStyle>
+          <a:p>
+            <a:endParaRPr lang="fr-FR"/>
+          </a:p>
+        </p:txBody>
+      </p:sp>
+      <p:sp>
+        <p:nvSpPr>
+          <p:cNvPr id="7" name="Espace réservé du numéro de diapositive 6"/>
+          <p:cNvSpPr>
+            <a:spLocks noGrp="1"/>
+          </p:cNvSpPr>
+          <p:nvPr>
+            <p:ph type="sldNum" sz="quarter" idx="5"/>
+          </p:nvPr>
+        </p:nvSpPr>
+        <p:spPr>
+          <a:xfrm>
+            <a:off x="3884613" y="8685213"/>
+            <a:ext cx="2971800" cy="458787"/>
+          </a:xfrm>
+          <a:prstGeom prst="rect">
+            <a:avLst/>
+          </a:prstGeom>
+        </p:spPr>
+        <p:txBody>
+          <a:bodyPr vert="horz" lIns="91440" tIns="45720" rIns="91440" bIns="45720" rtlCol="0" anchor="b"/>
+          <a:lstStyle>
+            <a:lvl1pPr algn="r">
+              <a:defRPr sz="1200"/>
+            </a:lvl1pPr>
+          </a:lstStyle>
+          <a:p>
+            <a:fld id="{945A183C-ED24-C14C-A7A8-D2DCCF4A2A69}" type="slidenum">
+              <a:rPr lang="fr-FR" smtClean="0"/>
+              <a:t>‹N°›</a:t>
+            </a:fld>
+            <a:endParaRPr lang="fr-FR"/>
+          </a:p>
+        </p:txBody>
+      </p:sp>
+    </p:spTree>
+    <p:extLst>
+      <p:ext uri="{BB962C8B-B14F-4D97-AF65-F5344CB8AC3E}">
+        <p14:creationId xmlns:p14="http://schemas.microsoft.com/office/powerpoint/2010/main" val="2650408231"/>
+      </p:ext>
+    </p:extLst>
+  </p:cSld>
+  <p:clrMap bg1="lt1" tx1="dk1" bg2="lt2" tx2="dk2" accent1="accent1" accent2="accent2" accent3="accent3" accent4="accent4" accent5="accent5" accent6="accent6" hlink="hlink" folHlink="folHlink"/>
+  <p:notesStyle>
+    <a:lvl1pPr marL="0" algn="l" defTabSz="914400" rtl="0" eaLnBrk="1" latinLnBrk="0" hangingPunct="1">
+      <a:defRPr sz="1200" kern="1200">
+        <a:solidFill>
+          <a:schemeClr val="tx1"/>
+        </a:solidFill>
+        <a:latin typeface="+mn-lt"/>
+        <a:ea typeface="+mn-ea"/>
+        <a:cs typeface="+mn-cs"/>
+      </a:defRPr>
+    </a:lvl1pPr>
+    <a:lvl2pPr marL="457200" algn="l" defTabSz="914400" rtl="0" eaLnBrk="1" latinLnBrk="0" hangingPunct="1">
+      <a:defRPr sz="1200" kern="1200">
+        <a:solidFill>
+          <a:schemeClr val="tx1"/>
+        </a:solidFill>
+        <a:latin typeface="+mn-lt"/>
+        <a:ea typeface="+mn-ea"/>
+        <a:cs typeface="+mn-cs"/>
+      </a:defRPr>
+    </a:lvl2pPr>
+    <a:lvl3pPr marL="914400" algn="l" defTabSz="914400" rtl="0" eaLnBrk="1" latinLnBrk="0" hangingPunct="1">
+      <a:defRPr sz="1200" kern="1200">
+        <a:solidFill>
+          <a:schemeClr val="tx1"/>
+        </a:solidFill>
+        <a:latin typeface="+mn-lt"/>
+        <a:ea typeface="+mn-ea"/>
+        <a:cs typeface="+mn-cs"/>
+      </a:defRPr>
+    </a:lvl3pPr>
+    <a:lvl4pPr marL="1371600" algn="l" defTabSz="914400" rtl="0" eaLnBrk="1" latinLnBrk="0" hangingPunct="1">
+      <a:defRPr sz="1200" kern="1200">
+        <a:solidFill>
+          <a:schemeClr val="tx1"/>
+        </a:solidFill>
+        <a:latin typeface="+mn-lt"/>
+        <a:ea typeface="+mn-ea"/>
+        <a:cs typeface="+mn-cs"/>
+      </a:defRPr>
+    </a:lvl4pPr>
+    <a:lvl5pPr marL="1828800" algn="l" defTabSz="914400" rtl="0" eaLnBrk="1" latinLnBrk="0" hangingPunct="1">
+      <a:defRPr sz="1200" kern="1200">
+        <a:solidFill>
+          <a:schemeClr val="tx1"/>
+        </a:solidFill>
+        <a:latin typeface="+mn-lt"/>
+        <a:ea typeface="+mn-ea"/>
+        <a:cs typeface="+mn-cs"/>
+      </a:defRPr>
+    </a:lvl5pPr>
+    <a:lvl6pPr marL="2286000" algn="l" defTabSz="914400" rtl="0" eaLnBrk="1" latinLnBrk="0" hangingPunct="1">
+      <a:defRPr sz="1200" kern="1200">
+        <a:solidFill>
+          <a:schemeClr val="tx1"/>
+        </a:solidFill>
+        <a:latin typeface="+mn-lt"/>
+        <a:ea typeface="+mn-ea"/>
+        <a:cs typeface="+mn-cs"/>
+      </a:defRPr>
+    </a:lvl6pPr>
+    <a:lvl7pPr marL="2743200" algn="l" defTabSz="914400" rtl="0" eaLnBrk="1" latinLnBrk="0" hangingPunct="1">
+      <a:defRPr sz="1200" kern="1200">
+        <a:solidFill>
+          <a:schemeClr val="tx1"/>
+        </a:solidFill>
+        <a:latin typeface="+mn-lt"/>
+        <a:ea typeface="+mn-ea"/>
+        <a:cs typeface="+mn-cs"/>
+      </a:defRPr>
+    </a:lvl7pPr>
+    <a:lvl8pPr marL="3200400" algn="l" defTabSz="914400" rtl="0" eaLnBrk="1" latinLnBrk="0" hangingPunct="1">
+      <a:defRPr sz="1200" kern="1200">
+        <a:solidFill>
+          <a:schemeClr val="tx1"/>
+        </a:solidFill>
+        <a:latin typeface="+mn-lt"/>
+        <a:ea typeface="+mn-ea"/>
+        <a:cs typeface="+mn-cs"/>
+      </a:defRPr>
+    </a:lvl8pPr>
+    <a:lvl9pPr marL="3657600" algn="l" defTabSz="914400" rtl="0" eaLnBrk="1" latinLnBrk="0" hangingPunct="1">
+      <a:defRPr sz="1200" kern="1200">
+        <a:solidFill>
+          <a:schemeClr val="tx1"/>
+        </a:solidFill>
+        <a:latin typeface="+mn-lt"/>
+        <a:ea typeface="+mn-ea"/>
+        <a:cs typeface="+mn-cs"/>
+      </a:defRPr>
+    </a:lvl9pPr>
+  </p:notesStyle>
+</p:notesMaster>
+</file>
+
 <file path=ppt/slideLayouts/slideLayout1.xml><?xml version="1.0" encoding="utf-8"?>
 <p:sldLayout xmlns:a="http://schemas.openxmlformats.org/drawingml/2006/main" xmlns:r="http://schemas.openxmlformats.org/officeDocument/2006/relationships" xmlns:p="http://schemas.openxmlformats.org/presentationml/2006/main" type="title" preserve="1">
   <p:cSld name="Diapositive de titre">
@@ -258,9 +2741,9 @@
           <a:bodyPr/>
           <a:lstStyle/>
           <a:p>
-            <a:fld id="{E5410254-4EC3-EB46-B3C5-F12470FD5879}" type="datetimeFigureOut">
+            <a:fld id="{98A14F5B-6673-7840-89BC-0A34B734D24E}" type="datetime1">
               <a:rPr lang="fr-FR" smtClean="0"/>
-              <a:t>14/01/2020</a:t>
+              <a:t>16/01/2020</a:t>
             </a:fld>
             <a:endParaRPr lang="fr-FR"/>
           </a:p>
@@ -456,9 +2939,9 @@
           <a:bodyPr/>
           <a:lstStyle/>
           <a:p>
-            <a:fld id="{E5410254-4EC3-EB46-B3C5-F12470FD5879}" type="datetimeFigureOut">
+            <a:fld id="{00CF7D14-E982-F241-B276-D6873982DD3C}" type="datetime1">
               <a:rPr lang="fr-FR" smtClean="0"/>
-              <a:t>14/01/2020</a:t>
+              <a:t>16/01/2020</a:t>
             </a:fld>
             <a:endParaRPr lang="fr-FR"/>
           </a:p>
@@ -664,9 +3147,9 @@
           <a:bodyPr/>
           <a:lstStyle/>
           <a:p>
-            <a:fld id="{E5410254-4EC3-EB46-B3C5-F12470FD5879}" type="datetimeFigureOut">
+            <a:fld id="{CF8470AE-B314-3945-9B41-263EE1DC1CEA}" type="datetime1">
               <a:rPr lang="fr-FR" smtClean="0"/>
-              <a:t>14/01/2020</a:t>
+              <a:t>16/01/2020</a:t>
             </a:fld>
             <a:endParaRPr lang="fr-FR"/>
           </a:p>
@@ -862,9 +3345,9 @@
           <a:bodyPr/>
           <a:lstStyle/>
           <a:p>
-            <a:fld id="{E5410254-4EC3-EB46-B3C5-F12470FD5879}" type="datetimeFigureOut">
+            <a:fld id="{D81EEBB6-F2FA-8F44-91CC-D71C765258A4}" type="datetime1">
               <a:rPr lang="fr-FR" smtClean="0"/>
-              <a:t>14/01/2020</a:t>
+              <a:t>16/01/2020</a:t>
             </a:fld>
             <a:endParaRPr lang="fr-FR"/>
           </a:p>
@@ -1137,9 +3620,9 @@
           <a:bodyPr/>
           <a:lstStyle/>
           <a:p>
-            <a:fld id="{E5410254-4EC3-EB46-B3C5-F12470FD5879}" type="datetimeFigureOut">
+            <a:fld id="{0A3FBF68-4244-144D-A814-293E2C1B7482}" type="datetime1">
               <a:rPr lang="fr-FR" smtClean="0"/>
-              <a:t>14/01/2020</a:t>
+              <a:t>16/01/2020</a:t>
             </a:fld>
             <a:endParaRPr lang="fr-FR"/>
           </a:p>
@@ -1402,9 +3885,9 @@
           <a:bodyPr/>
           <a:lstStyle/>
           <a:p>
-            <a:fld id="{E5410254-4EC3-EB46-B3C5-F12470FD5879}" type="datetimeFigureOut">
+            <a:fld id="{6450058F-A2FA-6C49-8426-26D8797449F0}" type="datetime1">
               <a:rPr lang="fr-FR" smtClean="0"/>
-              <a:t>14/01/2020</a:t>
+              <a:t>16/01/2020</a:t>
             </a:fld>
             <a:endParaRPr lang="fr-FR"/>
           </a:p>
@@ -1814,9 +4297,9 @@
           <a:bodyPr/>
           <a:lstStyle/>
           <a:p>
-            <a:fld id="{E5410254-4EC3-EB46-B3C5-F12470FD5879}" type="datetimeFigureOut">
+            <a:fld id="{B3AF13CE-DB39-D447-A835-6B029442125E}" type="datetime1">
               <a:rPr lang="fr-FR" smtClean="0"/>
-              <a:t>14/01/2020</a:t>
+              <a:t>16/01/2020</a:t>
             </a:fld>
             <a:endParaRPr lang="fr-FR"/>
           </a:p>
@@ -1955,9 +4438,9 @@
           <a:bodyPr/>
           <a:lstStyle/>
           <a:p>
-            <a:fld id="{E5410254-4EC3-EB46-B3C5-F12470FD5879}" type="datetimeFigureOut">
+            <a:fld id="{C3B75E31-5219-554A-AED6-80AC1082BFCE}" type="datetime1">
               <a:rPr lang="fr-FR" smtClean="0"/>
-              <a:t>14/01/2020</a:t>
+              <a:t>16/01/2020</a:t>
             </a:fld>
             <a:endParaRPr lang="fr-FR"/>
           </a:p>
@@ -2068,9 +4551,9 @@
           <a:bodyPr/>
           <a:lstStyle/>
           <a:p>
-            <a:fld id="{E5410254-4EC3-EB46-B3C5-F12470FD5879}" type="datetimeFigureOut">
+            <a:fld id="{2BD52F74-BEAE-C04C-9709-45F84B689E2D}" type="datetime1">
               <a:rPr lang="fr-FR" smtClean="0"/>
-              <a:t>14/01/2020</a:t>
+              <a:t>16/01/2020</a:t>
             </a:fld>
             <a:endParaRPr lang="fr-FR"/>
           </a:p>
@@ -2379,9 +4862,9 @@
           <a:bodyPr/>
           <a:lstStyle/>
           <a:p>
-            <a:fld id="{E5410254-4EC3-EB46-B3C5-F12470FD5879}" type="datetimeFigureOut">
+            <a:fld id="{98420E8E-B4B4-D44C-A3AD-C346813CE7E2}" type="datetime1">
               <a:rPr lang="fr-FR" smtClean="0"/>
-              <a:t>14/01/2020</a:t>
+              <a:t>16/01/2020</a:t>
             </a:fld>
             <a:endParaRPr lang="fr-FR"/>
           </a:p>
@@ -2667,9 +5150,9 @@
           <a:bodyPr/>
           <a:lstStyle/>
           <a:p>
-            <a:fld id="{E5410254-4EC3-EB46-B3C5-F12470FD5879}" type="datetimeFigureOut">
+            <a:fld id="{B700CF6F-C42D-4D4F-B48E-DD4B463EE715}" type="datetime1">
               <a:rPr lang="fr-FR" smtClean="0"/>
-              <a:t>14/01/2020</a:t>
+              <a:t>16/01/2020</a:t>
             </a:fld>
             <a:endParaRPr lang="fr-FR"/>
           </a:p>
@@ -2746,9 +5229,34 @@
 <p:sldMaster xmlns:a="http://schemas.openxmlformats.org/drawingml/2006/main" xmlns:r="http://schemas.openxmlformats.org/officeDocument/2006/relationships" xmlns:p="http://schemas.openxmlformats.org/presentationml/2006/main">
   <p:cSld>
     <p:bg>
-      <p:bgRef idx="1001">
-        <a:schemeClr val="bg1"/>
-      </p:bgRef>
+      <p:bgPr>
+        <a:gradFill flip="none" rotWithShape="1">
+          <a:gsLst>
+            <a:gs pos="0">
+              <a:schemeClr val="accent3">
+                <a:lumMod val="0"/>
+                <a:lumOff val="100000"/>
+              </a:schemeClr>
+            </a:gs>
+            <a:gs pos="35000">
+              <a:schemeClr val="accent3">
+                <a:lumMod val="0"/>
+                <a:lumOff val="100000"/>
+              </a:schemeClr>
+            </a:gs>
+            <a:gs pos="100000">
+              <a:schemeClr val="accent3">
+                <a:lumMod val="100000"/>
+              </a:schemeClr>
+            </a:gs>
+          </a:gsLst>
+          <a:path path="circle">
+            <a:fillToRect l="50000" t="-80000" r="50000" b="180000"/>
+          </a:path>
+          <a:tileRect/>
+        </a:gradFill>
+        <a:effectLst/>
+      </p:bgPr>
     </p:bg>
     <p:spTree>
       <p:nvGrpSpPr>
@@ -2908,9 +5416,9 @@
             </a:lvl1pPr>
           </a:lstStyle>
           <a:p>
-            <a:fld id="{E5410254-4EC3-EB46-B3C5-F12470FD5879}" type="datetimeFigureOut">
+            <a:fld id="{0BA5BA32-0E1F-834E-87FB-1204F30B4FD0}" type="datetime1">
               <a:rPr lang="fr-FR" smtClean="0"/>
-              <a:t>14/01/2020</a:t>
+              <a:t>16/01/2020</a:t>
             </a:fld>
             <a:endParaRPr lang="fr-FR"/>
           </a:p>
@@ -3027,6 +5535,7 @@
     <p:sldLayoutId id="2147483658" r:id="rId10"/>
     <p:sldLayoutId id="2147483659" r:id="rId11"/>
   </p:sldLayoutIdLst>
+  <p:hf hdr="0" ftr="0" dt="0"/>
   <p:txStyles>
     <p:titleStyle>
       <a:lvl1pPr algn="l" defTabSz="914400" rtl="0" eaLnBrk="1" latinLnBrk="0" hangingPunct="1">
@@ -3329,10 +5838,1871 @@
       </p:grpSpPr>
       <p:sp>
         <p:nvSpPr>
-          <p:cNvPr id="4" name="Rectangle 3">
-            <a:extLst>
-              <a:ext uri="{FF2B5EF4-FFF2-40B4-BE49-F238E27FC236}">
-                <a16:creationId xmlns:a16="http://schemas.microsoft.com/office/drawing/2014/main" id="{0CCF2BC5-B74A-AF4A-9499-E8EE390EE8DF}"/>
+          <p:cNvPr id="4" name="ZoneTexte 3">
+            <a:extLst>
+              <a:ext uri="{FF2B5EF4-FFF2-40B4-BE49-F238E27FC236}">
+                <a16:creationId xmlns:a16="http://schemas.microsoft.com/office/drawing/2014/main" id="{47EDB9A0-8C89-FE4F-9ABF-1C99CA544E1E}"/>
+              </a:ext>
+            </a:extLst>
+          </p:cNvPr>
+          <p:cNvSpPr txBox="1"/>
+          <p:nvPr/>
+        </p:nvSpPr>
+        <p:spPr>
+          <a:xfrm>
+            <a:off x="1183341" y="1435348"/>
+            <a:ext cx="9825318" cy="1754326"/>
+          </a:xfrm>
+          <a:prstGeom prst="rect">
+            <a:avLst/>
+          </a:prstGeom>
+          <a:noFill/>
+        </p:spPr>
+        <p:txBody>
+          <a:bodyPr wrap="square" rtlCol="0">
+            <a:spAutoFit/>
+          </a:bodyPr>
+          <a:lstStyle/>
+          <a:p>
+            <a:pPr algn="ctr"/>
+            <a:r>
+              <a:rPr lang="fr-FR" sz="5400" b="1" dirty="0" err="1">
+                <a:solidFill>
+                  <a:srgbClr val="7030A0"/>
+                </a:solidFill>
+              </a:rPr>
+              <a:t>Development</a:t>
+            </a:r>
+            <a:r>
+              <a:rPr lang="fr-FR" sz="5400" b="1" dirty="0">
+                <a:solidFill>
+                  <a:srgbClr val="7030A0"/>
+                </a:solidFill>
+              </a:rPr>
+              <a:t> of a </a:t>
+            </a:r>
+          </a:p>
+          <a:p>
+            <a:pPr algn="ctr"/>
+            <a:r>
+              <a:rPr lang="fr-FR" sz="5400" b="1" dirty="0" err="1">
+                <a:solidFill>
+                  <a:srgbClr val="7030A0"/>
+                </a:solidFill>
+              </a:rPr>
+              <a:t>fsATI</a:t>
+            </a:r>
+            <a:r>
+              <a:rPr lang="fr-FR" sz="5400" b="1" dirty="0">
+                <a:solidFill>
+                  <a:srgbClr val="7030A0"/>
+                </a:solidFill>
+              </a:rPr>
+              <a:t> mutation </a:t>
+            </a:r>
+            <a:r>
+              <a:rPr lang="fr-FR" sz="5400" b="1" dirty="0" err="1">
+                <a:solidFill>
+                  <a:srgbClr val="7030A0"/>
+                </a:solidFill>
+              </a:rPr>
+              <a:t>search</a:t>
+            </a:r>
+            <a:r>
+              <a:rPr lang="fr-FR" sz="5400" b="1" dirty="0">
+                <a:solidFill>
+                  <a:srgbClr val="7030A0"/>
+                </a:solidFill>
+              </a:rPr>
+              <a:t> </a:t>
+            </a:r>
+            <a:r>
+              <a:rPr lang="fr-FR" sz="5400" b="1" dirty="0" err="1">
+                <a:solidFill>
+                  <a:srgbClr val="7030A0"/>
+                </a:solidFill>
+              </a:rPr>
+              <a:t>tool</a:t>
+            </a:r>
+            <a:r>
+              <a:rPr lang="fr-FR" sz="5400" b="1" dirty="0">
+                <a:solidFill>
+                  <a:srgbClr val="7030A0"/>
+                </a:solidFill>
+              </a:rPr>
+              <a:t> </a:t>
+            </a:r>
+          </a:p>
+        </p:txBody>
+      </p:sp>
+      <p:sp>
+        <p:nvSpPr>
+          <p:cNvPr id="5" name="ZoneTexte 4">
+            <a:extLst>
+              <a:ext uri="{FF2B5EF4-FFF2-40B4-BE49-F238E27FC236}">
+                <a16:creationId xmlns:a16="http://schemas.microsoft.com/office/drawing/2014/main" id="{20EB40DB-D530-0744-8040-06B60B5D477A}"/>
+              </a:ext>
+            </a:extLst>
+          </p:cNvPr>
+          <p:cNvSpPr txBox="1"/>
+          <p:nvPr/>
+        </p:nvSpPr>
+        <p:spPr>
+          <a:xfrm>
+            <a:off x="716514" y="4760259"/>
+            <a:ext cx="3204788" cy="1384995"/>
+          </a:xfrm>
+          <a:prstGeom prst="rect">
+            <a:avLst/>
+          </a:prstGeom>
+          <a:noFill/>
+        </p:spPr>
+        <p:txBody>
+          <a:bodyPr wrap="none" rtlCol="0">
+            <a:spAutoFit/>
+          </a:bodyPr>
+          <a:lstStyle/>
+          <a:p>
+            <a:pPr algn="ctr"/>
+            <a:r>
+              <a:rPr lang="fr-FR" sz="2800" dirty="0"/>
+              <a:t>Julie GORSE BOGOIN</a:t>
+            </a:r>
+          </a:p>
+          <a:p>
+            <a:pPr algn="ctr"/>
+            <a:r>
+              <a:rPr lang="fr-FR" sz="2800" dirty="0"/>
+              <a:t>M2 BIB </a:t>
+            </a:r>
+          </a:p>
+          <a:p>
+            <a:pPr algn="ctr"/>
+            <a:r>
+              <a:rPr lang="fr-FR" sz="2800" dirty="0"/>
+              <a:t>2019-2020</a:t>
+            </a:r>
+          </a:p>
+        </p:txBody>
+      </p:sp>
+      <p:pic>
+        <p:nvPicPr>
+          <p:cNvPr id="7" name="Image 6">
+            <a:extLst>
+              <a:ext uri="{FF2B5EF4-FFF2-40B4-BE49-F238E27FC236}">
+                <a16:creationId xmlns:a16="http://schemas.microsoft.com/office/drawing/2014/main" id="{A64A2CD8-A604-1840-9DEB-F0BA2B6BAFEC}"/>
+              </a:ext>
+            </a:extLst>
+          </p:cNvPr>
+          <p:cNvPicPr>
+            <a:picLocks noChangeAspect="1"/>
+          </p:cNvPicPr>
+          <p:nvPr/>
+        </p:nvPicPr>
+        <p:blipFill>
+          <a:blip r:embed="rId2"/>
+          <a:stretch>
+            <a:fillRect/>
+          </a:stretch>
+        </p:blipFill>
+        <p:spPr>
+          <a:xfrm>
+            <a:off x="9789510" y="4760258"/>
+            <a:ext cx="1384996" cy="1384996"/>
+          </a:xfrm>
+          <a:prstGeom prst="rect">
+            <a:avLst/>
+          </a:prstGeom>
+        </p:spPr>
+      </p:pic>
+      <p:pic>
+        <p:nvPicPr>
+          <p:cNvPr id="9" name="Image 8">
+            <a:extLst>
+              <a:ext uri="{FF2B5EF4-FFF2-40B4-BE49-F238E27FC236}">
+                <a16:creationId xmlns:a16="http://schemas.microsoft.com/office/drawing/2014/main" id="{B83FC780-53ED-9B48-9F9D-18BC143913EC}"/>
+              </a:ext>
+            </a:extLst>
+          </p:cNvPr>
+          <p:cNvPicPr>
+            <a:picLocks noChangeAspect="1"/>
+          </p:cNvPicPr>
+          <p:nvPr/>
+        </p:nvPicPr>
+        <p:blipFill>
+          <a:blip r:embed="rId3"/>
+          <a:stretch>
+            <a:fillRect/>
+          </a:stretch>
+        </p:blipFill>
+        <p:spPr>
+          <a:xfrm>
+            <a:off x="6589059" y="4760258"/>
+            <a:ext cx="2626659" cy="1378996"/>
+          </a:xfrm>
+          <a:prstGeom prst="rect">
+            <a:avLst/>
+          </a:prstGeom>
+        </p:spPr>
+      </p:pic>
+      <p:sp>
+        <p:nvSpPr>
+          <p:cNvPr id="10" name="Espace réservé du numéro de diapositive 9">
+            <a:extLst>
+              <a:ext uri="{FF2B5EF4-FFF2-40B4-BE49-F238E27FC236}">
+                <a16:creationId xmlns:a16="http://schemas.microsoft.com/office/drawing/2014/main" id="{DC82C9CF-1C5A-0F46-950C-E8C74E8638A2}"/>
+              </a:ext>
+            </a:extLst>
+          </p:cNvPr>
+          <p:cNvSpPr>
+            <a:spLocks noGrp="1"/>
+          </p:cNvSpPr>
+          <p:nvPr>
+            <p:ph type="sldNum" sz="quarter" idx="12"/>
+          </p:nvPr>
+        </p:nvSpPr>
+        <p:spPr/>
+        <p:txBody>
+          <a:bodyPr/>
+          <a:lstStyle/>
+          <a:p>
+            <a:fld id="{78CFE27D-7682-E84F-8CEA-9319D67B9D0B}" type="slidenum">
+              <a:rPr lang="fr-FR" smtClean="0"/>
+              <a:t>1</a:t>
+            </a:fld>
+            <a:endParaRPr lang="fr-FR"/>
+          </a:p>
+        </p:txBody>
+      </p:sp>
+    </p:spTree>
+    <p:extLst>
+      <p:ext uri="{BB962C8B-B14F-4D97-AF65-F5344CB8AC3E}">
+        <p14:creationId xmlns:p14="http://schemas.microsoft.com/office/powerpoint/2010/main" val="3058844025"/>
+      </p:ext>
+    </p:extLst>
+  </p:cSld>
+  <p:clrMapOvr>
+    <a:masterClrMapping/>
+  </p:clrMapOvr>
+</p:sld>
+</file>
+
+<file path=ppt/slides/slide10.xml><?xml version="1.0" encoding="utf-8"?>
+<p:sld xmlns:a="http://schemas.openxmlformats.org/drawingml/2006/main" xmlns:r="http://schemas.openxmlformats.org/officeDocument/2006/relationships" xmlns:p="http://schemas.openxmlformats.org/presentationml/2006/main">
+  <p:cSld>
+    <p:spTree>
+      <p:nvGrpSpPr>
+        <p:cNvPr id="1" name=""/>
+        <p:cNvGrpSpPr/>
+        <p:nvPr/>
+      </p:nvGrpSpPr>
+      <p:grpSpPr>
+        <a:xfrm>
+          <a:off x="0" y="0"/>
+          <a:ext cx="0" cy="0"/>
+          <a:chOff x="0" y="0"/>
+          <a:chExt cx="0" cy="0"/>
+        </a:xfrm>
+      </p:grpSpPr>
+      <p:sp>
+        <p:nvSpPr>
+          <p:cNvPr id="3" name="Espace réservé du contenu 2">
+            <a:extLst>
+              <a:ext uri="{FF2B5EF4-FFF2-40B4-BE49-F238E27FC236}">
+                <a16:creationId xmlns:a16="http://schemas.microsoft.com/office/drawing/2014/main" id="{5CF85A46-2847-CA4F-86C7-04435A317157}"/>
+              </a:ext>
+            </a:extLst>
+          </p:cNvPr>
+          <p:cNvSpPr>
+            <a:spLocks noGrp="1"/>
+          </p:cNvSpPr>
+          <p:nvPr>
+            <p:ph idx="1"/>
+          </p:nvPr>
+        </p:nvSpPr>
+        <p:spPr>
+          <a:xfrm>
+            <a:off x="838200" y="1674159"/>
+            <a:ext cx="10515600" cy="4351338"/>
+          </a:xfrm>
+        </p:spPr>
+        <p:txBody>
+          <a:bodyPr/>
+          <a:lstStyle/>
+          <a:p>
+            <a:r>
+              <a:rPr lang="fr-FR" dirty="0" err="1"/>
+              <a:t>Based</a:t>
+            </a:r>
+            <a:r>
+              <a:rPr lang="fr-FR" dirty="0"/>
+              <a:t> on </a:t>
+            </a:r>
+            <a:r>
+              <a:rPr lang="fr-FR" dirty="0" err="1"/>
+              <a:t>Whi</a:t>
+            </a:r>
+            <a:r>
+              <a:rPr lang="fr-FR" dirty="0"/>
+              <a:t> </a:t>
+            </a:r>
+          </a:p>
+        </p:txBody>
+      </p:sp>
+      <p:sp>
+        <p:nvSpPr>
+          <p:cNvPr id="4" name="Espace réservé du numéro de diapositive 3">
+            <a:extLst>
+              <a:ext uri="{FF2B5EF4-FFF2-40B4-BE49-F238E27FC236}">
+                <a16:creationId xmlns:a16="http://schemas.microsoft.com/office/drawing/2014/main" id="{AAF4D623-E433-F044-9427-1E4AF9D427B4}"/>
+              </a:ext>
+            </a:extLst>
+          </p:cNvPr>
+          <p:cNvSpPr>
+            <a:spLocks noGrp="1"/>
+          </p:cNvSpPr>
+          <p:nvPr>
+            <p:ph type="sldNum" sz="quarter" idx="12"/>
+          </p:nvPr>
+        </p:nvSpPr>
+        <p:spPr/>
+        <p:txBody>
+          <a:bodyPr/>
+          <a:lstStyle/>
+          <a:p>
+            <a:fld id="{78CFE27D-7682-E84F-8CEA-9319D67B9D0B}" type="slidenum">
+              <a:rPr lang="fr-FR" smtClean="0"/>
+              <a:t>10</a:t>
+            </a:fld>
+            <a:endParaRPr lang="fr-FR"/>
+          </a:p>
+        </p:txBody>
+      </p:sp>
+      <p:sp>
+        <p:nvSpPr>
+          <p:cNvPr id="5" name="Titre 1">
+            <a:extLst>
+              <a:ext uri="{FF2B5EF4-FFF2-40B4-BE49-F238E27FC236}">
+                <a16:creationId xmlns:a16="http://schemas.microsoft.com/office/drawing/2014/main" id="{8A771A03-B232-644E-B883-D414A3068510}"/>
+              </a:ext>
+            </a:extLst>
+          </p:cNvPr>
+          <p:cNvSpPr>
+            <a:spLocks noGrp="1"/>
+          </p:cNvSpPr>
+          <p:nvPr>
+            <p:ph type="title"/>
+          </p:nvPr>
+        </p:nvSpPr>
+        <p:spPr>
+          <a:xfrm>
+            <a:off x="838200" y="136525"/>
+            <a:ext cx="10515600" cy="1325563"/>
+          </a:xfrm>
+        </p:spPr>
+        <p:txBody>
+          <a:bodyPr/>
+          <a:lstStyle/>
+          <a:p>
+            <a:pPr algn="ctr"/>
+            <a:r>
+              <a:rPr lang="fr-FR" dirty="0" err="1"/>
+              <a:t>PhyloP</a:t>
+            </a:r>
+            <a:endParaRPr lang="fr-FR" dirty="0"/>
+          </a:p>
+        </p:txBody>
+      </p:sp>
+    </p:spTree>
+    <p:extLst>
+      <p:ext uri="{BB962C8B-B14F-4D97-AF65-F5344CB8AC3E}">
+        <p14:creationId xmlns:p14="http://schemas.microsoft.com/office/powerpoint/2010/main" val="169312184"/>
+      </p:ext>
+    </p:extLst>
+  </p:cSld>
+  <p:clrMapOvr>
+    <a:masterClrMapping/>
+  </p:clrMapOvr>
+</p:sld>
+</file>
+
+<file path=ppt/slides/slide11.xml><?xml version="1.0" encoding="utf-8"?>
+<p:sld xmlns:a="http://schemas.openxmlformats.org/drawingml/2006/main" xmlns:r="http://schemas.openxmlformats.org/officeDocument/2006/relationships" xmlns:p="http://schemas.openxmlformats.org/presentationml/2006/main">
+  <p:cSld>
+    <p:spTree>
+      <p:nvGrpSpPr>
+        <p:cNvPr id="1" name=""/>
+        <p:cNvGrpSpPr/>
+        <p:nvPr/>
+      </p:nvGrpSpPr>
+      <p:grpSpPr>
+        <a:xfrm>
+          <a:off x="0" y="0"/>
+          <a:ext cx="0" cy="0"/>
+          <a:chOff x="0" y="0"/>
+          <a:chExt cx="0" cy="0"/>
+        </a:xfrm>
+      </p:grpSpPr>
+      <p:sp>
+        <p:nvSpPr>
+          <p:cNvPr id="4" name="Espace réservé du numéro de diapositive 3">
+            <a:extLst>
+              <a:ext uri="{FF2B5EF4-FFF2-40B4-BE49-F238E27FC236}">
+                <a16:creationId xmlns:a16="http://schemas.microsoft.com/office/drawing/2014/main" id="{AAF4D623-E433-F044-9427-1E4AF9D427B4}"/>
+              </a:ext>
+            </a:extLst>
+          </p:cNvPr>
+          <p:cNvSpPr>
+            <a:spLocks noGrp="1"/>
+          </p:cNvSpPr>
+          <p:nvPr>
+            <p:ph type="sldNum" sz="quarter" idx="12"/>
+          </p:nvPr>
+        </p:nvSpPr>
+        <p:spPr/>
+        <p:txBody>
+          <a:bodyPr/>
+          <a:lstStyle/>
+          <a:p>
+            <a:fld id="{78CFE27D-7682-E84F-8CEA-9319D67B9D0B}" type="slidenum">
+              <a:rPr lang="fr-FR" smtClean="0"/>
+              <a:t>11</a:t>
+            </a:fld>
+            <a:endParaRPr lang="fr-FR"/>
+          </a:p>
+        </p:txBody>
+      </p:sp>
+      <p:sp>
+        <p:nvSpPr>
+          <p:cNvPr id="7" name="Titre 1">
+            <a:extLst>
+              <a:ext uri="{FF2B5EF4-FFF2-40B4-BE49-F238E27FC236}">
+                <a16:creationId xmlns:a16="http://schemas.microsoft.com/office/drawing/2014/main" id="{FEE07E54-6133-394A-92A0-82DB32671D4B}"/>
+              </a:ext>
+            </a:extLst>
+          </p:cNvPr>
+          <p:cNvSpPr txBox="1">
+            <a:spLocks/>
+          </p:cNvSpPr>
+          <p:nvPr/>
+        </p:nvSpPr>
+        <p:spPr>
+          <a:xfrm>
+            <a:off x="838200" y="67468"/>
+            <a:ext cx="10515600" cy="1325563"/>
+          </a:xfrm>
+          <a:prstGeom prst="rect">
+            <a:avLst/>
+          </a:prstGeom>
+        </p:spPr>
+        <p:txBody>
+          <a:bodyPr vert="horz" lIns="91440" tIns="45720" rIns="91440" bIns="45720" rtlCol="0" anchor="ctr">
+            <a:normAutofit/>
+          </a:bodyPr>
+          <a:lstStyle>
+            <a:lvl1pPr algn="l" defTabSz="914400" rtl="0" eaLnBrk="1" latinLnBrk="0" hangingPunct="1">
+              <a:lnSpc>
+                <a:spcPct val="90000"/>
+              </a:lnSpc>
+              <a:spcBef>
+                <a:spcPct val="0"/>
+              </a:spcBef>
+              <a:buNone/>
+              <a:defRPr sz="4400" kern="1200">
+                <a:solidFill>
+                  <a:schemeClr val="tx1"/>
+                </a:solidFill>
+                <a:latin typeface="+mj-lt"/>
+                <a:ea typeface="+mj-ea"/>
+                <a:cs typeface="+mj-cs"/>
+              </a:defRPr>
+            </a:lvl1pPr>
+          </a:lstStyle>
+          <a:p>
+            <a:pPr algn="ctr"/>
+            <a:r>
+              <a:rPr lang="fr-FR" dirty="0" err="1"/>
+              <a:t>Results</a:t>
+            </a:r>
+            <a:endParaRPr lang="fr-FR" dirty="0"/>
+          </a:p>
+        </p:txBody>
+      </p:sp>
+      <p:sp>
+        <p:nvSpPr>
+          <p:cNvPr id="8" name="Espace réservé du contenu 2">
+            <a:extLst>
+              <a:ext uri="{FF2B5EF4-FFF2-40B4-BE49-F238E27FC236}">
+                <a16:creationId xmlns:a16="http://schemas.microsoft.com/office/drawing/2014/main" id="{6EDC0B8F-6A6C-A441-B1CA-3657A1BD644F}"/>
+              </a:ext>
+            </a:extLst>
+          </p:cNvPr>
+          <p:cNvSpPr>
+            <a:spLocks noGrp="1"/>
+          </p:cNvSpPr>
+          <p:nvPr>
+            <p:ph idx="1"/>
+          </p:nvPr>
+        </p:nvSpPr>
+        <p:spPr>
+          <a:xfrm>
+            <a:off x="1268505" y="1674159"/>
+            <a:ext cx="6853518" cy="4682191"/>
+          </a:xfrm>
+        </p:spPr>
+        <p:txBody>
+          <a:bodyPr>
+            <a:normAutofit fontScale="92500" lnSpcReduction="10000"/>
+          </a:bodyPr>
+          <a:lstStyle/>
+          <a:p>
+            <a:r>
+              <a:rPr lang="fr-FR" dirty="0"/>
+              <a:t>5 gènes </a:t>
+            </a:r>
+            <a:r>
+              <a:rPr lang="fr-FR" dirty="0" err="1"/>
+              <a:t>used</a:t>
+            </a:r>
+            <a:r>
+              <a:rPr lang="fr-FR" dirty="0"/>
+              <a:t> for </a:t>
+            </a:r>
+            <a:r>
+              <a:rPr lang="fr-FR" dirty="0" err="1"/>
+              <a:t>testing</a:t>
+            </a:r>
+            <a:r>
+              <a:rPr lang="fr-FR" dirty="0"/>
+              <a:t>: </a:t>
+            </a:r>
+          </a:p>
+          <a:p>
+            <a:pPr marL="0" indent="0">
+              <a:buNone/>
+            </a:pPr>
+            <a:r>
+              <a:rPr lang="fr-FR" dirty="0">
+                <a:sym typeface="Wingdings" pitchFamily="2" charset="2"/>
+              </a:rPr>
+              <a:t> </a:t>
+            </a:r>
+            <a:r>
+              <a:rPr lang="fr-FR" dirty="0"/>
+              <a:t>KCNQ1, KCNQ2, KCNQ3, KCNQ4, KCNQ5</a:t>
+            </a:r>
+          </a:p>
+          <a:p>
+            <a:endParaRPr lang="fr-FR" dirty="0"/>
+          </a:p>
+          <a:p>
+            <a:r>
+              <a:rPr lang="fr-FR" dirty="0"/>
+              <a:t>143 </a:t>
+            </a:r>
+            <a:r>
+              <a:rPr lang="fr-FR" dirty="0" err="1"/>
+              <a:t>RNA</a:t>
+            </a:r>
+            <a:r>
+              <a:rPr lang="fr-FR" baseline="-25000" dirty="0" err="1"/>
+              <a:t>m</a:t>
+            </a:r>
+            <a:r>
+              <a:rPr lang="fr-FR" dirty="0"/>
+              <a:t> </a:t>
+            </a:r>
+            <a:r>
+              <a:rPr lang="fr-FR" dirty="0" err="1"/>
+              <a:t>sequences</a:t>
+            </a:r>
+            <a:r>
+              <a:rPr lang="fr-FR" dirty="0"/>
+              <a:t> </a:t>
+            </a:r>
+          </a:p>
+          <a:p>
+            <a:endParaRPr lang="fr-FR" dirty="0"/>
+          </a:p>
+          <a:p>
+            <a:r>
+              <a:rPr lang="fr-FR" dirty="0"/>
+              <a:t>507 ORF </a:t>
+            </a:r>
+          </a:p>
+          <a:p>
+            <a:endParaRPr lang="fr-FR" dirty="0"/>
+          </a:p>
+          <a:p>
+            <a:r>
+              <a:rPr lang="fr-FR" dirty="0"/>
+              <a:t>94 </a:t>
+            </a:r>
+            <a:r>
+              <a:rPr lang="fr-FR" dirty="0" err="1"/>
+              <a:t>supposed</a:t>
+            </a:r>
+            <a:r>
+              <a:rPr lang="fr-FR" dirty="0"/>
+              <a:t> </a:t>
+            </a:r>
+            <a:r>
+              <a:rPr lang="fr-FR" dirty="0" err="1"/>
+              <a:t>fsATI</a:t>
+            </a:r>
+            <a:r>
+              <a:rPr lang="fr-FR" dirty="0"/>
+              <a:t> </a:t>
+            </a:r>
+          </a:p>
+          <a:p>
+            <a:endParaRPr lang="fr-FR" dirty="0"/>
+          </a:p>
+          <a:p>
+            <a:r>
+              <a:rPr lang="fr-FR" dirty="0"/>
+              <a:t>6 </a:t>
+            </a:r>
+            <a:r>
+              <a:rPr lang="fr-FR" dirty="0" err="1"/>
+              <a:t>fsATI</a:t>
+            </a:r>
+            <a:r>
+              <a:rPr lang="fr-FR" dirty="0"/>
+              <a:t> </a:t>
+            </a:r>
+            <a:r>
+              <a:rPr lang="fr-FR" dirty="0" err="1"/>
+              <a:t>validated</a:t>
+            </a:r>
+            <a:endParaRPr lang="fr-FR" dirty="0"/>
+          </a:p>
+          <a:p>
+            <a:endParaRPr lang="fr-FR" i="1" dirty="0"/>
+          </a:p>
+          <a:p>
+            <a:endParaRPr lang="fr-FR" i="1" dirty="0"/>
+          </a:p>
+          <a:p>
+            <a:endParaRPr lang="fr-FR" i="1" dirty="0"/>
+          </a:p>
+        </p:txBody>
+      </p:sp>
+    </p:spTree>
+    <p:extLst>
+      <p:ext uri="{BB962C8B-B14F-4D97-AF65-F5344CB8AC3E}">
+        <p14:creationId xmlns:p14="http://schemas.microsoft.com/office/powerpoint/2010/main" val="3159463103"/>
+      </p:ext>
+    </p:extLst>
+  </p:cSld>
+  <p:clrMapOvr>
+    <a:masterClrMapping/>
+  </p:clrMapOvr>
+</p:sld>
+</file>
+
+<file path=ppt/slides/slide12.xml><?xml version="1.0" encoding="utf-8"?>
+<p:sld xmlns:a="http://schemas.openxmlformats.org/drawingml/2006/main" xmlns:r="http://schemas.openxmlformats.org/officeDocument/2006/relationships" xmlns:p="http://schemas.openxmlformats.org/presentationml/2006/main">
+  <p:cSld>
+    <p:spTree>
+      <p:nvGrpSpPr>
+        <p:cNvPr id="1" name=""/>
+        <p:cNvGrpSpPr/>
+        <p:nvPr/>
+      </p:nvGrpSpPr>
+      <p:grpSpPr>
+        <a:xfrm>
+          <a:off x="0" y="0"/>
+          <a:ext cx="0" cy="0"/>
+          <a:chOff x="0" y="0"/>
+          <a:chExt cx="0" cy="0"/>
+        </a:xfrm>
+      </p:grpSpPr>
+      <p:sp>
+        <p:nvSpPr>
+          <p:cNvPr id="4" name="Espace réservé du numéro de diapositive 3">
+            <a:extLst>
+              <a:ext uri="{FF2B5EF4-FFF2-40B4-BE49-F238E27FC236}">
+                <a16:creationId xmlns:a16="http://schemas.microsoft.com/office/drawing/2014/main" id="{AAF4D623-E433-F044-9427-1E4AF9D427B4}"/>
+              </a:ext>
+            </a:extLst>
+          </p:cNvPr>
+          <p:cNvSpPr>
+            <a:spLocks noGrp="1"/>
+          </p:cNvSpPr>
+          <p:nvPr>
+            <p:ph type="sldNum" sz="quarter" idx="12"/>
+          </p:nvPr>
+        </p:nvSpPr>
+        <p:spPr/>
+        <p:txBody>
+          <a:bodyPr/>
+          <a:lstStyle/>
+          <a:p>
+            <a:fld id="{78CFE27D-7682-E84F-8CEA-9319D67B9D0B}" type="slidenum">
+              <a:rPr lang="fr-FR" smtClean="0"/>
+              <a:t>12</a:t>
+            </a:fld>
+            <a:endParaRPr lang="fr-FR"/>
+          </a:p>
+        </p:txBody>
+      </p:sp>
+      <p:sp>
+        <p:nvSpPr>
+          <p:cNvPr id="7" name="Titre 1">
+            <a:extLst>
+              <a:ext uri="{FF2B5EF4-FFF2-40B4-BE49-F238E27FC236}">
+                <a16:creationId xmlns:a16="http://schemas.microsoft.com/office/drawing/2014/main" id="{FEE07E54-6133-394A-92A0-82DB32671D4B}"/>
+              </a:ext>
+            </a:extLst>
+          </p:cNvPr>
+          <p:cNvSpPr txBox="1">
+            <a:spLocks/>
+          </p:cNvSpPr>
+          <p:nvPr/>
+        </p:nvSpPr>
+        <p:spPr>
+          <a:xfrm>
+            <a:off x="838200" y="67468"/>
+            <a:ext cx="10515600" cy="1325563"/>
+          </a:xfrm>
+          <a:prstGeom prst="rect">
+            <a:avLst/>
+          </a:prstGeom>
+        </p:spPr>
+        <p:txBody>
+          <a:bodyPr vert="horz" lIns="91440" tIns="45720" rIns="91440" bIns="45720" rtlCol="0" anchor="ctr">
+            <a:normAutofit/>
+          </a:bodyPr>
+          <a:lstStyle>
+            <a:lvl1pPr algn="l" defTabSz="914400" rtl="0" eaLnBrk="1" latinLnBrk="0" hangingPunct="1">
+              <a:lnSpc>
+                <a:spcPct val="90000"/>
+              </a:lnSpc>
+              <a:spcBef>
+                <a:spcPct val="0"/>
+              </a:spcBef>
+              <a:buNone/>
+              <a:defRPr sz="4400" kern="1200">
+                <a:solidFill>
+                  <a:schemeClr val="tx1"/>
+                </a:solidFill>
+                <a:latin typeface="+mj-lt"/>
+                <a:ea typeface="+mj-ea"/>
+                <a:cs typeface="+mj-cs"/>
+              </a:defRPr>
+            </a:lvl1pPr>
+          </a:lstStyle>
+          <a:p>
+            <a:pPr algn="ctr"/>
+            <a:r>
+              <a:rPr lang="fr-FR" dirty="0" err="1"/>
+              <a:t>Results</a:t>
+            </a:r>
+            <a:endParaRPr lang="fr-FR" dirty="0"/>
+          </a:p>
+        </p:txBody>
+      </p:sp>
+      <p:graphicFrame>
+        <p:nvGraphicFramePr>
+          <p:cNvPr id="11" name="Graphique 10">
+            <a:extLst>
+              <a:ext uri="{FF2B5EF4-FFF2-40B4-BE49-F238E27FC236}">
+                <a16:creationId xmlns:a16="http://schemas.microsoft.com/office/drawing/2014/main" id="{A6DC00D8-C581-F246-8025-E99A35EDDCE2}"/>
+              </a:ext>
+            </a:extLst>
+          </p:cNvPr>
+          <p:cNvGraphicFramePr/>
+          <p:nvPr>
+            <p:extLst>
+              <p:ext uri="{D42A27DB-BD31-4B8C-83A1-F6EECF244321}">
+                <p14:modId xmlns:p14="http://schemas.microsoft.com/office/powerpoint/2010/main" val="1481737856"/>
+              </p:ext>
+            </p:extLst>
+          </p:nvPr>
+        </p:nvGraphicFramePr>
+        <p:xfrm>
+          <a:off x="658906" y="1630429"/>
+          <a:ext cx="5096434" cy="4357993"/>
+        </p:xfrm>
+        <a:graphic>
+          <a:graphicData uri="http://schemas.openxmlformats.org/drawingml/2006/chart">
+            <c:chart xmlns:c="http://schemas.openxmlformats.org/drawingml/2006/chart" xmlns:r="http://schemas.openxmlformats.org/officeDocument/2006/relationships" r:id="rId2"/>
+          </a:graphicData>
+        </a:graphic>
+      </p:graphicFrame>
+      <p:graphicFrame>
+        <p:nvGraphicFramePr>
+          <p:cNvPr id="12" name="Graphique 11">
+            <a:extLst>
+              <a:ext uri="{FF2B5EF4-FFF2-40B4-BE49-F238E27FC236}">
+                <a16:creationId xmlns:a16="http://schemas.microsoft.com/office/drawing/2014/main" id="{14E02842-E08C-834E-9382-C24B7A2EDF7F}"/>
+              </a:ext>
+            </a:extLst>
+          </p:cNvPr>
+          <p:cNvGraphicFramePr/>
+          <p:nvPr>
+            <p:extLst>
+              <p:ext uri="{D42A27DB-BD31-4B8C-83A1-F6EECF244321}">
+                <p14:modId xmlns:p14="http://schemas.microsoft.com/office/powerpoint/2010/main" val="2653277647"/>
+              </p:ext>
+            </p:extLst>
+          </p:nvPr>
+        </p:nvGraphicFramePr>
+        <p:xfrm>
+          <a:off x="6436661" y="1630430"/>
+          <a:ext cx="5405677" cy="4357993"/>
+        </p:xfrm>
+        <a:graphic>
+          <a:graphicData uri="http://schemas.openxmlformats.org/drawingml/2006/chart">
+            <c:chart xmlns:c="http://schemas.openxmlformats.org/drawingml/2006/chart" xmlns:r="http://schemas.openxmlformats.org/officeDocument/2006/relationships" r:id="rId3"/>
+          </a:graphicData>
+        </a:graphic>
+      </p:graphicFrame>
+    </p:spTree>
+    <p:extLst>
+      <p:ext uri="{BB962C8B-B14F-4D97-AF65-F5344CB8AC3E}">
+        <p14:creationId xmlns:p14="http://schemas.microsoft.com/office/powerpoint/2010/main" val="2662223232"/>
+      </p:ext>
+    </p:extLst>
+  </p:cSld>
+  <p:clrMapOvr>
+    <a:masterClrMapping/>
+  </p:clrMapOvr>
+</p:sld>
+</file>
+
+<file path=ppt/slides/slide13.xml><?xml version="1.0" encoding="utf-8"?>
+<p:sld xmlns:a="http://schemas.openxmlformats.org/drawingml/2006/main" xmlns:r="http://schemas.openxmlformats.org/officeDocument/2006/relationships" xmlns:p="http://schemas.openxmlformats.org/presentationml/2006/main">
+  <p:cSld>
+    <p:spTree>
+      <p:nvGrpSpPr>
+        <p:cNvPr id="1" name=""/>
+        <p:cNvGrpSpPr/>
+        <p:nvPr/>
+      </p:nvGrpSpPr>
+      <p:grpSpPr>
+        <a:xfrm>
+          <a:off x="0" y="0"/>
+          <a:ext cx="0" cy="0"/>
+          <a:chOff x="0" y="0"/>
+          <a:chExt cx="0" cy="0"/>
+        </a:xfrm>
+      </p:grpSpPr>
+      <p:sp>
+        <p:nvSpPr>
+          <p:cNvPr id="2" name="Titre 1">
+            <a:extLst>
+              <a:ext uri="{FF2B5EF4-FFF2-40B4-BE49-F238E27FC236}">
+                <a16:creationId xmlns:a16="http://schemas.microsoft.com/office/drawing/2014/main" id="{5ECD2448-C696-0D42-849B-E92C2DE217A3}"/>
+              </a:ext>
+            </a:extLst>
+          </p:cNvPr>
+          <p:cNvSpPr>
+            <a:spLocks noGrp="1"/>
+          </p:cNvSpPr>
+          <p:nvPr>
+            <p:ph type="title"/>
+          </p:nvPr>
+        </p:nvSpPr>
+        <p:spPr/>
+        <p:txBody>
+          <a:bodyPr/>
+          <a:lstStyle/>
+          <a:p>
+            <a:pPr algn="ctr"/>
+            <a:r>
+              <a:rPr lang="fr-FR" dirty="0"/>
+              <a:t>Conclusion</a:t>
+            </a:r>
+          </a:p>
+        </p:txBody>
+      </p:sp>
+      <p:sp>
+        <p:nvSpPr>
+          <p:cNvPr id="3" name="Espace réservé du contenu 2">
+            <a:extLst>
+              <a:ext uri="{FF2B5EF4-FFF2-40B4-BE49-F238E27FC236}">
+                <a16:creationId xmlns:a16="http://schemas.microsoft.com/office/drawing/2014/main" id="{169B0222-AAC8-2347-92C8-1BF3A3AF4390}"/>
+              </a:ext>
+            </a:extLst>
+          </p:cNvPr>
+          <p:cNvSpPr>
+            <a:spLocks noGrp="1"/>
+          </p:cNvSpPr>
+          <p:nvPr>
+            <p:ph idx="1"/>
+          </p:nvPr>
+        </p:nvSpPr>
+        <p:spPr/>
+        <p:txBody>
+          <a:bodyPr/>
+          <a:lstStyle/>
+          <a:p>
+            <a:endParaRPr lang="fr-FR" dirty="0"/>
+          </a:p>
+        </p:txBody>
+      </p:sp>
+      <p:sp>
+        <p:nvSpPr>
+          <p:cNvPr id="4" name="Espace réservé du numéro de diapositive 3">
+            <a:extLst>
+              <a:ext uri="{FF2B5EF4-FFF2-40B4-BE49-F238E27FC236}">
+                <a16:creationId xmlns:a16="http://schemas.microsoft.com/office/drawing/2014/main" id="{2A92CF14-5A50-9E45-BC2A-D648080FB0AD}"/>
+              </a:ext>
+            </a:extLst>
+          </p:cNvPr>
+          <p:cNvSpPr>
+            <a:spLocks noGrp="1"/>
+          </p:cNvSpPr>
+          <p:nvPr>
+            <p:ph type="sldNum" sz="quarter" idx="12"/>
+          </p:nvPr>
+        </p:nvSpPr>
+        <p:spPr/>
+        <p:txBody>
+          <a:bodyPr/>
+          <a:lstStyle/>
+          <a:p>
+            <a:fld id="{78CFE27D-7682-E84F-8CEA-9319D67B9D0B}" type="slidenum">
+              <a:rPr lang="fr-FR" smtClean="0"/>
+              <a:t>13</a:t>
+            </a:fld>
+            <a:endParaRPr lang="fr-FR"/>
+          </a:p>
+        </p:txBody>
+      </p:sp>
+    </p:spTree>
+    <p:extLst>
+      <p:ext uri="{BB962C8B-B14F-4D97-AF65-F5344CB8AC3E}">
+        <p14:creationId xmlns:p14="http://schemas.microsoft.com/office/powerpoint/2010/main" val="3009715237"/>
+      </p:ext>
+    </p:extLst>
+  </p:cSld>
+  <p:clrMapOvr>
+    <a:masterClrMapping/>
+  </p:clrMapOvr>
+</p:sld>
+</file>
+
+<file path=ppt/slides/slide14.xml><?xml version="1.0" encoding="utf-8"?>
+<p:sld xmlns:a="http://schemas.openxmlformats.org/drawingml/2006/main" xmlns:r="http://schemas.openxmlformats.org/officeDocument/2006/relationships" xmlns:p="http://schemas.openxmlformats.org/presentationml/2006/main">
+  <p:cSld>
+    <p:spTree>
+      <p:nvGrpSpPr>
+        <p:cNvPr id="1" name=""/>
+        <p:cNvGrpSpPr/>
+        <p:nvPr/>
+      </p:nvGrpSpPr>
+      <p:grpSpPr>
+        <a:xfrm>
+          <a:off x="0" y="0"/>
+          <a:ext cx="0" cy="0"/>
+          <a:chOff x="0" y="0"/>
+          <a:chExt cx="0" cy="0"/>
+        </a:xfrm>
+      </p:grpSpPr>
+      <p:sp>
+        <p:nvSpPr>
+          <p:cNvPr id="2" name="Titre 1">
+            <a:extLst>
+              <a:ext uri="{FF2B5EF4-FFF2-40B4-BE49-F238E27FC236}">
+                <a16:creationId xmlns:a16="http://schemas.microsoft.com/office/drawing/2014/main" id="{28DD2AD9-9A25-A348-A0CE-1784FB49A082}"/>
+              </a:ext>
+            </a:extLst>
+          </p:cNvPr>
+          <p:cNvSpPr>
+            <a:spLocks noGrp="1"/>
+          </p:cNvSpPr>
+          <p:nvPr>
+            <p:ph type="title"/>
+          </p:nvPr>
+        </p:nvSpPr>
+        <p:spPr>
+          <a:xfrm>
+            <a:off x="2359959" y="2300661"/>
+            <a:ext cx="7622241" cy="1325563"/>
+          </a:xfrm>
+        </p:spPr>
+        <p:txBody>
+          <a:bodyPr>
+            <a:noAutofit/>
+          </a:bodyPr>
+          <a:lstStyle/>
+          <a:p>
+            <a:r>
+              <a:rPr lang="fr-FR" sz="5400" dirty="0" err="1"/>
+              <a:t>Thanks</a:t>
+            </a:r>
+            <a:r>
+              <a:rPr lang="fr-FR" sz="5400" dirty="0"/>
+              <a:t> for </a:t>
+            </a:r>
+            <a:r>
+              <a:rPr lang="fr-FR" sz="5400" dirty="0" err="1"/>
+              <a:t>your</a:t>
+            </a:r>
+            <a:r>
+              <a:rPr lang="fr-FR" sz="5400" dirty="0"/>
+              <a:t> attention !</a:t>
+            </a:r>
+          </a:p>
+        </p:txBody>
+      </p:sp>
+      <p:sp>
+        <p:nvSpPr>
+          <p:cNvPr id="4" name="Espace réservé du numéro de diapositive 3">
+            <a:extLst>
+              <a:ext uri="{FF2B5EF4-FFF2-40B4-BE49-F238E27FC236}">
+                <a16:creationId xmlns:a16="http://schemas.microsoft.com/office/drawing/2014/main" id="{4F273769-C1F9-124E-8CE5-0314D207F6D6}"/>
+              </a:ext>
+            </a:extLst>
+          </p:cNvPr>
+          <p:cNvSpPr>
+            <a:spLocks noGrp="1"/>
+          </p:cNvSpPr>
+          <p:nvPr>
+            <p:ph type="sldNum" sz="quarter" idx="12"/>
+          </p:nvPr>
+        </p:nvSpPr>
+        <p:spPr/>
+        <p:txBody>
+          <a:bodyPr/>
+          <a:lstStyle/>
+          <a:p>
+            <a:fld id="{78CFE27D-7682-E84F-8CEA-9319D67B9D0B}" type="slidenum">
+              <a:rPr lang="fr-FR" smtClean="0"/>
+              <a:t>14</a:t>
+            </a:fld>
+            <a:endParaRPr lang="fr-FR"/>
+          </a:p>
+        </p:txBody>
+      </p:sp>
+    </p:spTree>
+    <p:extLst>
+      <p:ext uri="{BB962C8B-B14F-4D97-AF65-F5344CB8AC3E}">
+        <p14:creationId xmlns:p14="http://schemas.microsoft.com/office/powerpoint/2010/main" val="1433055599"/>
+      </p:ext>
+    </p:extLst>
+  </p:cSld>
+  <p:clrMapOvr>
+    <a:masterClrMapping/>
+  </p:clrMapOvr>
+</p:sld>
+</file>
+
+<file path=ppt/slides/slide2.xml><?xml version="1.0" encoding="utf-8"?>
+<p:sld xmlns:a="http://schemas.openxmlformats.org/drawingml/2006/main" xmlns:r="http://schemas.openxmlformats.org/officeDocument/2006/relationships" xmlns:p="http://schemas.openxmlformats.org/presentationml/2006/main">
+  <p:cSld>
+    <p:spTree>
+      <p:nvGrpSpPr>
+        <p:cNvPr id="1" name=""/>
+        <p:cNvGrpSpPr/>
+        <p:nvPr/>
+      </p:nvGrpSpPr>
+      <p:grpSpPr>
+        <a:xfrm>
+          <a:off x="0" y="0"/>
+          <a:ext cx="0" cy="0"/>
+          <a:chOff x="0" y="0"/>
+          <a:chExt cx="0" cy="0"/>
+        </a:xfrm>
+      </p:grpSpPr>
+      <p:sp>
+        <p:nvSpPr>
+          <p:cNvPr id="2" name="Titre 1">
+            <a:extLst>
+              <a:ext uri="{FF2B5EF4-FFF2-40B4-BE49-F238E27FC236}">
+                <a16:creationId xmlns:a16="http://schemas.microsoft.com/office/drawing/2014/main" id="{37D77F2B-F733-8044-BCA4-91F9963BFE37}"/>
+              </a:ext>
+            </a:extLst>
+          </p:cNvPr>
+          <p:cNvSpPr>
+            <a:spLocks noGrp="1"/>
+          </p:cNvSpPr>
+          <p:nvPr>
+            <p:ph type="title"/>
+          </p:nvPr>
+        </p:nvSpPr>
+        <p:spPr/>
+        <p:txBody>
+          <a:bodyPr/>
+          <a:lstStyle/>
+          <a:p>
+            <a:pPr algn="ctr"/>
+            <a:r>
+              <a:rPr lang="fr-FR" dirty="0" err="1"/>
+              <a:t>What</a:t>
+            </a:r>
+            <a:r>
+              <a:rPr lang="fr-FR" dirty="0"/>
+              <a:t> </a:t>
+            </a:r>
+            <a:r>
+              <a:rPr lang="fr-FR" dirty="0" err="1"/>
+              <a:t>is</a:t>
+            </a:r>
+            <a:r>
+              <a:rPr lang="fr-FR" dirty="0"/>
+              <a:t> a </a:t>
+            </a:r>
+            <a:r>
+              <a:rPr lang="fr-FR" dirty="0" err="1"/>
+              <a:t>fsATI</a:t>
+            </a:r>
+            <a:r>
+              <a:rPr lang="fr-FR" dirty="0"/>
+              <a:t> mutation?</a:t>
+            </a:r>
+          </a:p>
+        </p:txBody>
+      </p:sp>
+      <p:sp>
+        <p:nvSpPr>
+          <p:cNvPr id="3" name="Espace réservé du contenu 2">
+            <a:extLst>
+              <a:ext uri="{FF2B5EF4-FFF2-40B4-BE49-F238E27FC236}">
+                <a16:creationId xmlns:a16="http://schemas.microsoft.com/office/drawing/2014/main" id="{D61E147B-26DC-374C-B1AF-77F8DE6A0FCF}"/>
+              </a:ext>
+            </a:extLst>
+          </p:cNvPr>
+          <p:cNvSpPr>
+            <a:spLocks noGrp="1"/>
+          </p:cNvSpPr>
+          <p:nvPr>
+            <p:ph idx="1"/>
+          </p:nvPr>
+        </p:nvSpPr>
+        <p:spPr>
+          <a:xfrm>
+            <a:off x="838200" y="1825625"/>
+            <a:ext cx="10515600" cy="1096869"/>
+          </a:xfrm>
+        </p:spPr>
+        <p:txBody>
+          <a:bodyPr/>
+          <a:lstStyle/>
+          <a:p>
+            <a:pPr marL="0" indent="0">
+              <a:buNone/>
+            </a:pPr>
+            <a:r>
+              <a:rPr lang="fr-FR" dirty="0"/>
+              <a:t>1. </a:t>
+            </a:r>
+            <a:r>
+              <a:rPr lang="fr-FR" dirty="0" err="1">
+                <a:sym typeface="Wingdings" pitchFamily="2" charset="2"/>
+              </a:rPr>
+              <a:t>framshift</a:t>
+            </a:r>
+            <a:r>
+              <a:rPr lang="fr-FR" dirty="0">
+                <a:sym typeface="Wingdings" pitchFamily="2" charset="2"/>
+              </a:rPr>
+              <a:t> </a:t>
+            </a:r>
+            <a:r>
+              <a:rPr lang="fr-FR" dirty="0" err="1">
+                <a:sym typeface="Wingdings" pitchFamily="2" charset="2"/>
+              </a:rPr>
+              <a:t>deletion</a:t>
+            </a:r>
+            <a:r>
+              <a:rPr lang="fr-FR" dirty="0">
+                <a:sym typeface="Wingdings" pitchFamily="2" charset="2"/>
+              </a:rPr>
+              <a:t> or insertion of a </a:t>
+            </a:r>
+            <a:r>
+              <a:rPr lang="fr-FR" dirty="0" err="1">
+                <a:sym typeface="Wingdings" pitchFamily="2" charset="2"/>
+              </a:rPr>
+              <a:t>number</a:t>
+            </a:r>
+            <a:r>
+              <a:rPr lang="fr-FR" dirty="0">
+                <a:sym typeface="Wingdings" pitchFamily="2" charset="2"/>
+              </a:rPr>
+              <a:t> of base pair &lt;= 2</a:t>
+            </a:r>
+            <a:endParaRPr lang="fr-FR" dirty="0"/>
+          </a:p>
+        </p:txBody>
+      </p:sp>
+      <p:sp>
+        <p:nvSpPr>
+          <p:cNvPr id="4" name="Espace réservé du numéro de diapositive 3">
+            <a:extLst>
+              <a:ext uri="{FF2B5EF4-FFF2-40B4-BE49-F238E27FC236}">
+                <a16:creationId xmlns:a16="http://schemas.microsoft.com/office/drawing/2014/main" id="{6DB887EB-8917-3045-BCD3-3DF6D27A379D}"/>
+              </a:ext>
+            </a:extLst>
+          </p:cNvPr>
+          <p:cNvSpPr>
+            <a:spLocks noGrp="1"/>
+          </p:cNvSpPr>
+          <p:nvPr>
+            <p:ph type="sldNum" sz="quarter" idx="12"/>
+          </p:nvPr>
+        </p:nvSpPr>
+        <p:spPr/>
+        <p:txBody>
+          <a:bodyPr/>
+          <a:lstStyle/>
+          <a:p>
+            <a:fld id="{78CFE27D-7682-E84F-8CEA-9319D67B9D0B}" type="slidenum">
+              <a:rPr lang="fr-FR" smtClean="0"/>
+              <a:t>2</a:t>
+            </a:fld>
+            <a:endParaRPr lang="fr-FR"/>
+          </a:p>
+        </p:txBody>
+      </p:sp>
+      <p:sp>
+        <p:nvSpPr>
+          <p:cNvPr id="6" name="ZoneTexte 5">
+            <a:extLst>
+              <a:ext uri="{FF2B5EF4-FFF2-40B4-BE49-F238E27FC236}">
+                <a16:creationId xmlns:a16="http://schemas.microsoft.com/office/drawing/2014/main" id="{BB4C882A-B49D-D84C-9345-FF2393666273}"/>
+              </a:ext>
+            </a:extLst>
+          </p:cNvPr>
+          <p:cNvSpPr txBox="1"/>
+          <p:nvPr/>
+        </p:nvSpPr>
+        <p:spPr>
+          <a:xfrm>
+            <a:off x="2570622" y="3075057"/>
+            <a:ext cx="7830220" cy="707886"/>
+          </a:xfrm>
+          <a:prstGeom prst="rect">
+            <a:avLst/>
+          </a:prstGeom>
+          <a:noFill/>
+        </p:spPr>
+        <p:txBody>
+          <a:bodyPr wrap="none" rtlCol="0">
+            <a:spAutoFit/>
+          </a:bodyPr>
+          <a:lstStyle/>
+          <a:p>
+            <a:r>
+              <a:rPr lang="fr-FR" sz="4000" b="1" dirty="0"/>
+              <a:t>AGTAGG</a:t>
+            </a:r>
+            <a:r>
+              <a:rPr lang="fr-FR" sz="4000" b="1" dirty="0">
+                <a:highlight>
+                  <a:srgbClr val="FFFF00"/>
+                </a:highlight>
+              </a:rPr>
+              <a:t>A TG</a:t>
+            </a:r>
+            <a:r>
+              <a:rPr lang="fr-FR" sz="4000" b="1" dirty="0"/>
+              <a:t> TGT TCA TCA AAA </a:t>
+            </a:r>
+            <a:r>
+              <a:rPr lang="fr-FR" sz="4000" b="1" dirty="0">
+                <a:highlight>
+                  <a:srgbClr val="00FFFF"/>
+                </a:highlight>
+              </a:rPr>
+              <a:t>TGA</a:t>
+            </a:r>
+          </a:p>
+        </p:txBody>
+      </p:sp>
+      <p:sp>
+        <p:nvSpPr>
+          <p:cNvPr id="8" name="ZoneTexte 7">
+            <a:extLst>
+              <a:ext uri="{FF2B5EF4-FFF2-40B4-BE49-F238E27FC236}">
+                <a16:creationId xmlns:a16="http://schemas.microsoft.com/office/drawing/2014/main" id="{9EF946F4-2DED-374B-8A9B-93408BA3FB24}"/>
+              </a:ext>
+            </a:extLst>
+          </p:cNvPr>
+          <p:cNvSpPr txBox="1"/>
+          <p:nvPr/>
+        </p:nvSpPr>
+        <p:spPr>
+          <a:xfrm>
+            <a:off x="2570622" y="4212479"/>
+            <a:ext cx="8169096" cy="707886"/>
+          </a:xfrm>
+          <a:prstGeom prst="rect">
+            <a:avLst/>
+          </a:prstGeom>
+          <a:noFill/>
+        </p:spPr>
+        <p:txBody>
+          <a:bodyPr wrap="none" rtlCol="0">
+            <a:spAutoFit/>
+          </a:bodyPr>
+          <a:lstStyle/>
+          <a:p>
+            <a:r>
+              <a:rPr lang="fr-FR" sz="4000" b="1" dirty="0">
+                <a:highlight>
+                  <a:srgbClr val="FFFF00"/>
+                </a:highlight>
+              </a:rPr>
+              <a:t>A</a:t>
+            </a:r>
+            <a:r>
+              <a:rPr lang="fr-FR" sz="4000" b="1" dirty="0">
+                <a:solidFill>
+                  <a:srgbClr val="FF0000"/>
+                </a:solidFill>
+                <a:highlight>
+                  <a:srgbClr val="FFFF00"/>
+                </a:highlight>
+              </a:rPr>
+              <a:t>T</a:t>
+            </a:r>
+            <a:r>
+              <a:rPr lang="fr-FR" sz="4000" b="1" dirty="0">
+                <a:highlight>
+                  <a:srgbClr val="FFFF00"/>
+                </a:highlight>
+              </a:rPr>
+              <a:t>G</a:t>
+            </a:r>
+            <a:r>
+              <a:rPr lang="fr-FR" sz="4000" b="1" dirty="0"/>
+              <a:t> TAG GAT GTG TTC ATC AAA ATG A</a:t>
+            </a:r>
+          </a:p>
+        </p:txBody>
+      </p:sp>
+      <p:sp>
+        <p:nvSpPr>
+          <p:cNvPr id="9" name="ZoneTexte 8">
+            <a:extLst>
+              <a:ext uri="{FF2B5EF4-FFF2-40B4-BE49-F238E27FC236}">
+                <a16:creationId xmlns:a16="http://schemas.microsoft.com/office/drawing/2014/main" id="{934143D0-F6DD-AC4E-BDB9-377763B1BB4D}"/>
+              </a:ext>
+            </a:extLst>
+          </p:cNvPr>
+          <p:cNvSpPr txBox="1"/>
+          <p:nvPr/>
+        </p:nvSpPr>
+        <p:spPr>
+          <a:xfrm>
+            <a:off x="2570622" y="5288592"/>
+            <a:ext cx="7341625" cy="707886"/>
+          </a:xfrm>
+          <a:prstGeom prst="rect">
+            <a:avLst/>
+          </a:prstGeom>
+          <a:noFill/>
+        </p:spPr>
+        <p:txBody>
+          <a:bodyPr wrap="none" rtlCol="0">
+            <a:spAutoFit/>
+          </a:bodyPr>
+          <a:lstStyle/>
+          <a:p>
+            <a:r>
+              <a:rPr lang="fr-FR" sz="4000" b="1" dirty="0"/>
+              <a:t>AGTAGG*AGTGTTCATCAAAATGA</a:t>
+            </a:r>
+          </a:p>
+        </p:txBody>
+      </p:sp>
+      <p:sp>
+        <p:nvSpPr>
+          <p:cNvPr id="10" name="ZoneTexte 9">
+            <a:extLst>
+              <a:ext uri="{FF2B5EF4-FFF2-40B4-BE49-F238E27FC236}">
+                <a16:creationId xmlns:a16="http://schemas.microsoft.com/office/drawing/2014/main" id="{18CB8881-C23D-F04E-BE79-E875CBC60772}"/>
+              </a:ext>
+            </a:extLst>
+          </p:cNvPr>
+          <p:cNvSpPr txBox="1"/>
+          <p:nvPr/>
+        </p:nvSpPr>
+        <p:spPr>
+          <a:xfrm>
+            <a:off x="1039905" y="3198167"/>
+            <a:ext cx="1075765" cy="461665"/>
+          </a:xfrm>
+          <a:prstGeom prst="rect">
+            <a:avLst/>
+          </a:prstGeom>
+          <a:noFill/>
+        </p:spPr>
+        <p:txBody>
+          <a:bodyPr wrap="square" rtlCol="0">
+            <a:spAutoFit/>
+          </a:bodyPr>
+          <a:lstStyle/>
+          <a:p>
+            <a:r>
+              <a:rPr lang="fr-FR" sz="2400" dirty="0"/>
+              <a:t>WT</a:t>
+            </a:r>
+          </a:p>
+        </p:txBody>
+      </p:sp>
+      <p:sp>
+        <p:nvSpPr>
+          <p:cNvPr id="11" name="ZoneTexte 10">
+            <a:extLst>
+              <a:ext uri="{FF2B5EF4-FFF2-40B4-BE49-F238E27FC236}">
+                <a16:creationId xmlns:a16="http://schemas.microsoft.com/office/drawing/2014/main" id="{9A9C2180-5C75-714B-8024-6B4CCEA823AC}"/>
+              </a:ext>
+            </a:extLst>
+          </p:cNvPr>
+          <p:cNvSpPr txBox="1"/>
+          <p:nvPr/>
+        </p:nvSpPr>
+        <p:spPr>
+          <a:xfrm>
+            <a:off x="1039905" y="4335589"/>
+            <a:ext cx="1387283" cy="461665"/>
+          </a:xfrm>
+          <a:prstGeom prst="rect">
+            <a:avLst/>
+          </a:prstGeom>
+          <a:noFill/>
+        </p:spPr>
+        <p:txBody>
+          <a:bodyPr wrap="square" rtlCol="0">
+            <a:spAutoFit/>
+          </a:bodyPr>
+          <a:lstStyle/>
+          <a:p>
+            <a:r>
+              <a:rPr lang="fr-FR" sz="2400" dirty="0"/>
+              <a:t>Insertion</a:t>
+            </a:r>
+          </a:p>
+        </p:txBody>
+      </p:sp>
+      <p:sp>
+        <p:nvSpPr>
+          <p:cNvPr id="12" name="ZoneTexte 11">
+            <a:extLst>
+              <a:ext uri="{FF2B5EF4-FFF2-40B4-BE49-F238E27FC236}">
+                <a16:creationId xmlns:a16="http://schemas.microsoft.com/office/drawing/2014/main" id="{8669CEA5-F137-3540-84CA-B3C347580582}"/>
+              </a:ext>
+            </a:extLst>
+          </p:cNvPr>
+          <p:cNvSpPr txBox="1"/>
+          <p:nvPr/>
+        </p:nvSpPr>
+        <p:spPr>
+          <a:xfrm>
+            <a:off x="1039904" y="5473011"/>
+            <a:ext cx="1387283" cy="461665"/>
+          </a:xfrm>
+          <a:prstGeom prst="rect">
+            <a:avLst/>
+          </a:prstGeom>
+          <a:noFill/>
+        </p:spPr>
+        <p:txBody>
+          <a:bodyPr wrap="square" rtlCol="0">
+            <a:spAutoFit/>
+          </a:bodyPr>
+          <a:lstStyle/>
+          <a:p>
+            <a:r>
+              <a:rPr lang="fr-FR" sz="2400" dirty="0" err="1"/>
+              <a:t>Deletion</a:t>
+            </a:r>
+            <a:endParaRPr lang="fr-FR" sz="2400" dirty="0"/>
+          </a:p>
+        </p:txBody>
+      </p:sp>
+    </p:spTree>
+    <p:extLst>
+      <p:ext uri="{BB962C8B-B14F-4D97-AF65-F5344CB8AC3E}">
+        <p14:creationId xmlns:p14="http://schemas.microsoft.com/office/powerpoint/2010/main" val="4241699833"/>
+      </p:ext>
+    </p:extLst>
+  </p:cSld>
+  <p:clrMapOvr>
+    <a:masterClrMapping/>
+  </p:clrMapOvr>
+</p:sld>
+</file>
+
+<file path=ppt/slides/slide3.xml><?xml version="1.0" encoding="utf-8"?>
+<p:sld xmlns:a="http://schemas.openxmlformats.org/drawingml/2006/main" xmlns:r="http://schemas.openxmlformats.org/officeDocument/2006/relationships" xmlns:p="http://schemas.openxmlformats.org/presentationml/2006/main">
+  <p:cSld>
+    <p:spTree>
+      <p:nvGrpSpPr>
+        <p:cNvPr id="1" name=""/>
+        <p:cNvGrpSpPr/>
+        <p:nvPr/>
+      </p:nvGrpSpPr>
+      <p:grpSpPr>
+        <a:xfrm>
+          <a:off x="0" y="0"/>
+          <a:ext cx="0" cy="0"/>
+          <a:chOff x="0" y="0"/>
+          <a:chExt cx="0" cy="0"/>
+        </a:xfrm>
+      </p:grpSpPr>
+      <p:sp>
+        <p:nvSpPr>
+          <p:cNvPr id="2" name="Titre 1">
+            <a:extLst>
+              <a:ext uri="{FF2B5EF4-FFF2-40B4-BE49-F238E27FC236}">
+                <a16:creationId xmlns:a16="http://schemas.microsoft.com/office/drawing/2014/main" id="{37D77F2B-F733-8044-BCA4-91F9963BFE37}"/>
+              </a:ext>
+            </a:extLst>
+          </p:cNvPr>
+          <p:cNvSpPr>
+            <a:spLocks noGrp="1"/>
+          </p:cNvSpPr>
+          <p:nvPr>
+            <p:ph type="title"/>
+          </p:nvPr>
+        </p:nvSpPr>
+        <p:spPr/>
+        <p:txBody>
+          <a:bodyPr/>
+          <a:lstStyle/>
+          <a:p>
+            <a:pPr algn="ctr"/>
+            <a:r>
+              <a:rPr lang="fr-FR" dirty="0" err="1"/>
+              <a:t>What</a:t>
+            </a:r>
+            <a:r>
+              <a:rPr lang="fr-FR" dirty="0"/>
+              <a:t> </a:t>
+            </a:r>
+            <a:r>
+              <a:rPr lang="fr-FR" dirty="0" err="1"/>
+              <a:t>is</a:t>
+            </a:r>
+            <a:r>
+              <a:rPr lang="fr-FR" dirty="0"/>
+              <a:t> a </a:t>
+            </a:r>
+            <a:r>
+              <a:rPr lang="fr-FR" dirty="0" err="1"/>
+              <a:t>fsATI</a:t>
+            </a:r>
+            <a:r>
+              <a:rPr lang="fr-FR" dirty="0"/>
+              <a:t> mutation?</a:t>
+            </a:r>
+          </a:p>
+        </p:txBody>
+      </p:sp>
+      <p:sp>
+        <p:nvSpPr>
+          <p:cNvPr id="3" name="Espace réservé du contenu 2">
+            <a:extLst>
+              <a:ext uri="{FF2B5EF4-FFF2-40B4-BE49-F238E27FC236}">
+                <a16:creationId xmlns:a16="http://schemas.microsoft.com/office/drawing/2014/main" id="{D61E147B-26DC-374C-B1AF-77F8DE6A0FCF}"/>
+              </a:ext>
+            </a:extLst>
+          </p:cNvPr>
+          <p:cNvSpPr>
+            <a:spLocks noGrp="1"/>
+          </p:cNvSpPr>
+          <p:nvPr>
+            <p:ph idx="1"/>
+          </p:nvPr>
+        </p:nvSpPr>
+        <p:spPr>
+          <a:xfrm>
+            <a:off x="838200" y="1825625"/>
+            <a:ext cx="10515600" cy="1096869"/>
+          </a:xfrm>
+        </p:spPr>
+        <p:txBody>
+          <a:bodyPr/>
+          <a:lstStyle/>
+          <a:p>
+            <a:pPr marL="0" indent="0">
+              <a:buNone/>
+            </a:pPr>
+            <a:r>
+              <a:rPr lang="fr-FR" dirty="0"/>
+              <a:t>2. ATI Alternative transcription initiation</a:t>
+            </a:r>
+          </a:p>
+        </p:txBody>
+      </p:sp>
+      <p:sp>
+        <p:nvSpPr>
+          <p:cNvPr id="4" name="Espace réservé du numéro de diapositive 3">
+            <a:extLst>
+              <a:ext uri="{FF2B5EF4-FFF2-40B4-BE49-F238E27FC236}">
+                <a16:creationId xmlns:a16="http://schemas.microsoft.com/office/drawing/2014/main" id="{6DB887EB-8917-3045-BCD3-3DF6D27A379D}"/>
+              </a:ext>
+            </a:extLst>
+          </p:cNvPr>
+          <p:cNvSpPr>
+            <a:spLocks noGrp="1"/>
+          </p:cNvSpPr>
+          <p:nvPr>
+            <p:ph type="sldNum" sz="quarter" idx="12"/>
+          </p:nvPr>
+        </p:nvSpPr>
+        <p:spPr>
+          <a:xfrm>
+            <a:off x="8611200" y="6357600"/>
+            <a:ext cx="2743200" cy="365125"/>
+          </a:xfrm>
+        </p:spPr>
+        <p:txBody>
+          <a:bodyPr/>
+          <a:lstStyle/>
+          <a:p>
+            <a:fld id="{78CFE27D-7682-E84F-8CEA-9319D67B9D0B}" type="slidenum">
+              <a:rPr lang="fr-FR" smtClean="0"/>
+              <a:t>3</a:t>
+            </a:fld>
+            <a:endParaRPr lang="fr-FR" dirty="0"/>
+          </a:p>
+        </p:txBody>
+      </p:sp>
+      <p:sp>
+        <p:nvSpPr>
+          <p:cNvPr id="6" name="ZoneTexte 5">
+            <a:extLst>
+              <a:ext uri="{FF2B5EF4-FFF2-40B4-BE49-F238E27FC236}">
+                <a16:creationId xmlns:a16="http://schemas.microsoft.com/office/drawing/2014/main" id="{BB4C882A-B49D-D84C-9345-FF2393666273}"/>
+              </a:ext>
+            </a:extLst>
+          </p:cNvPr>
+          <p:cNvSpPr txBox="1"/>
+          <p:nvPr/>
+        </p:nvSpPr>
+        <p:spPr>
+          <a:xfrm>
+            <a:off x="1871375" y="3038123"/>
+            <a:ext cx="9784025" cy="707886"/>
+          </a:xfrm>
+          <a:prstGeom prst="rect">
+            <a:avLst/>
+          </a:prstGeom>
+          <a:noFill/>
+        </p:spPr>
+        <p:txBody>
+          <a:bodyPr wrap="none" rtlCol="0">
+            <a:spAutoFit/>
+          </a:bodyPr>
+          <a:lstStyle/>
+          <a:p>
+            <a:r>
+              <a:rPr lang="fr-FR" sz="4000" b="1" dirty="0"/>
+              <a:t>AGTAGG</a:t>
+            </a:r>
+            <a:r>
+              <a:rPr lang="fr-FR" sz="4000" b="1" dirty="0">
+                <a:highlight>
+                  <a:srgbClr val="FFFF00"/>
+                </a:highlight>
+              </a:rPr>
+              <a:t>A TG</a:t>
+            </a:r>
+            <a:r>
+              <a:rPr lang="fr-FR" sz="4000" b="1" dirty="0"/>
+              <a:t> TGT TCA TGA AAA TGA ACG TCA</a:t>
+            </a:r>
+          </a:p>
+        </p:txBody>
+      </p:sp>
+      <p:sp>
+        <p:nvSpPr>
+          <p:cNvPr id="13" name="ZoneTexte 12">
+            <a:extLst>
+              <a:ext uri="{FF2B5EF4-FFF2-40B4-BE49-F238E27FC236}">
+                <a16:creationId xmlns:a16="http://schemas.microsoft.com/office/drawing/2014/main" id="{D0A2D099-D83E-7948-9F99-D4C7AABE165A}"/>
+              </a:ext>
+            </a:extLst>
+          </p:cNvPr>
+          <p:cNvSpPr txBox="1"/>
+          <p:nvPr/>
+        </p:nvSpPr>
+        <p:spPr>
+          <a:xfrm>
+            <a:off x="1871375" y="4114366"/>
+            <a:ext cx="9784025" cy="707886"/>
+          </a:xfrm>
+          <a:prstGeom prst="rect">
+            <a:avLst/>
+          </a:prstGeom>
+          <a:noFill/>
+        </p:spPr>
+        <p:txBody>
+          <a:bodyPr wrap="none" rtlCol="0">
+            <a:spAutoFit/>
+          </a:bodyPr>
+          <a:lstStyle/>
+          <a:p>
+            <a:r>
+              <a:rPr lang="fr-FR" sz="4000" b="1" dirty="0"/>
+              <a:t>AGTAGGATGTGTTC</a:t>
+            </a:r>
+            <a:r>
+              <a:rPr lang="fr-FR" sz="4000" b="1" dirty="0">
+                <a:highlight>
+                  <a:srgbClr val="FFFF00"/>
+                </a:highlight>
+              </a:rPr>
+              <a:t>A TG </a:t>
+            </a:r>
+            <a:r>
+              <a:rPr lang="fr-FR" sz="4000" b="1" dirty="0"/>
+              <a:t>AAA ATG AAC GTC A</a:t>
+            </a:r>
+          </a:p>
+        </p:txBody>
+      </p:sp>
+      <p:sp>
+        <p:nvSpPr>
+          <p:cNvPr id="5" name="ZoneTexte 4">
+            <a:extLst>
+              <a:ext uri="{FF2B5EF4-FFF2-40B4-BE49-F238E27FC236}">
+                <a16:creationId xmlns:a16="http://schemas.microsoft.com/office/drawing/2014/main" id="{B6A47C0E-89E5-984A-BE44-A345F401ADEB}"/>
+              </a:ext>
+            </a:extLst>
+          </p:cNvPr>
+          <p:cNvSpPr txBox="1"/>
+          <p:nvPr/>
+        </p:nvSpPr>
+        <p:spPr>
+          <a:xfrm>
+            <a:off x="376286" y="3164000"/>
+            <a:ext cx="1495089" cy="369332"/>
+          </a:xfrm>
+          <a:prstGeom prst="rect">
+            <a:avLst/>
+          </a:prstGeom>
+          <a:noFill/>
+        </p:spPr>
+        <p:txBody>
+          <a:bodyPr wrap="none" rtlCol="0">
+            <a:spAutoFit/>
+          </a:bodyPr>
+          <a:lstStyle/>
+          <a:p>
+            <a:r>
+              <a:rPr lang="fr-FR" dirty="0" err="1"/>
+              <a:t>Transciption</a:t>
+            </a:r>
+            <a:r>
+              <a:rPr lang="fr-FR" dirty="0"/>
+              <a:t> 1</a:t>
+            </a:r>
+          </a:p>
+        </p:txBody>
+      </p:sp>
+      <p:sp>
+        <p:nvSpPr>
+          <p:cNvPr id="14" name="ZoneTexte 13">
+            <a:extLst>
+              <a:ext uri="{FF2B5EF4-FFF2-40B4-BE49-F238E27FC236}">
+                <a16:creationId xmlns:a16="http://schemas.microsoft.com/office/drawing/2014/main" id="{5316902D-4486-7F47-8DDA-A2CFDFDC47BE}"/>
+              </a:ext>
+            </a:extLst>
+          </p:cNvPr>
+          <p:cNvSpPr txBox="1"/>
+          <p:nvPr/>
+        </p:nvSpPr>
+        <p:spPr>
+          <a:xfrm>
+            <a:off x="376285" y="4220705"/>
+            <a:ext cx="1495089" cy="369332"/>
+          </a:xfrm>
+          <a:prstGeom prst="rect">
+            <a:avLst/>
+          </a:prstGeom>
+          <a:noFill/>
+        </p:spPr>
+        <p:txBody>
+          <a:bodyPr wrap="none" rtlCol="0">
+            <a:spAutoFit/>
+          </a:bodyPr>
+          <a:lstStyle/>
+          <a:p>
+            <a:r>
+              <a:rPr lang="fr-FR" dirty="0" err="1"/>
+              <a:t>Transciption</a:t>
+            </a:r>
+            <a:r>
+              <a:rPr lang="fr-FR" dirty="0"/>
+              <a:t> 2</a:t>
+            </a:r>
+          </a:p>
+        </p:txBody>
+      </p:sp>
+    </p:spTree>
+    <p:extLst>
+      <p:ext uri="{BB962C8B-B14F-4D97-AF65-F5344CB8AC3E}">
+        <p14:creationId xmlns:p14="http://schemas.microsoft.com/office/powerpoint/2010/main" val="2723285177"/>
+      </p:ext>
+    </p:extLst>
+  </p:cSld>
+  <p:clrMapOvr>
+    <a:masterClrMapping/>
+  </p:clrMapOvr>
+</p:sld>
+</file>
+
+<file path=ppt/slides/slide4.xml><?xml version="1.0" encoding="utf-8"?>
+<p:sld xmlns:a="http://schemas.openxmlformats.org/drawingml/2006/main" xmlns:r="http://schemas.openxmlformats.org/officeDocument/2006/relationships" xmlns:p="http://schemas.openxmlformats.org/presentationml/2006/main">
+  <p:cSld>
+    <p:spTree>
+      <p:nvGrpSpPr>
+        <p:cNvPr id="1" name=""/>
+        <p:cNvGrpSpPr/>
+        <p:nvPr/>
+      </p:nvGrpSpPr>
+      <p:grpSpPr>
+        <a:xfrm>
+          <a:off x="0" y="0"/>
+          <a:ext cx="0" cy="0"/>
+          <a:chOff x="0" y="0"/>
+          <a:chExt cx="0" cy="0"/>
+        </a:xfrm>
+      </p:grpSpPr>
+      <p:sp>
+        <p:nvSpPr>
+          <p:cNvPr id="4" name="Espace réservé du numéro de diapositive 3">
+            <a:extLst>
+              <a:ext uri="{FF2B5EF4-FFF2-40B4-BE49-F238E27FC236}">
+                <a16:creationId xmlns:a16="http://schemas.microsoft.com/office/drawing/2014/main" id="{BCDD5C59-3A80-0649-BA96-107A011DB316}"/>
+              </a:ext>
+            </a:extLst>
+          </p:cNvPr>
+          <p:cNvSpPr>
+            <a:spLocks noGrp="1"/>
+          </p:cNvSpPr>
+          <p:nvPr>
+            <p:ph type="sldNum" sz="quarter" idx="12"/>
+          </p:nvPr>
+        </p:nvSpPr>
+        <p:spPr/>
+        <p:txBody>
+          <a:bodyPr/>
+          <a:lstStyle/>
+          <a:p>
+            <a:fld id="{78CFE27D-7682-E84F-8CEA-9319D67B9D0B}" type="slidenum">
+              <a:rPr lang="fr-FR" smtClean="0"/>
+              <a:t>4</a:t>
+            </a:fld>
+            <a:endParaRPr lang="fr-FR"/>
+          </a:p>
+        </p:txBody>
+      </p:sp>
+      <p:sp>
+        <p:nvSpPr>
+          <p:cNvPr id="5" name="Rectangle 4">
+            <a:extLst>
+              <a:ext uri="{FF2B5EF4-FFF2-40B4-BE49-F238E27FC236}">
+                <a16:creationId xmlns:a16="http://schemas.microsoft.com/office/drawing/2014/main" id="{954B7F93-C3C4-0541-AF4F-AE99858DCA53}"/>
               </a:ext>
             </a:extLst>
           </p:cNvPr>
@@ -3341,7 +7711,7 @@
         </p:nvSpPr>
         <p:spPr>
           <a:xfrm>
-            <a:off x="3556285" y="4093784"/>
+            <a:off x="4110367" y="5035239"/>
             <a:ext cx="2422804" cy="488515"/>
           </a:xfrm>
           <a:prstGeom prst="rect">
@@ -3375,10 +7745,10 @@
       </p:sp>
       <p:sp>
         <p:nvSpPr>
-          <p:cNvPr id="5" name="ZoneTexte 4">
-            <a:extLst>
-              <a:ext uri="{FF2B5EF4-FFF2-40B4-BE49-F238E27FC236}">
-                <a16:creationId xmlns:a16="http://schemas.microsoft.com/office/drawing/2014/main" id="{E557E87B-4ABF-624A-93E7-2B33E59B3F54}"/>
+          <p:cNvPr id="6" name="ZoneTexte 5">
+            <a:extLst>
+              <a:ext uri="{FF2B5EF4-FFF2-40B4-BE49-F238E27FC236}">
+                <a16:creationId xmlns:a16="http://schemas.microsoft.com/office/drawing/2014/main" id="{DAE9AEA8-A7F5-A540-BB35-C6241CAB82BB}"/>
               </a:ext>
             </a:extLst>
           </p:cNvPr>
@@ -3387,7 +7757,7 @@
         </p:nvSpPr>
         <p:spPr>
           <a:xfrm>
-            <a:off x="3082190" y="4884745"/>
+            <a:off x="3636272" y="5826200"/>
             <a:ext cx="420308" cy="461665"/>
           </a:xfrm>
           <a:prstGeom prst="rect">
@@ -3417,7 +7787,7 @@
           <p:cNvPr id="7" name="ZoneTexte 6">
             <a:extLst>
               <a:ext uri="{FF2B5EF4-FFF2-40B4-BE49-F238E27FC236}">
-                <a16:creationId xmlns:a16="http://schemas.microsoft.com/office/drawing/2014/main" id="{2591209F-303C-A641-AF00-50493A6BA5A4}"/>
+                <a16:creationId xmlns:a16="http://schemas.microsoft.com/office/drawing/2014/main" id="{DE37AB13-F296-2549-9FAA-7CC76C442EF2}"/>
               </a:ext>
             </a:extLst>
           </p:cNvPr>
@@ -3426,7 +7796,7 @@
         </p:nvSpPr>
         <p:spPr>
           <a:xfrm>
-            <a:off x="7636210" y="4828603"/>
+            <a:off x="8190292" y="5770058"/>
             <a:ext cx="420308" cy="461665"/>
           </a:xfrm>
           <a:prstGeom prst="rect">
@@ -3453,10 +7823,10 @@
       </p:sp>
       <p:sp>
         <p:nvSpPr>
-          <p:cNvPr id="9" name="Rectangle 8">
-            <a:extLst>
-              <a:ext uri="{FF2B5EF4-FFF2-40B4-BE49-F238E27FC236}">
-                <a16:creationId xmlns:a16="http://schemas.microsoft.com/office/drawing/2014/main" id="{0AAB8905-1DA9-EB41-90F9-1C19A129A250}"/>
+          <p:cNvPr id="8" name="Rectangle 7">
+            <a:extLst>
+              <a:ext uri="{FF2B5EF4-FFF2-40B4-BE49-F238E27FC236}">
+                <a16:creationId xmlns:a16="http://schemas.microsoft.com/office/drawing/2014/main" id="{0036EC92-115B-3445-8635-8A2FAEDF43E5}"/>
               </a:ext>
             </a:extLst>
           </p:cNvPr>
@@ -3465,7 +7835,7 @@
         </p:nvSpPr>
         <p:spPr>
           <a:xfrm>
-            <a:off x="3807913" y="2536380"/>
+            <a:off x="4361995" y="3477835"/>
             <a:ext cx="2171178" cy="488515"/>
           </a:xfrm>
           <a:prstGeom prst="rect">
@@ -3502,10 +7872,10 @@
       </p:sp>
       <p:sp>
         <p:nvSpPr>
-          <p:cNvPr id="10" name="Rectangle 9">
-            <a:extLst>
-              <a:ext uri="{FF2B5EF4-FFF2-40B4-BE49-F238E27FC236}">
-                <a16:creationId xmlns:a16="http://schemas.microsoft.com/office/drawing/2014/main" id="{E36358A8-539D-2749-B27C-CCBB77EAC933}"/>
+          <p:cNvPr id="9" name="Rectangle 8">
+            <a:extLst>
+              <a:ext uri="{FF2B5EF4-FFF2-40B4-BE49-F238E27FC236}">
+                <a16:creationId xmlns:a16="http://schemas.microsoft.com/office/drawing/2014/main" id="{A2BC5CC4-1345-E048-99FD-0DC003B4678B}"/>
               </a:ext>
             </a:extLst>
           </p:cNvPr>
@@ -3514,7 +7884,7 @@
         </p:nvSpPr>
         <p:spPr>
           <a:xfrm>
-            <a:off x="5979091" y="2536379"/>
+            <a:off x="6533173" y="3477834"/>
             <a:ext cx="1603332" cy="488515"/>
           </a:xfrm>
           <a:prstGeom prst="rect">
@@ -3548,10 +7918,10 @@
       </p:sp>
       <p:cxnSp>
         <p:nvCxnSpPr>
-          <p:cNvPr id="15" name="Connecteur droit avec flèche 14">
-            <a:extLst>
-              <a:ext uri="{FF2B5EF4-FFF2-40B4-BE49-F238E27FC236}">
-                <a16:creationId xmlns:a16="http://schemas.microsoft.com/office/drawing/2014/main" id="{A186FDD9-0DCF-D043-A4ED-DC933E43BEF9}"/>
+          <p:cNvPr id="10" name="Connecteur droit avec flèche 9">
+            <a:extLst>
+              <a:ext uri="{FF2B5EF4-FFF2-40B4-BE49-F238E27FC236}">
+                <a16:creationId xmlns:a16="http://schemas.microsoft.com/office/drawing/2014/main" id="{9E1011CA-D342-1B4C-9275-9C678FD965A4}"/>
               </a:ext>
             </a:extLst>
           </p:cNvPr>
@@ -3562,7 +7932,7 @@
         </p:nvCxnSpPr>
         <p:spPr>
           <a:xfrm>
-            <a:off x="3807912" y="1972235"/>
+            <a:off x="4361994" y="2913690"/>
             <a:ext cx="0" cy="564144"/>
           </a:xfrm>
           <a:prstGeom prst="straightConnector1">
@@ -3592,10 +7962,10 @@
       </p:cxnSp>
       <p:cxnSp>
         <p:nvCxnSpPr>
-          <p:cNvPr id="19" name="Connecteur droit avec flèche 18">
-            <a:extLst>
-              <a:ext uri="{FF2B5EF4-FFF2-40B4-BE49-F238E27FC236}">
-                <a16:creationId xmlns:a16="http://schemas.microsoft.com/office/drawing/2014/main" id="{AE5F2383-664B-A74A-8797-01A39AC65548}"/>
+          <p:cNvPr id="11" name="Connecteur droit avec flèche 10">
+            <a:extLst>
+              <a:ext uri="{FF2B5EF4-FFF2-40B4-BE49-F238E27FC236}">
+                <a16:creationId xmlns:a16="http://schemas.microsoft.com/office/drawing/2014/main" id="{B4ACE1AF-CE62-B74E-8754-D689E516ACBD}"/>
               </a:ext>
             </a:extLst>
           </p:cNvPr>
@@ -3606,7 +7976,7 @@
         </p:nvCxnSpPr>
         <p:spPr>
           <a:xfrm>
-            <a:off x="5979091" y="1972235"/>
+            <a:off x="6533173" y="2913690"/>
             <a:ext cx="0" cy="564144"/>
           </a:xfrm>
           <a:prstGeom prst="straightConnector1">
@@ -3636,10 +8006,10 @@
       </p:cxnSp>
       <p:sp>
         <p:nvSpPr>
-          <p:cNvPr id="20" name="ZoneTexte 19">
-            <a:extLst>
-              <a:ext uri="{FF2B5EF4-FFF2-40B4-BE49-F238E27FC236}">
-                <a16:creationId xmlns:a16="http://schemas.microsoft.com/office/drawing/2014/main" id="{2295C91F-911F-E34E-B1D9-E852D03EA508}"/>
+          <p:cNvPr id="12" name="ZoneTexte 11">
+            <a:extLst>
+              <a:ext uri="{FF2B5EF4-FFF2-40B4-BE49-F238E27FC236}">
+                <a16:creationId xmlns:a16="http://schemas.microsoft.com/office/drawing/2014/main" id="{D26AA9A4-8DC3-F04E-8589-C06D275EB97B}"/>
               </a:ext>
             </a:extLst>
           </p:cNvPr>
@@ -3648,8 +8018,8 @@
         </p:nvSpPr>
         <p:spPr>
           <a:xfrm>
-            <a:off x="2943893" y="1322096"/>
-            <a:ext cx="1728037" cy="646331"/>
+            <a:off x="4126627" y="2456257"/>
+            <a:ext cx="480837" cy="369332"/>
           </a:xfrm>
           <a:prstGeom prst="rect">
             <a:avLst/>
@@ -3664,23 +8034,17 @@
           <a:p>
             <a:r>
               <a:rPr lang="fr-FR" b="1" dirty="0"/>
-              <a:t>Site alternatif </a:t>
-            </a:r>
-          </a:p>
-          <a:p>
-            <a:r>
-              <a:rPr lang="fr-FR" b="1" dirty="0"/>
-              <a:t>d’initiation (ATI)</a:t>
-            </a:r>
-          </a:p>
-        </p:txBody>
-      </p:sp>
-      <p:sp>
-        <p:nvSpPr>
-          <p:cNvPr id="21" name="ZoneTexte 20">
-            <a:extLst>
-              <a:ext uri="{FF2B5EF4-FFF2-40B4-BE49-F238E27FC236}">
-                <a16:creationId xmlns:a16="http://schemas.microsoft.com/office/drawing/2014/main" id="{B9D2AEEF-1B98-1147-9B04-BBD88585FA66}"/>
+              <a:t>ATI</a:t>
+            </a:r>
+          </a:p>
+        </p:txBody>
+      </p:sp>
+      <p:sp>
+        <p:nvSpPr>
+          <p:cNvPr id="13" name="ZoneTexte 12">
+            <a:extLst>
+              <a:ext uri="{FF2B5EF4-FFF2-40B4-BE49-F238E27FC236}">
+                <a16:creationId xmlns:a16="http://schemas.microsoft.com/office/drawing/2014/main" id="{49A37586-C4CD-3C48-BF3B-0A636668F7CF}"/>
               </a:ext>
             </a:extLst>
           </p:cNvPr>
@@ -3689,8 +8053,8 @@
         </p:nvSpPr>
         <p:spPr>
           <a:xfrm>
-            <a:off x="4938130" y="1314357"/>
-            <a:ext cx="2081917" cy="646331"/>
+            <a:off x="6359405" y="2456257"/>
+            <a:ext cx="347531" cy="369332"/>
           </a:xfrm>
           <a:prstGeom prst="rect">
             <a:avLst/>
@@ -3705,24 +8069,10 @@
           <a:p>
             <a:pPr algn="ctr"/>
             <a:r>
-              <a:rPr lang="fr-FR" b="1" dirty="0"/>
-              <a:t>Décalage du </a:t>
-            </a:r>
-          </a:p>
-          <a:p>
-            <a:pPr algn="ctr"/>
-            <a:r>
-              <a:rPr lang="fr-FR" b="1" dirty="0"/>
-              <a:t>cadre de lecture (</a:t>
-            </a:r>
-            <a:r>
               <a:rPr lang="fr-FR" b="1" dirty="0" err="1"/>
               <a:t>fs</a:t>
             </a:r>
-            <a:r>
-              <a:rPr lang="fr-FR" b="1" dirty="0"/>
-              <a:t>)</a:t>
-            </a:r>
+            <a:endParaRPr lang="fr-FR" b="1" dirty="0"/>
           </a:p>
         </p:txBody>
       </p:sp>
@@ -3731,7 +8081,7 @@
           <p:cNvPr id="14" name="Rectangle 13">
             <a:extLst>
               <a:ext uri="{FF2B5EF4-FFF2-40B4-BE49-F238E27FC236}">
-                <a16:creationId xmlns:a16="http://schemas.microsoft.com/office/drawing/2014/main" id="{94D938AC-1FAB-CC41-9E3E-161C8F6464EE}"/>
+                <a16:creationId xmlns:a16="http://schemas.microsoft.com/office/drawing/2014/main" id="{35795C2C-D7FF-7D41-976C-0EF55584D368}"/>
               </a:ext>
             </a:extLst>
           </p:cNvPr>
@@ -3740,7 +8090,7 @@
         </p:nvSpPr>
         <p:spPr>
           <a:xfrm>
-            <a:off x="3807919" y="3318510"/>
+            <a:off x="4362001" y="4259965"/>
             <a:ext cx="3774504" cy="488515"/>
           </a:xfrm>
           <a:prstGeom prst="rect">
@@ -3777,10 +8127,10 @@
       </p:sp>
       <p:sp>
         <p:nvSpPr>
-          <p:cNvPr id="16" name="Rectangle 15">
-            <a:extLst>
-              <a:ext uri="{FF2B5EF4-FFF2-40B4-BE49-F238E27FC236}">
-                <a16:creationId xmlns:a16="http://schemas.microsoft.com/office/drawing/2014/main" id="{CDC4E8C9-12D4-DE4C-9711-ADD6EBF5822D}"/>
+          <p:cNvPr id="15" name="Rectangle 14">
+            <a:extLst>
+              <a:ext uri="{FF2B5EF4-FFF2-40B4-BE49-F238E27FC236}">
+                <a16:creationId xmlns:a16="http://schemas.microsoft.com/office/drawing/2014/main" id="{7D19CEAD-4B82-9944-82B2-A3AA61EAF8B7}"/>
               </a:ext>
             </a:extLst>
           </p:cNvPr>
@@ -3789,7 +8139,7 @@
         </p:nvSpPr>
         <p:spPr>
           <a:xfrm>
-            <a:off x="3556285" y="4828603"/>
+            <a:off x="4110367" y="5770058"/>
             <a:ext cx="4026138" cy="488515"/>
           </a:xfrm>
           <a:prstGeom prst="rect">
@@ -3819,17 +8169,17 @@
             <a:pPr algn="ctr"/>
             <a:r>
               <a:rPr lang="fr-FR" dirty="0"/>
-              <a:t>Séquence sauvage</a:t>
-            </a:r>
-          </a:p>
-        </p:txBody>
-      </p:sp>
-      <p:sp>
-        <p:nvSpPr>
-          <p:cNvPr id="17" name="Rectangle 16">
-            <a:extLst>
-              <a:ext uri="{FF2B5EF4-FFF2-40B4-BE49-F238E27FC236}">
-                <a16:creationId xmlns:a16="http://schemas.microsoft.com/office/drawing/2014/main" id="{8BE77EC0-69E5-284A-BB6E-61E98A0C09D5}"/>
+              <a:t>WT</a:t>
+            </a:r>
+          </a:p>
+        </p:txBody>
+      </p:sp>
+      <p:sp>
+        <p:nvSpPr>
+          <p:cNvPr id="16" name="Rectangle 15">
+            <a:extLst>
+              <a:ext uri="{FF2B5EF4-FFF2-40B4-BE49-F238E27FC236}">
+                <a16:creationId xmlns:a16="http://schemas.microsoft.com/office/drawing/2014/main" id="{92A3B2FB-2A0E-9F4E-A9AB-032807D201A9}"/>
               </a:ext>
             </a:extLst>
           </p:cNvPr>
@@ -3838,7 +8188,7 @@
         </p:nvSpPr>
         <p:spPr>
           <a:xfrm>
-            <a:off x="5979091" y="4093722"/>
+            <a:off x="6533173" y="5035177"/>
             <a:ext cx="1603332" cy="488515"/>
           </a:xfrm>
           <a:prstGeom prst="rect">
@@ -3880,10 +8230,10 @@
       </p:sp>
       <p:sp>
         <p:nvSpPr>
-          <p:cNvPr id="2" name="ZoneTexte 1">
-            <a:extLst>
-              <a:ext uri="{FF2B5EF4-FFF2-40B4-BE49-F238E27FC236}">
-                <a16:creationId xmlns:a16="http://schemas.microsoft.com/office/drawing/2014/main" id="{419410F3-B2CE-A34A-8952-6AF2DDAAFBAB}"/>
+          <p:cNvPr id="17" name="ZoneTexte 16">
+            <a:extLst>
+              <a:ext uri="{FF2B5EF4-FFF2-40B4-BE49-F238E27FC236}">
+                <a16:creationId xmlns:a16="http://schemas.microsoft.com/office/drawing/2014/main" id="{EC4B58A9-18B0-A245-8EB0-D3DE38F3C643}"/>
               </a:ext>
             </a:extLst>
           </p:cNvPr>
@@ -3892,7 +8242,7 @@
         </p:nvSpPr>
         <p:spPr>
           <a:xfrm>
-            <a:off x="2901431" y="4120572"/>
+            <a:off x="3455513" y="5062027"/>
             <a:ext cx="402867" cy="461665"/>
           </a:xfrm>
           <a:prstGeom prst="rect">
@@ -3916,10 +8266,10 @@
       </p:sp>
       <p:sp>
         <p:nvSpPr>
-          <p:cNvPr id="23" name="ZoneTexte 22">
-            <a:extLst>
-              <a:ext uri="{FF2B5EF4-FFF2-40B4-BE49-F238E27FC236}">
-                <a16:creationId xmlns:a16="http://schemas.microsoft.com/office/drawing/2014/main" id="{368D71DC-BC73-3944-8D89-470FDD18ACE9}"/>
+          <p:cNvPr id="18" name="ZoneTexte 17">
+            <a:extLst>
+              <a:ext uri="{FF2B5EF4-FFF2-40B4-BE49-F238E27FC236}">
+                <a16:creationId xmlns:a16="http://schemas.microsoft.com/office/drawing/2014/main" id="{F1F813CC-332D-A741-9651-2DC602B7A76D}"/>
               </a:ext>
             </a:extLst>
           </p:cNvPr>
@@ -3928,7 +8278,7 @@
         </p:nvSpPr>
         <p:spPr>
           <a:xfrm>
-            <a:off x="2901431" y="3331934"/>
+            <a:off x="3455513" y="4273389"/>
             <a:ext cx="580608" cy="461665"/>
           </a:xfrm>
           <a:prstGeom prst="rect">
@@ -3951,10 +8301,10 @@
       </p:sp>
       <p:sp>
         <p:nvSpPr>
-          <p:cNvPr id="24" name="ZoneTexte 23">
-            <a:extLst>
-              <a:ext uri="{FF2B5EF4-FFF2-40B4-BE49-F238E27FC236}">
-                <a16:creationId xmlns:a16="http://schemas.microsoft.com/office/drawing/2014/main" id="{78D8D583-8938-7E4C-9D6D-D768045325AE}"/>
+          <p:cNvPr id="19" name="ZoneTexte 18">
+            <a:extLst>
+              <a:ext uri="{FF2B5EF4-FFF2-40B4-BE49-F238E27FC236}">
+                <a16:creationId xmlns:a16="http://schemas.microsoft.com/office/drawing/2014/main" id="{25C8D7FE-4659-6043-8262-7A46CF2ABA17}"/>
               </a:ext>
             </a:extLst>
           </p:cNvPr>
@@ -3963,7 +8313,7 @@
         </p:nvSpPr>
         <p:spPr>
           <a:xfrm>
-            <a:off x="2885065" y="2549803"/>
+            <a:off x="3439147" y="3491258"/>
             <a:ext cx="798808" cy="461665"/>
           </a:xfrm>
           <a:prstGeom prst="rect">
@@ -3985,10 +8335,166 @@
           </a:p>
         </p:txBody>
       </p:sp>
+      <p:sp>
+        <p:nvSpPr>
+          <p:cNvPr id="20" name="Titre 1">
+            <a:extLst>
+              <a:ext uri="{FF2B5EF4-FFF2-40B4-BE49-F238E27FC236}">
+                <a16:creationId xmlns:a16="http://schemas.microsoft.com/office/drawing/2014/main" id="{7A827DED-56EA-5947-AD66-8B7C7B525867}"/>
+              </a:ext>
+            </a:extLst>
+          </p:cNvPr>
+          <p:cNvSpPr>
+            <a:spLocks noGrp="1"/>
+          </p:cNvSpPr>
+          <p:nvPr>
+            <p:ph type="title"/>
+          </p:nvPr>
+        </p:nvSpPr>
+        <p:spPr>
+          <a:xfrm>
+            <a:off x="838200" y="365125"/>
+            <a:ext cx="10515600" cy="1325563"/>
+          </a:xfrm>
+        </p:spPr>
+        <p:txBody>
+          <a:bodyPr/>
+          <a:lstStyle/>
+          <a:p>
+            <a:pPr algn="ctr"/>
+            <a:r>
+              <a:rPr lang="fr-FR" dirty="0" err="1"/>
+              <a:t>What</a:t>
+            </a:r>
+            <a:r>
+              <a:rPr lang="fr-FR" dirty="0"/>
+              <a:t> </a:t>
+            </a:r>
+            <a:r>
+              <a:rPr lang="fr-FR" dirty="0" err="1"/>
+              <a:t>is</a:t>
+            </a:r>
+            <a:r>
+              <a:rPr lang="fr-FR" dirty="0"/>
+              <a:t> a </a:t>
+            </a:r>
+            <a:r>
+              <a:rPr lang="fr-FR" dirty="0" err="1"/>
+              <a:t>fsATI</a:t>
+            </a:r>
+            <a:r>
+              <a:rPr lang="fr-FR" dirty="0"/>
+              <a:t> mutation?</a:t>
+            </a:r>
+          </a:p>
+        </p:txBody>
+      </p:sp>
+      <p:sp>
+        <p:nvSpPr>
+          <p:cNvPr id="21" name="Rectangle 20">
+            <a:extLst>
+              <a:ext uri="{FF2B5EF4-FFF2-40B4-BE49-F238E27FC236}">
+                <a16:creationId xmlns:a16="http://schemas.microsoft.com/office/drawing/2014/main" id="{FC8903BB-96ED-7642-9F62-A09F3BAE6FA7}"/>
+              </a:ext>
+            </a:extLst>
+          </p:cNvPr>
+          <p:cNvSpPr/>
+          <p:nvPr/>
+        </p:nvSpPr>
+        <p:spPr>
+          <a:xfrm>
+            <a:off x="1713518" y="1540616"/>
+            <a:ext cx="9291774" cy="523220"/>
+          </a:xfrm>
+          <a:prstGeom prst="rect">
+            <a:avLst/>
+          </a:prstGeom>
+        </p:spPr>
+        <p:txBody>
+          <a:bodyPr wrap="none">
+            <a:spAutoFit/>
+          </a:bodyPr>
+          <a:lstStyle/>
+          <a:p>
+            <a:r>
+              <a:rPr lang="fr-FR" sz="2800" b="1" dirty="0" err="1">
+                <a:solidFill>
+                  <a:srgbClr val="FF0000"/>
+                </a:solidFill>
+              </a:rPr>
+              <a:t>f</a:t>
+            </a:r>
+            <a:r>
+              <a:rPr lang="fr-FR" sz="2800" dirty="0" err="1"/>
+              <a:t>rame</a:t>
+            </a:r>
+            <a:r>
+              <a:rPr lang="fr-FR" sz="2800" b="1" dirty="0" err="1">
+                <a:solidFill>
+                  <a:srgbClr val="FF0000"/>
+                </a:solidFill>
+              </a:rPr>
+              <a:t>s</a:t>
+            </a:r>
+            <a:r>
+              <a:rPr lang="fr-FR" sz="2800" dirty="0" err="1"/>
+              <a:t>hift</a:t>
+            </a:r>
+            <a:r>
+              <a:rPr lang="fr-FR" sz="2800" dirty="0"/>
+              <a:t> mutation-</a:t>
+            </a:r>
+            <a:r>
+              <a:rPr lang="fr-FR" sz="2800" dirty="0" err="1"/>
+              <a:t>induced</a:t>
+            </a:r>
+            <a:r>
+              <a:rPr lang="fr-FR" sz="2800" dirty="0"/>
+              <a:t> </a:t>
+            </a:r>
+            <a:r>
+              <a:rPr lang="fr-FR" sz="2800" b="1" dirty="0">
+                <a:solidFill>
+                  <a:srgbClr val="FF0000"/>
+                </a:solidFill>
+              </a:rPr>
+              <a:t>A</a:t>
+            </a:r>
+            <a:r>
+              <a:rPr lang="fr-FR" sz="2800" dirty="0"/>
+              <a:t>lternative </a:t>
+            </a:r>
+            <a:r>
+              <a:rPr lang="fr-FR" sz="2800" b="1" dirty="0">
+                <a:solidFill>
+                  <a:srgbClr val="FF0000"/>
+                </a:solidFill>
+              </a:rPr>
+              <a:t>T</a:t>
+            </a:r>
+            <a:r>
+              <a:rPr lang="fr-FR" sz="2800" dirty="0"/>
+              <a:t>ranslation </a:t>
+            </a:r>
+            <a:r>
+              <a:rPr lang="fr-FR" sz="2800" b="1" dirty="0">
+                <a:solidFill>
+                  <a:srgbClr val="FF0000"/>
+                </a:solidFill>
+              </a:rPr>
+              <a:t>I</a:t>
+            </a:r>
+            <a:r>
+              <a:rPr lang="fr-FR" sz="2800" dirty="0"/>
+              <a:t>nitiation </a:t>
+            </a:r>
+          </a:p>
+        </p:txBody>
+      </p:sp>
     </p:spTree>
     <p:extLst>
       <p:ext uri="{BB962C8B-B14F-4D97-AF65-F5344CB8AC3E}">
-        <p14:creationId xmlns:p14="http://schemas.microsoft.com/office/powerpoint/2010/main" val="920475810"/>
+        <p14:creationId xmlns:p14="http://schemas.microsoft.com/office/powerpoint/2010/main" val="2314743327"/>
       </p:ext>
     </p:extLst>
   </p:cSld>
@@ -3998,7 +8504,7 @@
 </p:sld>
 </file>
 
-<file path=ppt/slides/slide2.xml><?xml version="1.0" encoding="utf-8"?>
+<file path=ppt/slides/slide5.xml><?xml version="1.0" encoding="utf-8"?>
 <p:sld xmlns:a="http://schemas.openxmlformats.org/drawingml/2006/main" xmlns:r="http://schemas.openxmlformats.org/officeDocument/2006/relationships" xmlns:p="http://schemas.openxmlformats.org/presentationml/2006/main">
   <p:cSld>
     <p:spTree>
@@ -4017,10 +8523,204 @@
       </p:grpSpPr>
       <p:sp>
         <p:nvSpPr>
-          <p:cNvPr id="4" name="Rectangle : coins arrondis 3">
-            <a:extLst>
-              <a:ext uri="{FF2B5EF4-FFF2-40B4-BE49-F238E27FC236}">
-                <a16:creationId xmlns:a16="http://schemas.microsoft.com/office/drawing/2014/main" id="{0F8DA463-8B64-254E-807C-31C670837969}"/>
+          <p:cNvPr id="3" name="Espace réservé du contenu 2">
+            <a:extLst>
+              <a:ext uri="{FF2B5EF4-FFF2-40B4-BE49-F238E27FC236}">
+                <a16:creationId xmlns:a16="http://schemas.microsoft.com/office/drawing/2014/main" id="{5CF85A46-2847-CA4F-86C7-04435A317157}"/>
+              </a:ext>
+            </a:extLst>
+          </p:cNvPr>
+          <p:cNvSpPr>
+            <a:spLocks noGrp="1"/>
+          </p:cNvSpPr>
+          <p:nvPr>
+            <p:ph idx="1"/>
+          </p:nvPr>
+        </p:nvSpPr>
+        <p:spPr>
+          <a:xfrm>
+            <a:off x="883023" y="1470914"/>
+            <a:ext cx="10515600" cy="4351338"/>
+          </a:xfrm>
+        </p:spPr>
+        <p:txBody>
+          <a:bodyPr/>
+          <a:lstStyle/>
+          <a:p>
+            <a:r>
+              <a:rPr lang="fr-FR" dirty="0" err="1"/>
+              <a:t>Based</a:t>
+            </a:r>
+            <a:r>
+              <a:rPr lang="fr-FR" dirty="0"/>
+              <a:t> on Royal </a:t>
+            </a:r>
+            <a:r>
+              <a:rPr lang="fr-FR" i="1" dirty="0"/>
+              <a:t>et al </a:t>
+            </a:r>
+            <a:r>
+              <a:rPr lang="fr-FR" dirty="0" err="1"/>
+              <a:t>paper</a:t>
+            </a:r>
+            <a:r>
+              <a:rPr lang="fr-FR" dirty="0"/>
+              <a:t> (</a:t>
+            </a:r>
+            <a:r>
+              <a:rPr lang="fr-FR" dirty="0" err="1"/>
+              <a:t>february</a:t>
+            </a:r>
+            <a:r>
+              <a:rPr lang="fr-FR" dirty="0"/>
+              <a:t> 2019)</a:t>
+            </a:r>
+          </a:p>
+        </p:txBody>
+      </p:sp>
+      <p:sp>
+        <p:nvSpPr>
+          <p:cNvPr id="4" name="Espace réservé du numéro de diapositive 3">
+            <a:extLst>
+              <a:ext uri="{FF2B5EF4-FFF2-40B4-BE49-F238E27FC236}">
+                <a16:creationId xmlns:a16="http://schemas.microsoft.com/office/drawing/2014/main" id="{AAF4D623-E433-F044-9427-1E4AF9D427B4}"/>
+              </a:ext>
+            </a:extLst>
+          </p:cNvPr>
+          <p:cNvSpPr>
+            <a:spLocks noGrp="1"/>
+          </p:cNvSpPr>
+          <p:nvPr>
+            <p:ph type="sldNum" sz="quarter" idx="12"/>
+          </p:nvPr>
+        </p:nvSpPr>
+        <p:spPr/>
+        <p:txBody>
+          <a:bodyPr/>
+          <a:lstStyle/>
+          <a:p>
+            <a:fld id="{78CFE27D-7682-E84F-8CEA-9319D67B9D0B}" type="slidenum">
+              <a:rPr lang="fr-FR" smtClean="0"/>
+              <a:t>5</a:t>
+            </a:fld>
+            <a:endParaRPr lang="fr-FR"/>
+          </a:p>
+        </p:txBody>
+      </p:sp>
+      <p:sp>
+        <p:nvSpPr>
+          <p:cNvPr id="5" name="Titre 1">
+            <a:extLst>
+              <a:ext uri="{FF2B5EF4-FFF2-40B4-BE49-F238E27FC236}">
+                <a16:creationId xmlns:a16="http://schemas.microsoft.com/office/drawing/2014/main" id="{8A771A03-B232-644E-B883-D414A3068510}"/>
+              </a:ext>
+            </a:extLst>
+          </p:cNvPr>
+          <p:cNvSpPr>
+            <a:spLocks noGrp="1"/>
+          </p:cNvSpPr>
+          <p:nvPr>
+            <p:ph type="title"/>
+          </p:nvPr>
+        </p:nvSpPr>
+        <p:spPr>
+          <a:xfrm>
+            <a:off x="215153" y="72747"/>
+            <a:ext cx="11851341" cy="1325563"/>
+          </a:xfrm>
+        </p:spPr>
+        <p:txBody>
+          <a:bodyPr/>
+          <a:lstStyle/>
+          <a:p>
+            <a:pPr algn="ctr"/>
+            <a:r>
+              <a:rPr lang="fr-FR" dirty="0"/>
+              <a:t>How </a:t>
+            </a:r>
+            <a:r>
+              <a:rPr lang="fr-FR" dirty="0" err="1"/>
+              <a:t>fsATi</a:t>
+            </a:r>
+            <a:r>
+              <a:rPr lang="fr-FR" dirty="0"/>
+              <a:t> </a:t>
+            </a:r>
+            <a:r>
+              <a:rPr lang="fr-FR" dirty="0" err="1"/>
+              <a:t>can</a:t>
+            </a:r>
+            <a:r>
+              <a:rPr lang="fr-FR" dirty="0"/>
+              <a:t> </a:t>
+            </a:r>
+            <a:r>
+              <a:rPr lang="fr-FR" dirty="0" err="1"/>
+              <a:t>be</a:t>
+            </a:r>
+            <a:r>
+              <a:rPr lang="fr-FR" dirty="0"/>
+              <a:t> </a:t>
+            </a:r>
+            <a:r>
+              <a:rPr lang="fr-FR" dirty="0" err="1"/>
+              <a:t>involved</a:t>
+            </a:r>
+            <a:r>
+              <a:rPr lang="fr-FR" dirty="0"/>
+              <a:t> in </a:t>
+            </a:r>
+            <a:r>
+              <a:rPr lang="fr-FR" dirty="0" err="1"/>
+              <a:t>diseases</a:t>
+            </a:r>
+            <a:r>
+              <a:rPr lang="fr-FR" dirty="0"/>
+              <a:t>?</a:t>
+            </a:r>
+          </a:p>
+        </p:txBody>
+      </p:sp>
+      <p:pic>
+        <p:nvPicPr>
+          <p:cNvPr id="6" name="Image 5">
+            <a:extLst>
+              <a:ext uri="{FF2B5EF4-FFF2-40B4-BE49-F238E27FC236}">
+                <a16:creationId xmlns:a16="http://schemas.microsoft.com/office/drawing/2014/main" id="{441D254D-8999-6644-A48D-E6B518FA269D}"/>
+              </a:ext>
+            </a:extLst>
+          </p:cNvPr>
+          <p:cNvPicPr/>
+          <p:nvPr/>
+        </p:nvPicPr>
+        <p:blipFill>
+          <a:blip r:embed="rId2" cstate="print">
+            <a:extLst>
+              <a:ext uri="{28A0092B-C50C-407E-A947-70E740481C1C}">
+                <a14:useLocalDpi xmlns:a14="http://schemas.microsoft.com/office/drawing/2010/main" val="0"/>
+              </a:ext>
+            </a:extLst>
+          </a:blip>
+          <a:stretch>
+            <a:fillRect/>
+          </a:stretch>
+        </p:blipFill>
+        <p:spPr>
+          <a:xfrm>
+            <a:off x="567018" y="2466507"/>
+            <a:ext cx="6028766" cy="4036546"/>
+          </a:xfrm>
+          <a:prstGeom prst="rect">
+            <a:avLst/>
+          </a:prstGeom>
+        </p:spPr>
+      </p:pic>
+      <p:sp>
+        <p:nvSpPr>
+          <p:cNvPr id="2" name="Rectangle 1">
+            <a:extLst>
+              <a:ext uri="{FF2B5EF4-FFF2-40B4-BE49-F238E27FC236}">
+                <a16:creationId xmlns:a16="http://schemas.microsoft.com/office/drawing/2014/main" id="{A2CBD07F-266E-A24A-8C29-CB6C75A65236}"/>
               </a:ext>
             </a:extLst>
           </p:cNvPr>
@@ -4029,7 +8729,336 @@
         </p:nvSpPr>
         <p:spPr>
           <a:xfrm>
-            <a:off x="806824" y="3101052"/>
+            <a:off x="7046259" y="2570698"/>
+            <a:ext cx="5020235" cy="3785652"/>
+          </a:xfrm>
+          <a:prstGeom prst="rect">
+            <a:avLst/>
+          </a:prstGeom>
+        </p:spPr>
+        <p:txBody>
+          <a:bodyPr wrap="square">
+            <a:spAutoFit/>
+          </a:bodyPr>
+          <a:lstStyle/>
+          <a:p>
+            <a:r>
+              <a:rPr lang="fr-FR" sz="2400" dirty="0"/>
+              <a:t>TRESK </a:t>
+            </a:r>
+            <a:r>
+              <a:rPr lang="fr-FR" sz="2400" dirty="0" err="1"/>
+              <a:t>heteromerizes</a:t>
+            </a:r>
+            <a:r>
+              <a:rPr lang="fr-FR" sz="2400" dirty="0"/>
+              <a:t> </a:t>
+            </a:r>
+            <a:r>
+              <a:rPr lang="fr-FR" sz="2400" dirty="0" err="1"/>
+              <a:t>with</a:t>
+            </a:r>
+            <a:r>
+              <a:rPr lang="fr-FR" sz="2400" dirty="0"/>
+              <a:t> </a:t>
+            </a:r>
+          </a:p>
+          <a:p>
+            <a:r>
+              <a:rPr lang="fr-FR" sz="2400" dirty="0"/>
+              <a:t>TREK1 and TREK2 </a:t>
+            </a:r>
+          </a:p>
+          <a:p>
+            <a:endParaRPr lang="fr-FR" sz="2400" dirty="0"/>
+          </a:p>
+          <a:p>
+            <a:r>
+              <a:rPr lang="fr-FR" sz="2400" dirty="0"/>
+              <a:t>TRESK-MT mutant </a:t>
+            </a:r>
+            <a:r>
+              <a:rPr lang="fr-FR" sz="2400" dirty="0" err="1"/>
+              <a:t>induces</a:t>
+            </a:r>
+            <a:r>
+              <a:rPr lang="fr-FR" sz="2400" dirty="0"/>
+              <a:t> formation of MT1 and MT2</a:t>
+            </a:r>
+          </a:p>
+          <a:p>
+            <a:r>
+              <a:rPr lang="fr-FR" sz="2400" dirty="0"/>
+              <a:t> </a:t>
+            </a:r>
+          </a:p>
+          <a:p>
+            <a:r>
+              <a:rPr lang="fr-FR" sz="2400" dirty="0"/>
+              <a:t>MT2 </a:t>
+            </a:r>
+            <a:r>
+              <a:rPr lang="fr-FR" sz="2400" dirty="0" err="1"/>
+              <a:t>is</a:t>
+            </a:r>
+            <a:r>
+              <a:rPr lang="fr-FR" sz="2400" dirty="0"/>
+              <a:t> </a:t>
+            </a:r>
+            <a:r>
+              <a:rPr lang="fr-FR" sz="2400" dirty="0" err="1"/>
+              <a:t>produced</a:t>
+            </a:r>
+            <a:r>
+              <a:rPr lang="fr-FR" sz="2400" dirty="0"/>
+              <a:t> by </a:t>
+            </a:r>
+            <a:r>
+              <a:rPr lang="fr-FR" sz="2400" dirty="0" err="1"/>
+              <a:t>fsATI</a:t>
+            </a:r>
+            <a:endParaRPr lang="fr-FR" sz="2400" dirty="0"/>
+          </a:p>
+          <a:p>
+            <a:r>
+              <a:rPr lang="fr-FR" sz="2400" dirty="0"/>
+              <a:t> MT2 </a:t>
+            </a:r>
+            <a:r>
+              <a:rPr lang="fr-FR" sz="2400" dirty="0" err="1"/>
+              <a:t>inhibits</a:t>
+            </a:r>
+            <a:r>
+              <a:rPr lang="fr-FR" sz="2400" dirty="0"/>
+              <a:t> TREK to </a:t>
+            </a:r>
+            <a:r>
+              <a:rPr lang="fr-FR" sz="2400" dirty="0" err="1"/>
+              <a:t>increase</a:t>
+            </a:r>
+            <a:r>
+              <a:rPr lang="fr-FR" sz="2400" dirty="0"/>
+              <a:t> neuronal </a:t>
+            </a:r>
+            <a:r>
+              <a:rPr lang="fr-FR" sz="2400" dirty="0" err="1"/>
+              <a:t>excitability</a:t>
+            </a:r>
+            <a:r>
+              <a:rPr lang="fr-FR" sz="2400" dirty="0"/>
+              <a:t> </a:t>
+            </a:r>
+          </a:p>
+          <a:p>
+            <a:r>
+              <a:rPr lang="fr-FR" sz="2400" dirty="0">
+                <a:sym typeface="Wingdings" pitchFamily="2" charset="2"/>
+              </a:rPr>
+              <a:t> </a:t>
+            </a:r>
+            <a:r>
+              <a:rPr lang="fr-FR" sz="2400" dirty="0" err="1"/>
+              <a:t>induce</a:t>
+            </a:r>
+            <a:r>
+              <a:rPr lang="fr-FR" sz="2400" dirty="0"/>
+              <a:t> a migraine </a:t>
+            </a:r>
+            <a:r>
+              <a:rPr lang="fr-FR" sz="2400" dirty="0" err="1"/>
+              <a:t>phenotype</a:t>
+            </a:r>
+            <a:r>
+              <a:rPr lang="fr-FR" sz="2400" dirty="0"/>
+              <a:t> </a:t>
+            </a:r>
+          </a:p>
+        </p:txBody>
+      </p:sp>
+    </p:spTree>
+    <p:extLst>
+      <p:ext uri="{BB962C8B-B14F-4D97-AF65-F5344CB8AC3E}">
+        <p14:creationId xmlns:p14="http://schemas.microsoft.com/office/powerpoint/2010/main" val="1769638002"/>
+      </p:ext>
+    </p:extLst>
+  </p:cSld>
+  <p:clrMapOvr>
+    <a:masterClrMapping/>
+  </p:clrMapOvr>
+</p:sld>
+</file>
+
+<file path=ppt/slides/slide6.xml><?xml version="1.0" encoding="utf-8"?>
+<p:sld xmlns:a="http://schemas.openxmlformats.org/drawingml/2006/main" xmlns:r="http://schemas.openxmlformats.org/officeDocument/2006/relationships" xmlns:p="http://schemas.openxmlformats.org/presentationml/2006/main">
+  <p:cSld>
+    <p:spTree>
+      <p:nvGrpSpPr>
+        <p:cNvPr id="1" name=""/>
+        <p:cNvGrpSpPr/>
+        <p:nvPr/>
+      </p:nvGrpSpPr>
+      <p:grpSpPr>
+        <a:xfrm>
+          <a:off x="0" y="0"/>
+          <a:ext cx="0" cy="0"/>
+          <a:chOff x="0" y="0"/>
+          <a:chExt cx="0" cy="0"/>
+        </a:xfrm>
+      </p:grpSpPr>
+      <p:sp>
+        <p:nvSpPr>
+          <p:cNvPr id="3" name="Espace réservé du contenu 2">
+            <a:extLst>
+              <a:ext uri="{FF2B5EF4-FFF2-40B4-BE49-F238E27FC236}">
+                <a16:creationId xmlns:a16="http://schemas.microsoft.com/office/drawing/2014/main" id="{5CF85A46-2847-CA4F-86C7-04435A317157}"/>
+              </a:ext>
+            </a:extLst>
+          </p:cNvPr>
+          <p:cNvSpPr>
+            <a:spLocks noGrp="1"/>
+          </p:cNvSpPr>
+          <p:nvPr>
+            <p:ph idx="1"/>
+          </p:nvPr>
+        </p:nvSpPr>
+        <p:spPr>
+          <a:xfrm>
+            <a:off x="838200" y="1674159"/>
+            <a:ext cx="10515600" cy="4351338"/>
+          </a:xfrm>
+        </p:spPr>
+        <p:txBody>
+          <a:bodyPr/>
+          <a:lstStyle/>
+          <a:p>
+            <a:r>
+              <a:rPr lang="fr-FR" dirty="0" err="1"/>
+              <a:t>Based</a:t>
+            </a:r>
+            <a:r>
+              <a:rPr lang="fr-FR" dirty="0"/>
+              <a:t> on </a:t>
+            </a:r>
+            <a:r>
+              <a:rPr lang="fr-FR" dirty="0" err="1"/>
+              <a:t>Whi</a:t>
+            </a:r>
+            <a:r>
+              <a:rPr lang="fr-FR" dirty="0"/>
+              <a:t> </a:t>
+            </a:r>
+          </a:p>
+        </p:txBody>
+      </p:sp>
+      <p:sp>
+        <p:nvSpPr>
+          <p:cNvPr id="4" name="Espace réservé du numéro de diapositive 3">
+            <a:extLst>
+              <a:ext uri="{FF2B5EF4-FFF2-40B4-BE49-F238E27FC236}">
+                <a16:creationId xmlns:a16="http://schemas.microsoft.com/office/drawing/2014/main" id="{AAF4D623-E433-F044-9427-1E4AF9D427B4}"/>
+              </a:ext>
+            </a:extLst>
+          </p:cNvPr>
+          <p:cNvSpPr>
+            <a:spLocks noGrp="1"/>
+          </p:cNvSpPr>
+          <p:nvPr>
+            <p:ph type="sldNum" sz="quarter" idx="12"/>
+          </p:nvPr>
+        </p:nvSpPr>
+        <p:spPr/>
+        <p:txBody>
+          <a:bodyPr/>
+          <a:lstStyle/>
+          <a:p>
+            <a:fld id="{78CFE27D-7682-E84F-8CEA-9319D67B9D0B}" type="slidenum">
+              <a:rPr lang="fr-FR" smtClean="0"/>
+              <a:t>6</a:t>
+            </a:fld>
+            <a:endParaRPr lang="fr-FR"/>
+          </a:p>
+        </p:txBody>
+      </p:sp>
+      <p:sp>
+        <p:nvSpPr>
+          <p:cNvPr id="5" name="Titre 1">
+            <a:extLst>
+              <a:ext uri="{FF2B5EF4-FFF2-40B4-BE49-F238E27FC236}">
+                <a16:creationId xmlns:a16="http://schemas.microsoft.com/office/drawing/2014/main" id="{8A771A03-B232-644E-B883-D414A3068510}"/>
+              </a:ext>
+            </a:extLst>
+          </p:cNvPr>
+          <p:cNvSpPr>
+            <a:spLocks noGrp="1"/>
+          </p:cNvSpPr>
+          <p:nvPr>
+            <p:ph type="title"/>
+          </p:nvPr>
+        </p:nvSpPr>
+        <p:spPr>
+          <a:xfrm>
+            <a:off x="838200" y="136525"/>
+            <a:ext cx="10515600" cy="1325563"/>
+          </a:xfrm>
+        </p:spPr>
+        <p:txBody>
+          <a:bodyPr/>
+          <a:lstStyle/>
+          <a:p>
+            <a:pPr algn="ctr"/>
+            <a:r>
+              <a:rPr lang="fr-FR" dirty="0" err="1"/>
+              <a:t>Strategy</a:t>
+            </a:r>
+            <a:endParaRPr lang="fr-FR" dirty="0"/>
+          </a:p>
+        </p:txBody>
+      </p:sp>
+    </p:spTree>
+    <p:extLst>
+      <p:ext uri="{BB962C8B-B14F-4D97-AF65-F5344CB8AC3E}">
+        <p14:creationId xmlns:p14="http://schemas.microsoft.com/office/powerpoint/2010/main" val="2339532064"/>
+      </p:ext>
+    </p:extLst>
+  </p:cSld>
+  <p:clrMapOvr>
+    <a:masterClrMapping/>
+  </p:clrMapOvr>
+</p:sld>
+</file>
+
+<file path=ppt/slides/slide7.xml><?xml version="1.0" encoding="utf-8"?>
+<p:sld xmlns:a="http://schemas.openxmlformats.org/drawingml/2006/main" xmlns:r="http://schemas.openxmlformats.org/officeDocument/2006/relationships" xmlns:p="http://schemas.openxmlformats.org/presentationml/2006/main">
+  <p:cSld>
+    <p:spTree>
+      <p:nvGrpSpPr>
+        <p:cNvPr id="1" name=""/>
+        <p:cNvGrpSpPr/>
+        <p:nvPr/>
+      </p:nvGrpSpPr>
+      <p:grpSpPr>
+        <a:xfrm>
+          <a:off x="0" y="0"/>
+          <a:ext cx="0" cy="0"/>
+          <a:chOff x="0" y="0"/>
+          <a:chExt cx="0" cy="0"/>
+        </a:xfrm>
+      </p:grpSpPr>
+      <p:sp>
+        <p:nvSpPr>
+          <p:cNvPr id="4" name="Rectangle : coins arrondis 3">
+            <a:extLst>
+              <a:ext uri="{FF2B5EF4-FFF2-40B4-BE49-F238E27FC236}">
+                <a16:creationId xmlns:a16="http://schemas.microsoft.com/office/drawing/2014/main" id="{0F8DA463-8B64-254E-807C-31C670837969}"/>
+              </a:ext>
+            </a:extLst>
+          </p:cNvPr>
+          <p:cNvSpPr/>
+          <p:nvPr/>
+        </p:nvSpPr>
+        <p:spPr>
+          <a:xfrm>
+            <a:off x="838200" y="3592984"/>
             <a:ext cx="1741117" cy="1027134"/>
           </a:xfrm>
           <a:prstGeom prst="roundRect">
@@ -4085,7 +9114,7 @@
         </p:nvSpPr>
         <p:spPr>
           <a:xfrm>
-            <a:off x="2938336" y="3101052"/>
+            <a:off x="2969712" y="3592984"/>
             <a:ext cx="1889343" cy="1027134"/>
           </a:xfrm>
           <a:prstGeom prst="roundRect">
@@ -4154,7 +9183,7 @@
         </p:nvSpPr>
         <p:spPr>
           <a:xfrm>
-            <a:off x="5218073" y="3101052"/>
+            <a:off x="5249449" y="3592984"/>
             <a:ext cx="1741117" cy="1027134"/>
           </a:xfrm>
           <a:prstGeom prst="roundRect">
@@ -4212,7 +9241,7 @@
         </p:nvSpPr>
         <p:spPr>
           <a:xfrm>
-            <a:off x="7349584" y="3101052"/>
+            <a:off x="7380960" y="3592984"/>
             <a:ext cx="1741117" cy="1027134"/>
           </a:xfrm>
           <a:prstGeom prst="roundRect">
@@ -4268,7 +9297,7 @@
         </p:nvSpPr>
         <p:spPr>
           <a:xfrm>
-            <a:off x="6479025" y="4503969"/>
+            <a:off x="6510401" y="4995901"/>
             <a:ext cx="1741117" cy="1027134"/>
           </a:xfrm>
           <a:prstGeom prst="roundRect">
@@ -4322,7 +9351,7 @@
         </p:nvSpPr>
         <p:spPr>
           <a:xfrm>
-            <a:off x="8307824" y="4529021"/>
+            <a:off x="8339200" y="5020953"/>
             <a:ext cx="1741117" cy="1027134"/>
           </a:xfrm>
           <a:prstGeom prst="roundRect">
@@ -4379,7 +9408,7 @@
         </p:nvCxnSpPr>
         <p:spPr>
           <a:xfrm>
-            <a:off x="2547941" y="3614619"/>
+            <a:off x="2579317" y="4106551"/>
             <a:ext cx="390395" cy="0"/>
           </a:xfrm>
           <a:prstGeom prst="straightConnector1">
@@ -4418,7 +9447,7 @@
         </p:nvCxnSpPr>
         <p:spPr>
           <a:xfrm>
-            <a:off x="4827679" y="3614619"/>
+            <a:off x="4859055" y="4106551"/>
             <a:ext cx="390395" cy="0"/>
           </a:xfrm>
           <a:prstGeom prst="straightConnector1">
@@ -4457,7 +9486,7 @@
         </p:nvCxnSpPr>
         <p:spPr>
           <a:xfrm>
-            <a:off x="6959190" y="3614619"/>
+            <a:off x="6990566" y="4106551"/>
             <a:ext cx="390395" cy="0"/>
           </a:xfrm>
           <a:prstGeom prst="straightConnector1">
@@ -4499,7 +9528,7 @@
         </p:nvCxnSpPr>
         <p:spPr>
           <a:xfrm flipH="1">
-            <a:off x="7833435" y="4128186"/>
+            <a:off x="7864811" y="4620118"/>
             <a:ext cx="386708" cy="375783"/>
           </a:xfrm>
           <a:prstGeom prst="straightConnector1">
@@ -4540,7 +9569,7 @@
         </p:nvCxnSpPr>
         <p:spPr>
           <a:xfrm>
-            <a:off x="8220142" y="4121921"/>
+            <a:off x="8251518" y="4613853"/>
             <a:ext cx="390395" cy="398746"/>
           </a:xfrm>
           <a:prstGeom prst="straightConnector1">
@@ -4579,7 +9608,7 @@
         </p:nvCxnSpPr>
         <p:spPr>
           <a:xfrm>
-            <a:off x="9090701" y="3652320"/>
+            <a:off x="9122077" y="4144252"/>
             <a:ext cx="390395" cy="0"/>
           </a:xfrm>
           <a:prstGeom prst="straightConnector1">
@@ -4618,7 +9647,7 @@
         </p:nvSpPr>
         <p:spPr>
           <a:xfrm>
-            <a:off x="9481096" y="3136174"/>
+            <a:off x="9512472" y="3628106"/>
             <a:ext cx="1741117" cy="1027134"/>
           </a:xfrm>
           <a:prstGeom prst="roundRect">
@@ -4670,7 +9699,7 @@
         </p:nvSpPr>
         <p:spPr>
           <a:xfrm>
-            <a:off x="6285672" y="1507018"/>
+            <a:off x="6317048" y="1998950"/>
             <a:ext cx="1741117" cy="1218251"/>
           </a:xfrm>
           <a:prstGeom prst="roundRect">
@@ -4731,7 +9760,7 @@
         </p:nvCxnSpPr>
         <p:spPr>
           <a:xfrm>
-            <a:off x="7156231" y="2725269"/>
+            <a:off x="7187607" y="3217201"/>
             <a:ext cx="0" cy="889349"/>
           </a:xfrm>
           <a:prstGeom prst="straightConnector1">
@@ -4756,10 +9785,732 @@
           </a:fontRef>
         </p:style>
       </p:cxnSp>
+      <p:sp>
+        <p:nvSpPr>
+          <p:cNvPr id="2" name="Espace réservé du numéro de diapositive 1">
+            <a:extLst>
+              <a:ext uri="{FF2B5EF4-FFF2-40B4-BE49-F238E27FC236}">
+                <a16:creationId xmlns:a16="http://schemas.microsoft.com/office/drawing/2014/main" id="{AD4892CE-6598-6B42-B474-741B1F1832CC}"/>
+              </a:ext>
+            </a:extLst>
+          </p:cNvPr>
+          <p:cNvSpPr>
+            <a:spLocks noGrp="1"/>
+          </p:cNvSpPr>
+          <p:nvPr>
+            <p:ph type="sldNum" sz="quarter" idx="12"/>
+          </p:nvPr>
+        </p:nvSpPr>
+        <p:spPr/>
+        <p:txBody>
+          <a:bodyPr/>
+          <a:lstStyle/>
+          <a:p>
+            <a:fld id="{78CFE27D-7682-E84F-8CEA-9319D67B9D0B}" type="slidenum">
+              <a:rPr lang="fr-FR" smtClean="0"/>
+              <a:t>7</a:t>
+            </a:fld>
+            <a:endParaRPr lang="fr-FR"/>
+          </a:p>
+        </p:txBody>
+      </p:sp>
+      <p:sp>
+        <p:nvSpPr>
+          <p:cNvPr id="19" name="Titre 1">
+            <a:extLst>
+              <a:ext uri="{FF2B5EF4-FFF2-40B4-BE49-F238E27FC236}">
+                <a16:creationId xmlns:a16="http://schemas.microsoft.com/office/drawing/2014/main" id="{E76328C5-3980-C340-AA29-F5F2550AB78E}"/>
+              </a:ext>
+            </a:extLst>
+          </p:cNvPr>
+          <p:cNvSpPr>
+            <a:spLocks noGrp="1"/>
+          </p:cNvSpPr>
+          <p:nvPr>
+            <p:ph type="title"/>
+          </p:nvPr>
+        </p:nvSpPr>
+        <p:spPr>
+          <a:xfrm>
+            <a:off x="838200" y="228712"/>
+            <a:ext cx="10515600" cy="1325563"/>
+          </a:xfrm>
+        </p:spPr>
+        <p:txBody>
+          <a:bodyPr/>
+          <a:lstStyle/>
+          <a:p>
+            <a:pPr algn="ctr"/>
+            <a:r>
+              <a:rPr lang="fr-FR" dirty="0"/>
+              <a:t>Workflow</a:t>
+            </a:r>
+          </a:p>
+        </p:txBody>
+      </p:sp>
     </p:spTree>
     <p:extLst>
       <p:ext uri="{BB962C8B-B14F-4D97-AF65-F5344CB8AC3E}">
         <p14:creationId xmlns:p14="http://schemas.microsoft.com/office/powerpoint/2010/main" val="1569549894"/>
+      </p:ext>
+    </p:extLst>
+  </p:cSld>
+  <p:clrMapOvr>
+    <a:masterClrMapping/>
+  </p:clrMapOvr>
+</p:sld>
+</file>
+
+<file path=ppt/slides/slide8.xml><?xml version="1.0" encoding="utf-8"?>
+<p:sld xmlns:a="http://schemas.openxmlformats.org/drawingml/2006/main" xmlns:r="http://schemas.openxmlformats.org/officeDocument/2006/relationships" xmlns:p="http://schemas.openxmlformats.org/presentationml/2006/main">
+  <p:cSld>
+    <p:spTree>
+      <p:nvGrpSpPr>
+        <p:cNvPr id="1" name=""/>
+        <p:cNvGrpSpPr/>
+        <p:nvPr/>
+      </p:nvGrpSpPr>
+      <p:grpSpPr>
+        <a:xfrm>
+          <a:off x="0" y="0"/>
+          <a:ext cx="0" cy="0"/>
+          <a:chOff x="0" y="0"/>
+          <a:chExt cx="0" cy="0"/>
+        </a:xfrm>
+      </p:grpSpPr>
+      <p:sp>
+        <p:nvSpPr>
+          <p:cNvPr id="19" name="Titre 1">
+            <a:extLst>
+              <a:ext uri="{FF2B5EF4-FFF2-40B4-BE49-F238E27FC236}">
+                <a16:creationId xmlns:a16="http://schemas.microsoft.com/office/drawing/2014/main" id="{E76328C5-3980-C340-AA29-F5F2550AB78E}"/>
+              </a:ext>
+            </a:extLst>
+          </p:cNvPr>
+          <p:cNvSpPr>
+            <a:spLocks noGrp="1"/>
+          </p:cNvSpPr>
+          <p:nvPr>
+            <p:ph type="title"/>
+          </p:nvPr>
+        </p:nvSpPr>
+        <p:spPr>
+          <a:xfrm>
+            <a:off x="838200" y="167901"/>
+            <a:ext cx="10515600" cy="1325563"/>
+          </a:xfrm>
+        </p:spPr>
+        <p:txBody>
+          <a:bodyPr/>
+          <a:lstStyle/>
+          <a:p>
+            <a:pPr algn="ctr"/>
+            <a:r>
+              <a:rPr lang="fr-FR" dirty="0"/>
+              <a:t>Scripts</a:t>
+            </a:r>
+          </a:p>
+        </p:txBody>
+      </p:sp>
+      <p:sp>
+        <p:nvSpPr>
+          <p:cNvPr id="20" name="Espace réservé du contenu 2">
+            <a:extLst>
+              <a:ext uri="{FF2B5EF4-FFF2-40B4-BE49-F238E27FC236}">
+                <a16:creationId xmlns:a16="http://schemas.microsoft.com/office/drawing/2014/main" id="{C1337E66-72E6-BE42-BD0B-E332032F8C19}"/>
+              </a:ext>
+            </a:extLst>
+          </p:cNvPr>
+          <p:cNvSpPr>
+            <a:spLocks noGrp="1"/>
+          </p:cNvSpPr>
+          <p:nvPr>
+            <p:ph idx="1"/>
+          </p:nvPr>
+        </p:nvSpPr>
+        <p:spPr>
+          <a:xfrm>
+            <a:off x="838200" y="1558659"/>
+            <a:ext cx="10515600" cy="4967647"/>
+          </a:xfrm>
+        </p:spPr>
+        <p:txBody>
+          <a:bodyPr>
+            <a:normAutofit fontScale="92500" lnSpcReduction="10000"/>
+          </a:bodyPr>
+          <a:lstStyle/>
+          <a:p>
+            <a:pPr marL="0" indent="0">
+              <a:buNone/>
+            </a:pPr>
+            <a:r>
+              <a:rPr lang="fr-FR" dirty="0" err="1"/>
+              <a:t>Language</a:t>
+            </a:r>
+            <a:r>
+              <a:rPr lang="fr-FR" dirty="0"/>
+              <a:t> </a:t>
+            </a:r>
+            <a:r>
+              <a:rPr lang="fr-FR" dirty="0" err="1"/>
+              <a:t>Phyton</a:t>
+            </a:r>
+            <a:r>
+              <a:rPr lang="fr-FR" dirty="0"/>
+              <a:t> 3 </a:t>
+            </a:r>
+            <a:r>
+              <a:rPr lang="fr-FR" dirty="0" err="1"/>
+              <a:t>using</a:t>
+            </a:r>
+            <a:r>
+              <a:rPr lang="fr-FR" dirty="0"/>
+              <a:t> </a:t>
+            </a:r>
+            <a:r>
+              <a:rPr lang="fr-FR" dirty="0" err="1"/>
+              <a:t>BioPhyton</a:t>
+            </a:r>
+            <a:r>
+              <a:rPr lang="fr-FR" dirty="0"/>
+              <a:t> and Pandas module</a:t>
+            </a:r>
+          </a:p>
+          <a:p>
+            <a:pPr marL="0" indent="0">
+              <a:buNone/>
+            </a:pPr>
+            <a:endParaRPr lang="fr-FR" dirty="0"/>
+          </a:p>
+          <a:p>
+            <a:r>
+              <a:rPr lang="fr-FR" dirty="0" err="1">
+                <a:solidFill>
+                  <a:srgbClr val="7030A0"/>
+                </a:solidFill>
+              </a:rPr>
+              <a:t>mRNA_to_ORF.py</a:t>
+            </a:r>
+            <a:r>
+              <a:rPr lang="fr-FR" dirty="0">
+                <a:solidFill>
+                  <a:srgbClr val="7030A0"/>
+                </a:solidFill>
+              </a:rPr>
+              <a:t> </a:t>
+            </a:r>
+            <a:r>
+              <a:rPr lang="fr-FR" dirty="0">
+                <a:sym typeface="Wingdings" pitchFamily="2" charset="2"/>
+              </a:rPr>
+              <a:t> </a:t>
+            </a:r>
+            <a:r>
+              <a:rPr lang="fr-FR" dirty="0" err="1">
+                <a:sym typeface="Wingdings" pitchFamily="2" charset="2"/>
+              </a:rPr>
+              <a:t>generate</a:t>
+            </a:r>
+            <a:r>
+              <a:rPr lang="fr-FR" dirty="0">
+                <a:sym typeface="Wingdings" pitchFamily="2" charset="2"/>
+              </a:rPr>
+              <a:t> ORF </a:t>
+            </a:r>
+            <a:r>
+              <a:rPr lang="fr-FR" dirty="0" err="1">
+                <a:sym typeface="Wingdings" pitchFamily="2" charset="2"/>
+              </a:rPr>
+              <a:t>from</a:t>
+            </a:r>
+            <a:r>
+              <a:rPr lang="fr-FR" dirty="0">
+                <a:sym typeface="Wingdings" pitchFamily="2" charset="2"/>
+              </a:rPr>
+              <a:t> </a:t>
+            </a:r>
+            <a:r>
+              <a:rPr lang="fr-FR" dirty="0" err="1">
+                <a:sym typeface="Wingdings" pitchFamily="2" charset="2"/>
+              </a:rPr>
+              <a:t>mRNA</a:t>
+            </a:r>
+            <a:r>
+              <a:rPr lang="fr-FR" dirty="0">
+                <a:sym typeface="Wingdings" pitchFamily="2" charset="2"/>
+              </a:rPr>
+              <a:t> </a:t>
+            </a:r>
+            <a:r>
+              <a:rPr lang="fr-FR" dirty="0" err="1">
+                <a:sym typeface="Wingdings" pitchFamily="2" charset="2"/>
+              </a:rPr>
+              <a:t>sequences</a:t>
+            </a:r>
+            <a:r>
+              <a:rPr lang="fr-FR" dirty="0">
+                <a:sym typeface="Wingdings" pitchFamily="2" charset="2"/>
+              </a:rPr>
+              <a:t> </a:t>
+            </a:r>
+            <a:r>
+              <a:rPr lang="fr-FR" dirty="0" err="1">
+                <a:sym typeface="Wingdings" pitchFamily="2" charset="2"/>
+              </a:rPr>
+              <a:t>generated</a:t>
+            </a:r>
+            <a:r>
+              <a:rPr lang="fr-FR" dirty="0">
+                <a:sym typeface="Wingdings" pitchFamily="2" charset="2"/>
+              </a:rPr>
+              <a:t> by ANNOVAR.</a:t>
+            </a:r>
+            <a:endParaRPr lang="fr-FR" dirty="0"/>
+          </a:p>
+          <a:p>
+            <a:pPr marL="0" indent="0">
+              <a:buNone/>
+            </a:pPr>
+            <a:endParaRPr lang="fr-FR" dirty="0"/>
+          </a:p>
+          <a:p>
+            <a:r>
+              <a:rPr lang="fr-FR" dirty="0" err="1">
+                <a:solidFill>
+                  <a:srgbClr val="7030A0"/>
+                </a:solidFill>
+              </a:rPr>
+              <a:t>find_fsATI.py</a:t>
+            </a:r>
+            <a:r>
+              <a:rPr lang="fr-FR" dirty="0">
+                <a:solidFill>
+                  <a:srgbClr val="7030A0"/>
+                </a:solidFill>
+              </a:rPr>
+              <a:t> </a:t>
+            </a:r>
+            <a:r>
+              <a:rPr lang="fr-FR" dirty="0">
+                <a:sym typeface="Wingdings" pitchFamily="2" charset="2"/>
+              </a:rPr>
+              <a:t> </a:t>
+            </a:r>
+            <a:r>
+              <a:rPr lang="fr-FR" dirty="0" err="1">
+                <a:sym typeface="Wingdings" pitchFamily="2" charset="2"/>
+              </a:rPr>
+              <a:t>find</a:t>
+            </a:r>
+            <a:r>
+              <a:rPr lang="fr-FR" dirty="0">
+                <a:sym typeface="Wingdings" pitchFamily="2" charset="2"/>
+              </a:rPr>
+              <a:t> </a:t>
+            </a:r>
+            <a:r>
+              <a:rPr lang="fr-FR" dirty="0" err="1">
+                <a:sym typeface="Wingdings" pitchFamily="2" charset="2"/>
+              </a:rPr>
+              <a:t>wich</a:t>
+            </a:r>
+            <a:r>
+              <a:rPr lang="fr-FR" dirty="0">
+                <a:sym typeface="Wingdings" pitchFamily="2" charset="2"/>
+              </a:rPr>
+              <a:t> </a:t>
+            </a:r>
+            <a:r>
+              <a:rPr lang="fr-FR" dirty="0" err="1">
+                <a:sym typeface="Wingdings" pitchFamily="2" charset="2"/>
+              </a:rPr>
+              <a:t>sequence</a:t>
+            </a:r>
+            <a:r>
+              <a:rPr lang="fr-FR" dirty="0">
+                <a:sym typeface="Wingdings" pitchFamily="2" charset="2"/>
+              </a:rPr>
+              <a:t> </a:t>
+            </a:r>
+            <a:r>
+              <a:rPr lang="fr-FR" dirty="0" err="1">
+                <a:sym typeface="Wingdings" pitchFamily="2" charset="2"/>
+              </a:rPr>
+              <a:t>could</a:t>
+            </a:r>
+            <a:r>
+              <a:rPr lang="fr-FR" dirty="0">
+                <a:sym typeface="Wingdings" pitchFamily="2" charset="2"/>
+              </a:rPr>
+              <a:t> </a:t>
+            </a:r>
+            <a:r>
+              <a:rPr lang="fr-FR" dirty="0" err="1">
+                <a:sym typeface="Wingdings" pitchFamily="2" charset="2"/>
+              </a:rPr>
+              <a:t>be</a:t>
+            </a:r>
+            <a:r>
+              <a:rPr lang="fr-FR" dirty="0">
+                <a:sym typeface="Wingdings" pitchFamily="2" charset="2"/>
+              </a:rPr>
+              <a:t>  </a:t>
+            </a:r>
+            <a:r>
+              <a:rPr lang="fr-FR" dirty="0" err="1">
+                <a:sym typeface="Wingdings" pitchFamily="2" charset="2"/>
+              </a:rPr>
+              <a:t>fsATI</a:t>
+            </a:r>
+            <a:r>
+              <a:rPr lang="fr-FR" dirty="0">
+                <a:sym typeface="Wingdings" pitchFamily="2" charset="2"/>
+              </a:rPr>
+              <a:t> </a:t>
+            </a:r>
+          </a:p>
+          <a:p>
+            <a:pPr marL="514350" indent="-514350">
+              <a:buAutoNum type="arabicPeriod"/>
+            </a:pPr>
+            <a:r>
+              <a:rPr lang="fr-FR" dirty="0" err="1">
+                <a:sym typeface="Wingdings" pitchFamily="2" charset="2"/>
+              </a:rPr>
+              <a:t>Molecular</a:t>
+            </a:r>
+            <a:r>
+              <a:rPr lang="fr-FR" dirty="0">
+                <a:sym typeface="Wingdings" pitchFamily="2" charset="2"/>
+              </a:rPr>
+              <a:t> </a:t>
+            </a:r>
+            <a:r>
+              <a:rPr lang="fr-FR" dirty="0" err="1">
+                <a:sym typeface="Wingdings" pitchFamily="2" charset="2"/>
+              </a:rPr>
+              <a:t>definition</a:t>
+            </a:r>
+            <a:endParaRPr lang="fr-FR" dirty="0">
+              <a:sym typeface="Wingdings" pitchFamily="2" charset="2"/>
+            </a:endParaRPr>
+          </a:p>
+          <a:p>
+            <a:pPr marL="514350" indent="-514350">
+              <a:buAutoNum type="arabicPeriod"/>
+            </a:pPr>
+            <a:r>
+              <a:rPr lang="fr-FR" dirty="0" err="1">
+                <a:sym typeface="Wingdings" pitchFamily="2" charset="2"/>
+              </a:rPr>
+              <a:t>Calculation</a:t>
+            </a:r>
+            <a:r>
+              <a:rPr lang="fr-FR" dirty="0">
+                <a:sym typeface="Wingdings" pitchFamily="2" charset="2"/>
+              </a:rPr>
+              <a:t> of  </a:t>
+            </a:r>
+            <a:r>
+              <a:rPr lang="fr-FR" dirty="0" err="1">
+                <a:sym typeface="Wingdings" pitchFamily="2" charset="2"/>
+              </a:rPr>
+              <a:t>Kosak</a:t>
+            </a:r>
+            <a:r>
+              <a:rPr lang="fr-FR" dirty="0">
+                <a:sym typeface="Wingdings" pitchFamily="2" charset="2"/>
+              </a:rPr>
+              <a:t> </a:t>
+            </a:r>
+            <a:r>
+              <a:rPr lang="fr-FR" dirty="0" err="1">
+                <a:sym typeface="Wingdings" pitchFamily="2" charset="2"/>
+              </a:rPr>
+              <a:t>Strenght</a:t>
+            </a:r>
+            <a:r>
+              <a:rPr lang="fr-FR" dirty="0">
+                <a:sym typeface="Wingdings" pitchFamily="2" charset="2"/>
+              </a:rPr>
+              <a:t> and </a:t>
+            </a:r>
+            <a:r>
+              <a:rPr lang="fr-FR" dirty="0" err="1">
+                <a:sym typeface="Wingdings" pitchFamily="2" charset="2"/>
+              </a:rPr>
+              <a:t>PhyloP</a:t>
+            </a:r>
+            <a:r>
+              <a:rPr lang="fr-FR" dirty="0">
+                <a:sym typeface="Wingdings" pitchFamily="2" charset="2"/>
+              </a:rPr>
+              <a:t> score</a:t>
+            </a:r>
+          </a:p>
+          <a:p>
+            <a:endParaRPr lang="fr-FR" dirty="0">
+              <a:sym typeface="Wingdings" pitchFamily="2" charset="2"/>
+            </a:endParaRPr>
+          </a:p>
+          <a:p>
+            <a:r>
+              <a:rPr lang="fr-FR" dirty="0" err="1">
+                <a:solidFill>
+                  <a:srgbClr val="7030A0"/>
+                </a:solidFill>
+                <a:sym typeface="Wingdings" pitchFamily="2" charset="2"/>
+              </a:rPr>
+              <a:t>validate_fsATI.py</a:t>
+            </a:r>
+            <a:r>
+              <a:rPr lang="fr-FR" dirty="0">
+                <a:solidFill>
+                  <a:srgbClr val="7030A0"/>
+                </a:solidFill>
+                <a:sym typeface="Wingdings" pitchFamily="2" charset="2"/>
+              </a:rPr>
+              <a:t> </a:t>
+            </a:r>
+            <a:r>
+              <a:rPr lang="fr-FR" dirty="0">
+                <a:sym typeface="Wingdings" pitchFamily="2" charset="2"/>
+              </a:rPr>
+              <a:t> Select </a:t>
+            </a:r>
+            <a:r>
+              <a:rPr lang="fr-FR" dirty="0" err="1">
+                <a:sym typeface="Wingdings" pitchFamily="2" charset="2"/>
+              </a:rPr>
+              <a:t>only</a:t>
+            </a:r>
+            <a:r>
+              <a:rPr lang="fr-FR" dirty="0">
+                <a:sym typeface="Wingdings" pitchFamily="2" charset="2"/>
+              </a:rPr>
+              <a:t> </a:t>
+            </a:r>
+            <a:r>
+              <a:rPr lang="fr-FR" dirty="0" err="1">
+                <a:sym typeface="Wingdings" pitchFamily="2" charset="2"/>
+              </a:rPr>
+              <a:t>sequences</a:t>
+            </a:r>
+            <a:r>
+              <a:rPr lang="fr-FR" dirty="0">
+                <a:sym typeface="Wingdings" pitchFamily="2" charset="2"/>
+              </a:rPr>
+              <a:t> </a:t>
+            </a:r>
+            <a:r>
+              <a:rPr lang="fr-FR" dirty="0" err="1">
+                <a:sym typeface="Wingdings" pitchFamily="2" charset="2"/>
+              </a:rPr>
+              <a:t>with</a:t>
+            </a:r>
+            <a:r>
+              <a:rPr lang="fr-FR" dirty="0">
+                <a:sym typeface="Wingdings" pitchFamily="2" charset="2"/>
+              </a:rPr>
+              <a:t> a </a:t>
+            </a:r>
+            <a:r>
+              <a:rPr lang="fr-FR" dirty="0" err="1">
+                <a:sym typeface="Wingdings" pitchFamily="2" charset="2"/>
+              </a:rPr>
+              <a:t>Kosak</a:t>
+            </a:r>
+            <a:r>
+              <a:rPr lang="fr-FR" dirty="0">
+                <a:sym typeface="Wingdings" pitchFamily="2" charset="2"/>
+              </a:rPr>
+              <a:t> </a:t>
+            </a:r>
+            <a:r>
+              <a:rPr lang="fr-FR" dirty="0" err="1">
+                <a:sym typeface="Wingdings" pitchFamily="2" charset="2"/>
+              </a:rPr>
+              <a:t>strenght</a:t>
+            </a:r>
+            <a:r>
+              <a:rPr lang="fr-FR" dirty="0">
+                <a:sym typeface="Wingdings" pitchFamily="2" charset="2"/>
+              </a:rPr>
+              <a:t> à 3 et un score de </a:t>
+            </a:r>
+            <a:r>
+              <a:rPr lang="fr-FR" dirty="0" err="1">
+                <a:sym typeface="Wingdings" pitchFamily="2" charset="2"/>
+              </a:rPr>
+              <a:t>PhyloP</a:t>
+            </a:r>
+            <a:r>
+              <a:rPr lang="fr-FR" dirty="0">
+                <a:sym typeface="Wingdings" pitchFamily="2" charset="2"/>
+              </a:rPr>
+              <a:t> &gt;=2</a:t>
+            </a:r>
+            <a:endParaRPr lang="fr-FR" dirty="0"/>
+          </a:p>
+          <a:p>
+            <a:pPr marL="514350" indent="-514350">
+              <a:buAutoNum type="arabicPeriod"/>
+            </a:pPr>
+            <a:endParaRPr lang="fr-FR" dirty="0"/>
+          </a:p>
+        </p:txBody>
+      </p:sp>
+    </p:spTree>
+    <p:extLst>
+      <p:ext uri="{BB962C8B-B14F-4D97-AF65-F5344CB8AC3E}">
+        <p14:creationId xmlns:p14="http://schemas.microsoft.com/office/powerpoint/2010/main" val="1623842128"/>
+      </p:ext>
+    </p:extLst>
+  </p:cSld>
+  <p:clrMapOvr>
+    <a:masterClrMapping/>
+  </p:clrMapOvr>
+</p:sld>
+</file>
+
+<file path=ppt/slides/slide9.xml><?xml version="1.0" encoding="utf-8"?>
+<p:sld xmlns:a="http://schemas.openxmlformats.org/drawingml/2006/main" xmlns:r="http://schemas.openxmlformats.org/officeDocument/2006/relationships" xmlns:p="http://schemas.openxmlformats.org/presentationml/2006/main">
+  <p:cSld>
+    <p:spTree>
+      <p:nvGrpSpPr>
+        <p:cNvPr id="1" name=""/>
+        <p:cNvGrpSpPr/>
+        <p:nvPr/>
+      </p:nvGrpSpPr>
+      <p:grpSpPr>
+        <a:xfrm>
+          <a:off x="0" y="0"/>
+          <a:ext cx="0" cy="0"/>
+          <a:chOff x="0" y="0"/>
+          <a:chExt cx="0" cy="0"/>
+        </a:xfrm>
+      </p:grpSpPr>
+      <p:sp>
+        <p:nvSpPr>
+          <p:cNvPr id="3" name="Espace réservé du contenu 2">
+            <a:extLst>
+              <a:ext uri="{FF2B5EF4-FFF2-40B4-BE49-F238E27FC236}">
+                <a16:creationId xmlns:a16="http://schemas.microsoft.com/office/drawing/2014/main" id="{5CF85A46-2847-CA4F-86C7-04435A317157}"/>
+              </a:ext>
+            </a:extLst>
+          </p:cNvPr>
+          <p:cNvSpPr>
+            <a:spLocks noGrp="1"/>
+          </p:cNvSpPr>
+          <p:nvPr>
+            <p:ph idx="1"/>
+          </p:nvPr>
+        </p:nvSpPr>
+        <p:spPr>
+          <a:xfrm>
+            <a:off x="838200" y="1674159"/>
+            <a:ext cx="10515600" cy="4351338"/>
+          </a:xfrm>
+        </p:spPr>
+        <p:txBody>
+          <a:bodyPr/>
+          <a:lstStyle/>
+          <a:p>
+            <a:r>
+              <a:rPr lang="fr-FR" dirty="0" err="1"/>
+              <a:t>Based</a:t>
+            </a:r>
+            <a:r>
+              <a:rPr lang="fr-FR" dirty="0"/>
+              <a:t> on </a:t>
+            </a:r>
+            <a:r>
+              <a:rPr lang="fr-FR" dirty="0" err="1"/>
+              <a:t>Whi</a:t>
+            </a:r>
+            <a:r>
+              <a:rPr lang="fr-FR" dirty="0"/>
+              <a:t> </a:t>
+            </a:r>
+          </a:p>
+        </p:txBody>
+      </p:sp>
+      <p:sp>
+        <p:nvSpPr>
+          <p:cNvPr id="4" name="Espace réservé du numéro de diapositive 3">
+            <a:extLst>
+              <a:ext uri="{FF2B5EF4-FFF2-40B4-BE49-F238E27FC236}">
+                <a16:creationId xmlns:a16="http://schemas.microsoft.com/office/drawing/2014/main" id="{AAF4D623-E433-F044-9427-1E4AF9D427B4}"/>
+              </a:ext>
+            </a:extLst>
+          </p:cNvPr>
+          <p:cNvSpPr>
+            <a:spLocks noGrp="1"/>
+          </p:cNvSpPr>
+          <p:nvPr>
+            <p:ph type="sldNum" sz="quarter" idx="12"/>
+          </p:nvPr>
+        </p:nvSpPr>
+        <p:spPr/>
+        <p:txBody>
+          <a:bodyPr/>
+          <a:lstStyle/>
+          <a:p>
+            <a:fld id="{78CFE27D-7682-E84F-8CEA-9319D67B9D0B}" type="slidenum">
+              <a:rPr lang="fr-FR" smtClean="0"/>
+              <a:t>9</a:t>
+            </a:fld>
+            <a:endParaRPr lang="fr-FR"/>
+          </a:p>
+        </p:txBody>
+      </p:sp>
+      <p:sp>
+        <p:nvSpPr>
+          <p:cNvPr id="5" name="Titre 1">
+            <a:extLst>
+              <a:ext uri="{FF2B5EF4-FFF2-40B4-BE49-F238E27FC236}">
+                <a16:creationId xmlns:a16="http://schemas.microsoft.com/office/drawing/2014/main" id="{8A771A03-B232-644E-B883-D414A3068510}"/>
+              </a:ext>
+            </a:extLst>
+          </p:cNvPr>
+          <p:cNvSpPr>
+            <a:spLocks noGrp="1"/>
+          </p:cNvSpPr>
+          <p:nvPr>
+            <p:ph type="title"/>
+          </p:nvPr>
+        </p:nvSpPr>
+        <p:spPr>
+          <a:xfrm>
+            <a:off x="838200" y="136525"/>
+            <a:ext cx="10515600" cy="1325563"/>
+          </a:xfrm>
+        </p:spPr>
+        <p:txBody>
+          <a:bodyPr/>
+          <a:lstStyle/>
+          <a:p>
+            <a:pPr algn="ctr"/>
+            <a:r>
+              <a:rPr lang="fr-FR" dirty="0" err="1"/>
+              <a:t>Kosak</a:t>
+            </a:r>
+            <a:r>
+              <a:rPr lang="fr-FR" dirty="0"/>
+              <a:t> </a:t>
+            </a:r>
+            <a:r>
+              <a:rPr lang="fr-FR" dirty="0" err="1"/>
+              <a:t>Strenght</a:t>
+            </a:r>
+            <a:endParaRPr lang="fr-FR" dirty="0"/>
+          </a:p>
+        </p:txBody>
+      </p:sp>
+    </p:spTree>
+    <p:extLst>
+      <p:ext uri="{BB962C8B-B14F-4D97-AF65-F5344CB8AC3E}">
+        <p14:creationId xmlns:p14="http://schemas.microsoft.com/office/powerpoint/2010/main" val="516634283"/>
       </p:ext>
     </p:extLst>
   </p:cSld>
@@ -5062,4 +10813,299 @@
     </a:ext>
   </a:extLst>
 </a:theme>
+</file>
+
+<file path=ppt/theme/theme2.xml><?xml version="1.0" encoding="utf-8"?>
+<a:theme xmlns:a="http://schemas.openxmlformats.org/drawingml/2006/main" name="Thème Office">
+  <a:themeElements>
+    <a:clrScheme name="Office">
+      <a:dk1>
+        <a:sysClr val="windowText" lastClr="000000"/>
+      </a:dk1>
+      <a:lt1>
+        <a:sysClr val="window" lastClr="FFFFFF"/>
+      </a:lt1>
+      <a:dk2>
+        <a:srgbClr val="44546A"/>
+      </a:dk2>
+      <a:lt2>
+        <a:srgbClr val="E7E6E6"/>
+      </a:lt2>
+      <a:accent1>
+        <a:srgbClr val="4472C4"/>
+      </a:accent1>
+      <a:accent2>
+        <a:srgbClr val="ED7D31"/>
+      </a:accent2>
+      <a:accent3>
+        <a:srgbClr val="A5A5A5"/>
+      </a:accent3>
+      <a:accent4>
+        <a:srgbClr val="FFC000"/>
+      </a:accent4>
+      <a:accent5>
+        <a:srgbClr val="5B9BD5"/>
+      </a:accent5>
+      <a:accent6>
+        <a:srgbClr val="70AD47"/>
+      </a:accent6>
+      <a:hlink>
+        <a:srgbClr val="0563C1"/>
+      </a:hlink>
+      <a:folHlink>
+        <a:srgbClr val="954F72"/>
+      </a:folHlink>
+    </a:clrScheme>
+    <a:fontScheme name="Office">
+      <a:majorFont>
+        <a:latin typeface="Calibri Light" panose="020F0302020204030204"/>
+        <a:ea typeface=""/>
+        <a:cs typeface=""/>
+        <a:font script="Jpan" typeface="游ゴシック Light"/>
+        <a:font script="Hang" typeface="맑은 고딕"/>
+        <a:font script="Hans" typeface="等线 Light"/>
+        <a:font script="Hant" typeface="新細明體"/>
+        <a:font script="Arab" typeface="Times New Roman"/>
+        <a:font script="Hebr" typeface="Times New Roman"/>
+        <a:font script="Thai" typeface="Angsana New"/>
+        <a:font script="Ethi" typeface="Nyala"/>
+        <a:font script="Beng" typeface="Vrinda"/>
+        <a:font script="Gujr" typeface="Shruti"/>
+        <a:font script="Khmr" typeface="MoolBoran"/>
+        <a:font script="Knda" typeface="Tunga"/>
+        <a:font script="Guru" typeface="Raavi"/>
+        <a:font script="Cans" typeface="Euphemia"/>
+        <a:font script="Cher" typeface="Plantagenet Cherokee"/>
+        <a:font script="Yiii" typeface="Microsoft Yi Baiti"/>
+        <a:font script="Tibt" typeface="Microsoft Himalaya"/>
+        <a:font script="Thaa" typeface="MV Boli"/>
+        <a:font script="Deva" typeface="Mangal"/>
+        <a:font script="Telu" typeface="Gautami"/>
+        <a:font script="Taml" typeface="Latha"/>
+        <a:font script="Syrc" typeface="Estrangelo Edessa"/>
+        <a:font script="Orya" typeface="Kalinga"/>
+        <a:font script="Mlym" typeface="Kartika"/>
+        <a:font script="Laoo" typeface="DokChampa"/>
+        <a:font script="Sinh" typeface="Iskoola Pota"/>
+        <a:font script="Mong" typeface="Mongolian Baiti"/>
+        <a:font script="Viet" typeface="Times New Roman"/>
+        <a:font script="Uigh" typeface="Microsoft Uighur"/>
+        <a:font script="Geor" typeface="Sylfaen"/>
+        <a:font script="Armn" typeface="Arial"/>
+        <a:font script="Bugi" typeface="Leelawadee UI"/>
+        <a:font script="Bopo" typeface="Microsoft JhengHei"/>
+        <a:font script="Java" typeface="Javanese Text"/>
+        <a:font script="Lisu" typeface="Segoe UI"/>
+        <a:font script="Mymr" typeface="Myanmar Text"/>
+        <a:font script="Nkoo" typeface="Ebrima"/>
+        <a:font script="Olck" typeface="Nirmala UI"/>
+        <a:font script="Osma" typeface="Ebrima"/>
+        <a:font script="Phag" typeface="Phagspa"/>
+        <a:font script="Syrn" typeface="Estrangelo Edessa"/>
+        <a:font script="Syrj" typeface="Estrangelo Edessa"/>
+        <a:font script="Syre" typeface="Estrangelo Edessa"/>
+        <a:font script="Sora" typeface="Nirmala UI"/>
+        <a:font script="Tale" typeface="Microsoft Tai Le"/>
+        <a:font script="Talu" typeface="Microsoft New Tai Lue"/>
+        <a:font script="Tfng" typeface="Ebrima"/>
+      </a:majorFont>
+      <a:minorFont>
+        <a:latin typeface="Calibri" panose="020F0502020204030204"/>
+        <a:ea typeface=""/>
+        <a:cs typeface=""/>
+        <a:font script="Jpan" typeface="游ゴシック"/>
+        <a:font script="Hang" typeface="맑은 고딕"/>
+        <a:font script="Hans" typeface="等线"/>
+        <a:font script="Hant" typeface="新細明體"/>
+        <a:font script="Arab" typeface="Arial"/>
+        <a:font script="Hebr" typeface="Arial"/>
+        <a:font script="Thai" typeface="Cordia New"/>
+        <a:font script="Ethi" typeface="Nyala"/>
+        <a:font script="Beng" typeface="Vrinda"/>
+        <a:font script="Gujr" typeface="Shruti"/>
+        <a:font script="Khmr" typeface="DaunPenh"/>
+        <a:font script="Knda" typeface="Tunga"/>
+        <a:font script="Guru" typeface="Raavi"/>
+        <a:font script="Cans" typeface="Euphemia"/>
+        <a:font script="Cher" typeface="Plantagenet Cherokee"/>
+        <a:font script="Yiii" typeface="Microsoft Yi Baiti"/>
+        <a:font script="Tibt" typeface="Microsoft Himalaya"/>
+        <a:font script="Thaa" typeface="MV Boli"/>
+        <a:font script="Deva" typeface="Mangal"/>
+        <a:font script="Telu" typeface="Gautami"/>
+        <a:font script="Taml" typeface="Latha"/>
+        <a:font script="Syrc" typeface="Estrangelo Edessa"/>
+        <a:font script="Orya" typeface="Kalinga"/>
+        <a:font script="Mlym" typeface="Kartika"/>
+        <a:font script="Laoo" typeface="DokChampa"/>
+        <a:font script="Sinh" typeface="Iskoola Pota"/>
+        <a:font script="Mong" typeface="Mongolian Baiti"/>
+        <a:font script="Viet" typeface="Arial"/>
+        <a:font script="Uigh" typeface="Microsoft Uighur"/>
+        <a:font script="Geor" typeface="Sylfaen"/>
+        <a:font script="Armn" typeface="Arial"/>
+        <a:font script="Bugi" typeface="Leelawadee UI"/>
+        <a:font script="Bopo" typeface="Microsoft JhengHei"/>
+        <a:font script="Java" typeface="Javanese Text"/>
+        <a:font script="Lisu" typeface="Segoe UI"/>
+        <a:font script="Mymr" typeface="Myanmar Text"/>
+        <a:font script="Nkoo" typeface="Ebrima"/>
+        <a:font script="Olck" typeface="Nirmala UI"/>
+        <a:font script="Osma" typeface="Ebrima"/>
+        <a:font script="Phag" typeface="Phagspa"/>
+        <a:font script="Syrn" typeface="Estrangelo Edessa"/>
+        <a:font script="Syrj" typeface="Estrangelo Edessa"/>
+        <a:font script="Syre" typeface="Estrangelo Edessa"/>
+        <a:font script="Sora" typeface="Nirmala UI"/>
+        <a:font script="Tale" typeface="Microsoft Tai Le"/>
+        <a:font script="Talu" typeface="Microsoft New Tai Lue"/>
+        <a:font script="Tfng" typeface="Ebrima"/>
+      </a:minorFont>
+    </a:fontScheme>
+    <a:fmtScheme name="Office">
+      <a:fillStyleLst>
+        <a:solidFill>
+          <a:schemeClr val="phClr"/>
+        </a:solidFill>
+        <a:gradFill rotWithShape="1">
+          <a:gsLst>
+            <a:gs pos="0">
+              <a:schemeClr val="phClr">
+                <a:lumMod val="110000"/>
+                <a:satMod val="105000"/>
+                <a:tint val="67000"/>
+              </a:schemeClr>
+            </a:gs>
+            <a:gs pos="50000">
+              <a:schemeClr val="phClr">
+                <a:lumMod val="105000"/>
+                <a:satMod val="103000"/>
+                <a:tint val="73000"/>
+              </a:schemeClr>
+            </a:gs>
+            <a:gs pos="100000">
+              <a:schemeClr val="phClr">
+                <a:lumMod val="105000"/>
+                <a:satMod val="109000"/>
+                <a:tint val="81000"/>
+              </a:schemeClr>
+            </a:gs>
+          </a:gsLst>
+          <a:lin ang="5400000" scaled="0"/>
+        </a:gradFill>
+        <a:gradFill rotWithShape="1">
+          <a:gsLst>
+            <a:gs pos="0">
+              <a:schemeClr val="phClr">
+                <a:satMod val="103000"/>
+                <a:lumMod val="102000"/>
+                <a:tint val="94000"/>
+              </a:schemeClr>
+            </a:gs>
+            <a:gs pos="50000">
+              <a:schemeClr val="phClr">
+                <a:satMod val="110000"/>
+                <a:lumMod val="100000"/>
+                <a:shade val="100000"/>
+              </a:schemeClr>
+            </a:gs>
+            <a:gs pos="100000">
+              <a:schemeClr val="phClr">
+                <a:lumMod val="99000"/>
+                <a:satMod val="120000"/>
+                <a:shade val="78000"/>
+              </a:schemeClr>
+            </a:gs>
+          </a:gsLst>
+          <a:lin ang="5400000" scaled="0"/>
+        </a:gradFill>
+      </a:fillStyleLst>
+      <a:lnStyleLst>
+        <a:ln w="6350" cap="flat" cmpd="sng" algn="ctr">
+          <a:solidFill>
+            <a:schemeClr val="phClr"/>
+          </a:solidFill>
+          <a:prstDash val="solid"/>
+          <a:miter lim="800000"/>
+        </a:ln>
+        <a:ln w="12700" cap="flat" cmpd="sng" algn="ctr">
+          <a:solidFill>
+            <a:schemeClr val="phClr"/>
+          </a:solidFill>
+          <a:prstDash val="solid"/>
+          <a:miter lim="800000"/>
+        </a:ln>
+        <a:ln w="19050" cap="flat" cmpd="sng" algn="ctr">
+          <a:solidFill>
+            <a:schemeClr val="phClr"/>
+          </a:solidFill>
+          <a:prstDash val="solid"/>
+          <a:miter lim="800000"/>
+        </a:ln>
+      </a:lnStyleLst>
+      <a:effectStyleLst>
+        <a:effectStyle>
+          <a:effectLst/>
+        </a:effectStyle>
+        <a:effectStyle>
+          <a:effectLst/>
+        </a:effectStyle>
+        <a:effectStyle>
+          <a:effectLst>
+            <a:outerShdw blurRad="57150" dist="19050" dir="5400000" algn="ctr" rotWithShape="0">
+              <a:srgbClr val="000000">
+                <a:alpha val="63000"/>
+              </a:srgbClr>
+            </a:outerShdw>
+          </a:effectLst>
+        </a:effectStyle>
+      </a:effectStyleLst>
+      <a:bgFillStyleLst>
+        <a:solidFill>
+          <a:schemeClr val="phClr"/>
+        </a:solidFill>
+        <a:solidFill>
+          <a:schemeClr val="phClr">
+            <a:tint val="95000"/>
+            <a:satMod val="170000"/>
+          </a:schemeClr>
+        </a:solidFill>
+        <a:gradFill rotWithShape="1">
+          <a:gsLst>
+            <a:gs pos="0">
+              <a:schemeClr val="phClr">
+                <a:tint val="93000"/>
+                <a:satMod val="150000"/>
+                <a:shade val="98000"/>
+                <a:lumMod val="102000"/>
+              </a:schemeClr>
+            </a:gs>
+            <a:gs pos="50000">
+              <a:schemeClr val="phClr">
+                <a:tint val="98000"/>
+                <a:satMod val="130000"/>
+                <a:shade val="90000"/>
+                <a:lumMod val="103000"/>
+              </a:schemeClr>
+            </a:gs>
+            <a:gs pos="100000">
+              <a:schemeClr val="phClr">
+                <a:shade val="63000"/>
+                <a:satMod val="120000"/>
+              </a:schemeClr>
+            </a:gs>
+          </a:gsLst>
+          <a:lin ang="5400000" scaled="0"/>
+        </a:gradFill>
+      </a:bgFillStyleLst>
+    </a:fmtScheme>
+  </a:themeElements>
+  <a:objectDefaults/>
+  <a:extraClrSchemeLst/>
+  <a:extLst>
+    <a:ext uri="{05A4C25C-085E-4340-85A3-A5531E510DB2}">
+      <thm15:themeFamily xmlns:thm15="http://schemas.microsoft.com/office/thememl/2012/main" name="Office Theme" id="{62F939B6-93AF-4DB8-9C6B-D6C7DFDC589F}" vid="{4A3C46E8-61CC-4603-A589-7422A47A8E4A}"/>
+    </a:ext>
+  </a:extLst>
+</a:theme>
 </file>
--- a/Presentation_PL_JGorse.pptx
+++ b/Presentation_PL_JGorse.pptx
@@ -5,7 +5,7 @@
     <p:sldMasterId id="2147483648" r:id="rId1"/>
   </p:sldMasterIdLst>
   <p:notesMasterIdLst>
-    <p:notesMasterId r:id="rId16"/>
+    <p:notesMasterId r:id="rId17"/>
   </p:notesMasterIdLst>
   <p:sldIdLst>
     <p:sldId id="258" r:id="rId2"/>
@@ -17,11 +17,12 @@
     <p:sldId id="257" r:id="rId8"/>
     <p:sldId id="264" r:id="rId9"/>
     <p:sldId id="265" r:id="rId10"/>
-    <p:sldId id="269" r:id="rId11"/>
-    <p:sldId id="268" r:id="rId12"/>
-    <p:sldId id="266" r:id="rId13"/>
-    <p:sldId id="267" r:id="rId14"/>
-    <p:sldId id="270" r:id="rId15"/>
+    <p:sldId id="271" r:id="rId11"/>
+    <p:sldId id="269" r:id="rId12"/>
+    <p:sldId id="268" r:id="rId13"/>
+    <p:sldId id="266" r:id="rId14"/>
+    <p:sldId id="267" r:id="rId15"/>
+    <p:sldId id="270" r:id="rId16"/>
   </p:sldIdLst>
   <p:sldSz cx="12192000" cy="6858000"/>
   <p:notesSz cx="6858000" cy="9144000"/>
@@ -6122,7 +6123,7 @@
         </p:nvSpPr>
         <p:spPr>
           <a:xfrm>
-            <a:off x="838200" y="1674159"/>
+            <a:off x="838200" y="2005012"/>
             <a:ext cx="10515600" cy="4351338"/>
           </a:xfrm>
         </p:spPr>
@@ -6132,20 +6133,81 @@
           <a:p>
             <a:r>
               <a:rPr lang="fr-FR" dirty="0" err="1"/>
-              <a:t>Based</a:t>
-            </a:r>
-            <a:r>
-              <a:rPr lang="fr-FR" dirty="0"/>
-              <a:t> on </a:t>
-            </a:r>
-            <a:r>
-              <a:rPr lang="fr-FR" dirty="0" err="1"/>
-              <a:t>Whi</a:t>
+              <a:t>refers</a:t>
+            </a:r>
+            <a:r>
+              <a:rPr lang="fr-FR" dirty="0"/>
+              <a:t> to the </a:t>
+            </a:r>
+            <a:r>
+              <a:rPr lang="fr-FR" dirty="0" err="1"/>
+              <a:t>favoribility</a:t>
+            </a:r>
+            <a:r>
+              <a:rPr lang="fr-FR" dirty="0"/>
+              <a:t> of initiation, </a:t>
+            </a:r>
+            <a:r>
+              <a:rPr lang="fr-FR" dirty="0" err="1"/>
+              <a:t>affecting</a:t>
+            </a:r>
+            <a:r>
+              <a:rPr lang="fr-FR" dirty="0"/>
+              <a:t> how </a:t>
+            </a:r>
+            <a:r>
+              <a:rPr lang="fr-FR" dirty="0" err="1"/>
+              <a:t>much</a:t>
             </a:r>
             <a:r>
               <a:rPr lang="fr-FR" dirty="0"/>
               <a:t> </a:t>
             </a:r>
+            <a:r>
+              <a:rPr lang="fr-FR" dirty="0" err="1"/>
+              <a:t>protein</a:t>
+            </a:r>
+            <a:r>
+              <a:rPr lang="fr-FR" dirty="0"/>
+              <a:t> </a:t>
+            </a:r>
+            <a:r>
+              <a:rPr lang="fr-FR" dirty="0" err="1"/>
+              <a:t>is</a:t>
+            </a:r>
+            <a:r>
+              <a:rPr lang="fr-FR" dirty="0"/>
+              <a:t> </a:t>
+            </a:r>
+            <a:r>
+              <a:rPr lang="fr-FR" dirty="0" err="1"/>
+              <a:t>synthesized</a:t>
+            </a:r>
+            <a:r>
+              <a:rPr lang="fr-FR" dirty="0"/>
+              <a:t> </a:t>
+            </a:r>
+            <a:r>
+              <a:rPr lang="fr-FR" dirty="0" err="1"/>
+              <a:t>from</a:t>
+            </a:r>
+            <a:r>
+              <a:rPr lang="fr-FR" dirty="0"/>
+              <a:t> a </a:t>
+            </a:r>
+            <a:r>
+              <a:rPr lang="fr-FR" dirty="0" err="1"/>
+              <a:t>given</a:t>
+            </a:r>
+            <a:r>
+              <a:rPr lang="fr-FR" dirty="0"/>
+              <a:t> </a:t>
+            </a:r>
+            <a:r>
+              <a:rPr lang="fr-FR" dirty="0" err="1"/>
+              <a:t>mRNA</a:t>
+            </a:r>
+            <a:endParaRPr lang="fr-FR" dirty="0"/>
           </a:p>
         </p:txBody>
       </p:sp>
@@ -6174,7 +6236,7 @@
               <a:rPr lang="fr-FR" smtClean="0"/>
               <a:t>10</a:t>
             </a:fld>
-            <a:endParaRPr lang="fr-FR"/>
+            <a:endParaRPr lang="fr-FR" dirty="0"/>
           </a:p>
         </p:txBody>
       </p:sp>
@@ -6207,8 +6269,137 @@
             <a:pPr algn="ctr"/>
             <a:r>
               <a:rPr lang="fr-FR" dirty="0" err="1"/>
-              <a:t>PhyloP</a:t>
-            </a:r>
+              <a:t>Kosak</a:t>
+            </a:r>
+            <a:r>
+              <a:rPr lang="fr-FR" dirty="0"/>
+              <a:t> </a:t>
+            </a:r>
+            <a:r>
+              <a:rPr lang="fr-FR" dirty="0" err="1"/>
+              <a:t>sequence</a:t>
+            </a:r>
+            <a:r>
+              <a:rPr lang="fr-FR" dirty="0"/>
+              <a:t> </a:t>
+            </a:r>
+            <a:r>
+              <a:rPr lang="fr-FR" dirty="0" err="1"/>
+              <a:t>strenght</a:t>
+            </a:r>
+            <a:endParaRPr lang="fr-FR" dirty="0"/>
+          </a:p>
+        </p:txBody>
+      </p:sp>
+      <p:pic>
+        <p:nvPicPr>
+          <p:cNvPr id="6" name="Image 5">
+            <a:extLst>
+              <a:ext uri="{FF2B5EF4-FFF2-40B4-BE49-F238E27FC236}">
+                <a16:creationId xmlns:a16="http://schemas.microsoft.com/office/drawing/2014/main" id="{98968F61-34C2-E442-8CD0-E3F0E287D67A}"/>
+              </a:ext>
+            </a:extLst>
+          </p:cNvPr>
+          <p:cNvPicPr>
+            <a:picLocks noChangeAspect="1"/>
+          </p:cNvPicPr>
+          <p:nvPr/>
+        </p:nvPicPr>
+        <p:blipFill>
+          <a:blip r:embed="rId2"/>
+          <a:stretch>
+            <a:fillRect/>
+          </a:stretch>
+        </p:blipFill>
+        <p:spPr>
+          <a:xfrm>
+            <a:off x="1453151" y="3429000"/>
+            <a:ext cx="5635723" cy="1870262"/>
+          </a:xfrm>
+          <a:prstGeom prst="rect">
+            <a:avLst/>
+          </a:prstGeom>
+        </p:spPr>
+      </p:pic>
+      <p:sp>
+        <p:nvSpPr>
+          <p:cNvPr id="14" name="ZoneTexte 13">
+            <a:extLst>
+              <a:ext uri="{FF2B5EF4-FFF2-40B4-BE49-F238E27FC236}">
+                <a16:creationId xmlns:a16="http://schemas.microsoft.com/office/drawing/2014/main" id="{6EB7E5D7-9283-4043-9AE0-B41FB0E3D2B2}"/>
+              </a:ext>
+            </a:extLst>
+          </p:cNvPr>
+          <p:cNvSpPr txBox="1"/>
+          <p:nvPr/>
+        </p:nvSpPr>
+        <p:spPr>
+          <a:xfrm>
+            <a:off x="7266641" y="3763966"/>
+            <a:ext cx="4428565" cy="1200329"/>
+          </a:xfrm>
+          <a:prstGeom prst="rect">
+            <a:avLst/>
+          </a:prstGeom>
+          <a:noFill/>
+        </p:spPr>
+        <p:txBody>
+          <a:bodyPr wrap="square" rtlCol="0">
+            <a:spAutoFit/>
+          </a:bodyPr>
+          <a:lstStyle/>
+          <a:p>
+            <a:r>
+              <a:rPr lang="fr-FR" dirty="0" err="1"/>
+              <a:t>Scoring</a:t>
+            </a:r>
+            <a:r>
+              <a:rPr lang="fr-FR" dirty="0"/>
+              <a:t> </a:t>
+            </a:r>
+            <a:r>
+              <a:rPr lang="fr-FR" dirty="0" err="1"/>
+              <a:t>method</a:t>
+            </a:r>
+            <a:r>
+              <a:rPr lang="fr-FR" dirty="0"/>
+              <a:t> of </a:t>
+            </a:r>
+            <a:r>
+              <a:rPr lang="fr-FR" dirty="0" err="1"/>
+              <a:t>Kosak</a:t>
+            </a:r>
+            <a:r>
+              <a:rPr lang="fr-FR" dirty="0"/>
+              <a:t> </a:t>
+            </a:r>
+            <a:r>
+              <a:rPr lang="fr-FR" dirty="0" err="1"/>
+              <a:t>strenght</a:t>
+            </a:r>
+            <a:r>
+              <a:rPr lang="fr-FR" dirty="0"/>
+              <a:t>. </a:t>
+            </a:r>
+          </a:p>
+          <a:p>
+            <a:endParaRPr lang="fr-FR" dirty="0"/>
+          </a:p>
+          <a:p>
+            <a:r>
+              <a:rPr lang="fr-FR" dirty="0"/>
+              <a:t>Source: </a:t>
+            </a:r>
+            <a:r>
+              <a:rPr lang="fr-FR" dirty="0" err="1"/>
+              <a:t>Whiffin</a:t>
+            </a:r>
+            <a:r>
+              <a:rPr lang="fr-FR" dirty="0"/>
+              <a:t> et al., 2019 </a:t>
+            </a:r>
+          </a:p>
+          <a:p>
             <a:endParaRPr lang="fr-FR" dirty="0"/>
           </a:p>
         </p:txBody>
@@ -6216,7 +6407,7 @@
     </p:spTree>
     <p:extLst>
       <p:ext uri="{BB962C8B-B14F-4D97-AF65-F5344CB8AC3E}">
-        <p14:creationId xmlns:p14="http://schemas.microsoft.com/office/powerpoint/2010/main" val="169312184"/>
+        <p14:creationId xmlns:p14="http://schemas.microsoft.com/office/powerpoint/2010/main" val="1061186857"/>
       </p:ext>
     </p:extLst>
   </p:cSld>
@@ -6245,6 +6436,326 @@
       </p:grpSpPr>
       <p:sp>
         <p:nvSpPr>
+          <p:cNvPr id="3" name="Espace réservé du contenu 2">
+            <a:extLst>
+              <a:ext uri="{FF2B5EF4-FFF2-40B4-BE49-F238E27FC236}">
+                <a16:creationId xmlns:a16="http://schemas.microsoft.com/office/drawing/2014/main" id="{5CF85A46-2847-CA4F-86C7-04435A317157}"/>
+              </a:ext>
+            </a:extLst>
+          </p:cNvPr>
+          <p:cNvSpPr>
+            <a:spLocks noGrp="1"/>
+          </p:cNvSpPr>
+          <p:nvPr>
+            <p:ph idx="1"/>
+          </p:nvPr>
+        </p:nvSpPr>
+        <p:spPr>
+          <a:xfrm>
+            <a:off x="838200" y="1558459"/>
+            <a:ext cx="10515600" cy="4682191"/>
+          </a:xfrm>
+        </p:spPr>
+        <p:txBody>
+          <a:bodyPr>
+            <a:normAutofit fontScale="92500" lnSpcReduction="20000"/>
+          </a:bodyPr>
+          <a:lstStyle/>
+          <a:p>
+            <a:r>
+              <a:rPr lang="fr-FR" dirty="0" err="1"/>
+              <a:t>Measure</a:t>
+            </a:r>
+            <a:r>
+              <a:rPr lang="fr-FR" dirty="0"/>
+              <a:t> </a:t>
+            </a:r>
+            <a:r>
+              <a:rPr lang="fr-FR" dirty="0" err="1"/>
+              <a:t>evolutionary</a:t>
+            </a:r>
+            <a:r>
+              <a:rPr lang="fr-FR" dirty="0"/>
+              <a:t> conservation at </a:t>
+            </a:r>
+            <a:r>
+              <a:rPr lang="fr-FR" dirty="0" err="1"/>
+              <a:t>individual</a:t>
+            </a:r>
+            <a:r>
+              <a:rPr lang="fr-FR" dirty="0"/>
+              <a:t> </a:t>
+            </a:r>
+            <a:r>
+              <a:rPr lang="fr-FR" dirty="0" err="1"/>
+              <a:t>alignment</a:t>
+            </a:r>
+            <a:r>
+              <a:rPr lang="fr-FR" dirty="0"/>
+              <a:t> sites</a:t>
+            </a:r>
+          </a:p>
+          <a:p>
+            <a:pPr marL="0" indent="0">
+              <a:buNone/>
+            </a:pPr>
+            <a:endParaRPr lang="fr-FR" dirty="0"/>
+          </a:p>
+          <a:p>
+            <a:r>
+              <a:rPr lang="fr-FR" dirty="0"/>
+              <a:t>Scores are </a:t>
+            </a:r>
+            <a:r>
+              <a:rPr lang="fr-FR" dirty="0" err="1"/>
+              <a:t>compared</a:t>
+            </a:r>
+            <a:r>
+              <a:rPr lang="fr-FR" dirty="0"/>
+              <a:t> to the </a:t>
+            </a:r>
+            <a:r>
+              <a:rPr lang="fr-FR" dirty="0" err="1"/>
+              <a:t>evolution</a:t>
+            </a:r>
+            <a:r>
+              <a:rPr lang="fr-FR" dirty="0"/>
+              <a:t> </a:t>
+            </a:r>
+            <a:r>
+              <a:rPr lang="fr-FR" dirty="0" err="1"/>
+              <a:t>that</a:t>
+            </a:r>
+            <a:r>
+              <a:rPr lang="fr-FR" dirty="0"/>
+              <a:t> </a:t>
+            </a:r>
+            <a:r>
+              <a:rPr lang="fr-FR" dirty="0" err="1"/>
+              <a:t>is</a:t>
+            </a:r>
+            <a:r>
+              <a:rPr lang="fr-FR" dirty="0"/>
+              <a:t> </a:t>
+            </a:r>
+            <a:r>
+              <a:rPr lang="fr-FR" dirty="0" err="1"/>
+              <a:t>expected</a:t>
+            </a:r>
+            <a:r>
+              <a:rPr lang="fr-FR" dirty="0"/>
+              <a:t> </a:t>
+            </a:r>
+            <a:r>
+              <a:rPr lang="fr-FR" dirty="0" err="1"/>
+              <a:t>under</a:t>
+            </a:r>
+            <a:r>
+              <a:rPr lang="fr-FR" dirty="0"/>
+              <a:t> </a:t>
+            </a:r>
+            <a:r>
+              <a:rPr lang="fr-FR" dirty="0" err="1"/>
+              <a:t>neutral</a:t>
+            </a:r>
+            <a:r>
+              <a:rPr lang="fr-FR" dirty="0"/>
+              <a:t> drift.</a:t>
+            </a:r>
+          </a:p>
+          <a:p>
+            <a:pPr marL="0" indent="0">
+              <a:buNone/>
+            </a:pPr>
+            <a:endParaRPr lang="fr-FR" dirty="0"/>
+          </a:p>
+          <a:p>
+            <a:r>
+              <a:rPr lang="fr-FR" dirty="0"/>
+              <a:t>Positive scores: conservation, </a:t>
+            </a:r>
+          </a:p>
+          <a:p>
+            <a:pPr marL="0" indent="0">
+              <a:buNone/>
+            </a:pPr>
+            <a:r>
+              <a:rPr lang="fr-FR" dirty="0">
+                <a:sym typeface="Wingdings" pitchFamily="2" charset="2"/>
+              </a:rPr>
+              <a:t> </a:t>
+            </a:r>
+            <a:r>
+              <a:rPr lang="fr-FR" dirty="0" err="1"/>
+              <a:t>slower</a:t>
+            </a:r>
+            <a:r>
+              <a:rPr lang="fr-FR" dirty="0"/>
+              <a:t> </a:t>
+            </a:r>
+            <a:r>
+              <a:rPr lang="fr-FR" dirty="0" err="1"/>
+              <a:t>evolution</a:t>
+            </a:r>
+            <a:r>
+              <a:rPr lang="fr-FR" dirty="0"/>
+              <a:t> </a:t>
+            </a:r>
+            <a:r>
+              <a:rPr lang="fr-FR" dirty="0" err="1"/>
+              <a:t>than</a:t>
+            </a:r>
+            <a:r>
+              <a:rPr lang="fr-FR" dirty="0"/>
+              <a:t> </a:t>
+            </a:r>
+            <a:r>
+              <a:rPr lang="fr-FR" dirty="0" err="1"/>
+              <a:t>expected</a:t>
+            </a:r>
+            <a:r>
+              <a:rPr lang="fr-FR" dirty="0"/>
+              <a:t> </a:t>
+            </a:r>
+          </a:p>
+          <a:p>
+            <a:pPr>
+              <a:buFont typeface="Wingdings" pitchFamily="2" charset="2"/>
+              <a:buChar char="à"/>
+            </a:pPr>
+            <a:r>
+              <a:rPr lang="fr-FR" dirty="0"/>
+              <a:t>sites are </a:t>
+            </a:r>
+            <a:r>
+              <a:rPr lang="fr-FR" dirty="0" err="1"/>
+              <a:t>predicted</a:t>
+            </a:r>
+            <a:r>
+              <a:rPr lang="fr-FR" dirty="0"/>
+              <a:t> to </a:t>
+            </a:r>
+            <a:r>
+              <a:rPr lang="fr-FR" dirty="0" err="1"/>
+              <a:t>be</a:t>
+            </a:r>
+            <a:r>
+              <a:rPr lang="fr-FR" dirty="0"/>
+              <a:t> </a:t>
+            </a:r>
+            <a:r>
+              <a:rPr lang="fr-FR" dirty="0" err="1"/>
+              <a:t>conserved</a:t>
+            </a:r>
+            <a:endParaRPr lang="fr-FR" dirty="0"/>
+          </a:p>
+          <a:p>
+            <a:pPr marL="0" indent="0">
+              <a:buNone/>
+            </a:pPr>
+            <a:endParaRPr lang="fr-FR" dirty="0"/>
+          </a:p>
+          <a:p>
+            <a:r>
+              <a:rPr lang="fr-FR" dirty="0" err="1"/>
+              <a:t>Negative</a:t>
+            </a:r>
+            <a:r>
+              <a:rPr lang="fr-FR" dirty="0"/>
+              <a:t> scores: </a:t>
+            </a:r>
+            <a:r>
+              <a:rPr lang="fr-FR" dirty="0" err="1"/>
+              <a:t>acceleration</a:t>
+            </a:r>
+            <a:r>
+              <a:rPr lang="fr-FR" dirty="0"/>
+              <a:t>, </a:t>
+            </a:r>
+          </a:p>
+          <a:p>
+            <a:pPr marL="0" indent="0">
+              <a:buNone/>
+            </a:pPr>
+            <a:r>
+              <a:rPr lang="fr-FR" dirty="0">
+                <a:sym typeface="Wingdings" pitchFamily="2" charset="2"/>
+              </a:rPr>
+              <a:t> </a:t>
+            </a:r>
+            <a:r>
+              <a:rPr lang="fr-FR" dirty="0" err="1"/>
+              <a:t>faster</a:t>
+            </a:r>
+            <a:r>
+              <a:rPr lang="fr-FR" dirty="0"/>
+              <a:t> </a:t>
+            </a:r>
+            <a:r>
+              <a:rPr lang="fr-FR" dirty="0" err="1"/>
+              <a:t>evolution</a:t>
+            </a:r>
+            <a:r>
+              <a:rPr lang="fr-FR" dirty="0"/>
+              <a:t> </a:t>
+            </a:r>
+            <a:r>
+              <a:rPr lang="fr-FR" dirty="0" err="1"/>
+              <a:t>than</a:t>
+            </a:r>
+            <a:r>
+              <a:rPr lang="fr-FR" dirty="0"/>
+              <a:t> </a:t>
+            </a:r>
+            <a:r>
+              <a:rPr lang="fr-FR" dirty="0" err="1"/>
+              <a:t>expected</a:t>
+            </a:r>
+            <a:endParaRPr lang="fr-FR" dirty="0"/>
+          </a:p>
+          <a:p>
+            <a:pPr marL="0" indent="0">
+              <a:buNone/>
+            </a:pPr>
+            <a:r>
+              <a:rPr lang="fr-FR" dirty="0">
+                <a:sym typeface="Wingdings" pitchFamily="2" charset="2"/>
+              </a:rPr>
+              <a:t> </a:t>
+            </a:r>
+            <a:r>
+              <a:rPr lang="fr-FR" dirty="0"/>
+              <a:t>sites are </a:t>
+            </a:r>
+            <a:r>
+              <a:rPr lang="fr-FR" dirty="0" err="1"/>
+              <a:t>predicted</a:t>
+            </a:r>
+            <a:r>
+              <a:rPr lang="fr-FR" dirty="0"/>
+              <a:t> to </a:t>
+            </a:r>
+            <a:r>
+              <a:rPr lang="fr-FR" dirty="0" err="1"/>
+              <a:t>be</a:t>
+            </a:r>
+            <a:r>
+              <a:rPr lang="fr-FR" dirty="0"/>
+              <a:t> </a:t>
+            </a:r>
+            <a:r>
+              <a:rPr lang="fr-FR" dirty="0" err="1"/>
+              <a:t>fast-evolving</a:t>
+            </a:r>
+            <a:endParaRPr lang="fr-FR" dirty="0"/>
+          </a:p>
+          <a:p>
+            <a:endParaRPr lang="fr-FR" dirty="0"/>
+          </a:p>
+        </p:txBody>
+      </p:sp>
+      <p:sp>
+        <p:nvSpPr>
           <p:cNvPr id="4" name="Espace réservé du numéro de diapositive 3">
             <a:extLst>
               <a:ext uri="{FF2B5EF4-FFF2-40B4-BE49-F238E27FC236}">
@@ -6274,66 +6785,10 @@
       </p:sp>
       <p:sp>
         <p:nvSpPr>
-          <p:cNvPr id="7" name="Titre 1">
-            <a:extLst>
-              <a:ext uri="{FF2B5EF4-FFF2-40B4-BE49-F238E27FC236}">
-                <a16:creationId xmlns:a16="http://schemas.microsoft.com/office/drawing/2014/main" id="{FEE07E54-6133-394A-92A0-82DB32671D4B}"/>
-              </a:ext>
-            </a:extLst>
-          </p:cNvPr>
-          <p:cNvSpPr txBox="1">
-            <a:spLocks/>
-          </p:cNvSpPr>
-          <p:nvPr/>
-        </p:nvSpPr>
-        <p:spPr>
-          <a:xfrm>
-            <a:off x="838200" y="67468"/>
-            <a:ext cx="10515600" cy="1325563"/>
-          </a:xfrm>
-          <a:prstGeom prst="rect">
-            <a:avLst/>
-          </a:prstGeom>
-        </p:spPr>
-        <p:txBody>
-          <a:bodyPr vert="horz" lIns="91440" tIns="45720" rIns="91440" bIns="45720" rtlCol="0" anchor="ctr">
-            <a:normAutofit/>
-          </a:bodyPr>
-          <a:lstStyle>
-            <a:lvl1pPr algn="l" defTabSz="914400" rtl="0" eaLnBrk="1" latinLnBrk="0" hangingPunct="1">
-              <a:lnSpc>
-                <a:spcPct val="90000"/>
-              </a:lnSpc>
-              <a:spcBef>
-                <a:spcPct val="0"/>
-              </a:spcBef>
-              <a:buNone/>
-              <a:defRPr sz="4400" kern="1200">
-                <a:solidFill>
-                  <a:schemeClr val="tx1"/>
-                </a:solidFill>
-                <a:latin typeface="+mj-lt"/>
-                <a:ea typeface="+mj-ea"/>
-                <a:cs typeface="+mj-cs"/>
-              </a:defRPr>
-            </a:lvl1pPr>
-          </a:lstStyle>
-          <a:p>
-            <a:pPr algn="ctr"/>
-            <a:r>
-              <a:rPr lang="fr-FR" dirty="0" err="1"/>
-              <a:t>Results</a:t>
-            </a:r>
-            <a:endParaRPr lang="fr-FR" dirty="0"/>
-          </a:p>
-        </p:txBody>
-      </p:sp>
-      <p:sp>
-        <p:nvSpPr>
-          <p:cNvPr id="8" name="Espace réservé du contenu 2">
-            <a:extLst>
-              <a:ext uri="{FF2B5EF4-FFF2-40B4-BE49-F238E27FC236}">
-                <a16:creationId xmlns:a16="http://schemas.microsoft.com/office/drawing/2014/main" id="{6EDC0B8F-6A6C-A441-B1CA-3657A1BD644F}"/>
+          <p:cNvPr id="5" name="Titre 1">
+            <a:extLst>
+              <a:ext uri="{FF2B5EF4-FFF2-40B4-BE49-F238E27FC236}">
+                <a16:creationId xmlns:a16="http://schemas.microsoft.com/office/drawing/2014/main" id="{8A771A03-B232-644E-B883-D414A3068510}"/>
               </a:ext>
             </a:extLst>
           </p:cNvPr>
@@ -6341,157 +6796,35 @@
             <a:spLocks noGrp="1"/>
           </p:cNvSpPr>
           <p:nvPr>
-            <p:ph idx="1"/>
+            <p:ph type="title"/>
           </p:nvPr>
         </p:nvSpPr>
         <p:spPr>
           <a:xfrm>
-            <a:off x="1268505" y="1674159"/>
-            <a:ext cx="6853518" cy="4682191"/>
+            <a:off x="838200" y="136525"/>
+            <a:ext cx="10515600" cy="1325563"/>
           </a:xfrm>
         </p:spPr>
         <p:txBody>
-          <a:bodyPr>
-            <a:normAutofit fontScale="92500" lnSpcReduction="10000"/>
-          </a:bodyPr>
+          <a:bodyPr/>
           <a:lstStyle/>
           <a:p>
-            <a:r>
-              <a:rPr lang="fr-FR" dirty="0"/>
-              <a:t>5 gènes </a:t>
-            </a:r>
-            <a:r>
-              <a:rPr lang="fr-FR" dirty="0" err="1"/>
-              <a:t>used</a:t>
-            </a:r>
-            <a:r>
-              <a:rPr lang="fr-FR" dirty="0"/>
-              <a:t> for </a:t>
-            </a:r>
-            <a:r>
-              <a:rPr lang="fr-FR" dirty="0" err="1"/>
-              <a:t>testing</a:t>
-            </a:r>
-            <a:r>
-              <a:rPr lang="fr-FR" dirty="0"/>
-              <a:t>: </a:t>
-            </a:r>
-          </a:p>
-          <a:p>
-            <a:pPr marL="0" indent="0">
-              <a:buNone/>
-            </a:pPr>
-            <a:r>
-              <a:rPr lang="fr-FR" dirty="0">
-                <a:sym typeface="Wingdings" pitchFamily="2" charset="2"/>
-              </a:rPr>
-              <a:t> </a:t>
-            </a:r>
-            <a:r>
-              <a:rPr lang="fr-FR" dirty="0"/>
-              <a:t>KCNQ1, KCNQ2, KCNQ3, KCNQ4, KCNQ5</a:t>
-            </a:r>
-          </a:p>
-          <a:p>
-            <a:endParaRPr lang="fr-FR" dirty="0"/>
-          </a:p>
-          <a:p>
-            <a:r>
-              <a:rPr lang="fr-FR" dirty="0"/>
-              <a:t>143 </a:t>
-            </a:r>
-            <a:r>
-              <a:rPr lang="fr-FR" dirty="0" err="1"/>
-              <a:t>RNA</a:t>
-            </a:r>
-            <a:r>
-              <a:rPr lang="fr-FR" baseline="-25000" dirty="0" err="1"/>
-              <a:t>m</a:t>
-            </a:r>
-            <a:r>
-              <a:rPr lang="fr-FR" dirty="0"/>
-              <a:t> </a:t>
-            </a:r>
-            <a:r>
-              <a:rPr lang="fr-FR" dirty="0" err="1"/>
-              <a:t>sequences</a:t>
-            </a:r>
-            <a:r>
-              <a:rPr lang="fr-FR" dirty="0"/>
-              <a:t> </a:t>
-            </a:r>
-          </a:p>
-          <a:p>
-            <a:endParaRPr lang="fr-FR" dirty="0"/>
-          </a:p>
-          <a:p>
-            <a:r>
-              <a:rPr lang="fr-FR" dirty="0"/>
-              <a:t>507 ORF </a:t>
-            </a:r>
-          </a:p>
-          <a:p>
-            <a:endParaRPr lang="fr-FR" dirty="0"/>
-          </a:p>
-          <a:p>
-            <a:r>
-              <a:rPr lang="fr-FR" dirty="0"/>
-              <a:t>94 </a:t>
-            </a:r>
-            <a:r>
-              <a:rPr lang="fr-FR" dirty="0" err="1"/>
-              <a:t>supposed</a:t>
-            </a:r>
-            <a:r>
-              <a:rPr lang="fr-FR" dirty="0"/>
-              <a:t> </a:t>
-            </a:r>
-            <a:r>
-              <a:rPr lang="fr-FR" dirty="0" err="1"/>
-              <a:t>fsATI</a:t>
-            </a:r>
-            <a:r>
-              <a:rPr lang="fr-FR" dirty="0"/>
-              <a:t> </a:t>
-            </a:r>
-          </a:p>
-          <a:p>
-            <a:endParaRPr lang="fr-FR" dirty="0"/>
-          </a:p>
-          <a:p>
-            <a:r>
-              <a:rPr lang="fr-FR" dirty="0"/>
-              <a:t>6 </a:t>
-            </a:r>
-            <a:r>
-              <a:rPr lang="fr-FR" dirty="0" err="1"/>
-              <a:t>fsATI</a:t>
-            </a:r>
-            <a:r>
-              <a:rPr lang="fr-FR" dirty="0"/>
-              <a:t> </a:t>
-            </a:r>
-            <a:r>
-              <a:rPr lang="fr-FR" dirty="0" err="1"/>
-              <a:t>validated</a:t>
-            </a:r>
-            <a:endParaRPr lang="fr-FR" dirty="0"/>
-          </a:p>
-          <a:p>
-            <a:endParaRPr lang="fr-FR" i="1" dirty="0"/>
-          </a:p>
-          <a:p>
-            <a:endParaRPr lang="fr-FR" i="1" dirty="0"/>
-          </a:p>
-          <a:p>
-            <a:endParaRPr lang="fr-FR" i="1" dirty="0"/>
+            <a:pPr algn="ctr"/>
+            <a:r>
+              <a:rPr lang="fr-FR" dirty="0" err="1"/>
+              <a:t>PhyloP</a:t>
+            </a:r>
+            <a:r>
+              <a:rPr lang="fr-FR" dirty="0"/>
+              <a:t> score</a:t>
+            </a:r>
           </a:p>
         </p:txBody>
       </p:sp>
     </p:spTree>
     <p:extLst>
       <p:ext uri="{BB962C8B-B14F-4D97-AF65-F5344CB8AC3E}">
-        <p14:creationId xmlns:p14="http://schemas.microsoft.com/office/powerpoint/2010/main" val="3159463103"/>
+        <p14:creationId xmlns:p14="http://schemas.microsoft.com/office/powerpoint/2010/main" val="169312184"/>
       </p:ext>
     </p:extLst>
   </p:cSld>
@@ -6542,6 +6875,257 @@
             <a:fld id="{78CFE27D-7682-E84F-8CEA-9319D67B9D0B}" type="slidenum">
               <a:rPr lang="fr-FR" smtClean="0"/>
               <a:t>12</a:t>
+            </a:fld>
+            <a:endParaRPr lang="fr-FR"/>
+          </a:p>
+        </p:txBody>
+      </p:sp>
+      <p:sp>
+        <p:nvSpPr>
+          <p:cNvPr id="7" name="Titre 1">
+            <a:extLst>
+              <a:ext uri="{FF2B5EF4-FFF2-40B4-BE49-F238E27FC236}">
+                <a16:creationId xmlns:a16="http://schemas.microsoft.com/office/drawing/2014/main" id="{FEE07E54-6133-394A-92A0-82DB32671D4B}"/>
+              </a:ext>
+            </a:extLst>
+          </p:cNvPr>
+          <p:cNvSpPr txBox="1">
+            <a:spLocks/>
+          </p:cNvSpPr>
+          <p:nvPr/>
+        </p:nvSpPr>
+        <p:spPr>
+          <a:xfrm>
+            <a:off x="838200" y="67468"/>
+            <a:ext cx="10515600" cy="1325563"/>
+          </a:xfrm>
+          <a:prstGeom prst="rect">
+            <a:avLst/>
+          </a:prstGeom>
+        </p:spPr>
+        <p:txBody>
+          <a:bodyPr vert="horz" lIns="91440" tIns="45720" rIns="91440" bIns="45720" rtlCol="0" anchor="ctr">
+            <a:normAutofit/>
+          </a:bodyPr>
+          <a:lstStyle>
+            <a:lvl1pPr algn="l" defTabSz="914400" rtl="0" eaLnBrk="1" latinLnBrk="0" hangingPunct="1">
+              <a:lnSpc>
+                <a:spcPct val="90000"/>
+              </a:lnSpc>
+              <a:spcBef>
+                <a:spcPct val="0"/>
+              </a:spcBef>
+              <a:buNone/>
+              <a:defRPr sz="4400" kern="1200">
+                <a:solidFill>
+                  <a:schemeClr val="tx1"/>
+                </a:solidFill>
+                <a:latin typeface="+mj-lt"/>
+                <a:ea typeface="+mj-ea"/>
+                <a:cs typeface="+mj-cs"/>
+              </a:defRPr>
+            </a:lvl1pPr>
+          </a:lstStyle>
+          <a:p>
+            <a:pPr algn="ctr"/>
+            <a:r>
+              <a:rPr lang="fr-FR" dirty="0" err="1"/>
+              <a:t>Results</a:t>
+            </a:r>
+            <a:endParaRPr lang="fr-FR" dirty="0"/>
+          </a:p>
+        </p:txBody>
+      </p:sp>
+      <p:sp>
+        <p:nvSpPr>
+          <p:cNvPr id="8" name="Espace réservé du contenu 2">
+            <a:extLst>
+              <a:ext uri="{FF2B5EF4-FFF2-40B4-BE49-F238E27FC236}">
+                <a16:creationId xmlns:a16="http://schemas.microsoft.com/office/drawing/2014/main" id="{6EDC0B8F-6A6C-A441-B1CA-3657A1BD644F}"/>
+              </a:ext>
+            </a:extLst>
+          </p:cNvPr>
+          <p:cNvSpPr>
+            <a:spLocks noGrp="1"/>
+          </p:cNvSpPr>
+          <p:nvPr>
+            <p:ph idx="1"/>
+          </p:nvPr>
+        </p:nvSpPr>
+        <p:spPr>
+          <a:xfrm>
+            <a:off x="1268505" y="1674159"/>
+            <a:ext cx="6853518" cy="4682191"/>
+          </a:xfrm>
+        </p:spPr>
+        <p:txBody>
+          <a:bodyPr>
+            <a:normAutofit fontScale="92500" lnSpcReduction="10000"/>
+          </a:bodyPr>
+          <a:lstStyle/>
+          <a:p>
+            <a:r>
+              <a:rPr lang="fr-FR" dirty="0"/>
+              <a:t>5 gènes</a:t>
+            </a:r>
+          </a:p>
+          <a:p>
+            <a:pPr marL="0" indent="0">
+              <a:buNone/>
+            </a:pPr>
+            <a:r>
+              <a:rPr lang="fr-FR" dirty="0">
+                <a:sym typeface="Wingdings" pitchFamily="2" charset="2"/>
+              </a:rPr>
+              <a:t> </a:t>
+            </a:r>
+            <a:r>
+              <a:rPr lang="fr-FR" dirty="0"/>
+              <a:t>KCNQ1, KCNQ2, KCNQ3, KCNQ4, KCNQ5</a:t>
+            </a:r>
+          </a:p>
+          <a:p>
+            <a:endParaRPr lang="fr-FR" dirty="0"/>
+          </a:p>
+          <a:p>
+            <a:r>
+              <a:rPr lang="fr-FR" dirty="0"/>
+              <a:t>143 </a:t>
+            </a:r>
+            <a:r>
+              <a:rPr lang="fr-FR" baseline="-25000" dirty="0" err="1"/>
+              <a:t>m</a:t>
+            </a:r>
+            <a:r>
+              <a:rPr lang="fr-FR" dirty="0" err="1"/>
+              <a:t>RNA</a:t>
+            </a:r>
+            <a:r>
+              <a:rPr lang="fr-FR" dirty="0"/>
+              <a:t> </a:t>
+            </a:r>
+          </a:p>
+          <a:p>
+            <a:endParaRPr lang="fr-FR" dirty="0"/>
+          </a:p>
+          <a:p>
+            <a:r>
+              <a:rPr lang="fr-FR" dirty="0"/>
+              <a:t>507 ORF </a:t>
+            </a:r>
+          </a:p>
+          <a:p>
+            <a:endParaRPr lang="fr-FR" dirty="0"/>
+          </a:p>
+          <a:p>
+            <a:r>
+              <a:rPr lang="fr-FR" dirty="0"/>
+              <a:t>94 </a:t>
+            </a:r>
+            <a:r>
+              <a:rPr lang="fr-FR" dirty="0" err="1"/>
+              <a:t>supposed</a:t>
+            </a:r>
+            <a:r>
+              <a:rPr lang="fr-FR" dirty="0"/>
+              <a:t> </a:t>
+            </a:r>
+            <a:r>
+              <a:rPr lang="fr-FR" dirty="0" err="1"/>
+              <a:t>fsATI</a:t>
+            </a:r>
+            <a:r>
+              <a:rPr lang="fr-FR" dirty="0"/>
+              <a:t> </a:t>
+            </a:r>
+          </a:p>
+          <a:p>
+            <a:endParaRPr lang="fr-FR" dirty="0"/>
+          </a:p>
+          <a:p>
+            <a:r>
+              <a:rPr lang="fr-FR" dirty="0"/>
+              <a:t>6 </a:t>
+            </a:r>
+            <a:r>
+              <a:rPr lang="fr-FR" dirty="0" err="1"/>
+              <a:t>fsATI</a:t>
+            </a:r>
+            <a:r>
+              <a:rPr lang="fr-FR" dirty="0"/>
+              <a:t> </a:t>
+            </a:r>
+            <a:r>
+              <a:rPr lang="fr-FR" dirty="0" err="1"/>
+              <a:t>validated</a:t>
+            </a:r>
+            <a:endParaRPr lang="fr-FR" dirty="0"/>
+          </a:p>
+          <a:p>
+            <a:endParaRPr lang="fr-FR" i="1" dirty="0"/>
+          </a:p>
+          <a:p>
+            <a:endParaRPr lang="fr-FR" i="1" dirty="0"/>
+          </a:p>
+          <a:p>
+            <a:endParaRPr lang="fr-FR" i="1" dirty="0"/>
+          </a:p>
+        </p:txBody>
+      </p:sp>
+    </p:spTree>
+    <p:extLst>
+      <p:ext uri="{BB962C8B-B14F-4D97-AF65-F5344CB8AC3E}">
+        <p14:creationId xmlns:p14="http://schemas.microsoft.com/office/powerpoint/2010/main" val="3159463103"/>
+      </p:ext>
+    </p:extLst>
+  </p:cSld>
+  <p:clrMapOvr>
+    <a:masterClrMapping/>
+  </p:clrMapOvr>
+</p:sld>
+</file>
+
+<file path=ppt/slides/slide13.xml><?xml version="1.0" encoding="utf-8"?>
+<p:sld xmlns:a="http://schemas.openxmlformats.org/drawingml/2006/main" xmlns:r="http://schemas.openxmlformats.org/officeDocument/2006/relationships" xmlns:p="http://schemas.openxmlformats.org/presentationml/2006/main">
+  <p:cSld>
+    <p:spTree>
+      <p:nvGrpSpPr>
+        <p:cNvPr id="1" name=""/>
+        <p:cNvGrpSpPr/>
+        <p:nvPr/>
+      </p:nvGrpSpPr>
+      <p:grpSpPr>
+        <a:xfrm>
+          <a:off x="0" y="0"/>
+          <a:ext cx="0" cy="0"/>
+          <a:chOff x="0" y="0"/>
+          <a:chExt cx="0" cy="0"/>
+        </a:xfrm>
+      </p:grpSpPr>
+      <p:sp>
+        <p:nvSpPr>
+          <p:cNvPr id="4" name="Espace réservé du numéro de diapositive 3">
+            <a:extLst>
+              <a:ext uri="{FF2B5EF4-FFF2-40B4-BE49-F238E27FC236}">
+                <a16:creationId xmlns:a16="http://schemas.microsoft.com/office/drawing/2014/main" id="{AAF4D623-E433-F044-9427-1E4AF9D427B4}"/>
+              </a:ext>
+            </a:extLst>
+          </p:cNvPr>
+          <p:cNvSpPr>
+            <a:spLocks noGrp="1"/>
+          </p:cNvSpPr>
+          <p:nvPr>
+            <p:ph type="sldNum" sz="quarter" idx="12"/>
+          </p:nvPr>
+        </p:nvSpPr>
+        <p:spPr/>
+        <p:txBody>
+          <a:bodyPr/>
+          <a:lstStyle/>
+          <a:p>
+            <a:fld id="{78CFE27D-7682-E84F-8CEA-9319D67B9D0B}" type="slidenum">
+              <a:rPr lang="fr-FR" smtClean="0"/>
+              <a:t>13</a:t>
             </a:fld>
             <a:endParaRPr lang="fr-FR"/>
           </a:p>
@@ -6672,119 +7256,6 @@
 </p:sld>
 </file>
 
-<file path=ppt/slides/slide13.xml><?xml version="1.0" encoding="utf-8"?>
-<p:sld xmlns:a="http://schemas.openxmlformats.org/drawingml/2006/main" xmlns:r="http://schemas.openxmlformats.org/officeDocument/2006/relationships" xmlns:p="http://schemas.openxmlformats.org/presentationml/2006/main">
-  <p:cSld>
-    <p:spTree>
-      <p:nvGrpSpPr>
-        <p:cNvPr id="1" name=""/>
-        <p:cNvGrpSpPr/>
-        <p:nvPr/>
-      </p:nvGrpSpPr>
-      <p:grpSpPr>
-        <a:xfrm>
-          <a:off x="0" y="0"/>
-          <a:ext cx="0" cy="0"/>
-          <a:chOff x="0" y="0"/>
-          <a:chExt cx="0" cy="0"/>
-        </a:xfrm>
-      </p:grpSpPr>
-      <p:sp>
-        <p:nvSpPr>
-          <p:cNvPr id="2" name="Titre 1">
-            <a:extLst>
-              <a:ext uri="{FF2B5EF4-FFF2-40B4-BE49-F238E27FC236}">
-                <a16:creationId xmlns:a16="http://schemas.microsoft.com/office/drawing/2014/main" id="{5ECD2448-C696-0D42-849B-E92C2DE217A3}"/>
-              </a:ext>
-            </a:extLst>
-          </p:cNvPr>
-          <p:cNvSpPr>
-            <a:spLocks noGrp="1"/>
-          </p:cNvSpPr>
-          <p:nvPr>
-            <p:ph type="title"/>
-          </p:nvPr>
-        </p:nvSpPr>
-        <p:spPr/>
-        <p:txBody>
-          <a:bodyPr/>
-          <a:lstStyle/>
-          <a:p>
-            <a:pPr algn="ctr"/>
-            <a:r>
-              <a:rPr lang="fr-FR" dirty="0"/>
-              <a:t>Conclusion</a:t>
-            </a:r>
-          </a:p>
-        </p:txBody>
-      </p:sp>
-      <p:sp>
-        <p:nvSpPr>
-          <p:cNvPr id="3" name="Espace réservé du contenu 2">
-            <a:extLst>
-              <a:ext uri="{FF2B5EF4-FFF2-40B4-BE49-F238E27FC236}">
-                <a16:creationId xmlns:a16="http://schemas.microsoft.com/office/drawing/2014/main" id="{169B0222-AAC8-2347-92C8-1BF3A3AF4390}"/>
-              </a:ext>
-            </a:extLst>
-          </p:cNvPr>
-          <p:cNvSpPr>
-            <a:spLocks noGrp="1"/>
-          </p:cNvSpPr>
-          <p:nvPr>
-            <p:ph idx="1"/>
-          </p:nvPr>
-        </p:nvSpPr>
-        <p:spPr/>
-        <p:txBody>
-          <a:bodyPr/>
-          <a:lstStyle/>
-          <a:p>
-            <a:endParaRPr lang="fr-FR" dirty="0"/>
-          </a:p>
-        </p:txBody>
-      </p:sp>
-      <p:sp>
-        <p:nvSpPr>
-          <p:cNvPr id="4" name="Espace réservé du numéro de diapositive 3">
-            <a:extLst>
-              <a:ext uri="{FF2B5EF4-FFF2-40B4-BE49-F238E27FC236}">
-                <a16:creationId xmlns:a16="http://schemas.microsoft.com/office/drawing/2014/main" id="{2A92CF14-5A50-9E45-BC2A-D648080FB0AD}"/>
-              </a:ext>
-            </a:extLst>
-          </p:cNvPr>
-          <p:cNvSpPr>
-            <a:spLocks noGrp="1"/>
-          </p:cNvSpPr>
-          <p:nvPr>
-            <p:ph type="sldNum" sz="quarter" idx="12"/>
-          </p:nvPr>
-        </p:nvSpPr>
-        <p:spPr/>
-        <p:txBody>
-          <a:bodyPr/>
-          <a:lstStyle/>
-          <a:p>
-            <a:fld id="{78CFE27D-7682-E84F-8CEA-9319D67B9D0B}" type="slidenum">
-              <a:rPr lang="fr-FR" smtClean="0"/>
-              <a:t>13</a:t>
-            </a:fld>
-            <a:endParaRPr lang="fr-FR"/>
-          </a:p>
-        </p:txBody>
-      </p:sp>
-    </p:spTree>
-    <p:extLst>
-      <p:ext uri="{BB962C8B-B14F-4D97-AF65-F5344CB8AC3E}">
-        <p14:creationId xmlns:p14="http://schemas.microsoft.com/office/powerpoint/2010/main" val="3009715237"/>
-      </p:ext>
-    </p:extLst>
-  </p:cSld>
-  <p:clrMapOvr>
-    <a:masterClrMapping/>
-  </p:clrMapOvr>
-</p:sld>
-</file>
-
 <file path=ppt/slides/slide14.xml><?xml version="1.0" encoding="utf-8"?>
 <p:sld xmlns:a="http://schemas.openxmlformats.org/drawingml/2006/main" xmlns:r="http://schemas.openxmlformats.org/officeDocument/2006/relationships" xmlns:p="http://schemas.openxmlformats.org/presentationml/2006/main">
   <p:cSld>
@@ -6807,7 +7278,7 @@
           <p:cNvPr id="2" name="Titre 1">
             <a:extLst>
               <a:ext uri="{FF2B5EF4-FFF2-40B4-BE49-F238E27FC236}">
-                <a16:creationId xmlns:a16="http://schemas.microsoft.com/office/drawing/2014/main" id="{28DD2AD9-9A25-A348-A0CE-1784FB49A082}"/>
+                <a16:creationId xmlns:a16="http://schemas.microsoft.com/office/drawing/2014/main" id="{5ECD2448-C696-0D42-849B-E92C2DE217A3}"/>
               </a:ext>
             </a:extLst>
           </p:cNvPr>
@@ -6818,34 +7289,407 @@
             <p:ph type="title"/>
           </p:nvPr>
         </p:nvSpPr>
-        <p:spPr>
-          <a:xfrm>
-            <a:off x="2359959" y="2300661"/>
-            <a:ext cx="7622241" cy="1325563"/>
-          </a:xfrm>
-        </p:spPr>
+        <p:spPr/>
+        <p:txBody>
+          <a:bodyPr/>
+          <a:lstStyle/>
+          <a:p>
+            <a:pPr algn="ctr"/>
+            <a:r>
+              <a:rPr lang="fr-FR" dirty="0"/>
+              <a:t>Conclusion and </a:t>
+            </a:r>
+            <a:r>
+              <a:rPr lang="fr-FR" dirty="0" err="1"/>
+              <a:t>persective</a:t>
+            </a:r>
+            <a:endParaRPr lang="fr-FR" dirty="0"/>
+          </a:p>
+        </p:txBody>
+      </p:sp>
+      <p:sp>
+        <p:nvSpPr>
+          <p:cNvPr id="3" name="Espace réservé du contenu 2">
+            <a:extLst>
+              <a:ext uri="{FF2B5EF4-FFF2-40B4-BE49-F238E27FC236}">
+                <a16:creationId xmlns:a16="http://schemas.microsoft.com/office/drawing/2014/main" id="{169B0222-AAC8-2347-92C8-1BF3A3AF4390}"/>
+              </a:ext>
+            </a:extLst>
+          </p:cNvPr>
+          <p:cNvSpPr>
+            <a:spLocks noGrp="1"/>
+          </p:cNvSpPr>
+          <p:nvPr>
+            <p:ph idx="1"/>
+          </p:nvPr>
+        </p:nvSpPr>
+        <p:spPr/>
         <p:txBody>
           <a:bodyPr>
-            <a:noAutofit/>
+            <a:normAutofit fontScale="92500" lnSpcReduction="20000"/>
           </a:bodyPr>
           <a:lstStyle/>
           <a:p>
             <a:r>
-              <a:rPr lang="fr-FR" sz="5400" dirty="0" err="1"/>
-              <a:t>Thanks</a:t>
-            </a:r>
-            <a:r>
-              <a:rPr lang="fr-FR" sz="5400" dirty="0"/>
-              <a:t> for </a:t>
-            </a:r>
-            <a:r>
-              <a:rPr lang="fr-FR" sz="5400" dirty="0" err="1"/>
-              <a:t>your</a:t>
-            </a:r>
-            <a:r>
-              <a:rPr lang="fr-FR" sz="5400" dirty="0"/>
-              <a:t> attention !</a:t>
-            </a:r>
+              <a:rPr lang="fr-FR" dirty="0" err="1"/>
+              <a:t>Success</a:t>
+            </a:r>
+            <a:r>
+              <a:rPr lang="fr-FR" dirty="0"/>
+              <a:t> in </a:t>
+            </a:r>
+            <a:r>
+              <a:rPr lang="fr-FR" dirty="0" err="1"/>
+              <a:t>developing</a:t>
+            </a:r>
+            <a:r>
+              <a:rPr lang="fr-FR" dirty="0"/>
+              <a:t> a </a:t>
+            </a:r>
+            <a:r>
+              <a:rPr lang="fr-FR" dirty="0" err="1"/>
+              <a:t>method</a:t>
+            </a:r>
+            <a:r>
+              <a:rPr lang="fr-FR" dirty="0"/>
+              <a:t> of </a:t>
+            </a:r>
+            <a:r>
+              <a:rPr lang="fr-FR" dirty="0" err="1"/>
+              <a:t>fsATI</a:t>
+            </a:r>
+            <a:r>
+              <a:rPr lang="fr-FR" dirty="0"/>
+              <a:t> mutation </a:t>
+            </a:r>
+            <a:r>
+              <a:rPr lang="fr-FR" dirty="0" err="1"/>
+              <a:t>determination</a:t>
+            </a:r>
+            <a:r>
+              <a:rPr lang="fr-FR" dirty="0"/>
+              <a:t> and validation</a:t>
+            </a:r>
+          </a:p>
+          <a:p>
+            <a:pPr marL="0" indent="0">
+              <a:buNone/>
+            </a:pPr>
+            <a:endParaRPr lang="fr-FR" dirty="0"/>
+          </a:p>
+          <a:p>
+            <a:r>
+              <a:rPr lang="fr-FR" dirty="0"/>
+              <a:t>Code </a:t>
+            </a:r>
+            <a:r>
+              <a:rPr lang="fr-FR" dirty="0" err="1"/>
+              <a:t>should</a:t>
+            </a:r>
+            <a:r>
+              <a:rPr lang="fr-FR" dirty="0"/>
+              <a:t> </a:t>
+            </a:r>
+            <a:r>
+              <a:rPr lang="fr-FR" dirty="0" err="1"/>
+              <a:t>be</a:t>
+            </a:r>
+            <a:r>
+              <a:rPr lang="fr-FR" dirty="0"/>
+              <a:t> </a:t>
+            </a:r>
+            <a:r>
+              <a:rPr lang="fr-FR" dirty="0" err="1"/>
+              <a:t>review</a:t>
+            </a:r>
+            <a:r>
+              <a:rPr lang="fr-FR" dirty="0"/>
+              <a:t> to </a:t>
+            </a:r>
+            <a:r>
+              <a:rPr lang="fr-FR" dirty="0" err="1"/>
+              <a:t>simplify</a:t>
+            </a:r>
+            <a:r>
+              <a:rPr lang="fr-FR" dirty="0"/>
+              <a:t> and </a:t>
+            </a:r>
+            <a:r>
+              <a:rPr lang="fr-FR" dirty="0" err="1"/>
+              <a:t>decrease</a:t>
+            </a:r>
+            <a:r>
+              <a:rPr lang="fr-FR" dirty="0"/>
+              <a:t> </a:t>
+            </a:r>
+            <a:r>
+              <a:rPr lang="fr-FR" dirty="0" err="1"/>
+              <a:t>complexity</a:t>
+            </a:r>
+            <a:endParaRPr lang="fr-FR" dirty="0"/>
+          </a:p>
+          <a:p>
+            <a:endParaRPr lang="fr-FR" dirty="0"/>
+          </a:p>
+          <a:p>
+            <a:r>
+              <a:rPr lang="fr-FR" dirty="0" err="1"/>
+              <a:t>Phylop</a:t>
+            </a:r>
+            <a:r>
+              <a:rPr lang="fr-FR" dirty="0"/>
+              <a:t> </a:t>
+            </a:r>
+            <a:r>
+              <a:rPr lang="fr-FR" dirty="0" err="1"/>
+              <a:t>scoring</a:t>
+            </a:r>
+            <a:r>
+              <a:rPr lang="fr-FR" dirty="0"/>
+              <a:t> </a:t>
+            </a:r>
+            <a:r>
+              <a:rPr lang="fr-FR" dirty="0" err="1"/>
+              <a:t>method</a:t>
+            </a:r>
+            <a:r>
+              <a:rPr lang="fr-FR" dirty="0"/>
+              <a:t> has to </a:t>
+            </a:r>
+            <a:r>
+              <a:rPr lang="fr-FR" dirty="0" err="1"/>
+              <a:t>be</a:t>
+            </a:r>
+            <a:r>
+              <a:rPr lang="fr-FR" dirty="0"/>
+              <a:t> </a:t>
+            </a:r>
+            <a:r>
+              <a:rPr lang="fr-FR" dirty="0" err="1"/>
+              <a:t>rethough</a:t>
+            </a:r>
+            <a:r>
+              <a:rPr lang="fr-FR" dirty="0"/>
+              <a:t> </a:t>
+            </a:r>
+          </a:p>
+          <a:p>
+            <a:pPr marL="0" indent="0">
+              <a:buNone/>
+            </a:pPr>
+            <a:r>
+              <a:rPr lang="fr-FR" dirty="0">
+                <a:sym typeface="Wingdings" pitchFamily="2" charset="2"/>
+              </a:rPr>
+              <a:t> to </a:t>
+            </a:r>
+            <a:r>
+              <a:rPr lang="fr-FR" dirty="0" err="1">
+                <a:sym typeface="Wingdings" pitchFamily="2" charset="2"/>
+              </a:rPr>
+              <a:t>find</a:t>
+            </a:r>
+            <a:r>
+              <a:rPr lang="fr-FR" dirty="0">
+                <a:sym typeface="Wingdings" pitchFamily="2" charset="2"/>
+              </a:rPr>
+              <a:t> a </a:t>
+            </a:r>
+            <a:r>
+              <a:rPr lang="fr-FR" dirty="0" err="1">
+                <a:sym typeface="Wingdings" pitchFamily="2" charset="2"/>
+              </a:rPr>
+              <a:t>way</a:t>
+            </a:r>
+            <a:r>
+              <a:rPr lang="fr-FR" dirty="0">
+                <a:sym typeface="Wingdings" pitchFamily="2" charset="2"/>
+              </a:rPr>
+              <a:t> of </a:t>
+            </a:r>
+            <a:r>
+              <a:rPr lang="fr-FR" dirty="0" err="1">
+                <a:sym typeface="Wingdings" pitchFamily="2" charset="2"/>
+              </a:rPr>
+              <a:t>collecting</a:t>
+            </a:r>
+            <a:r>
+              <a:rPr lang="fr-FR" dirty="0">
+                <a:sym typeface="Wingdings" pitchFamily="2" charset="2"/>
+              </a:rPr>
+              <a:t> </a:t>
+            </a:r>
+            <a:r>
+              <a:rPr lang="fr-FR" dirty="0" err="1">
+                <a:sym typeface="Wingdings" pitchFamily="2" charset="2"/>
+              </a:rPr>
+              <a:t>genes</a:t>
+            </a:r>
+            <a:r>
+              <a:rPr lang="fr-FR" dirty="0">
+                <a:sym typeface="Wingdings" pitchFamily="2" charset="2"/>
+              </a:rPr>
+              <a:t> base </a:t>
+            </a:r>
+            <a:r>
+              <a:rPr lang="fr-FR" dirty="0" err="1">
+                <a:sym typeface="Wingdings" pitchFamily="2" charset="2"/>
+              </a:rPr>
+              <a:t>genomique</a:t>
+            </a:r>
+            <a:r>
+              <a:rPr lang="fr-FR" dirty="0">
+                <a:sym typeface="Wingdings" pitchFamily="2" charset="2"/>
+              </a:rPr>
+              <a:t> position</a:t>
+            </a:r>
+            <a:endParaRPr lang="fr-FR" dirty="0"/>
+          </a:p>
+          <a:p>
+            <a:pPr marL="0" indent="0">
+              <a:buNone/>
+            </a:pPr>
+            <a:r>
+              <a:rPr lang="fr-FR" dirty="0">
+                <a:sym typeface="Wingdings" pitchFamily="2" charset="2"/>
+              </a:rPr>
+              <a:t></a:t>
+            </a:r>
+            <a:r>
+              <a:rPr lang="fr-FR" dirty="0"/>
+              <a:t>to </a:t>
+            </a:r>
+            <a:r>
+              <a:rPr lang="fr-FR" dirty="0" err="1"/>
+              <a:t>avoid</a:t>
+            </a:r>
+            <a:r>
+              <a:rPr lang="fr-FR" dirty="0"/>
+              <a:t> </a:t>
+            </a:r>
+            <a:r>
+              <a:rPr lang="fr-FR" dirty="0" err="1"/>
+              <a:t>parsing</a:t>
+            </a:r>
+            <a:r>
+              <a:rPr lang="fr-FR" dirty="0"/>
+              <a:t> of the massive score file</a:t>
+            </a:r>
+          </a:p>
+          <a:p>
+            <a:pPr marL="0" indent="0">
+              <a:buNone/>
+            </a:pPr>
+            <a:endParaRPr lang="fr-FR" dirty="0"/>
+          </a:p>
+          <a:p>
+            <a:r>
+              <a:rPr lang="fr-FR" dirty="0" err="1"/>
+              <a:t>Would</a:t>
+            </a:r>
+            <a:r>
+              <a:rPr lang="fr-FR" dirty="0"/>
+              <a:t> </a:t>
+            </a:r>
+            <a:r>
+              <a:rPr lang="fr-FR" dirty="0" err="1"/>
+              <a:t>be</a:t>
+            </a:r>
+            <a:r>
+              <a:rPr lang="fr-FR" dirty="0"/>
+              <a:t> </a:t>
+            </a:r>
+            <a:r>
+              <a:rPr lang="fr-FR" dirty="0" err="1"/>
+              <a:t>continued</a:t>
+            </a:r>
+            <a:r>
+              <a:rPr lang="fr-FR" dirty="0"/>
+              <a:t> by </a:t>
+            </a:r>
+            <a:r>
+              <a:rPr lang="fr-FR" dirty="0" err="1"/>
+              <a:t>using</a:t>
+            </a:r>
+            <a:r>
+              <a:rPr lang="fr-FR" dirty="0"/>
+              <a:t> more </a:t>
+            </a:r>
+            <a:r>
+              <a:rPr lang="fr-FR" dirty="0" err="1"/>
+              <a:t>genes</a:t>
+            </a:r>
+            <a:r>
+              <a:rPr lang="fr-FR" dirty="0"/>
+              <a:t> </a:t>
+            </a:r>
+            <a:r>
+              <a:rPr lang="fr-FR" dirty="0" err="1"/>
+              <a:t>from</a:t>
+            </a:r>
+            <a:r>
+              <a:rPr lang="fr-FR" dirty="0"/>
+              <a:t> </a:t>
+            </a:r>
+            <a:r>
+              <a:rPr lang="fr-FR" dirty="0" err="1"/>
+              <a:t>gnomAD</a:t>
+            </a:r>
+            <a:r>
+              <a:rPr lang="fr-FR" dirty="0"/>
+              <a:t>, </a:t>
+            </a:r>
+            <a:r>
+              <a:rPr lang="fr-FR" dirty="0" err="1"/>
+              <a:t>SNPedia</a:t>
+            </a:r>
+            <a:r>
+              <a:rPr lang="fr-FR" dirty="0"/>
+              <a:t> et </a:t>
+            </a:r>
+            <a:r>
+              <a:rPr lang="fr-FR" dirty="0" err="1"/>
+              <a:t>dbSNP</a:t>
+            </a:r>
+            <a:r>
+              <a:rPr lang="fr-FR" dirty="0"/>
+              <a:t> </a:t>
+            </a:r>
+            <a:r>
+              <a:rPr lang="fr-FR" dirty="0" err="1"/>
+              <a:t>databases</a:t>
+            </a:r>
+            <a:r>
+              <a:rPr lang="fr-FR" dirty="0"/>
+              <a:t> to </a:t>
+            </a:r>
+            <a:r>
+              <a:rPr lang="fr-FR" dirty="0" err="1"/>
+              <a:t>discut</a:t>
+            </a:r>
+            <a:r>
+              <a:rPr lang="fr-FR" dirty="0"/>
+              <a:t> </a:t>
+            </a:r>
+            <a:r>
+              <a:rPr lang="fr-FR" dirty="0" err="1"/>
+              <a:t>quality</a:t>
+            </a:r>
+            <a:r>
+              <a:rPr lang="fr-FR" dirty="0"/>
+              <a:t> of </a:t>
+            </a:r>
+            <a:r>
+              <a:rPr lang="fr-FR" dirty="0" err="1"/>
+              <a:t>strategy</a:t>
+            </a:r>
+            <a:r>
+              <a:rPr lang="fr-FR" dirty="0"/>
+              <a:t> and code.</a:t>
+            </a:r>
+          </a:p>
+          <a:p>
+            <a:endParaRPr lang="fr-FR" dirty="0"/>
           </a:p>
         </p:txBody>
       </p:sp>
@@ -6854,7 +7698,7 @@
           <p:cNvPr id="4" name="Espace réservé du numéro de diapositive 3">
             <a:extLst>
               <a:ext uri="{FF2B5EF4-FFF2-40B4-BE49-F238E27FC236}">
-                <a16:creationId xmlns:a16="http://schemas.microsoft.com/office/drawing/2014/main" id="{4F273769-C1F9-124E-8CE5-0314D207F6D6}"/>
+                <a16:creationId xmlns:a16="http://schemas.microsoft.com/office/drawing/2014/main" id="{2A92CF14-5A50-9E45-BC2A-D648080FB0AD}"/>
               </a:ext>
             </a:extLst>
           </p:cNvPr>
@@ -6873,6 +7717,120 @@
             <a:fld id="{78CFE27D-7682-E84F-8CEA-9319D67B9D0B}" type="slidenum">
               <a:rPr lang="fr-FR" smtClean="0"/>
               <a:t>14</a:t>
+            </a:fld>
+            <a:endParaRPr lang="fr-FR"/>
+          </a:p>
+        </p:txBody>
+      </p:sp>
+    </p:spTree>
+    <p:extLst>
+      <p:ext uri="{BB962C8B-B14F-4D97-AF65-F5344CB8AC3E}">
+        <p14:creationId xmlns:p14="http://schemas.microsoft.com/office/powerpoint/2010/main" val="3009715237"/>
+      </p:ext>
+    </p:extLst>
+  </p:cSld>
+  <p:clrMapOvr>
+    <a:masterClrMapping/>
+  </p:clrMapOvr>
+</p:sld>
+</file>
+
+<file path=ppt/slides/slide15.xml><?xml version="1.0" encoding="utf-8"?>
+<p:sld xmlns:a="http://schemas.openxmlformats.org/drawingml/2006/main" xmlns:r="http://schemas.openxmlformats.org/officeDocument/2006/relationships" xmlns:p="http://schemas.openxmlformats.org/presentationml/2006/main">
+  <p:cSld>
+    <p:spTree>
+      <p:nvGrpSpPr>
+        <p:cNvPr id="1" name=""/>
+        <p:cNvGrpSpPr/>
+        <p:nvPr/>
+      </p:nvGrpSpPr>
+      <p:grpSpPr>
+        <a:xfrm>
+          <a:off x="0" y="0"/>
+          <a:ext cx="0" cy="0"/>
+          <a:chOff x="0" y="0"/>
+          <a:chExt cx="0" cy="0"/>
+        </a:xfrm>
+      </p:grpSpPr>
+      <p:sp>
+        <p:nvSpPr>
+          <p:cNvPr id="2" name="Titre 1">
+            <a:extLst>
+              <a:ext uri="{FF2B5EF4-FFF2-40B4-BE49-F238E27FC236}">
+                <a16:creationId xmlns:a16="http://schemas.microsoft.com/office/drawing/2014/main" id="{28DD2AD9-9A25-A348-A0CE-1784FB49A082}"/>
+              </a:ext>
+            </a:extLst>
+          </p:cNvPr>
+          <p:cNvSpPr>
+            <a:spLocks noGrp="1"/>
+          </p:cNvSpPr>
+          <p:nvPr>
+            <p:ph type="title"/>
+          </p:nvPr>
+        </p:nvSpPr>
+        <p:spPr>
+          <a:xfrm>
+            <a:off x="1771650" y="2318590"/>
+            <a:ext cx="8648700" cy="1325563"/>
+          </a:xfrm>
+        </p:spPr>
+        <p:txBody>
+          <a:bodyPr>
+            <a:noAutofit/>
+          </a:bodyPr>
+          <a:lstStyle/>
+          <a:p>
+            <a:r>
+              <a:rPr lang="fr-FR" sz="5400" dirty="0" err="1"/>
+              <a:t>Thank</a:t>
+            </a:r>
+            <a:r>
+              <a:rPr lang="fr-FR" sz="5400" dirty="0"/>
+              <a:t> </a:t>
+            </a:r>
+            <a:r>
+              <a:rPr lang="fr-FR" sz="5400" dirty="0" err="1"/>
+              <a:t>you</a:t>
+            </a:r>
+            <a:r>
+              <a:rPr lang="fr-FR" sz="5400" dirty="0"/>
+              <a:t> for </a:t>
+            </a:r>
+            <a:r>
+              <a:rPr lang="fr-FR" sz="5400" dirty="0" err="1"/>
+              <a:t>your</a:t>
+            </a:r>
+            <a:r>
+              <a:rPr lang="fr-FR" sz="5400" dirty="0"/>
+              <a:t> attention !</a:t>
+            </a:r>
+          </a:p>
+        </p:txBody>
+      </p:sp>
+      <p:sp>
+        <p:nvSpPr>
+          <p:cNvPr id="4" name="Espace réservé du numéro de diapositive 3">
+            <a:extLst>
+              <a:ext uri="{FF2B5EF4-FFF2-40B4-BE49-F238E27FC236}">
+                <a16:creationId xmlns:a16="http://schemas.microsoft.com/office/drawing/2014/main" id="{4F273769-C1F9-124E-8CE5-0314D207F6D6}"/>
+              </a:ext>
+            </a:extLst>
+          </p:cNvPr>
+          <p:cNvSpPr>
+            <a:spLocks noGrp="1"/>
+          </p:cNvSpPr>
+          <p:nvPr>
+            <p:ph type="sldNum" sz="quarter" idx="12"/>
+          </p:nvPr>
+        </p:nvSpPr>
+        <p:spPr/>
+        <p:txBody>
+          <a:bodyPr/>
+          <a:lstStyle/>
+          <a:p>
+            <a:fld id="{78CFE27D-7682-E84F-8CEA-9319D67B9D0B}" type="slidenum">
+              <a:rPr lang="fr-FR" smtClean="0"/>
+              <a:t>15</a:t>
             </a:fld>
             <a:endParaRPr lang="fr-FR"/>
           </a:p>
@@ -6994,13 +7952,13 @@
               <a:rPr lang="fr-FR" dirty="0" err="1">
                 <a:sym typeface="Wingdings" pitchFamily="2" charset="2"/>
               </a:rPr>
-              <a:t>framshift</a:t>
+              <a:t>Framshift</a:t>
             </a:r>
             <a:r>
               <a:rPr lang="fr-FR" dirty="0">
                 <a:sym typeface="Wingdings" pitchFamily="2" charset="2"/>
               </a:rPr>
-              <a:t> </a:t>
+              <a:t>  </a:t>
             </a:r>
             <a:r>
               <a:rPr lang="fr-FR" dirty="0" err="1">
@@ -7191,7 +8149,7 @@
         <p:spPr>
           <a:xfrm>
             <a:off x="2570622" y="5288592"/>
-            <a:ext cx="7341625" cy="707886"/>
+            <a:ext cx="7077002" cy="707886"/>
           </a:xfrm>
           <a:prstGeom prst="rect">
             <a:avLst/>
@@ -7206,7 +8164,19 @@
           <a:p>
             <a:r>
               <a:rPr lang="fr-FR" sz="4000" b="1" dirty="0"/>
-              <a:t>AGTAGG*AGTGTTCATCAAAATGA</a:t>
+              <a:t>AGTAGGA</a:t>
+            </a:r>
+            <a:r>
+              <a:rPr lang="fr-FR" sz="4000" b="1" dirty="0">
+                <a:solidFill>
+                  <a:srgbClr val="FF0000"/>
+                </a:solidFill>
+              </a:rPr>
+              <a:t>*</a:t>
+            </a:r>
+            <a:r>
+              <a:rPr lang="fr-FR" sz="4000" b="1" dirty="0"/>
+              <a:t>GTGTTCATCAAAATGA</a:t>
             </a:r>
           </a:p>
         </p:txBody>
@@ -7427,7 +8397,7 @@
             </a:pPr>
             <a:r>
               <a:rPr lang="fr-FR" dirty="0"/>
-              <a:t>2. ATI Alternative transcription initiation</a:t>
+              <a:t>2. ATI: Alternative transcription initiation</a:t>
             </a:r>
           </a:p>
         </p:txBody>
@@ -7574,8 +8544,8 @@
         </p:nvSpPr>
         <p:spPr>
           <a:xfrm>
-            <a:off x="376286" y="3164000"/>
-            <a:ext cx="1495089" cy="369332"/>
+            <a:off x="761999" y="3258224"/>
+            <a:ext cx="793807" cy="369332"/>
           </a:xfrm>
           <a:prstGeom prst="rect">
             <a:avLst/>
@@ -7589,12 +8559,8 @@
           <a:lstStyle/>
           <a:p>
             <a:r>
-              <a:rPr lang="fr-FR" dirty="0" err="1"/>
-              <a:t>Transciption</a:t>
-            </a:r>
-            <a:r>
-              <a:rPr lang="fr-FR" dirty="0"/>
-              <a:t> 1</a:t>
+              <a:rPr lang="fr-FR" dirty="0"/>
+              <a:t>Case 1</a:t>
             </a:r>
           </a:p>
         </p:txBody>
@@ -7613,8 +8579,8 @@
         </p:nvSpPr>
         <p:spPr>
           <a:xfrm>
-            <a:off x="376285" y="4220705"/>
-            <a:ext cx="1495089" cy="369332"/>
+            <a:off x="762000" y="4332619"/>
+            <a:ext cx="793807" cy="369332"/>
           </a:xfrm>
           <a:prstGeom prst="rect">
             <a:avLst/>
@@ -7628,12 +8594,8 @@
           <a:lstStyle/>
           <a:p>
             <a:r>
-              <a:rPr lang="fr-FR" dirty="0" err="1"/>
-              <a:t>Transciption</a:t>
-            </a:r>
-            <a:r>
-              <a:rPr lang="fr-FR" dirty="0"/>
-              <a:t> 2</a:t>
+              <a:rPr lang="fr-FR" dirty="0"/>
+              <a:t>Case 2</a:t>
             </a:r>
           </a:p>
         </p:txBody>
@@ -8565,15 +9527,7 @@
             </a:r>
             <a:r>
               <a:rPr lang="fr-FR" dirty="0"/>
-              <a:t> (</a:t>
-            </a:r>
-            <a:r>
-              <a:rPr lang="fr-FR" dirty="0" err="1"/>
-              <a:t>february</a:t>
-            </a:r>
-            <a:r>
-              <a:rPr lang="fr-FR" dirty="0"/>
-              <a:t> 2019)</a:t>
+              <a:t> (2018)</a:t>
             </a:r>
           </a:p>
         </p:txBody>
@@ -8730,7 +9684,7 @@
         <p:spPr>
           <a:xfrm>
             <a:off x="7046259" y="2570698"/>
-            <a:ext cx="5020235" cy="3785652"/>
+            <a:ext cx="4668369" cy="3785652"/>
           </a:xfrm>
           <a:prstGeom prst="rect">
             <a:avLst/>
@@ -8742,13 +9696,17 @@
           </a:bodyPr>
           <a:lstStyle/>
           <a:p>
+            <a:pPr marL="342900" indent="-342900">
+              <a:buFont typeface="Arial" panose="020B0604020202020204" pitchFamily="34" charset="0"/>
+              <a:buChar char="•"/>
+            </a:pPr>
             <a:r>
               <a:rPr lang="fr-FR" sz="2400" dirty="0"/>
               <a:t>TRESK </a:t>
             </a:r>
             <a:r>
               <a:rPr lang="fr-FR" sz="2400" dirty="0" err="1"/>
-              <a:t>heteromerizes</a:t>
+              <a:t>channel</a:t>
             </a:r>
             <a:r>
               <a:rPr lang="fr-FR" sz="2400" dirty="0"/>
@@ -8756,23 +9714,29 @@
             </a:r>
             <a:r>
               <a:rPr lang="fr-FR" sz="2400" dirty="0" err="1"/>
-              <a:t>with</a:t>
+              <a:t>heteromerizes</a:t>
             </a:r>
             <a:r>
               <a:rPr lang="fr-FR" sz="2400" dirty="0"/>
               <a:t> </a:t>
             </a:r>
-          </a:p>
-          <a:p>
+            <a:r>
+              <a:rPr lang="fr-FR" sz="2400" dirty="0" err="1"/>
+              <a:t>with</a:t>
+            </a:r>
             <a:r>
               <a:rPr lang="fr-FR" sz="2400" dirty="0"/>
-              <a:t>TREK1 and TREK2 </a:t>
+              <a:t> TREK1 and TREK2 </a:t>
             </a:r>
           </a:p>
           <a:p>
             <a:endParaRPr lang="fr-FR" sz="2400" dirty="0"/>
           </a:p>
           <a:p>
+            <a:pPr marL="342900" indent="-342900">
+              <a:buFont typeface="Arial" panose="020B0604020202020204" pitchFamily="34" charset="0"/>
+              <a:buChar char="•"/>
+            </a:pPr>
             <a:r>
               <a:rPr lang="fr-FR" sz="2400" dirty="0"/>
               <a:t>TRESK-MT mutant </a:t>
@@ -8822,7 +9786,7 @@
           <a:p>
             <a:r>
               <a:rPr lang="fr-FR" sz="2400" dirty="0"/>
-              <a:t> MT2 </a:t>
+              <a:t>MT2 </a:t>
             </a:r>
             <a:r>
               <a:rPr lang="fr-FR" sz="2400" dirty="0" err="1"/>
@@ -8923,12 +9887,14 @@
         </p:nvSpPr>
         <p:spPr>
           <a:xfrm>
-            <a:off x="838200" y="1674159"/>
-            <a:ext cx="10515600" cy="4351338"/>
+            <a:off x="573741" y="1674159"/>
+            <a:ext cx="11403105" cy="4351338"/>
           </a:xfrm>
         </p:spPr>
         <p:txBody>
-          <a:bodyPr/>
+          <a:bodyPr>
+            <a:normAutofit/>
+          </a:bodyPr>
           <a:lstStyle/>
           <a:p>
             <a:r>
@@ -8941,11 +9907,272 @@
             </a:r>
             <a:r>
               <a:rPr lang="fr-FR" dirty="0" err="1"/>
-              <a:t>Whi</a:t>
+              <a:t>Whiffin</a:t>
             </a:r>
             <a:r>
               <a:rPr lang="fr-FR" dirty="0"/>
               <a:t> </a:t>
+            </a:r>
+            <a:r>
+              <a:rPr lang="fr-FR" i="1" dirty="0"/>
+              <a:t>et al. </a:t>
+            </a:r>
+            <a:r>
+              <a:rPr lang="fr-FR" dirty="0" err="1"/>
+              <a:t>paper</a:t>
+            </a:r>
+            <a:r>
+              <a:rPr lang="fr-FR" dirty="0"/>
+              <a:t> (2019)</a:t>
+            </a:r>
+          </a:p>
+          <a:p>
+            <a:pPr>
+              <a:buFont typeface="Wingdings" pitchFamily="2" charset="2"/>
+              <a:buChar char="à"/>
+            </a:pPr>
+            <a:r>
+              <a:rPr lang="fr-FR" dirty="0" err="1"/>
+              <a:t>Same</a:t>
+            </a:r>
+            <a:r>
+              <a:rPr lang="fr-FR" dirty="0"/>
+              <a:t> goal on a </a:t>
+            </a:r>
+            <a:r>
+              <a:rPr lang="fr-FR" dirty="0" err="1"/>
+              <a:t>different</a:t>
+            </a:r>
+            <a:r>
+              <a:rPr lang="fr-FR" dirty="0"/>
+              <a:t> mutation: </a:t>
+            </a:r>
+            <a:r>
+              <a:rPr lang="fr-FR" dirty="0" err="1"/>
+              <a:t>Upstream</a:t>
+            </a:r>
+            <a:r>
+              <a:rPr lang="fr-FR" dirty="0"/>
+              <a:t> open </a:t>
+            </a:r>
+            <a:r>
+              <a:rPr lang="fr-FR" dirty="0" err="1"/>
+              <a:t>reading</a:t>
+            </a:r>
+            <a:r>
+              <a:rPr lang="fr-FR" dirty="0"/>
+              <a:t> frames (</a:t>
+            </a:r>
+            <a:r>
+              <a:rPr lang="fr-FR" dirty="0" err="1"/>
+              <a:t>uORFs</a:t>
+            </a:r>
+            <a:r>
+              <a:rPr lang="fr-FR" dirty="0"/>
+              <a:t>)</a:t>
+            </a:r>
+          </a:p>
+          <a:p>
+            <a:pPr>
+              <a:buFont typeface="Wingdings" pitchFamily="2" charset="2"/>
+              <a:buChar char="à"/>
+            </a:pPr>
+            <a:endParaRPr lang="fr-FR" dirty="0"/>
+          </a:p>
+          <a:p>
+            <a:r>
+              <a:rPr lang="fr-FR" dirty="0" err="1"/>
+              <a:t>Systematic</a:t>
+            </a:r>
+            <a:r>
+              <a:rPr lang="fr-FR" dirty="0"/>
+              <a:t> </a:t>
+            </a:r>
+            <a:r>
+              <a:rPr lang="fr-FR" dirty="0" err="1"/>
+              <a:t>genome-wide</a:t>
+            </a:r>
+            <a:r>
+              <a:rPr lang="fr-FR" dirty="0"/>
+              <a:t> </a:t>
+            </a:r>
+            <a:r>
+              <a:rPr lang="fr-FR" dirty="0" err="1"/>
+              <a:t>study</a:t>
+            </a:r>
+            <a:r>
+              <a:rPr lang="fr-FR" dirty="0"/>
+              <a:t> of </a:t>
+            </a:r>
+            <a:r>
+              <a:rPr lang="fr-FR" dirty="0" err="1"/>
+              <a:t>variants</a:t>
+            </a:r>
+            <a:r>
+              <a:rPr lang="fr-FR" dirty="0"/>
+              <a:t> </a:t>
+            </a:r>
+            <a:r>
+              <a:rPr lang="fr-FR" dirty="0" err="1"/>
+              <a:t>that</a:t>
+            </a:r>
+            <a:r>
+              <a:rPr lang="fr-FR" dirty="0"/>
+              <a:t> </a:t>
+            </a:r>
+            <a:r>
+              <a:rPr lang="fr-FR" dirty="0" err="1"/>
+              <a:t>create</a:t>
+            </a:r>
+            <a:r>
+              <a:rPr lang="fr-FR" dirty="0"/>
+              <a:t> and </a:t>
+            </a:r>
+            <a:r>
+              <a:rPr lang="fr-FR" dirty="0" err="1"/>
+              <a:t>disrupt</a:t>
+            </a:r>
+            <a:r>
+              <a:rPr lang="fr-FR" dirty="0"/>
+              <a:t> </a:t>
+            </a:r>
+            <a:r>
+              <a:rPr lang="fr-FR" dirty="0" err="1"/>
+              <a:t>human</a:t>
+            </a:r>
+            <a:r>
+              <a:rPr lang="fr-FR" dirty="0"/>
+              <a:t> </a:t>
+            </a:r>
+            <a:r>
+              <a:rPr lang="fr-FR" dirty="0" err="1"/>
+              <a:t>uORFs</a:t>
+            </a:r>
+            <a:endParaRPr lang="fr-FR" dirty="0"/>
+          </a:p>
+          <a:p>
+            <a:r>
+              <a:rPr lang="fr-FR" dirty="0"/>
+              <a:t>Explore </a:t>
+            </a:r>
+            <a:r>
+              <a:rPr lang="fr-FR" dirty="0" err="1"/>
+              <a:t>their</a:t>
+            </a:r>
+            <a:r>
+              <a:rPr lang="fr-FR" dirty="0"/>
+              <a:t> </a:t>
+            </a:r>
+            <a:r>
+              <a:rPr lang="fr-FR" dirty="0" err="1"/>
+              <a:t>role</a:t>
+            </a:r>
+            <a:r>
+              <a:rPr lang="fr-FR" dirty="0"/>
+              <a:t> in </a:t>
+            </a:r>
+            <a:r>
+              <a:rPr lang="fr-FR" dirty="0" err="1"/>
+              <a:t>human</a:t>
+            </a:r>
+            <a:r>
+              <a:rPr lang="fr-FR" dirty="0"/>
+              <a:t> </a:t>
+            </a:r>
+            <a:r>
+              <a:rPr lang="fr-FR" dirty="0" err="1"/>
+              <a:t>disease</a:t>
+            </a:r>
+            <a:r>
+              <a:rPr lang="fr-FR" dirty="0"/>
+              <a:t> </a:t>
+            </a:r>
+          </a:p>
+          <a:p>
+            <a:r>
+              <a:rPr lang="fr-FR" dirty="0"/>
+              <a:t> 15708 </a:t>
+            </a:r>
+            <a:r>
+              <a:rPr lang="fr-FR" dirty="0" err="1"/>
+              <a:t>whole</a:t>
+            </a:r>
+            <a:r>
+              <a:rPr lang="fr-FR" dirty="0"/>
+              <a:t> </a:t>
+            </a:r>
+            <a:r>
+              <a:rPr lang="fr-FR" dirty="0" err="1"/>
+              <a:t>genome</a:t>
+            </a:r>
+            <a:r>
+              <a:rPr lang="fr-FR" dirty="0"/>
+              <a:t> </a:t>
+            </a:r>
+            <a:r>
+              <a:rPr lang="fr-FR" dirty="0" err="1"/>
+              <a:t>sequences</a:t>
+            </a:r>
+            <a:r>
+              <a:rPr lang="fr-FR" dirty="0"/>
+              <a:t> </a:t>
+            </a:r>
+            <a:r>
+              <a:rPr lang="fr-FR" dirty="0" err="1"/>
+              <a:t>collected</a:t>
+            </a:r>
+            <a:r>
+              <a:rPr lang="fr-FR" dirty="0"/>
+              <a:t> by the </a:t>
+            </a:r>
+            <a:r>
+              <a:rPr lang="fr-FR" dirty="0" err="1"/>
+              <a:t>Genome</a:t>
+            </a:r>
+            <a:r>
+              <a:rPr lang="fr-FR" dirty="0"/>
+              <a:t> </a:t>
+            </a:r>
+            <a:r>
+              <a:rPr lang="fr-FR" dirty="0" err="1"/>
+              <a:t>Aggregation</a:t>
+            </a:r>
+            <a:r>
+              <a:rPr lang="fr-FR" dirty="0"/>
+              <a:t> </a:t>
+            </a:r>
+            <a:r>
+              <a:rPr lang="fr-FR" dirty="0" err="1"/>
+              <a:t>Database</a:t>
+            </a:r>
+            <a:r>
+              <a:rPr lang="fr-FR" dirty="0"/>
+              <a:t> (</a:t>
+            </a:r>
+            <a:r>
+              <a:rPr lang="fr-FR" dirty="0" err="1"/>
+              <a:t>gnomAD</a:t>
+            </a:r>
+            <a:r>
+              <a:rPr lang="fr-FR" dirty="0"/>
+              <a:t>) </a:t>
+            </a:r>
+            <a:r>
+              <a:rPr lang="fr-FR" dirty="0" err="1"/>
+              <a:t>project</a:t>
+            </a:r>
+            <a:r>
+              <a:rPr lang="fr-FR" dirty="0"/>
+              <a:t> </a:t>
+            </a:r>
+          </a:p>
+          <a:p>
+            <a:pPr marL="0" indent="0">
+              <a:buNone/>
+            </a:pPr>
+            <a:r>
+              <a:rPr lang="fr-FR" dirty="0"/>
+              <a:t>  </a:t>
             </a:r>
           </a:p>
         </p:txBody>
@@ -9058,8 +10285,8 @@
         </p:nvSpPr>
         <p:spPr>
           <a:xfrm>
-            <a:off x="838200" y="3592984"/>
-            <a:ext cx="1741117" cy="1027134"/>
+            <a:off x="618256" y="3524778"/>
+            <a:ext cx="1889343" cy="1027134"/>
           </a:xfrm>
           <a:prstGeom prst="roundRect">
             <a:avLst/>
@@ -9090,13 +10317,42 @@
           <a:p>
             <a:pPr algn="ctr"/>
             <a:r>
-              <a:rPr lang="fr-FR" dirty="0"/>
-              <a:t>Récupération des séquences ARN</a:t>
-            </a:r>
-            <a:r>
-              <a:rPr lang="fr-FR" baseline="-25000" dirty="0"/>
+              <a:rPr lang="fr-FR" dirty="0" err="1"/>
+              <a:t>Generation</a:t>
+            </a:r>
+            <a:r>
+              <a:rPr lang="fr-FR" dirty="0"/>
+              <a:t> of </a:t>
+            </a:r>
+            <a:r>
+              <a:rPr lang="fr-FR" baseline="-25000" dirty="0" err="1"/>
               <a:t>m</a:t>
             </a:r>
+            <a:r>
+              <a:rPr lang="fr-FR" dirty="0" err="1"/>
+              <a:t>RNA</a:t>
+            </a:r>
+            <a:r>
+              <a:rPr lang="fr-FR" dirty="0"/>
+              <a:t> </a:t>
+            </a:r>
+            <a:r>
+              <a:rPr lang="fr-FR" dirty="0" err="1"/>
+              <a:t>sequences</a:t>
+            </a:r>
+            <a:r>
+              <a:rPr lang="fr-FR" dirty="0"/>
+              <a:t> </a:t>
+            </a:r>
+            <a:r>
+              <a:rPr lang="fr-FR" dirty="0" err="1"/>
+              <a:t>from</a:t>
+            </a:r>
+            <a:r>
+              <a:rPr lang="fr-FR" dirty="0"/>
+              <a:t> ANNOVAR</a:t>
+            </a:r>
+            <a:endParaRPr lang="fr-FR" baseline="-25000" dirty="0"/>
           </a:p>
         </p:txBody>
       </p:sp>
@@ -9114,7 +10370,7 @@
         </p:nvSpPr>
         <p:spPr>
           <a:xfrm>
-            <a:off x="2969712" y="3592984"/>
+            <a:off x="2897994" y="3524778"/>
             <a:ext cx="1889343" cy="1027134"/>
           </a:xfrm>
           <a:prstGeom prst="roundRect">
@@ -9143,10 +10399,6 @@
           <a:p>
             <a:pPr algn="ctr"/>
             <a:r>
-              <a:rPr lang="fr-FR" dirty="0"/>
-              <a:t>Génération des </a:t>
-            </a:r>
-            <a:r>
               <a:rPr lang="fr-FR" dirty="0" err="1"/>
               <a:t>ORFs</a:t>
             </a:r>
@@ -9159,7 +10411,7 @@
             <a:pPr algn="ctr"/>
             <a:r>
               <a:rPr lang="fr-FR" dirty="0"/>
-              <a:t>et </a:t>
+              <a:t>and </a:t>
             </a:r>
             <a:r>
               <a:rPr lang="fr-FR" dirty="0" err="1"/>
@@ -9183,7 +10435,7 @@
         </p:nvSpPr>
         <p:spPr>
           <a:xfrm>
-            <a:off x="5249449" y="3592984"/>
+            <a:off x="5177731" y="3524778"/>
             <a:ext cx="1741117" cy="1027134"/>
           </a:xfrm>
           <a:prstGeom prst="roundRect">
@@ -9213,7 +10465,7 @@
             <a:pPr algn="ctr"/>
             <a:r>
               <a:rPr lang="fr-FR" dirty="0"/>
-              <a:t>Sélection des </a:t>
+              <a:t>Potentiel </a:t>
             </a:r>
             <a:r>
               <a:rPr lang="fr-FR" dirty="0" err="1"/>
@@ -9221,7 +10473,11 @@
             </a:r>
             <a:r>
               <a:rPr lang="fr-FR" dirty="0"/>
-              <a:t> potentielles</a:t>
+              <a:t> </a:t>
+            </a:r>
+            <a:r>
+              <a:rPr lang="fr-FR" dirty="0" err="1"/>
+              <a:t>selection</a:t>
             </a:r>
             <a:endParaRPr lang="fr-FR" baseline="-25000" dirty="0"/>
           </a:p>
@@ -9241,7 +10497,7 @@
         </p:nvSpPr>
         <p:spPr>
           <a:xfrm>
-            <a:off x="7380960" y="3592984"/>
+            <a:off x="7309242" y="3524778"/>
             <a:ext cx="1741117" cy="1027134"/>
           </a:xfrm>
           <a:prstGeom prst="roundRect">
@@ -9271,7 +10527,7 @@
             <a:pPr algn="ctr"/>
             <a:r>
               <a:rPr lang="fr-FR" dirty="0"/>
-              <a:t>Validation des scores </a:t>
+              <a:t>Scores validation</a:t>
             </a:r>
           </a:p>
           <a:p>
@@ -9297,7 +10553,7 @@
         </p:nvSpPr>
         <p:spPr>
           <a:xfrm>
-            <a:off x="6510401" y="4995901"/>
+            <a:off x="6438683" y="4927695"/>
             <a:ext cx="1741117" cy="1027134"/>
           </a:xfrm>
           <a:prstGeom prst="roundRect">
@@ -9326,12 +10582,16 @@
           <a:p>
             <a:pPr algn="ctr"/>
             <a:r>
-              <a:rPr lang="fr-FR" dirty="0"/>
-              <a:t>Force des séquences de </a:t>
-            </a:r>
-            <a:r>
               <a:rPr lang="fr-FR" dirty="0" err="1"/>
               <a:t>Kosak</a:t>
+            </a:r>
+            <a:r>
+              <a:rPr lang="fr-FR" dirty="0"/>
+              <a:t> </a:t>
+            </a:r>
+            <a:r>
+              <a:rPr lang="fr-FR" dirty="0" err="1"/>
+              <a:t>strenght</a:t>
             </a:r>
             <a:endParaRPr lang="fr-FR" baseline="-25000" dirty="0"/>
           </a:p>
@@ -9351,7 +10611,7 @@
         </p:nvSpPr>
         <p:spPr>
           <a:xfrm>
-            <a:off x="8339200" y="5020953"/>
+            <a:off x="8267482" y="4952747"/>
             <a:ext cx="1741117" cy="1027134"/>
           </a:xfrm>
           <a:prstGeom prst="roundRect">
@@ -9380,12 +10640,12 @@
           <a:p>
             <a:pPr algn="ctr"/>
             <a:r>
-              <a:rPr lang="fr-FR" dirty="0"/>
-              <a:t>Score </a:t>
-            </a:r>
-            <a:r>
               <a:rPr lang="fr-FR" dirty="0" err="1"/>
               <a:t>PhyloP</a:t>
+            </a:r>
+            <a:r>
+              <a:rPr lang="fr-FR" dirty="0"/>
+              <a:t> score</a:t>
             </a:r>
             <a:endParaRPr lang="fr-FR" baseline="-25000" dirty="0"/>
           </a:p>
@@ -9401,6 +10661,7 @@
             </a:extLst>
           </p:cNvPr>
           <p:cNvCxnSpPr>
+            <a:cxnSpLocks/>
             <a:stCxn id="4" idx="3"/>
             <a:endCxn id="6" idx="1"/>
           </p:cNvCxnSpPr>
@@ -9408,7 +10669,7 @@
         </p:nvCxnSpPr>
         <p:spPr>
           <a:xfrm>
-            <a:off x="2579317" y="4106551"/>
+            <a:off x="2507599" y="4038345"/>
             <a:ext cx="390395" cy="0"/>
           </a:xfrm>
           <a:prstGeom prst="straightConnector1">
@@ -9447,7 +10708,7 @@
         </p:nvCxnSpPr>
         <p:spPr>
           <a:xfrm>
-            <a:off x="4859055" y="4106551"/>
+            <a:off x="4787337" y="4038345"/>
             <a:ext cx="390395" cy="0"/>
           </a:xfrm>
           <a:prstGeom prst="straightConnector1">
@@ -9486,7 +10747,7 @@
         </p:nvCxnSpPr>
         <p:spPr>
           <a:xfrm>
-            <a:off x="6990566" y="4106551"/>
+            <a:off x="6918848" y="4038345"/>
             <a:ext cx="390395" cy="0"/>
           </a:xfrm>
           <a:prstGeom prst="straightConnector1">
@@ -9528,7 +10789,7 @@
         </p:nvCxnSpPr>
         <p:spPr>
           <a:xfrm flipH="1">
-            <a:off x="7864811" y="4620118"/>
+            <a:off x="7793093" y="4551912"/>
             <a:ext cx="386708" cy="375783"/>
           </a:xfrm>
           <a:prstGeom prst="straightConnector1">
@@ -9569,7 +10830,7 @@
         </p:nvCxnSpPr>
         <p:spPr>
           <a:xfrm>
-            <a:off x="8251518" y="4613853"/>
+            <a:off x="8179800" y="4545647"/>
             <a:ext cx="390395" cy="398746"/>
           </a:xfrm>
           <a:prstGeom prst="straightConnector1">
@@ -9608,7 +10869,7 @@
         </p:nvCxnSpPr>
         <p:spPr>
           <a:xfrm>
-            <a:off x="9122077" y="4144252"/>
+            <a:off x="9050359" y="4076046"/>
             <a:ext cx="390395" cy="0"/>
           </a:xfrm>
           <a:prstGeom prst="straightConnector1">
@@ -9647,7 +10908,7 @@
         </p:nvSpPr>
         <p:spPr>
           <a:xfrm>
-            <a:off x="9512472" y="3628106"/>
+            <a:off x="9440754" y="3559900"/>
             <a:ext cx="1741117" cy="1027134"/>
           </a:xfrm>
           <a:prstGeom prst="roundRect">
@@ -9679,8 +10940,12 @@
           <a:p>
             <a:pPr algn="ctr"/>
             <a:r>
-              <a:rPr lang="fr-FR" dirty="0"/>
-              <a:t>Validation expérimentale</a:t>
+              <a:rPr lang="fr-FR" dirty="0" err="1"/>
+              <a:t>Experimental</a:t>
+            </a:r>
+            <a:r>
+              <a:rPr lang="fr-FR" dirty="0"/>
+              <a:t> validation</a:t>
             </a:r>
           </a:p>
         </p:txBody>
@@ -9699,7 +10964,7 @@
         </p:nvSpPr>
         <p:spPr>
           <a:xfrm>
-            <a:off x="6317048" y="1998950"/>
+            <a:off x="6245330" y="1930744"/>
             <a:ext cx="1741117" cy="1218251"/>
           </a:xfrm>
           <a:prstGeom prst="roundRect">
@@ -9729,15 +10994,19 @@
             <a:pPr algn="ctr"/>
             <a:r>
               <a:rPr lang="fr-FR" dirty="0"/>
-              <a:t>Evaluation des méthodes de ciblage des </a:t>
-            </a:r>
-            <a:r>
-              <a:rPr lang="fr-FR" dirty="0" err="1"/>
-              <a:t>variants</a:t>
+              <a:t>Mutation screening </a:t>
+            </a:r>
+            <a:r>
+              <a:rPr lang="fr-FR" dirty="0" err="1"/>
+              <a:t>method</a:t>
             </a:r>
             <a:r>
               <a:rPr lang="fr-FR" dirty="0"/>
               <a:t> </a:t>
+            </a:r>
+            <a:r>
+              <a:rPr lang="fr-FR" dirty="0" err="1"/>
+              <a:t>evaluation</a:t>
             </a:r>
             <a:endParaRPr lang="fr-FR" baseline="-25000" dirty="0"/>
           </a:p>
@@ -9760,7 +11029,7 @@
         </p:nvCxnSpPr>
         <p:spPr>
           <a:xfrm>
-            <a:off x="7187607" y="3217201"/>
+            <a:off x="7115889" y="3148995"/>
             <a:ext cx="0" cy="889349"/>
           </a:xfrm>
           <a:prstGeom prst="straightConnector1">
@@ -9930,8 +11199,8 @@
         </p:nvSpPr>
         <p:spPr>
           <a:xfrm>
-            <a:off x="838200" y="1558659"/>
-            <a:ext cx="10515600" cy="4967647"/>
+            <a:off x="688041" y="1493464"/>
+            <a:ext cx="10815918" cy="4967647"/>
           </a:xfrm>
         </p:spPr>
         <p:txBody>
@@ -9940,7 +11209,7 @@
           </a:bodyPr>
           <a:lstStyle/>
           <a:p>
-            <a:pPr marL="0" indent="0">
+            <a:pPr marL="0" indent="0" algn="ctr">
               <a:buNone/>
             </a:pPr>
             <a:r>
@@ -9949,31 +11218,23 @@
             </a:r>
             <a:r>
               <a:rPr lang="fr-FR" dirty="0"/>
+              <a:t>:  Phyton3 </a:t>
+            </a:r>
+            <a:r>
+              <a:rPr lang="fr-FR" dirty="0" err="1"/>
+              <a:t>using</a:t>
+            </a:r>
+            <a:r>
+              <a:rPr lang="fr-FR" dirty="0"/>
               <a:t> </a:t>
             </a:r>
             <a:r>
               <a:rPr lang="fr-FR" dirty="0" err="1"/>
-              <a:t>Phyton</a:t>
-            </a:r>
-            <a:r>
-              <a:rPr lang="fr-FR" dirty="0"/>
-              <a:t> 3 </a:t>
-            </a:r>
-            <a:r>
-              <a:rPr lang="fr-FR" dirty="0" err="1"/>
-              <a:t>using</a:t>
-            </a:r>
-            <a:r>
-              <a:rPr lang="fr-FR" dirty="0"/>
-              <a:t> </a:t>
-            </a:r>
-            <a:r>
-              <a:rPr lang="fr-FR" dirty="0" err="1"/>
               <a:t>BioPhyton</a:t>
             </a:r>
             <a:r>
               <a:rPr lang="fr-FR" dirty="0"/>
-              <a:t> and Pandas module</a:t>
+              <a:t> and Pandas modules</a:t>
             </a:r>
           </a:p>
           <a:p>
@@ -9984,7 +11245,7 @@
           </a:p>
           <a:p>
             <a:r>
-              <a:rPr lang="fr-FR" dirty="0" err="1">
+              <a:rPr lang="fr-FR" sz="2400" dirty="0" err="1">
                 <a:solidFill>
                   <a:srgbClr val="7030A0"/>
                 </a:solidFill>
@@ -9992,90 +11253,95 @@
               <a:t>mRNA_to_ORF.py</a:t>
             </a:r>
             <a:r>
-              <a:rPr lang="fr-FR" dirty="0">
+              <a:rPr lang="fr-FR" sz="2400" dirty="0">
                 <a:solidFill>
                   <a:srgbClr val="7030A0"/>
                 </a:solidFill>
               </a:rPr>
               <a:t> </a:t>
             </a:r>
-            <a:r>
-              <a:rPr lang="fr-FR" dirty="0">
+          </a:p>
+          <a:p>
+            <a:pPr marL="0" indent="0">
+              <a:buNone/>
+            </a:pPr>
+            <a:r>
+              <a:rPr lang="fr-FR" sz="2400" dirty="0">
                 <a:sym typeface="Wingdings" pitchFamily="2" charset="2"/>
               </a:rPr>
               <a:t> </a:t>
             </a:r>
             <a:r>
-              <a:rPr lang="fr-FR" dirty="0" err="1">
+              <a:rPr lang="fr-FR" sz="2400" dirty="0" err="1">
                 <a:sym typeface="Wingdings" pitchFamily="2" charset="2"/>
               </a:rPr>
               <a:t>generate</a:t>
             </a:r>
             <a:r>
-              <a:rPr lang="fr-FR" dirty="0">
+              <a:rPr lang="fr-FR" sz="2400" dirty="0">
                 <a:sym typeface="Wingdings" pitchFamily="2" charset="2"/>
               </a:rPr>
               <a:t> ORF </a:t>
             </a:r>
             <a:r>
-              <a:rPr lang="fr-FR" dirty="0" err="1">
+              <a:rPr lang="fr-FR" sz="2400" dirty="0" err="1">
                 <a:sym typeface="Wingdings" pitchFamily="2" charset="2"/>
               </a:rPr>
               <a:t>from</a:t>
             </a:r>
             <a:r>
-              <a:rPr lang="fr-FR" dirty="0">
+              <a:rPr lang="fr-FR" sz="2400" dirty="0">
                 <a:sym typeface="Wingdings" pitchFamily="2" charset="2"/>
               </a:rPr>
               <a:t> </a:t>
             </a:r>
             <a:r>
-              <a:rPr lang="fr-FR" dirty="0" err="1">
+              <a:rPr lang="fr-FR" sz="2400" dirty="0" err="1">
                 <a:sym typeface="Wingdings" pitchFamily="2" charset="2"/>
               </a:rPr>
               <a:t>mRNA</a:t>
             </a:r>
             <a:r>
-              <a:rPr lang="fr-FR" dirty="0">
+              <a:rPr lang="fr-FR" sz="2400" dirty="0">
                 <a:sym typeface="Wingdings" pitchFamily="2" charset="2"/>
               </a:rPr>
               <a:t> </a:t>
             </a:r>
             <a:r>
-              <a:rPr lang="fr-FR" dirty="0" err="1">
+              <a:rPr lang="fr-FR" sz="2400" dirty="0" err="1">
                 <a:sym typeface="Wingdings" pitchFamily="2" charset="2"/>
               </a:rPr>
               <a:t>sequences</a:t>
             </a:r>
             <a:r>
-              <a:rPr lang="fr-FR" dirty="0">
+              <a:rPr lang="fr-FR" sz="2400" dirty="0">
                 <a:sym typeface="Wingdings" pitchFamily="2" charset="2"/>
               </a:rPr>
               <a:t> </a:t>
             </a:r>
             <a:r>
-              <a:rPr lang="fr-FR" dirty="0" err="1">
+              <a:rPr lang="fr-FR" sz="2400" dirty="0" err="1">
                 <a:sym typeface="Wingdings" pitchFamily="2" charset="2"/>
               </a:rPr>
               <a:t>generated</a:t>
             </a:r>
             <a:r>
-              <a:rPr lang="fr-FR" dirty="0">
+              <a:rPr lang="fr-FR" sz="2400" dirty="0">
                 <a:sym typeface="Wingdings" pitchFamily="2" charset="2"/>
               </a:rPr>
               <a:t> by ANNOVAR.</a:t>
             </a:r>
-            <a:endParaRPr lang="fr-FR" dirty="0"/>
+            <a:endParaRPr lang="fr-FR" sz="2400" dirty="0"/>
           </a:p>
           <a:p>
             <a:pPr marL="0" indent="0">
               <a:buNone/>
             </a:pPr>
-            <a:endParaRPr lang="fr-FR" dirty="0"/>
-          </a:p>
-          <a:p>
-            <a:r>
-              <a:rPr lang="fr-FR" dirty="0" err="1">
+            <a:endParaRPr lang="fr-FR" sz="2400" dirty="0"/>
+          </a:p>
+          <a:p>
+            <a:r>
+              <a:rPr lang="fr-FR" sz="2400" dirty="0" err="1">
                 <a:solidFill>
                   <a:srgbClr val="7030A0"/>
                 </a:solidFill>
@@ -10083,87 +11349,89 @@
               <a:t>find_fsATI.py</a:t>
             </a:r>
             <a:r>
-              <a:rPr lang="fr-FR" dirty="0">
+              <a:rPr lang="fr-FR" sz="2400" dirty="0">
                 <a:solidFill>
                   <a:srgbClr val="7030A0"/>
                 </a:solidFill>
               </a:rPr>
               <a:t> </a:t>
             </a:r>
-            <a:r>
-              <a:rPr lang="fr-FR" dirty="0">
+          </a:p>
+          <a:p>
+            <a:r>
+              <a:rPr lang="fr-FR" sz="2400" dirty="0">
                 <a:sym typeface="Wingdings" pitchFamily="2" charset="2"/>
               </a:rPr>
               <a:t> </a:t>
             </a:r>
             <a:r>
-              <a:rPr lang="fr-FR" dirty="0" err="1">
+              <a:rPr lang="fr-FR" sz="2400" dirty="0" err="1">
                 <a:sym typeface="Wingdings" pitchFamily="2" charset="2"/>
               </a:rPr>
               <a:t>find</a:t>
             </a:r>
             <a:r>
-              <a:rPr lang="fr-FR" dirty="0">
+              <a:rPr lang="fr-FR" sz="2400" dirty="0">
                 <a:sym typeface="Wingdings" pitchFamily="2" charset="2"/>
               </a:rPr>
               <a:t> </a:t>
             </a:r>
             <a:r>
-              <a:rPr lang="fr-FR" dirty="0" err="1">
+              <a:rPr lang="fr-FR" sz="2400" dirty="0" err="1">
                 <a:sym typeface="Wingdings" pitchFamily="2" charset="2"/>
               </a:rPr>
               <a:t>wich</a:t>
             </a:r>
             <a:r>
-              <a:rPr lang="fr-FR" dirty="0">
+              <a:rPr lang="fr-FR" sz="2400" dirty="0">
                 <a:sym typeface="Wingdings" pitchFamily="2" charset="2"/>
               </a:rPr>
               <a:t> </a:t>
             </a:r>
             <a:r>
-              <a:rPr lang="fr-FR" dirty="0" err="1">
+              <a:rPr lang="fr-FR" sz="2400" dirty="0" err="1">
                 <a:sym typeface="Wingdings" pitchFamily="2" charset="2"/>
               </a:rPr>
               <a:t>sequence</a:t>
             </a:r>
             <a:r>
-              <a:rPr lang="fr-FR" dirty="0">
+              <a:rPr lang="fr-FR" sz="2400" dirty="0">
                 <a:sym typeface="Wingdings" pitchFamily="2" charset="2"/>
               </a:rPr>
               <a:t> </a:t>
             </a:r>
             <a:r>
-              <a:rPr lang="fr-FR" dirty="0" err="1">
+              <a:rPr lang="fr-FR" sz="2400" dirty="0" err="1">
                 <a:sym typeface="Wingdings" pitchFamily="2" charset="2"/>
               </a:rPr>
               <a:t>could</a:t>
             </a:r>
             <a:r>
-              <a:rPr lang="fr-FR" dirty="0">
+              <a:rPr lang="fr-FR" sz="2400" dirty="0">
                 <a:sym typeface="Wingdings" pitchFamily="2" charset="2"/>
               </a:rPr>
               <a:t> </a:t>
             </a:r>
             <a:r>
-              <a:rPr lang="fr-FR" dirty="0" err="1">
+              <a:rPr lang="fr-FR" sz="2400" dirty="0" err="1">
                 <a:sym typeface="Wingdings" pitchFamily="2" charset="2"/>
               </a:rPr>
               <a:t>be</a:t>
             </a:r>
             <a:r>
-              <a:rPr lang="fr-FR" dirty="0">
+              <a:rPr lang="fr-FR" sz="2400" dirty="0">
                 <a:sym typeface="Wingdings" pitchFamily="2" charset="2"/>
               </a:rPr>
-              <a:t>  </a:t>
-            </a:r>
-            <a:r>
-              <a:rPr lang="fr-FR" dirty="0" err="1">
+              <a:t> a </a:t>
+            </a:r>
+            <a:r>
+              <a:rPr lang="fr-FR" sz="2400" dirty="0" err="1">
                 <a:sym typeface="Wingdings" pitchFamily="2" charset="2"/>
               </a:rPr>
               <a:t>fsATI</a:t>
             </a:r>
             <a:r>
-              <a:rPr lang="fr-FR" dirty="0">
+              <a:rPr lang="fr-FR" sz="2400" dirty="0">
                 <a:sym typeface="Wingdings" pitchFamily="2" charset="2"/>
               </a:rPr>
               <a:t> </a:t>
@@ -10174,24 +11442,24 @@
               <a:buAutoNum type="arabicPeriod"/>
             </a:pPr>
             <a:r>
-              <a:rPr lang="fr-FR" dirty="0" err="1">
+              <a:rPr lang="fr-FR" sz="2400" dirty="0" err="1">
                 <a:sym typeface="Wingdings" pitchFamily="2" charset="2"/>
               </a:rPr>
               <a:t>Molecular</a:t>
             </a:r>
             <a:r>
-              <a:rPr lang="fr-FR" dirty="0">
+              <a:rPr lang="fr-FR" sz="2400" dirty="0">
                 <a:sym typeface="Wingdings" pitchFamily="2" charset="2"/>
               </a:rPr>
               <a:t> </a:t>
             </a:r>
             <a:r>
-              <a:rPr lang="fr-FR" dirty="0" err="1">
+              <a:rPr lang="fr-FR" sz="2400" dirty="0" err="1">
                 <a:sym typeface="Wingdings" pitchFamily="2" charset="2"/>
               </a:rPr>
               <a:t>definition</a:t>
             </a:r>
-            <a:endParaRPr lang="fr-FR" dirty="0">
+            <a:endParaRPr lang="fr-FR" sz="2400" dirty="0">
               <a:sym typeface="Wingdings" pitchFamily="2" charset="2"/>
             </a:endParaRPr>
           </a:p>
@@ -10200,62 +11468,62 @@
               <a:buAutoNum type="arabicPeriod"/>
             </a:pPr>
             <a:r>
-              <a:rPr lang="fr-FR" dirty="0" err="1">
+              <a:rPr lang="fr-FR" sz="2400" dirty="0" err="1">
                 <a:sym typeface="Wingdings" pitchFamily="2" charset="2"/>
               </a:rPr>
               <a:t>Calculation</a:t>
             </a:r>
             <a:r>
-              <a:rPr lang="fr-FR" dirty="0">
+              <a:rPr lang="fr-FR" sz="2400" dirty="0">
                 <a:sym typeface="Wingdings" pitchFamily="2" charset="2"/>
               </a:rPr>
               <a:t> of  </a:t>
             </a:r>
             <a:r>
-              <a:rPr lang="fr-FR" dirty="0" err="1">
+              <a:rPr lang="fr-FR" sz="2400" dirty="0" err="1">
                 <a:sym typeface="Wingdings" pitchFamily="2" charset="2"/>
               </a:rPr>
               <a:t>Kosak</a:t>
             </a:r>
             <a:r>
-              <a:rPr lang="fr-FR" dirty="0">
+              <a:rPr lang="fr-FR" sz="2400" dirty="0">
                 <a:sym typeface="Wingdings" pitchFamily="2" charset="2"/>
               </a:rPr>
               <a:t> </a:t>
             </a:r>
             <a:r>
-              <a:rPr lang="fr-FR" dirty="0" err="1">
+              <a:rPr lang="fr-FR" sz="2400" dirty="0" err="1">
                 <a:sym typeface="Wingdings" pitchFamily="2" charset="2"/>
               </a:rPr>
               <a:t>Strenght</a:t>
             </a:r>
             <a:r>
-              <a:rPr lang="fr-FR" dirty="0">
+              <a:rPr lang="fr-FR" sz="2400" dirty="0">
                 <a:sym typeface="Wingdings" pitchFamily="2" charset="2"/>
               </a:rPr>
               <a:t> and </a:t>
             </a:r>
             <a:r>
-              <a:rPr lang="fr-FR" dirty="0" err="1">
+              <a:rPr lang="fr-FR" sz="2400" dirty="0" err="1">
                 <a:sym typeface="Wingdings" pitchFamily="2" charset="2"/>
               </a:rPr>
               <a:t>PhyloP</a:t>
             </a:r>
             <a:r>
-              <a:rPr lang="fr-FR" dirty="0">
+              <a:rPr lang="fr-FR" sz="2400" dirty="0">
                 <a:sym typeface="Wingdings" pitchFamily="2" charset="2"/>
               </a:rPr>
               <a:t> score</a:t>
             </a:r>
           </a:p>
           <a:p>
-            <a:endParaRPr lang="fr-FR" dirty="0">
+            <a:endParaRPr lang="fr-FR" sz="2400" dirty="0">
               <a:sym typeface="Wingdings" pitchFamily="2" charset="2"/>
             </a:endParaRPr>
           </a:p>
           <a:p>
             <a:r>
-              <a:rPr lang="fr-FR" dirty="0" err="1">
+              <a:rPr lang="fr-FR" sz="2400" dirty="0" err="1">
                 <a:solidFill>
                   <a:srgbClr val="7030A0"/>
                 </a:solidFill>
@@ -10264,7 +11532,7 @@
               <a:t>validate_fsATI.py</a:t>
             </a:r>
             <a:r>
-              <a:rPr lang="fr-FR" dirty="0">
+              <a:rPr lang="fr-FR" sz="2400" dirty="0">
                 <a:solidFill>
                   <a:srgbClr val="7030A0"/>
                 </a:solidFill>
@@ -10272,85 +11540,87 @@
               </a:rPr>
               <a:t> </a:t>
             </a:r>
-            <a:r>
-              <a:rPr lang="fr-FR" dirty="0">
+          </a:p>
+          <a:p>
+            <a:r>
+              <a:rPr lang="fr-FR" sz="2400" dirty="0">
                 <a:sym typeface="Wingdings" pitchFamily="2" charset="2"/>
               </a:rPr>
               <a:t> Select </a:t>
             </a:r>
             <a:r>
-              <a:rPr lang="fr-FR" dirty="0" err="1">
+              <a:rPr lang="fr-FR" sz="2400" dirty="0" err="1">
                 <a:sym typeface="Wingdings" pitchFamily="2" charset="2"/>
               </a:rPr>
               <a:t>only</a:t>
             </a:r>
             <a:r>
-              <a:rPr lang="fr-FR" dirty="0">
+              <a:rPr lang="fr-FR" sz="2400" dirty="0">
                 <a:sym typeface="Wingdings" pitchFamily="2" charset="2"/>
               </a:rPr>
               <a:t> </a:t>
             </a:r>
             <a:r>
-              <a:rPr lang="fr-FR" dirty="0" err="1">
+              <a:rPr lang="fr-FR" sz="2400" dirty="0" err="1">
                 <a:sym typeface="Wingdings" pitchFamily="2" charset="2"/>
               </a:rPr>
               <a:t>sequences</a:t>
             </a:r>
             <a:r>
-              <a:rPr lang="fr-FR" dirty="0">
+              <a:rPr lang="fr-FR" sz="2400" dirty="0">
                 <a:sym typeface="Wingdings" pitchFamily="2" charset="2"/>
               </a:rPr>
               <a:t> </a:t>
             </a:r>
             <a:r>
-              <a:rPr lang="fr-FR" dirty="0" err="1">
+              <a:rPr lang="fr-FR" sz="2400" dirty="0" err="1">
                 <a:sym typeface="Wingdings" pitchFamily="2" charset="2"/>
               </a:rPr>
               <a:t>with</a:t>
             </a:r>
             <a:r>
-              <a:rPr lang="fr-FR" dirty="0">
+              <a:rPr lang="fr-FR" sz="2400" dirty="0">
                 <a:sym typeface="Wingdings" pitchFamily="2" charset="2"/>
               </a:rPr>
               <a:t> a </a:t>
             </a:r>
             <a:r>
-              <a:rPr lang="fr-FR" dirty="0" err="1">
+              <a:rPr lang="fr-FR" sz="2400" dirty="0" err="1">
                 <a:sym typeface="Wingdings" pitchFamily="2" charset="2"/>
               </a:rPr>
               <a:t>Kosak</a:t>
             </a:r>
             <a:r>
-              <a:rPr lang="fr-FR" dirty="0">
+              <a:rPr lang="fr-FR" sz="2400" dirty="0">
                 <a:sym typeface="Wingdings" pitchFamily="2" charset="2"/>
               </a:rPr>
               <a:t> </a:t>
             </a:r>
             <a:r>
-              <a:rPr lang="fr-FR" dirty="0" err="1">
+              <a:rPr lang="fr-FR" sz="2400" dirty="0" err="1">
                 <a:sym typeface="Wingdings" pitchFamily="2" charset="2"/>
               </a:rPr>
               <a:t>strenght</a:t>
             </a:r>
             <a:r>
-              <a:rPr lang="fr-FR" dirty="0">
+              <a:rPr lang="fr-FR" sz="2400" dirty="0">
                 <a:sym typeface="Wingdings" pitchFamily="2" charset="2"/>
               </a:rPr>
-              <a:t> à 3 et un score de </a:t>
-            </a:r>
-            <a:r>
-              <a:rPr lang="fr-FR" dirty="0" err="1">
+              <a:t> = 3 and a </a:t>
+            </a:r>
+            <a:r>
+              <a:rPr lang="fr-FR" sz="2400" dirty="0" err="1">
                 <a:sym typeface="Wingdings" pitchFamily="2" charset="2"/>
               </a:rPr>
               <a:t>PhyloP</a:t>
             </a:r>
             <a:r>
-              <a:rPr lang="fr-FR" dirty="0">
+              <a:rPr lang="fr-FR" sz="2400" dirty="0">
                 <a:sym typeface="Wingdings" pitchFamily="2" charset="2"/>
               </a:rPr>
-              <a:t> &gt;=2</a:t>
-            </a:r>
-            <a:endParaRPr lang="fr-FR" dirty="0"/>
+              <a:t> score &gt;=2</a:t>
+            </a:r>
+            <a:endParaRPr lang="fr-FR" sz="2400" dirty="0"/>
           </a:p>
           <a:p>
             <a:pPr marL="514350" indent="-514350">
@@ -10408,7 +11678,7 @@
         </p:nvSpPr>
         <p:spPr>
           <a:xfrm>
-            <a:off x="838200" y="1674159"/>
+            <a:off x="838200" y="1978959"/>
             <a:ext cx="10515600" cy="4351338"/>
           </a:xfrm>
         </p:spPr>
@@ -10417,20 +11687,165 @@
           <a:lstStyle/>
           <a:p>
             <a:r>
-              <a:rPr lang="fr-FR" dirty="0" err="1"/>
-              <a:t>Based</a:t>
-            </a:r>
-            <a:r>
-              <a:rPr lang="fr-FR" dirty="0"/>
-              <a:t> on </a:t>
-            </a:r>
-            <a:r>
-              <a:rPr lang="fr-FR" dirty="0" err="1"/>
-              <a:t>Whi</a:t>
+              <a:rPr lang="fr-FR" dirty="0"/>
+              <a:t>a </a:t>
+            </a:r>
+            <a:r>
+              <a:rPr lang="fr-FR" dirty="0" err="1"/>
+              <a:t>nucleic</a:t>
             </a:r>
             <a:r>
               <a:rPr lang="fr-FR" dirty="0"/>
               <a:t> </a:t>
+            </a:r>
+            <a:r>
+              <a:rPr lang="fr-FR" dirty="0" err="1"/>
+              <a:t>acid</a:t>
+            </a:r>
+            <a:r>
+              <a:rPr lang="fr-FR" dirty="0"/>
+              <a:t> motif </a:t>
+            </a:r>
+            <a:r>
+              <a:rPr lang="fr-FR" dirty="0" err="1"/>
+              <a:t>that</a:t>
+            </a:r>
+            <a:r>
+              <a:rPr lang="fr-FR" dirty="0"/>
+              <a:t> </a:t>
+            </a:r>
+            <a:r>
+              <a:rPr lang="fr-FR" dirty="0" err="1"/>
+              <a:t>functions</a:t>
+            </a:r>
+            <a:r>
+              <a:rPr lang="fr-FR" dirty="0"/>
+              <a:t> as the </a:t>
+            </a:r>
+            <a:r>
+              <a:rPr lang="fr-FR" dirty="0" err="1"/>
+              <a:t>protein</a:t>
+            </a:r>
+            <a:r>
+              <a:rPr lang="fr-FR" dirty="0"/>
+              <a:t> translation initiation site in </a:t>
+            </a:r>
+            <a:r>
+              <a:rPr lang="fr-FR" dirty="0" err="1"/>
+              <a:t>most</a:t>
+            </a:r>
+            <a:r>
+              <a:rPr lang="fr-FR" dirty="0"/>
+              <a:t> </a:t>
+            </a:r>
+            <a:r>
+              <a:rPr lang="fr-FR" dirty="0" err="1"/>
+              <a:t>eukaryotic</a:t>
+            </a:r>
+            <a:r>
+              <a:rPr lang="fr-FR" dirty="0"/>
+              <a:t> </a:t>
+            </a:r>
+            <a:r>
+              <a:rPr lang="fr-FR" dirty="0" err="1"/>
+              <a:t>mRNA</a:t>
+            </a:r>
+            <a:r>
+              <a:rPr lang="fr-FR" dirty="0"/>
+              <a:t> </a:t>
+            </a:r>
+            <a:r>
+              <a:rPr lang="fr-FR" dirty="0" err="1"/>
+              <a:t>transcripts</a:t>
+            </a:r>
+            <a:endParaRPr lang="fr-FR" dirty="0"/>
+          </a:p>
+          <a:p>
+            <a:pPr marL="0" indent="0">
+              <a:buNone/>
+            </a:pPr>
+            <a:endParaRPr lang="fr-FR" sz="800" dirty="0"/>
+          </a:p>
+          <a:p>
+            <a:r>
+              <a:rPr lang="fr-FR" dirty="0" err="1"/>
+              <a:t>ensures</a:t>
+            </a:r>
+            <a:r>
+              <a:rPr lang="fr-FR" dirty="0"/>
+              <a:t> </a:t>
+            </a:r>
+            <a:r>
+              <a:rPr lang="fr-FR" dirty="0" err="1"/>
+              <a:t>that</a:t>
+            </a:r>
+            <a:r>
+              <a:rPr lang="fr-FR" dirty="0"/>
+              <a:t> a </a:t>
+            </a:r>
+            <a:r>
+              <a:rPr lang="fr-FR" dirty="0" err="1"/>
+              <a:t>protein</a:t>
+            </a:r>
+            <a:r>
+              <a:rPr lang="fr-FR" dirty="0"/>
+              <a:t> </a:t>
+            </a:r>
+            <a:r>
+              <a:rPr lang="fr-FR" dirty="0" err="1"/>
+              <a:t>is</a:t>
+            </a:r>
+            <a:r>
+              <a:rPr lang="fr-FR" dirty="0"/>
+              <a:t> </a:t>
+            </a:r>
+            <a:r>
+              <a:rPr lang="fr-FR" dirty="0" err="1"/>
+              <a:t>correctly</a:t>
+            </a:r>
+            <a:r>
+              <a:rPr lang="fr-FR" dirty="0"/>
+              <a:t> </a:t>
+            </a:r>
+            <a:r>
+              <a:rPr lang="fr-FR" dirty="0" err="1"/>
+              <a:t>translated</a:t>
+            </a:r>
+            <a:r>
+              <a:rPr lang="fr-FR" dirty="0"/>
+              <a:t> </a:t>
+            </a:r>
+            <a:r>
+              <a:rPr lang="fr-FR" dirty="0" err="1"/>
+              <a:t>from</a:t>
+            </a:r>
+            <a:r>
+              <a:rPr lang="fr-FR" dirty="0"/>
+              <a:t> the </a:t>
+            </a:r>
+            <a:r>
+              <a:rPr lang="fr-FR" dirty="0" err="1"/>
+              <a:t>genetic</a:t>
+            </a:r>
+            <a:r>
+              <a:rPr lang="fr-FR" dirty="0"/>
+              <a:t> message, </a:t>
+            </a:r>
+            <a:r>
+              <a:rPr lang="fr-FR" dirty="0" err="1"/>
+              <a:t>mediating</a:t>
+            </a:r>
+            <a:r>
+              <a:rPr lang="fr-FR" dirty="0"/>
+              <a:t> ribosome </a:t>
+            </a:r>
+            <a:r>
+              <a:rPr lang="fr-FR" dirty="0" err="1"/>
+              <a:t>assembly</a:t>
+            </a:r>
+            <a:r>
+              <a:rPr lang="fr-FR" dirty="0"/>
+              <a:t> and translation initiation</a:t>
             </a:r>
           </a:p>
         </p:txBody>
@@ -10451,7 +11866,12 @@
             <p:ph type="sldNum" sz="quarter" idx="12"/>
           </p:nvPr>
         </p:nvSpPr>
-        <p:spPr/>
+        <p:spPr>
+          <a:xfrm>
+            <a:off x="8610600" y="6661150"/>
+            <a:ext cx="2743200" cy="365125"/>
+          </a:xfrm>
+        </p:spPr>
         <p:txBody>
           <a:bodyPr/>
           <a:lstStyle/>
@@ -10460,7 +11880,7 @@
               <a:rPr lang="fr-FR" smtClean="0"/>
               <a:t>9</a:t>
             </a:fld>
-            <a:endParaRPr lang="fr-FR"/>
+            <a:endParaRPr lang="fr-FR" dirty="0"/>
           </a:p>
         </p:txBody>
       </p:sp>
@@ -10482,12 +11902,14 @@
         </p:nvSpPr>
         <p:spPr>
           <a:xfrm>
-            <a:off x="838200" y="136525"/>
+            <a:off x="838200" y="301436"/>
             <a:ext cx="10515600" cy="1325563"/>
           </a:xfrm>
         </p:spPr>
         <p:txBody>
-          <a:bodyPr/>
+          <a:bodyPr>
+            <a:normAutofit/>
+          </a:bodyPr>
           <a:lstStyle/>
           <a:p>
             <a:pPr algn="ctr"/>
@@ -10501,9 +11923,379 @@
             </a:r>
             <a:r>
               <a:rPr lang="fr-FR" dirty="0" err="1"/>
-              <a:t>Strenght</a:t>
-            </a:r>
+              <a:t>sequence</a:t>
+            </a:r>
+            <a:br>
+              <a:rPr lang="fr-FR" dirty="0"/>
+            </a:br>
+            <a:r>
+              <a:rPr lang="fr-FR" dirty="0"/>
+              <a:t>5'-gcc</a:t>
+            </a:r>
+            <a:r>
+              <a:rPr lang="fr-FR" b="1" dirty="0">
+                <a:solidFill>
+                  <a:srgbClr val="7030A0"/>
+                </a:solidFill>
+              </a:rPr>
+              <a:t>R</a:t>
+            </a:r>
+            <a:r>
+              <a:rPr lang="fr-FR" dirty="0"/>
+              <a:t>cc</a:t>
+            </a:r>
+            <a:r>
+              <a:rPr lang="fr-FR" u="sng" dirty="0"/>
+              <a:t>ATG</a:t>
+            </a:r>
+            <a:r>
+              <a:rPr lang="fr-FR" b="1" dirty="0">
+                <a:solidFill>
+                  <a:srgbClr val="FF8AD8"/>
+                </a:solidFill>
+              </a:rPr>
+              <a:t>G</a:t>
+            </a:r>
+            <a:r>
+              <a:rPr lang="fr-FR" dirty="0"/>
+              <a:t>-3</a:t>
+            </a:r>
+          </a:p>
+        </p:txBody>
+      </p:sp>
+      <p:pic>
+        <p:nvPicPr>
+          <p:cNvPr id="7" name="Image 6">
+            <a:extLst>
+              <a:ext uri="{FF2B5EF4-FFF2-40B4-BE49-F238E27FC236}">
+                <a16:creationId xmlns:a16="http://schemas.microsoft.com/office/drawing/2014/main" id="{69550274-B43F-2243-8903-D489DFB61590}"/>
+              </a:ext>
+            </a:extLst>
+          </p:cNvPr>
+          <p:cNvPicPr>
+            <a:picLocks noChangeAspect="1"/>
+          </p:cNvPicPr>
+          <p:nvPr/>
+        </p:nvPicPr>
+        <p:blipFill>
+          <a:blip r:embed="rId2"/>
+          <a:stretch>
+            <a:fillRect/>
+          </a:stretch>
+        </p:blipFill>
+        <p:spPr>
+          <a:xfrm>
+            <a:off x="568886" y="4425297"/>
+            <a:ext cx="6464300" cy="1905000"/>
+          </a:xfrm>
+          <a:prstGeom prst="rect">
+            <a:avLst/>
+          </a:prstGeom>
+        </p:spPr>
+      </p:pic>
+      <p:sp>
+        <p:nvSpPr>
+          <p:cNvPr id="8" name="ZoneTexte 7">
+            <a:extLst>
+              <a:ext uri="{FF2B5EF4-FFF2-40B4-BE49-F238E27FC236}">
+                <a16:creationId xmlns:a16="http://schemas.microsoft.com/office/drawing/2014/main" id="{9BFF0A8C-1EC1-9B42-A0EA-59F0A1499375}"/>
+              </a:ext>
+            </a:extLst>
+          </p:cNvPr>
+          <p:cNvSpPr txBox="1"/>
+          <p:nvPr/>
+        </p:nvSpPr>
+        <p:spPr>
+          <a:xfrm>
+            <a:off x="7302500" y="4794629"/>
+            <a:ext cx="4428565" cy="1754326"/>
+          </a:xfrm>
+          <a:prstGeom prst="rect">
+            <a:avLst/>
+          </a:prstGeom>
+          <a:noFill/>
+        </p:spPr>
+        <p:txBody>
+          <a:bodyPr wrap="square" rtlCol="0">
+            <a:spAutoFit/>
+          </a:bodyPr>
+          <a:lstStyle/>
+          <a:p>
+            <a:r>
+              <a:rPr lang="fr-FR" dirty="0" err="1"/>
+              <a:t>Sequence</a:t>
+            </a:r>
+            <a:r>
+              <a:rPr lang="fr-FR" dirty="0"/>
+              <a:t> logo </a:t>
+            </a:r>
+            <a:r>
+              <a:rPr lang="fr-FR" dirty="0" err="1"/>
+              <a:t>showing</a:t>
+            </a:r>
+            <a:r>
+              <a:rPr lang="fr-FR" dirty="0"/>
+              <a:t> the </a:t>
+            </a:r>
+            <a:r>
+              <a:rPr lang="fr-FR" dirty="0" err="1"/>
+              <a:t>most</a:t>
+            </a:r>
+            <a:r>
+              <a:rPr lang="fr-FR" dirty="0"/>
+              <a:t> </a:t>
+            </a:r>
+            <a:r>
+              <a:rPr lang="fr-FR" dirty="0" err="1"/>
+              <a:t>conserved</a:t>
+            </a:r>
+            <a:r>
+              <a:rPr lang="fr-FR" dirty="0"/>
+              <a:t> bases </a:t>
+            </a:r>
+            <a:r>
+              <a:rPr lang="fr-FR" dirty="0" err="1"/>
+              <a:t>around</a:t>
+            </a:r>
+            <a:r>
+              <a:rPr lang="fr-FR" dirty="0"/>
+              <a:t> the initiation codon </a:t>
+            </a:r>
+            <a:r>
+              <a:rPr lang="fr-FR" dirty="0" err="1"/>
+              <a:t>from</a:t>
+            </a:r>
+            <a:r>
+              <a:rPr lang="fr-FR" dirty="0"/>
+              <a:t> over 10 000 </a:t>
+            </a:r>
+            <a:r>
+              <a:rPr lang="fr-FR" dirty="0" err="1"/>
+              <a:t>human</a:t>
+            </a:r>
+            <a:r>
+              <a:rPr lang="fr-FR" dirty="0"/>
+              <a:t> </a:t>
+            </a:r>
+            <a:r>
+              <a:rPr lang="fr-FR" dirty="0" err="1"/>
+              <a:t>mRNAs</a:t>
+            </a:r>
+            <a:r>
+              <a:rPr lang="fr-FR" dirty="0"/>
+              <a:t>. </a:t>
+            </a:r>
+          </a:p>
+          <a:p>
             <a:endParaRPr lang="fr-FR" dirty="0"/>
+          </a:p>
+          <a:p>
+            <a:r>
+              <a:rPr lang="fr-FR" dirty="0"/>
+              <a:t>Source: </a:t>
+            </a:r>
+            <a:r>
+              <a:rPr lang="fr-FR" dirty="0" err="1"/>
+              <a:t>Wikipedia</a:t>
+            </a:r>
+            <a:endParaRPr lang="fr-FR" dirty="0"/>
+          </a:p>
+          <a:p>
+            <a:endParaRPr lang="fr-FR" dirty="0"/>
+          </a:p>
+        </p:txBody>
+      </p:sp>
+      <p:sp>
+        <p:nvSpPr>
+          <p:cNvPr id="9" name="Cadre 8">
+            <a:extLst>
+              <a:ext uri="{FF2B5EF4-FFF2-40B4-BE49-F238E27FC236}">
+                <a16:creationId xmlns:a16="http://schemas.microsoft.com/office/drawing/2014/main" id="{74347E56-F999-EF46-94BE-7B5FD0D8DD50}"/>
+              </a:ext>
+            </a:extLst>
+          </p:cNvPr>
+          <p:cNvSpPr/>
+          <p:nvPr/>
+        </p:nvSpPr>
+        <p:spPr>
+          <a:xfrm>
+            <a:off x="2779059" y="4751294"/>
+            <a:ext cx="358588" cy="1308847"/>
+          </a:xfrm>
+          <a:prstGeom prst="frame">
+            <a:avLst/>
+          </a:prstGeom>
+          <a:solidFill>
+            <a:srgbClr val="7030A0"/>
+          </a:solidFill>
+          <a:ln>
+            <a:solidFill>
+              <a:srgbClr val="7030A0"/>
+            </a:solidFill>
+          </a:ln>
+        </p:spPr>
+        <p:style>
+          <a:lnRef idx="2">
+            <a:schemeClr val="accent1">
+              <a:shade val="50000"/>
+            </a:schemeClr>
+          </a:lnRef>
+          <a:fillRef idx="1">
+            <a:schemeClr val="accent1"/>
+          </a:fillRef>
+          <a:effectRef idx="0">
+            <a:schemeClr val="accent1"/>
+          </a:effectRef>
+          <a:fontRef idx="minor">
+            <a:schemeClr val="lt1"/>
+          </a:fontRef>
+        </p:style>
+        <p:txBody>
+          <a:bodyPr rtlCol="0" anchor="ctr"/>
+          <a:lstStyle/>
+          <a:p>
+            <a:pPr algn="ctr"/>
+            <a:endParaRPr lang="fr-FR">
+              <a:solidFill>
+                <a:srgbClr val="7030A0"/>
+              </a:solidFill>
+            </a:endParaRPr>
+          </a:p>
+        </p:txBody>
+      </p:sp>
+      <p:sp>
+        <p:nvSpPr>
+          <p:cNvPr id="10" name="Cadre 9">
+            <a:extLst>
+              <a:ext uri="{FF2B5EF4-FFF2-40B4-BE49-F238E27FC236}">
+                <a16:creationId xmlns:a16="http://schemas.microsoft.com/office/drawing/2014/main" id="{665AEF98-7C8B-3246-B40B-841F5FCE8BC0}"/>
+              </a:ext>
+            </a:extLst>
+          </p:cNvPr>
+          <p:cNvSpPr/>
+          <p:nvPr/>
+        </p:nvSpPr>
+        <p:spPr>
+          <a:xfrm>
+            <a:off x="4240307" y="4726643"/>
+            <a:ext cx="358588" cy="1308847"/>
+          </a:xfrm>
+          <a:prstGeom prst="frame">
+            <a:avLst/>
+          </a:prstGeom>
+          <a:solidFill>
+            <a:srgbClr val="FF8AD8"/>
+          </a:solidFill>
+          <a:ln>
+            <a:solidFill>
+              <a:srgbClr val="FF8AD8"/>
+            </a:solidFill>
+          </a:ln>
+        </p:spPr>
+        <p:style>
+          <a:lnRef idx="2">
+            <a:schemeClr val="accent1">
+              <a:shade val="50000"/>
+            </a:schemeClr>
+          </a:lnRef>
+          <a:fillRef idx="1">
+            <a:schemeClr val="accent1"/>
+          </a:fillRef>
+          <a:effectRef idx="0">
+            <a:schemeClr val="accent1"/>
+          </a:effectRef>
+          <a:fontRef idx="minor">
+            <a:schemeClr val="lt1"/>
+          </a:fontRef>
+        </p:style>
+        <p:txBody>
+          <a:bodyPr rtlCol="0" anchor="ctr"/>
+          <a:lstStyle/>
+          <a:p>
+            <a:pPr algn="ctr"/>
+            <a:endParaRPr lang="fr-FR">
+              <a:solidFill>
+                <a:schemeClr val="tx1"/>
+              </a:solidFill>
+            </a:endParaRPr>
+          </a:p>
+        </p:txBody>
+      </p:sp>
+      <p:sp>
+        <p:nvSpPr>
+          <p:cNvPr id="11" name="ZoneTexte 10">
+            <a:extLst>
+              <a:ext uri="{FF2B5EF4-FFF2-40B4-BE49-F238E27FC236}">
+                <a16:creationId xmlns:a16="http://schemas.microsoft.com/office/drawing/2014/main" id="{65F21181-FF0E-444D-8D6A-9C7CBC9CA913}"/>
+              </a:ext>
+            </a:extLst>
+          </p:cNvPr>
+          <p:cNvSpPr txBox="1"/>
+          <p:nvPr/>
+        </p:nvSpPr>
+        <p:spPr>
+          <a:xfrm>
+            <a:off x="2765429" y="4411380"/>
+            <a:ext cx="372218" cy="369332"/>
+          </a:xfrm>
+          <a:prstGeom prst="rect">
+            <a:avLst/>
+          </a:prstGeom>
+          <a:noFill/>
+        </p:spPr>
+        <p:txBody>
+          <a:bodyPr wrap="none" rtlCol="0">
+            <a:spAutoFit/>
+          </a:bodyPr>
+          <a:lstStyle/>
+          <a:p>
+            <a:r>
+              <a:rPr lang="fr-FR" b="1" dirty="0">
+                <a:solidFill>
+                  <a:srgbClr val="7030A0"/>
+                </a:solidFill>
+              </a:rPr>
+              <a:t>-3</a:t>
+            </a:r>
+          </a:p>
+        </p:txBody>
+      </p:sp>
+      <p:sp>
+        <p:nvSpPr>
+          <p:cNvPr id="13" name="ZoneTexte 12">
+            <a:extLst>
+              <a:ext uri="{FF2B5EF4-FFF2-40B4-BE49-F238E27FC236}">
+                <a16:creationId xmlns:a16="http://schemas.microsoft.com/office/drawing/2014/main" id="{B3CF9FF7-84BD-8E4F-BA7A-B8B7FA6896F3}"/>
+              </a:ext>
+            </a:extLst>
+          </p:cNvPr>
+          <p:cNvSpPr txBox="1"/>
+          <p:nvPr/>
+        </p:nvSpPr>
+        <p:spPr>
+          <a:xfrm>
+            <a:off x="4262535" y="4425297"/>
+            <a:ext cx="417102" cy="369332"/>
+          </a:xfrm>
+          <a:prstGeom prst="rect">
+            <a:avLst/>
+          </a:prstGeom>
+          <a:noFill/>
+        </p:spPr>
+        <p:txBody>
+          <a:bodyPr wrap="none" rtlCol="0">
+            <a:spAutoFit/>
+          </a:bodyPr>
+          <a:lstStyle/>
+          <a:p>
+            <a:r>
+              <a:rPr lang="fr-FR" b="1" dirty="0">
+                <a:solidFill>
+                  <a:srgbClr val="FF8AD8"/>
+                </a:solidFill>
+              </a:rPr>
+              <a:t>+4</a:t>
+            </a:r>
           </a:p>
         </p:txBody>
       </p:sp>
